--- a/doc/schemes.pptx
+++ b/doc/schemes.pptx
@@ -7,10 +7,12 @@
   <p:sldIdLst>
     <p:sldId id="256" r:id="rId2"/>
     <p:sldId id="257" r:id="rId3"/>
-    <p:sldId id="258" r:id="rId4"/>
-    <p:sldId id="259" r:id="rId5"/>
-    <p:sldId id="260" r:id="rId6"/>
-    <p:sldId id="261" r:id="rId7"/>
+    <p:sldId id="262" r:id="rId4"/>
+    <p:sldId id="258" r:id="rId5"/>
+    <p:sldId id="259" r:id="rId6"/>
+    <p:sldId id="260" r:id="rId7"/>
+    <p:sldId id="261" r:id="rId8"/>
+    <p:sldId id="263" r:id="rId9"/>
   </p:sldIdLst>
   <p:sldSz cx="12192000" cy="6858000"/>
   <p:notesSz cx="6858000" cy="9144000"/>
@@ -109,6 +111,11 @@
       </a:defRPr>
     </a:lvl9pPr>
   </p:defaultTextStyle>
+  <p:extLst>
+    <p:ext uri="{EFAFB233-063F-42B5-8137-9DF3F51BA10A}">
+      <p15:sldGuideLst xmlns:p15="http://schemas.microsoft.com/office/powerpoint/2012/main"/>
+    </p:ext>
+  </p:extLst>
 </p:presentation>
 </file>
 
@@ -261,7 +268,7 @@
           <a:p>
             <a:fld id="{063F6DB6-D4C6-4E49-9768-C6B84C44B8E5}" type="datetimeFigureOut">
               <a:rPr lang="es-ES" smtClean="0"/>
-              <a:t>19/06/2023</a:t>
+              <a:t>21/06/2023</a:t>
             </a:fld>
             <a:endParaRPr lang="es-ES"/>
           </a:p>
@@ -461,7 +468,7 @@
           <a:p>
             <a:fld id="{063F6DB6-D4C6-4E49-9768-C6B84C44B8E5}" type="datetimeFigureOut">
               <a:rPr lang="es-ES" smtClean="0"/>
-              <a:t>19/06/2023</a:t>
+              <a:t>21/06/2023</a:t>
             </a:fld>
             <a:endParaRPr lang="es-ES"/>
           </a:p>
@@ -671,7 +678,7 @@
           <a:p>
             <a:fld id="{063F6DB6-D4C6-4E49-9768-C6B84C44B8E5}" type="datetimeFigureOut">
               <a:rPr lang="es-ES" smtClean="0"/>
-              <a:t>19/06/2023</a:t>
+              <a:t>21/06/2023</a:t>
             </a:fld>
             <a:endParaRPr lang="es-ES"/>
           </a:p>
@@ -871,7 +878,7 @@
           <a:p>
             <a:fld id="{063F6DB6-D4C6-4E49-9768-C6B84C44B8E5}" type="datetimeFigureOut">
               <a:rPr lang="es-ES" smtClean="0"/>
-              <a:t>19/06/2023</a:t>
+              <a:t>21/06/2023</a:t>
             </a:fld>
             <a:endParaRPr lang="es-ES"/>
           </a:p>
@@ -1147,7 +1154,7 @@
           <a:p>
             <a:fld id="{063F6DB6-D4C6-4E49-9768-C6B84C44B8E5}" type="datetimeFigureOut">
               <a:rPr lang="es-ES" smtClean="0"/>
-              <a:t>19/06/2023</a:t>
+              <a:t>21/06/2023</a:t>
             </a:fld>
             <a:endParaRPr lang="es-ES"/>
           </a:p>
@@ -1415,7 +1422,7 @@
           <a:p>
             <a:fld id="{063F6DB6-D4C6-4E49-9768-C6B84C44B8E5}" type="datetimeFigureOut">
               <a:rPr lang="es-ES" smtClean="0"/>
-              <a:t>19/06/2023</a:t>
+              <a:t>21/06/2023</a:t>
             </a:fld>
             <a:endParaRPr lang="es-ES"/>
           </a:p>
@@ -1830,7 +1837,7 @@
           <a:p>
             <a:fld id="{063F6DB6-D4C6-4E49-9768-C6B84C44B8E5}" type="datetimeFigureOut">
               <a:rPr lang="es-ES" smtClean="0"/>
-              <a:t>19/06/2023</a:t>
+              <a:t>21/06/2023</a:t>
             </a:fld>
             <a:endParaRPr lang="es-ES"/>
           </a:p>
@@ -1972,7 +1979,7 @@
           <a:p>
             <a:fld id="{063F6DB6-D4C6-4E49-9768-C6B84C44B8E5}" type="datetimeFigureOut">
               <a:rPr lang="es-ES" smtClean="0"/>
-              <a:t>19/06/2023</a:t>
+              <a:t>21/06/2023</a:t>
             </a:fld>
             <a:endParaRPr lang="es-ES"/>
           </a:p>
@@ -2085,7 +2092,7 @@
           <a:p>
             <a:fld id="{063F6DB6-D4C6-4E49-9768-C6B84C44B8E5}" type="datetimeFigureOut">
               <a:rPr lang="es-ES" smtClean="0"/>
-              <a:t>19/06/2023</a:t>
+              <a:t>21/06/2023</a:t>
             </a:fld>
             <a:endParaRPr lang="es-ES"/>
           </a:p>
@@ -2398,7 +2405,7 @@
           <a:p>
             <a:fld id="{063F6DB6-D4C6-4E49-9768-C6B84C44B8E5}" type="datetimeFigureOut">
               <a:rPr lang="es-ES" smtClean="0"/>
-              <a:t>19/06/2023</a:t>
+              <a:t>21/06/2023</a:t>
             </a:fld>
             <a:endParaRPr lang="es-ES"/>
           </a:p>
@@ -2687,7 +2694,7 @@
           <a:p>
             <a:fld id="{063F6DB6-D4C6-4E49-9768-C6B84C44B8E5}" type="datetimeFigureOut">
               <a:rPr lang="es-ES" smtClean="0"/>
-              <a:t>19/06/2023</a:t>
+              <a:t>21/06/2023</a:t>
             </a:fld>
             <a:endParaRPr lang="es-ES"/>
           </a:p>
@@ -2930,7 +2937,7 @@
           <a:p>
             <a:fld id="{063F6DB6-D4C6-4E49-9768-C6B84C44B8E5}" type="datetimeFigureOut">
               <a:rPr lang="es-ES" smtClean="0"/>
-              <a:t>19/06/2023</a:t>
+              <a:t>21/06/2023</a:t>
             </a:fld>
             <a:endParaRPr lang="es-ES"/>
           </a:p>
@@ -5051,1176 +5058,1869 @@
           <a:chExt cx="0" cy="0"/>
         </a:xfrm>
       </p:grpSpPr>
-      <p:sp>
-        <p:nvSpPr>
-          <p:cNvPr id="36" name="Rectangle 35">
-            <a:extLst>
-              <a:ext uri="{FF2B5EF4-FFF2-40B4-BE49-F238E27FC236}">
-                <a16:creationId xmlns:a16="http://schemas.microsoft.com/office/drawing/2014/main" id="{DFA68F53-5200-F997-5974-CCA3F12AE0C8}"/>
-              </a:ext>
-            </a:extLst>
-          </p:cNvPr>
-          <p:cNvSpPr/>
+      <p:grpSp>
+        <p:nvGrpSpPr>
+          <p:cNvPr id="54" name="Group 53">
+            <a:extLst>
+              <a:ext uri="{FF2B5EF4-FFF2-40B4-BE49-F238E27FC236}">
+                <a16:creationId xmlns:a16="http://schemas.microsoft.com/office/drawing/2014/main" id="{9D0829D8-2571-A60E-53B1-816596681CF8}"/>
+              </a:ext>
+            </a:extLst>
+          </p:cNvPr>
+          <p:cNvGrpSpPr/>
           <p:nvPr/>
-        </p:nvSpPr>
-        <p:spPr>
+        </p:nvGrpSpPr>
+        <p:grpSpPr>
           <a:xfrm>
             <a:off x="1194098" y="387275"/>
-            <a:ext cx="2646382" cy="1848164"/>
-          </a:xfrm>
-          <a:prstGeom prst="rect">
-            <a:avLst/>
-          </a:prstGeom>
-          <a:solidFill>
-            <a:srgbClr val="DAE3F3">
-              <a:alpha val="50196"/>
-            </a:srgbClr>
-          </a:solidFill>
-          <a:ln>
-            <a:noFill/>
-          </a:ln>
-        </p:spPr>
-        <p:style>
-          <a:lnRef idx="2">
-            <a:schemeClr val="accent1">
-              <a:shade val="50000"/>
-            </a:schemeClr>
-          </a:lnRef>
-          <a:fillRef idx="1">
-            <a:schemeClr val="accent1"/>
-          </a:fillRef>
-          <a:effectRef idx="0">
-            <a:schemeClr val="accent1"/>
-          </a:effectRef>
-          <a:fontRef idx="minor">
-            <a:schemeClr val="lt1"/>
-          </a:fontRef>
-        </p:style>
-        <p:txBody>
-          <a:bodyPr vert="vert270" rtlCol="0" anchor="t"/>
-          <a:lstStyle/>
-          <a:p>
-            <a:pPr algn="ctr"/>
-            <a:r>
-              <a:rPr lang="es-ES" sz="1200" b="1" dirty="0">
-                <a:solidFill>
-                  <a:schemeClr val="tx1"/>
-                </a:solidFill>
-                <a:latin typeface="Arial" panose="020B0604020202020204" pitchFamily="34" charset="0"/>
-                <a:cs typeface="Arial" panose="020B0604020202020204" pitchFamily="34" charset="0"/>
-              </a:rPr>
-              <a:t>Inicialización</a:t>
-            </a:r>
-          </a:p>
-        </p:txBody>
-      </p:sp>
-      <p:sp>
-        <p:nvSpPr>
-          <p:cNvPr id="37" name="Rectangle 36">
-            <a:extLst>
-              <a:ext uri="{FF2B5EF4-FFF2-40B4-BE49-F238E27FC236}">
-                <a16:creationId xmlns:a16="http://schemas.microsoft.com/office/drawing/2014/main" id="{3C7E9BC0-9F28-B64C-8428-D5DD89A0FA22}"/>
-              </a:ext>
-            </a:extLst>
-          </p:cNvPr>
-          <p:cNvSpPr/>
-          <p:nvPr/>
-        </p:nvSpPr>
-        <p:spPr>
-          <a:xfrm>
-            <a:off x="1194098" y="2421008"/>
-            <a:ext cx="2646381" cy="4194946"/>
-          </a:xfrm>
-          <a:prstGeom prst="rect">
-            <a:avLst/>
-          </a:prstGeom>
-          <a:solidFill>
-            <a:srgbClr val="DAE3F3">
-              <a:alpha val="50196"/>
-            </a:srgbClr>
-          </a:solidFill>
-          <a:ln>
-            <a:noFill/>
-          </a:ln>
-        </p:spPr>
-        <p:style>
-          <a:lnRef idx="2">
-            <a:schemeClr val="accent1">
-              <a:shade val="50000"/>
-            </a:schemeClr>
-          </a:lnRef>
-          <a:fillRef idx="1">
-            <a:schemeClr val="accent1"/>
-          </a:fillRef>
-          <a:effectRef idx="0">
-            <a:schemeClr val="accent1"/>
-          </a:effectRef>
-          <a:fontRef idx="minor">
-            <a:schemeClr val="lt1"/>
-          </a:fontRef>
-        </p:style>
-        <p:txBody>
-          <a:bodyPr vert="vert270" rtlCol="0" anchor="t"/>
-          <a:lstStyle/>
-          <a:p>
-            <a:pPr algn="ctr"/>
-            <a:r>
-              <a:rPr lang="es-ES" sz="1200" b="1" dirty="0">
-                <a:solidFill>
-                  <a:schemeClr val="tx1"/>
-                </a:solidFill>
-                <a:latin typeface="Arial" panose="020B0604020202020204" pitchFamily="34" charset="0"/>
-                <a:cs typeface="Arial" panose="020B0604020202020204" pitchFamily="34" charset="0"/>
-              </a:rPr>
-              <a:t>Bucle principal</a:t>
-            </a:r>
-            <a:endParaRPr lang="es-ES" sz="1200" dirty="0"/>
-          </a:p>
-        </p:txBody>
-      </p:sp>
-      <p:sp>
-        <p:nvSpPr>
-          <p:cNvPr id="2" name="Rectangle 1">
-            <a:extLst>
-              <a:ext uri="{FF2B5EF4-FFF2-40B4-BE49-F238E27FC236}">
-                <a16:creationId xmlns:a16="http://schemas.microsoft.com/office/drawing/2014/main" id="{A49631B1-BAE4-47C3-C8A7-F625E342852D}"/>
-              </a:ext>
-            </a:extLst>
-          </p:cNvPr>
-          <p:cNvSpPr/>
-          <p:nvPr/>
-        </p:nvSpPr>
-        <p:spPr>
-          <a:xfrm>
-            <a:off x="1868915" y="572844"/>
-            <a:ext cx="1692000" cy="471869"/>
-          </a:xfrm>
-          <a:prstGeom prst="rect">
-            <a:avLst/>
-          </a:prstGeom>
-          <a:solidFill>
-            <a:schemeClr val="accent1">
-              <a:lumMod val="20000"/>
-              <a:lumOff val="80000"/>
-            </a:schemeClr>
-          </a:solidFill>
-          <a:ln w="19050">
+            <a:ext cx="5644169" cy="6228679"/>
+            <a:chOff x="1194098" y="387275"/>
+            <a:chExt cx="5644169" cy="6228679"/>
+          </a:xfrm>
+        </p:grpSpPr>
+        <p:sp>
+          <p:nvSpPr>
+            <p:cNvPr id="36" name="Rectangle 35">
+              <a:extLst>
+                <a:ext uri="{FF2B5EF4-FFF2-40B4-BE49-F238E27FC236}">
+                  <a16:creationId xmlns:a16="http://schemas.microsoft.com/office/drawing/2014/main" id="{DFA68F53-5200-F997-5974-CCA3F12AE0C8}"/>
+                </a:ext>
+              </a:extLst>
+            </p:cNvPr>
+            <p:cNvSpPr/>
+            <p:nvPr/>
+          </p:nvSpPr>
+          <p:spPr>
+            <a:xfrm>
+              <a:off x="1194098" y="387275"/>
+              <a:ext cx="2646382" cy="1848164"/>
+            </a:xfrm>
+            <a:prstGeom prst="rect">
+              <a:avLst/>
+            </a:prstGeom>
             <a:solidFill>
-              <a:schemeClr val="accent1">
-                <a:lumMod val="40000"/>
-                <a:lumOff val="60000"/>
-              </a:schemeClr>
+              <a:srgbClr val="DAE3F3">
+                <a:alpha val="50196"/>
+              </a:srgbClr>
             </a:solidFill>
-          </a:ln>
-        </p:spPr>
-        <p:style>
-          <a:lnRef idx="2">
-            <a:schemeClr val="accent1">
-              <a:shade val="50000"/>
-            </a:schemeClr>
-          </a:lnRef>
-          <a:fillRef idx="1">
-            <a:schemeClr val="accent1"/>
-          </a:fillRef>
-          <a:effectRef idx="0">
-            <a:schemeClr val="accent1"/>
-          </a:effectRef>
-          <a:fontRef idx="minor">
-            <a:schemeClr val="lt1"/>
-          </a:fontRef>
-        </p:style>
-        <p:txBody>
-          <a:bodyPr rtlCol="0" anchor="ctr"/>
-          <a:lstStyle/>
-          <a:p>
-            <a:pPr algn="ctr"/>
-            <a:r>
-              <a:rPr lang="es-ES" sz="1200" b="1" dirty="0">
-                <a:solidFill>
-                  <a:schemeClr val="tx1">
-                    <a:lumMod val="95000"/>
-                    <a:lumOff val="5000"/>
-                  </a:schemeClr>
-                </a:solidFill>
-                <a:latin typeface="Arial" panose="020B0604020202020204" pitchFamily="34" charset="0"/>
-                <a:cs typeface="Arial" panose="020B0604020202020204" pitchFamily="34" charset="0"/>
-              </a:rPr>
-              <a:t>Instanciación variables globales</a:t>
-            </a:r>
-          </a:p>
-        </p:txBody>
-      </p:sp>
-      <p:sp>
-        <p:nvSpPr>
-          <p:cNvPr id="6" name="Rectangle 5">
-            <a:extLst>
-              <a:ext uri="{FF2B5EF4-FFF2-40B4-BE49-F238E27FC236}">
-                <a16:creationId xmlns:a16="http://schemas.microsoft.com/office/drawing/2014/main" id="{7F6C4207-9F03-2461-C8C9-8D238760BA25}"/>
-              </a:ext>
-            </a:extLst>
-          </p:cNvPr>
-          <p:cNvSpPr/>
-          <p:nvPr/>
-        </p:nvSpPr>
-        <p:spPr>
-          <a:xfrm>
-            <a:off x="1868915" y="1603786"/>
-            <a:ext cx="1692000" cy="471869"/>
-          </a:xfrm>
-          <a:prstGeom prst="rect">
-            <a:avLst/>
-          </a:prstGeom>
-          <a:solidFill>
-            <a:schemeClr val="accent1">
-              <a:lumMod val="20000"/>
-              <a:lumOff val="80000"/>
-            </a:schemeClr>
-          </a:solidFill>
-          <a:ln w="19050">
+            <a:ln>
+              <a:noFill/>
+            </a:ln>
+          </p:spPr>
+          <p:style>
+            <a:lnRef idx="2">
+              <a:schemeClr val="accent1">
+                <a:shade val="50000"/>
+              </a:schemeClr>
+            </a:lnRef>
+            <a:fillRef idx="1">
+              <a:schemeClr val="accent1"/>
+            </a:fillRef>
+            <a:effectRef idx="0">
+              <a:schemeClr val="accent1"/>
+            </a:effectRef>
+            <a:fontRef idx="minor">
+              <a:schemeClr val="lt1"/>
+            </a:fontRef>
+          </p:style>
+          <p:txBody>
+            <a:bodyPr vert="vert270" rtlCol="0" anchor="t"/>
+            <a:lstStyle/>
+            <a:p>
+              <a:pPr algn="ctr"/>
+              <a:r>
+                <a:rPr lang="es-ES" sz="1200" b="1" dirty="0">
+                  <a:solidFill>
+                    <a:schemeClr val="tx1"/>
+                  </a:solidFill>
+                  <a:latin typeface="Arial" panose="020B0604020202020204" pitchFamily="34" charset="0"/>
+                  <a:cs typeface="Arial" panose="020B0604020202020204" pitchFamily="34" charset="0"/>
+                </a:rPr>
+                <a:t>Inicialización</a:t>
+              </a:r>
+            </a:p>
+          </p:txBody>
+        </p:sp>
+        <p:sp>
+          <p:nvSpPr>
+            <p:cNvPr id="37" name="Rectangle 36">
+              <a:extLst>
+                <a:ext uri="{FF2B5EF4-FFF2-40B4-BE49-F238E27FC236}">
+                  <a16:creationId xmlns:a16="http://schemas.microsoft.com/office/drawing/2014/main" id="{3C7E9BC0-9F28-B64C-8428-D5DD89A0FA22}"/>
+                </a:ext>
+              </a:extLst>
+            </p:cNvPr>
+            <p:cNvSpPr/>
+            <p:nvPr/>
+          </p:nvSpPr>
+          <p:spPr>
+            <a:xfrm>
+              <a:off x="1194098" y="2421008"/>
+              <a:ext cx="2646381" cy="4194946"/>
+            </a:xfrm>
+            <a:prstGeom prst="rect">
+              <a:avLst/>
+            </a:prstGeom>
             <a:solidFill>
-              <a:schemeClr val="accent1">
-                <a:lumMod val="40000"/>
-                <a:lumOff val="60000"/>
-              </a:schemeClr>
+              <a:srgbClr val="DAE3F3">
+                <a:alpha val="50196"/>
+              </a:srgbClr>
             </a:solidFill>
-          </a:ln>
-        </p:spPr>
-        <p:style>
-          <a:lnRef idx="2">
-            <a:schemeClr val="accent1">
-              <a:shade val="50000"/>
-            </a:schemeClr>
-          </a:lnRef>
-          <a:fillRef idx="1">
-            <a:schemeClr val="accent1"/>
-          </a:fillRef>
-          <a:effectRef idx="0">
-            <a:schemeClr val="accent1"/>
-          </a:effectRef>
-          <a:fontRef idx="minor">
-            <a:schemeClr val="lt1"/>
-          </a:fontRef>
-        </p:style>
-        <p:txBody>
-          <a:bodyPr rtlCol="0" anchor="ctr"/>
-          <a:lstStyle/>
-          <a:p>
-            <a:pPr algn="ctr"/>
-            <a:r>
-              <a:rPr lang="es-ES" sz="1200" b="1" dirty="0">
-                <a:solidFill>
-                  <a:schemeClr val="tx1">
-                    <a:lumMod val="95000"/>
-                    <a:lumOff val="5000"/>
-                  </a:schemeClr>
-                </a:solidFill>
-                <a:latin typeface="Arial" panose="020B0604020202020204" pitchFamily="34" charset="0"/>
-                <a:cs typeface="Arial" panose="020B0604020202020204" pitchFamily="34" charset="0"/>
-              </a:rPr>
-              <a:t>Inicialización software</a:t>
-            </a:r>
-          </a:p>
-        </p:txBody>
-      </p:sp>
-      <p:sp>
-        <p:nvSpPr>
-          <p:cNvPr id="7" name="Rectangle 6">
-            <a:extLst>
-              <a:ext uri="{FF2B5EF4-FFF2-40B4-BE49-F238E27FC236}">
-                <a16:creationId xmlns:a16="http://schemas.microsoft.com/office/drawing/2014/main" id="{BC8DF8D7-BDF9-1FE8-8FEF-1CD7109EDC37}"/>
-              </a:ext>
-            </a:extLst>
-          </p:cNvPr>
-          <p:cNvSpPr/>
-          <p:nvPr/>
-        </p:nvSpPr>
-        <p:spPr>
-          <a:xfrm>
-            <a:off x="1868915" y="2634728"/>
-            <a:ext cx="1692000" cy="471869"/>
-          </a:xfrm>
-          <a:prstGeom prst="rect">
-            <a:avLst/>
-          </a:prstGeom>
-          <a:solidFill>
-            <a:schemeClr val="accent1">
-              <a:lumMod val="20000"/>
-              <a:lumOff val="80000"/>
-            </a:schemeClr>
-          </a:solidFill>
-          <a:ln w="19050">
+            <a:ln>
+              <a:noFill/>
+            </a:ln>
+          </p:spPr>
+          <p:style>
+            <a:lnRef idx="2">
+              <a:schemeClr val="accent1">
+                <a:shade val="50000"/>
+              </a:schemeClr>
+            </a:lnRef>
+            <a:fillRef idx="1">
+              <a:schemeClr val="accent1"/>
+            </a:fillRef>
+            <a:effectRef idx="0">
+              <a:schemeClr val="accent1"/>
+            </a:effectRef>
+            <a:fontRef idx="minor">
+              <a:schemeClr val="lt1"/>
+            </a:fontRef>
+          </p:style>
+          <p:txBody>
+            <a:bodyPr vert="vert270" rtlCol="0" anchor="t"/>
+            <a:lstStyle/>
+            <a:p>
+              <a:pPr algn="ctr"/>
+              <a:r>
+                <a:rPr lang="es-ES" sz="1200" b="1" dirty="0">
+                  <a:solidFill>
+                    <a:schemeClr val="tx1"/>
+                  </a:solidFill>
+                  <a:latin typeface="Arial" panose="020B0604020202020204" pitchFamily="34" charset="0"/>
+                  <a:cs typeface="Arial" panose="020B0604020202020204" pitchFamily="34" charset="0"/>
+                </a:rPr>
+                <a:t>Bucle principal</a:t>
+              </a:r>
+              <a:endParaRPr lang="es-ES" sz="1200" dirty="0"/>
+            </a:p>
+          </p:txBody>
+        </p:sp>
+        <p:sp>
+          <p:nvSpPr>
+            <p:cNvPr id="2" name="Rectangle 1">
+              <a:extLst>
+                <a:ext uri="{FF2B5EF4-FFF2-40B4-BE49-F238E27FC236}">
+                  <a16:creationId xmlns:a16="http://schemas.microsoft.com/office/drawing/2014/main" id="{A49631B1-BAE4-47C3-C8A7-F625E342852D}"/>
+                </a:ext>
+              </a:extLst>
+            </p:cNvPr>
+            <p:cNvSpPr/>
+            <p:nvPr/>
+          </p:nvSpPr>
+          <p:spPr>
+            <a:xfrm>
+              <a:off x="1868915" y="572844"/>
+              <a:ext cx="1692000" cy="471869"/>
+            </a:xfrm>
+            <a:prstGeom prst="rect">
+              <a:avLst/>
+            </a:prstGeom>
             <a:solidFill>
               <a:schemeClr val="accent1">
-                <a:lumMod val="75000"/>
+                <a:lumMod val="20000"/>
+                <a:lumOff val="80000"/>
               </a:schemeClr>
             </a:solidFill>
-          </a:ln>
-        </p:spPr>
-        <p:style>
-          <a:lnRef idx="2">
-            <a:schemeClr val="accent1">
-              <a:shade val="50000"/>
-            </a:schemeClr>
-          </a:lnRef>
-          <a:fillRef idx="1">
-            <a:schemeClr val="accent1"/>
-          </a:fillRef>
-          <a:effectRef idx="0">
-            <a:schemeClr val="accent1"/>
-          </a:effectRef>
-          <a:fontRef idx="minor">
-            <a:schemeClr val="lt1"/>
-          </a:fontRef>
-        </p:style>
-        <p:txBody>
-          <a:bodyPr rtlCol="0" anchor="ctr"/>
-          <a:lstStyle/>
-          <a:p>
-            <a:pPr algn="ctr"/>
-            <a:r>
-              <a:rPr lang="es-ES" sz="1200" b="1" dirty="0">
-                <a:solidFill>
-                  <a:schemeClr val="tx1">
-                    <a:lumMod val="95000"/>
-                    <a:lumOff val="5000"/>
-                  </a:schemeClr>
-                </a:solidFill>
-                <a:latin typeface="Arial" panose="020B0604020202020204" pitchFamily="34" charset="0"/>
-                <a:cs typeface="Arial" panose="020B0604020202020204" pitchFamily="34" charset="0"/>
-              </a:rPr>
-              <a:t>Cálculo referencia</a:t>
-            </a:r>
-          </a:p>
-        </p:txBody>
-      </p:sp>
-      <p:sp>
-        <p:nvSpPr>
-          <p:cNvPr id="12" name="Rectangle 11">
-            <a:extLst>
-              <a:ext uri="{FF2B5EF4-FFF2-40B4-BE49-F238E27FC236}">
-                <a16:creationId xmlns:a16="http://schemas.microsoft.com/office/drawing/2014/main" id="{E1B48259-A780-B605-989D-0A0D72D45AEC}"/>
-              </a:ext>
-            </a:extLst>
-          </p:cNvPr>
-          <p:cNvSpPr/>
-          <p:nvPr/>
-        </p:nvSpPr>
-        <p:spPr>
-          <a:xfrm>
-            <a:off x="1868915" y="3665670"/>
-            <a:ext cx="1692000" cy="471869"/>
-          </a:xfrm>
-          <a:prstGeom prst="rect">
-            <a:avLst/>
-          </a:prstGeom>
-          <a:solidFill>
-            <a:schemeClr val="accent1">
-              <a:lumMod val="20000"/>
-              <a:lumOff val="80000"/>
-            </a:schemeClr>
-          </a:solidFill>
-          <a:ln w="19050">
+            <a:ln w="19050">
+              <a:solidFill>
+                <a:schemeClr val="accent1">
+                  <a:lumMod val="40000"/>
+                  <a:lumOff val="60000"/>
+                </a:schemeClr>
+              </a:solidFill>
+            </a:ln>
+          </p:spPr>
+          <p:style>
+            <a:lnRef idx="2">
+              <a:schemeClr val="accent1">
+                <a:shade val="50000"/>
+              </a:schemeClr>
+            </a:lnRef>
+            <a:fillRef idx="1">
+              <a:schemeClr val="accent1"/>
+            </a:fillRef>
+            <a:effectRef idx="0">
+              <a:schemeClr val="accent1"/>
+            </a:effectRef>
+            <a:fontRef idx="minor">
+              <a:schemeClr val="lt1"/>
+            </a:fontRef>
+          </p:style>
+          <p:txBody>
+            <a:bodyPr rtlCol="0" anchor="ctr"/>
+            <a:lstStyle/>
+            <a:p>
+              <a:pPr algn="ctr"/>
+              <a:r>
+                <a:rPr lang="es-ES" sz="1200" b="1" dirty="0">
+                  <a:solidFill>
+                    <a:schemeClr val="tx1">
+                      <a:lumMod val="95000"/>
+                      <a:lumOff val="5000"/>
+                    </a:schemeClr>
+                  </a:solidFill>
+                  <a:latin typeface="Arial" panose="020B0604020202020204" pitchFamily="34" charset="0"/>
+                  <a:cs typeface="Arial" panose="020B0604020202020204" pitchFamily="34" charset="0"/>
+                </a:rPr>
+                <a:t>Instanciación variables globales</a:t>
+              </a:r>
+            </a:p>
+          </p:txBody>
+        </p:sp>
+        <p:sp>
+          <p:nvSpPr>
+            <p:cNvPr id="6" name="Rectangle 5">
+              <a:extLst>
+                <a:ext uri="{FF2B5EF4-FFF2-40B4-BE49-F238E27FC236}">
+                  <a16:creationId xmlns:a16="http://schemas.microsoft.com/office/drawing/2014/main" id="{7F6C4207-9F03-2461-C8C9-8D238760BA25}"/>
+                </a:ext>
+              </a:extLst>
+            </p:cNvPr>
+            <p:cNvSpPr/>
+            <p:nvPr/>
+          </p:nvSpPr>
+          <p:spPr>
+            <a:xfrm>
+              <a:off x="1868915" y="1603786"/>
+              <a:ext cx="1692000" cy="471869"/>
+            </a:xfrm>
+            <a:prstGeom prst="rect">
+              <a:avLst/>
+            </a:prstGeom>
             <a:solidFill>
               <a:schemeClr val="accent1">
-                <a:lumMod val="40000"/>
-                <a:lumOff val="60000"/>
+                <a:lumMod val="20000"/>
+                <a:lumOff val="80000"/>
               </a:schemeClr>
             </a:solidFill>
-          </a:ln>
-        </p:spPr>
-        <p:style>
-          <a:lnRef idx="2">
-            <a:schemeClr val="accent1">
-              <a:shade val="50000"/>
-            </a:schemeClr>
-          </a:lnRef>
-          <a:fillRef idx="1">
-            <a:schemeClr val="accent1"/>
-          </a:fillRef>
-          <a:effectRef idx="0">
-            <a:schemeClr val="accent1"/>
-          </a:effectRef>
-          <a:fontRef idx="minor">
-            <a:schemeClr val="lt1"/>
-          </a:fontRef>
-        </p:style>
-        <p:txBody>
-          <a:bodyPr rtlCol="0" anchor="ctr"/>
-          <a:lstStyle/>
-          <a:p>
-            <a:pPr algn="ctr"/>
-            <a:r>
-              <a:rPr lang="es-ES" sz="1200" b="1" dirty="0">
-                <a:solidFill>
-                  <a:schemeClr val="tx1">
-                    <a:lumMod val="95000"/>
-                    <a:lumOff val="5000"/>
-                  </a:schemeClr>
-                </a:solidFill>
-                <a:latin typeface="Arial" panose="020B0604020202020204" pitchFamily="34" charset="0"/>
-                <a:cs typeface="Arial" panose="020B0604020202020204" pitchFamily="34" charset="0"/>
-              </a:rPr>
-              <a:t>Lectura y procesado sensores</a:t>
-            </a:r>
-          </a:p>
-        </p:txBody>
-      </p:sp>
-      <p:sp>
-        <p:nvSpPr>
-          <p:cNvPr id="14" name="Rectangle 13">
-            <a:extLst>
-              <a:ext uri="{FF2B5EF4-FFF2-40B4-BE49-F238E27FC236}">
-                <a16:creationId xmlns:a16="http://schemas.microsoft.com/office/drawing/2014/main" id="{FEEC76FE-A7CD-9CED-12C6-E7DD5F647296}"/>
-              </a:ext>
-            </a:extLst>
-          </p:cNvPr>
-          <p:cNvSpPr/>
-          <p:nvPr/>
-        </p:nvSpPr>
-        <p:spPr>
-          <a:xfrm>
-            <a:off x="1868915" y="4696612"/>
-            <a:ext cx="1692000" cy="471869"/>
-          </a:xfrm>
-          <a:prstGeom prst="rect">
-            <a:avLst/>
-          </a:prstGeom>
-          <a:solidFill>
-            <a:schemeClr val="accent1">
-              <a:lumMod val="20000"/>
-              <a:lumOff val="80000"/>
-            </a:schemeClr>
-          </a:solidFill>
-          <a:ln w="19050">
+            <a:ln w="19050">
+              <a:solidFill>
+                <a:schemeClr val="accent1">
+                  <a:lumMod val="75000"/>
+                </a:schemeClr>
+              </a:solidFill>
+            </a:ln>
+          </p:spPr>
+          <p:style>
+            <a:lnRef idx="2">
+              <a:schemeClr val="accent1">
+                <a:shade val="50000"/>
+              </a:schemeClr>
+            </a:lnRef>
+            <a:fillRef idx="1">
+              <a:schemeClr val="accent1"/>
+            </a:fillRef>
+            <a:effectRef idx="0">
+              <a:schemeClr val="accent1"/>
+            </a:effectRef>
+            <a:fontRef idx="minor">
+              <a:schemeClr val="lt1"/>
+            </a:fontRef>
+          </p:style>
+          <p:txBody>
+            <a:bodyPr rtlCol="0" anchor="ctr"/>
+            <a:lstStyle/>
+            <a:p>
+              <a:pPr algn="ctr"/>
+              <a:r>
+                <a:rPr lang="es-ES" sz="1100" b="1" dirty="0" err="1">
+                  <a:solidFill>
+                    <a:schemeClr val="tx1">
+                      <a:lumMod val="95000"/>
+                      <a:lumOff val="5000"/>
+                    </a:schemeClr>
+                  </a:solidFill>
+                  <a:latin typeface="Courier New" panose="02070309020205020404" pitchFamily="49" charset="0"/>
+                  <a:cs typeface="Courier New" panose="02070309020205020404" pitchFamily="49" charset="0"/>
+                </a:rPr>
+                <a:t>init_components</a:t>
+              </a:r>
+              <a:r>
+                <a:rPr lang="es-ES" sz="1100" b="1" dirty="0">
+                  <a:solidFill>
+                    <a:schemeClr val="tx1">
+                      <a:lumMod val="95000"/>
+                      <a:lumOff val="5000"/>
+                    </a:schemeClr>
+                  </a:solidFill>
+                  <a:latin typeface="Courier New" panose="02070309020205020404" pitchFamily="49" charset="0"/>
+                  <a:cs typeface="Courier New" panose="02070309020205020404" pitchFamily="49" charset="0"/>
+                </a:rPr>
+                <a:t>()</a:t>
+              </a:r>
+            </a:p>
+          </p:txBody>
+        </p:sp>
+        <p:sp>
+          <p:nvSpPr>
+            <p:cNvPr id="7" name="Rectangle 6">
+              <a:extLst>
+                <a:ext uri="{FF2B5EF4-FFF2-40B4-BE49-F238E27FC236}">
+                  <a16:creationId xmlns:a16="http://schemas.microsoft.com/office/drawing/2014/main" id="{BC8DF8D7-BDF9-1FE8-8FEF-1CD7109EDC37}"/>
+                </a:ext>
+              </a:extLst>
+            </p:cNvPr>
+            <p:cNvSpPr/>
+            <p:nvPr/>
+          </p:nvSpPr>
+          <p:spPr>
+            <a:xfrm>
+              <a:off x="1868915" y="2634728"/>
+              <a:ext cx="1692000" cy="471869"/>
+            </a:xfrm>
+            <a:prstGeom prst="rect">
+              <a:avLst/>
+            </a:prstGeom>
             <a:solidFill>
               <a:schemeClr val="accent1">
-                <a:lumMod val="40000"/>
-                <a:lumOff val="60000"/>
+                <a:lumMod val="20000"/>
+                <a:lumOff val="80000"/>
               </a:schemeClr>
             </a:solidFill>
-          </a:ln>
-        </p:spPr>
-        <p:style>
-          <a:lnRef idx="2">
-            <a:schemeClr val="accent1">
-              <a:shade val="50000"/>
-            </a:schemeClr>
-          </a:lnRef>
-          <a:fillRef idx="1">
-            <a:schemeClr val="accent1"/>
-          </a:fillRef>
-          <a:effectRef idx="0">
-            <a:schemeClr val="accent1"/>
-          </a:effectRef>
-          <a:fontRef idx="minor">
-            <a:schemeClr val="lt1"/>
-          </a:fontRef>
-        </p:style>
-        <p:txBody>
-          <a:bodyPr rtlCol="0" anchor="ctr"/>
-          <a:lstStyle/>
-          <a:p>
-            <a:pPr algn="ctr"/>
-            <a:r>
-              <a:rPr lang="es-ES" sz="1200" b="1" dirty="0">
-                <a:solidFill>
-                  <a:schemeClr val="tx1">
-                    <a:lumMod val="95000"/>
-                    <a:lumOff val="5000"/>
-                  </a:schemeClr>
-                </a:solidFill>
-                <a:latin typeface="Arial" panose="020B0604020202020204" pitchFamily="34" charset="0"/>
-                <a:cs typeface="Arial" panose="020B0604020202020204" pitchFamily="34" charset="0"/>
-              </a:rPr>
-              <a:t>Controladores</a:t>
-            </a:r>
-          </a:p>
-        </p:txBody>
-      </p:sp>
-      <p:sp>
-        <p:nvSpPr>
-          <p:cNvPr id="16" name="Rectangle 15">
-            <a:extLst>
-              <a:ext uri="{FF2B5EF4-FFF2-40B4-BE49-F238E27FC236}">
-                <a16:creationId xmlns:a16="http://schemas.microsoft.com/office/drawing/2014/main" id="{C03E425E-9B99-2126-3A6A-EC7BCA129CA3}"/>
-              </a:ext>
-            </a:extLst>
-          </p:cNvPr>
-          <p:cNvSpPr/>
-          <p:nvPr/>
-        </p:nvSpPr>
-        <p:spPr>
-          <a:xfrm>
-            <a:off x="1868915" y="5727554"/>
-            <a:ext cx="1692000" cy="471869"/>
-          </a:xfrm>
-          <a:prstGeom prst="rect">
-            <a:avLst/>
-          </a:prstGeom>
-          <a:solidFill>
-            <a:schemeClr val="accent1">
-              <a:lumMod val="20000"/>
-              <a:lumOff val="80000"/>
-            </a:schemeClr>
-          </a:solidFill>
-          <a:ln w="19050">
+            <a:ln w="19050">
+              <a:solidFill>
+                <a:schemeClr val="accent1">
+                  <a:lumMod val="40000"/>
+                  <a:lumOff val="60000"/>
+                </a:schemeClr>
+              </a:solidFill>
+            </a:ln>
+          </p:spPr>
+          <p:style>
+            <a:lnRef idx="2">
+              <a:schemeClr val="accent1">
+                <a:shade val="50000"/>
+              </a:schemeClr>
+            </a:lnRef>
+            <a:fillRef idx="1">
+              <a:schemeClr val="accent1"/>
+            </a:fillRef>
+            <a:effectRef idx="0">
+              <a:schemeClr val="accent1"/>
+            </a:effectRef>
+            <a:fontRef idx="minor">
+              <a:schemeClr val="lt1"/>
+            </a:fontRef>
+          </p:style>
+          <p:txBody>
+            <a:bodyPr rtlCol="0" anchor="ctr"/>
+            <a:lstStyle/>
+            <a:p>
+              <a:pPr algn="ctr"/>
+              <a:r>
+                <a:rPr lang="es-ES" sz="1200" b="1" dirty="0">
+                  <a:solidFill>
+                    <a:schemeClr val="tx1">
+                      <a:lumMod val="95000"/>
+                      <a:lumOff val="5000"/>
+                    </a:schemeClr>
+                  </a:solidFill>
+                  <a:latin typeface="Arial" panose="020B0604020202020204" pitchFamily="34" charset="0"/>
+                  <a:cs typeface="Arial" panose="020B0604020202020204" pitchFamily="34" charset="0"/>
+                </a:rPr>
+                <a:t>Cálculo referencia</a:t>
+              </a:r>
+            </a:p>
+          </p:txBody>
+        </p:sp>
+        <p:sp>
+          <p:nvSpPr>
+            <p:cNvPr id="12" name="Rectangle 11">
+              <a:extLst>
+                <a:ext uri="{FF2B5EF4-FFF2-40B4-BE49-F238E27FC236}">
+                  <a16:creationId xmlns:a16="http://schemas.microsoft.com/office/drawing/2014/main" id="{E1B48259-A780-B605-989D-0A0D72D45AEC}"/>
+                </a:ext>
+              </a:extLst>
+            </p:cNvPr>
+            <p:cNvSpPr/>
+            <p:nvPr/>
+          </p:nvSpPr>
+          <p:spPr>
+            <a:xfrm>
+              <a:off x="1868915" y="3665670"/>
+              <a:ext cx="1692000" cy="471869"/>
+            </a:xfrm>
+            <a:prstGeom prst="rect">
+              <a:avLst/>
+            </a:prstGeom>
             <a:solidFill>
               <a:schemeClr val="accent1">
-                <a:lumMod val="40000"/>
-                <a:lumOff val="60000"/>
+                <a:lumMod val="20000"/>
+                <a:lumOff val="80000"/>
               </a:schemeClr>
             </a:solidFill>
-          </a:ln>
-        </p:spPr>
-        <p:style>
-          <a:lnRef idx="2">
-            <a:schemeClr val="accent1">
-              <a:shade val="50000"/>
-            </a:schemeClr>
-          </a:lnRef>
-          <a:fillRef idx="1">
-            <a:schemeClr val="accent1"/>
-          </a:fillRef>
-          <a:effectRef idx="0">
-            <a:schemeClr val="accent1"/>
-          </a:effectRef>
-          <a:fontRef idx="minor">
-            <a:schemeClr val="lt1"/>
-          </a:fontRef>
-        </p:style>
-        <p:txBody>
-          <a:bodyPr rtlCol="0" anchor="ctr"/>
-          <a:lstStyle/>
-          <a:p>
-            <a:pPr algn="ctr"/>
-            <a:r>
-              <a:rPr lang="es-ES" sz="1200" b="1" dirty="0">
-                <a:solidFill>
-                  <a:schemeClr val="tx1">
-                    <a:lumMod val="95000"/>
-                    <a:lumOff val="5000"/>
-                  </a:schemeClr>
-                </a:solidFill>
-                <a:latin typeface="Arial" panose="020B0604020202020204" pitchFamily="34" charset="0"/>
-                <a:cs typeface="Arial" panose="020B0604020202020204" pitchFamily="34" charset="0"/>
-              </a:rPr>
-              <a:t>Actuadores</a:t>
-            </a:r>
-          </a:p>
-        </p:txBody>
-      </p:sp>
-      <p:cxnSp>
-        <p:nvCxnSpPr>
-          <p:cNvPr id="20" name="Straight Arrow Connector 19">
-            <a:extLst>
-              <a:ext uri="{FF2B5EF4-FFF2-40B4-BE49-F238E27FC236}">
-                <a16:creationId xmlns:a16="http://schemas.microsoft.com/office/drawing/2014/main" id="{B1CD1A88-FFE4-0B96-895B-8BF0AADA9F86}"/>
-              </a:ext>
-            </a:extLst>
-          </p:cNvPr>
-          <p:cNvCxnSpPr>
-            <a:cxnSpLocks/>
-            <a:stCxn id="2" idx="2"/>
-            <a:endCxn id="6" idx="0"/>
-          </p:cNvCxnSpPr>
-          <p:nvPr/>
-        </p:nvCxnSpPr>
-        <p:spPr>
-          <a:xfrm>
-            <a:off x="2714915" y="1044713"/>
-            <a:ext cx="0" cy="559073"/>
-          </a:xfrm>
-          <a:prstGeom prst="straightConnector1">
-            <a:avLst/>
-          </a:prstGeom>
-          <a:ln w="19050">
+            <a:ln w="19050">
+              <a:solidFill>
+                <a:schemeClr val="accent1">
+                  <a:lumMod val="40000"/>
+                  <a:lumOff val="60000"/>
+                </a:schemeClr>
+              </a:solidFill>
+            </a:ln>
+          </p:spPr>
+          <p:style>
+            <a:lnRef idx="2">
+              <a:schemeClr val="accent1">
+                <a:shade val="50000"/>
+              </a:schemeClr>
+            </a:lnRef>
+            <a:fillRef idx="1">
+              <a:schemeClr val="accent1"/>
+            </a:fillRef>
+            <a:effectRef idx="0">
+              <a:schemeClr val="accent1"/>
+            </a:effectRef>
+            <a:fontRef idx="minor">
+              <a:schemeClr val="lt1"/>
+            </a:fontRef>
+          </p:style>
+          <p:txBody>
+            <a:bodyPr rtlCol="0" anchor="ctr"/>
+            <a:lstStyle/>
+            <a:p>
+              <a:pPr algn="ctr"/>
+              <a:r>
+                <a:rPr lang="es-ES" sz="1200" b="1" dirty="0">
+                  <a:solidFill>
+                    <a:schemeClr val="tx1">
+                      <a:lumMod val="95000"/>
+                      <a:lumOff val="5000"/>
+                    </a:schemeClr>
+                  </a:solidFill>
+                  <a:latin typeface="Arial" panose="020B0604020202020204" pitchFamily="34" charset="0"/>
+                  <a:cs typeface="Arial" panose="020B0604020202020204" pitchFamily="34" charset="0"/>
+                </a:rPr>
+                <a:t>Lectura y procesado sensores</a:t>
+              </a:r>
+            </a:p>
+          </p:txBody>
+        </p:sp>
+        <p:sp>
+          <p:nvSpPr>
+            <p:cNvPr id="14" name="Rectangle 13">
+              <a:extLst>
+                <a:ext uri="{FF2B5EF4-FFF2-40B4-BE49-F238E27FC236}">
+                  <a16:creationId xmlns:a16="http://schemas.microsoft.com/office/drawing/2014/main" id="{FEEC76FE-A7CD-9CED-12C6-E7DD5F647296}"/>
+                </a:ext>
+              </a:extLst>
+            </p:cNvPr>
+            <p:cNvSpPr/>
+            <p:nvPr/>
+          </p:nvSpPr>
+          <p:spPr>
+            <a:xfrm>
+              <a:off x="1868915" y="4696612"/>
+              <a:ext cx="1692000" cy="471869"/>
+            </a:xfrm>
+            <a:prstGeom prst="rect">
+              <a:avLst/>
+            </a:prstGeom>
             <a:solidFill>
               <a:schemeClr val="accent1">
-                <a:lumMod val="40000"/>
-                <a:lumOff val="60000"/>
+                <a:lumMod val="20000"/>
+                <a:lumOff val="80000"/>
               </a:schemeClr>
             </a:solidFill>
-            <a:tailEnd type="triangle"/>
-          </a:ln>
-        </p:spPr>
-        <p:style>
-          <a:lnRef idx="1">
-            <a:schemeClr val="accent1"/>
-          </a:lnRef>
-          <a:fillRef idx="0">
-            <a:schemeClr val="accent1"/>
-          </a:fillRef>
-          <a:effectRef idx="0">
-            <a:schemeClr val="accent1"/>
-          </a:effectRef>
-          <a:fontRef idx="minor">
-            <a:schemeClr val="tx1"/>
-          </a:fontRef>
-        </p:style>
-      </p:cxnSp>
-      <p:cxnSp>
-        <p:nvCxnSpPr>
-          <p:cNvPr id="22" name="Straight Arrow Connector 21">
-            <a:extLst>
-              <a:ext uri="{FF2B5EF4-FFF2-40B4-BE49-F238E27FC236}">
-                <a16:creationId xmlns:a16="http://schemas.microsoft.com/office/drawing/2014/main" id="{D2900C8F-F247-832A-EF9E-58D6265E32AD}"/>
-              </a:ext>
-            </a:extLst>
-          </p:cNvPr>
-          <p:cNvCxnSpPr>
-            <a:cxnSpLocks/>
-            <a:stCxn id="6" idx="2"/>
-            <a:endCxn id="7" idx="0"/>
-          </p:cNvCxnSpPr>
-          <p:nvPr/>
-        </p:nvCxnSpPr>
-        <p:spPr>
-          <a:xfrm>
-            <a:off x="2714915" y="2075655"/>
-            <a:ext cx="0" cy="559073"/>
-          </a:xfrm>
-          <a:prstGeom prst="straightConnector1">
-            <a:avLst/>
-          </a:prstGeom>
-          <a:ln w="19050">
+            <a:ln w="19050">
+              <a:solidFill>
+                <a:schemeClr val="accent1">
+                  <a:lumMod val="40000"/>
+                  <a:lumOff val="60000"/>
+                </a:schemeClr>
+              </a:solidFill>
+            </a:ln>
+          </p:spPr>
+          <p:style>
+            <a:lnRef idx="2">
+              <a:schemeClr val="accent1">
+                <a:shade val="50000"/>
+              </a:schemeClr>
+            </a:lnRef>
+            <a:fillRef idx="1">
+              <a:schemeClr val="accent1"/>
+            </a:fillRef>
+            <a:effectRef idx="0">
+              <a:schemeClr val="accent1"/>
+            </a:effectRef>
+            <a:fontRef idx="minor">
+              <a:schemeClr val="lt1"/>
+            </a:fontRef>
+          </p:style>
+          <p:txBody>
+            <a:bodyPr rtlCol="0" anchor="ctr"/>
+            <a:lstStyle/>
+            <a:p>
+              <a:pPr algn="ctr"/>
+              <a:r>
+                <a:rPr lang="es-ES" sz="1200" b="1" dirty="0">
+                  <a:solidFill>
+                    <a:schemeClr val="tx1">
+                      <a:lumMod val="95000"/>
+                      <a:lumOff val="5000"/>
+                    </a:schemeClr>
+                  </a:solidFill>
+                  <a:latin typeface="Arial" panose="020B0604020202020204" pitchFamily="34" charset="0"/>
+                  <a:cs typeface="Arial" panose="020B0604020202020204" pitchFamily="34" charset="0"/>
+                </a:rPr>
+                <a:t>Controladores</a:t>
+              </a:r>
+            </a:p>
+          </p:txBody>
+        </p:sp>
+        <p:sp>
+          <p:nvSpPr>
+            <p:cNvPr id="16" name="Rectangle 15">
+              <a:extLst>
+                <a:ext uri="{FF2B5EF4-FFF2-40B4-BE49-F238E27FC236}">
+                  <a16:creationId xmlns:a16="http://schemas.microsoft.com/office/drawing/2014/main" id="{C03E425E-9B99-2126-3A6A-EC7BCA129CA3}"/>
+                </a:ext>
+              </a:extLst>
+            </p:cNvPr>
+            <p:cNvSpPr/>
+            <p:nvPr/>
+          </p:nvSpPr>
+          <p:spPr>
+            <a:xfrm>
+              <a:off x="1868915" y="5727554"/>
+              <a:ext cx="1692000" cy="471869"/>
+            </a:xfrm>
+            <a:prstGeom prst="rect">
+              <a:avLst/>
+            </a:prstGeom>
             <a:solidFill>
               <a:schemeClr val="accent1">
-                <a:lumMod val="40000"/>
-                <a:lumOff val="60000"/>
+                <a:lumMod val="20000"/>
+                <a:lumOff val="80000"/>
               </a:schemeClr>
             </a:solidFill>
-            <a:tailEnd type="triangle"/>
-          </a:ln>
-        </p:spPr>
-        <p:style>
-          <a:lnRef idx="1">
-            <a:schemeClr val="accent1"/>
-          </a:lnRef>
-          <a:fillRef idx="0">
-            <a:schemeClr val="accent1"/>
-          </a:fillRef>
-          <a:effectRef idx="0">
-            <a:schemeClr val="accent1"/>
-          </a:effectRef>
-          <a:fontRef idx="minor">
-            <a:schemeClr val="tx1"/>
-          </a:fontRef>
-        </p:style>
-      </p:cxnSp>
-      <p:cxnSp>
-        <p:nvCxnSpPr>
-          <p:cNvPr id="27" name="Straight Arrow Connector 26">
-            <a:extLst>
-              <a:ext uri="{FF2B5EF4-FFF2-40B4-BE49-F238E27FC236}">
-                <a16:creationId xmlns:a16="http://schemas.microsoft.com/office/drawing/2014/main" id="{2C865300-57D4-ABB8-1D00-21A288F9E1F8}"/>
-              </a:ext>
-            </a:extLst>
-          </p:cNvPr>
-          <p:cNvCxnSpPr>
-            <a:stCxn id="7" idx="2"/>
-            <a:endCxn id="12" idx="0"/>
-          </p:cNvCxnSpPr>
-          <p:nvPr/>
-        </p:nvCxnSpPr>
-        <p:spPr>
-          <a:xfrm>
-            <a:off x="2714915" y="3106597"/>
-            <a:ext cx="0" cy="559073"/>
-          </a:xfrm>
-          <a:prstGeom prst="straightConnector1">
-            <a:avLst/>
-          </a:prstGeom>
-          <a:ln w="19050">
+            <a:ln w="19050">
+              <a:solidFill>
+                <a:schemeClr val="accent1">
+                  <a:lumMod val="40000"/>
+                  <a:lumOff val="60000"/>
+                </a:schemeClr>
+              </a:solidFill>
+            </a:ln>
+          </p:spPr>
+          <p:style>
+            <a:lnRef idx="2">
+              <a:schemeClr val="accent1">
+                <a:shade val="50000"/>
+              </a:schemeClr>
+            </a:lnRef>
+            <a:fillRef idx="1">
+              <a:schemeClr val="accent1"/>
+            </a:fillRef>
+            <a:effectRef idx="0">
+              <a:schemeClr val="accent1"/>
+            </a:effectRef>
+            <a:fontRef idx="minor">
+              <a:schemeClr val="lt1"/>
+            </a:fontRef>
+          </p:style>
+          <p:txBody>
+            <a:bodyPr rtlCol="0" anchor="ctr"/>
+            <a:lstStyle/>
+            <a:p>
+              <a:pPr algn="ctr"/>
+              <a:r>
+                <a:rPr lang="es-ES" sz="1200" b="1" dirty="0">
+                  <a:solidFill>
+                    <a:schemeClr val="tx1">
+                      <a:lumMod val="95000"/>
+                      <a:lumOff val="5000"/>
+                    </a:schemeClr>
+                  </a:solidFill>
+                  <a:latin typeface="Arial" panose="020B0604020202020204" pitchFamily="34" charset="0"/>
+                  <a:cs typeface="Arial" panose="020B0604020202020204" pitchFamily="34" charset="0"/>
+                </a:rPr>
+                <a:t>Actuadores</a:t>
+              </a:r>
+            </a:p>
+          </p:txBody>
+        </p:sp>
+        <p:cxnSp>
+          <p:nvCxnSpPr>
+            <p:cNvPr id="20" name="Straight Arrow Connector 19">
+              <a:extLst>
+                <a:ext uri="{FF2B5EF4-FFF2-40B4-BE49-F238E27FC236}">
+                  <a16:creationId xmlns:a16="http://schemas.microsoft.com/office/drawing/2014/main" id="{B1CD1A88-FFE4-0B96-895B-8BF0AADA9F86}"/>
+                </a:ext>
+              </a:extLst>
+            </p:cNvPr>
+            <p:cNvCxnSpPr>
+              <a:cxnSpLocks/>
+              <a:stCxn id="2" idx="2"/>
+              <a:endCxn id="6" idx="0"/>
+            </p:cNvCxnSpPr>
+            <p:nvPr/>
+          </p:nvCxnSpPr>
+          <p:spPr>
+            <a:xfrm>
+              <a:off x="2714915" y="1044713"/>
+              <a:ext cx="0" cy="559073"/>
+            </a:xfrm>
+            <a:prstGeom prst="straightConnector1">
+              <a:avLst/>
+            </a:prstGeom>
+            <a:ln w="19050">
+              <a:solidFill>
+                <a:schemeClr val="accent1">
+                  <a:lumMod val="40000"/>
+                  <a:lumOff val="60000"/>
+                </a:schemeClr>
+              </a:solidFill>
+              <a:tailEnd type="triangle"/>
+            </a:ln>
+          </p:spPr>
+          <p:style>
+            <a:lnRef idx="1">
+              <a:schemeClr val="accent1"/>
+            </a:lnRef>
+            <a:fillRef idx="0">
+              <a:schemeClr val="accent1"/>
+            </a:fillRef>
+            <a:effectRef idx="0">
+              <a:schemeClr val="accent1"/>
+            </a:effectRef>
+            <a:fontRef idx="minor">
+              <a:schemeClr val="tx1"/>
+            </a:fontRef>
+          </p:style>
+        </p:cxnSp>
+        <p:cxnSp>
+          <p:nvCxnSpPr>
+            <p:cNvPr id="22" name="Straight Arrow Connector 21">
+              <a:extLst>
+                <a:ext uri="{FF2B5EF4-FFF2-40B4-BE49-F238E27FC236}">
+                  <a16:creationId xmlns:a16="http://schemas.microsoft.com/office/drawing/2014/main" id="{D2900C8F-F247-832A-EF9E-58D6265E32AD}"/>
+                </a:ext>
+              </a:extLst>
+            </p:cNvPr>
+            <p:cNvCxnSpPr>
+              <a:cxnSpLocks/>
+              <a:stCxn id="6" idx="2"/>
+              <a:endCxn id="7" idx="0"/>
+            </p:cNvCxnSpPr>
+            <p:nvPr/>
+          </p:nvCxnSpPr>
+          <p:spPr>
+            <a:xfrm>
+              <a:off x="2714915" y="2075655"/>
+              <a:ext cx="0" cy="559073"/>
+            </a:xfrm>
+            <a:prstGeom prst="straightConnector1">
+              <a:avLst/>
+            </a:prstGeom>
+            <a:ln w="19050">
+              <a:solidFill>
+                <a:schemeClr val="accent1">
+                  <a:lumMod val="40000"/>
+                  <a:lumOff val="60000"/>
+                </a:schemeClr>
+              </a:solidFill>
+              <a:tailEnd type="triangle"/>
+            </a:ln>
+          </p:spPr>
+          <p:style>
+            <a:lnRef idx="1">
+              <a:schemeClr val="accent1"/>
+            </a:lnRef>
+            <a:fillRef idx="0">
+              <a:schemeClr val="accent1"/>
+            </a:fillRef>
+            <a:effectRef idx="0">
+              <a:schemeClr val="accent1"/>
+            </a:effectRef>
+            <a:fontRef idx="minor">
+              <a:schemeClr val="tx1"/>
+            </a:fontRef>
+          </p:style>
+        </p:cxnSp>
+        <p:cxnSp>
+          <p:nvCxnSpPr>
+            <p:cNvPr id="27" name="Straight Arrow Connector 26">
+              <a:extLst>
+                <a:ext uri="{FF2B5EF4-FFF2-40B4-BE49-F238E27FC236}">
+                  <a16:creationId xmlns:a16="http://schemas.microsoft.com/office/drawing/2014/main" id="{2C865300-57D4-ABB8-1D00-21A288F9E1F8}"/>
+                </a:ext>
+              </a:extLst>
+            </p:cNvPr>
+            <p:cNvCxnSpPr>
+              <a:stCxn id="7" idx="2"/>
+              <a:endCxn id="12" idx="0"/>
+            </p:cNvCxnSpPr>
+            <p:nvPr/>
+          </p:nvCxnSpPr>
+          <p:spPr>
+            <a:xfrm>
+              <a:off x="2714915" y="3106597"/>
+              <a:ext cx="0" cy="559073"/>
+            </a:xfrm>
+            <a:prstGeom prst="straightConnector1">
+              <a:avLst/>
+            </a:prstGeom>
+            <a:ln w="19050">
+              <a:solidFill>
+                <a:schemeClr val="accent1">
+                  <a:lumMod val="40000"/>
+                  <a:lumOff val="60000"/>
+                </a:schemeClr>
+              </a:solidFill>
+              <a:tailEnd type="triangle"/>
+            </a:ln>
+          </p:spPr>
+          <p:style>
+            <a:lnRef idx="1">
+              <a:schemeClr val="accent1"/>
+            </a:lnRef>
+            <a:fillRef idx="0">
+              <a:schemeClr val="accent1"/>
+            </a:fillRef>
+            <a:effectRef idx="0">
+              <a:schemeClr val="accent1"/>
+            </a:effectRef>
+            <a:fontRef idx="minor">
+              <a:schemeClr val="tx1"/>
+            </a:fontRef>
+          </p:style>
+        </p:cxnSp>
+        <p:cxnSp>
+          <p:nvCxnSpPr>
+            <p:cNvPr id="29" name="Straight Arrow Connector 28">
+              <a:extLst>
+                <a:ext uri="{FF2B5EF4-FFF2-40B4-BE49-F238E27FC236}">
+                  <a16:creationId xmlns:a16="http://schemas.microsoft.com/office/drawing/2014/main" id="{4AFF575C-762E-AB1B-3B09-1670F39D7536}"/>
+                </a:ext>
+              </a:extLst>
+            </p:cNvPr>
+            <p:cNvCxnSpPr>
+              <a:stCxn id="12" idx="2"/>
+              <a:endCxn id="14" idx="0"/>
+            </p:cNvCxnSpPr>
+            <p:nvPr/>
+          </p:nvCxnSpPr>
+          <p:spPr>
+            <a:xfrm>
+              <a:off x="2714915" y="4137539"/>
+              <a:ext cx="0" cy="559073"/>
+            </a:xfrm>
+            <a:prstGeom prst="straightConnector1">
+              <a:avLst/>
+            </a:prstGeom>
+            <a:ln w="19050">
+              <a:solidFill>
+                <a:schemeClr val="accent1">
+                  <a:lumMod val="40000"/>
+                  <a:lumOff val="60000"/>
+                </a:schemeClr>
+              </a:solidFill>
+              <a:tailEnd type="triangle"/>
+            </a:ln>
+          </p:spPr>
+          <p:style>
+            <a:lnRef idx="1">
+              <a:schemeClr val="accent1"/>
+            </a:lnRef>
+            <a:fillRef idx="0">
+              <a:schemeClr val="accent1"/>
+            </a:fillRef>
+            <a:effectRef idx="0">
+              <a:schemeClr val="accent1"/>
+            </a:effectRef>
+            <a:fontRef idx="minor">
+              <a:schemeClr val="tx1"/>
+            </a:fontRef>
+          </p:style>
+        </p:cxnSp>
+        <p:cxnSp>
+          <p:nvCxnSpPr>
+            <p:cNvPr id="31" name="Straight Arrow Connector 30">
+              <a:extLst>
+                <a:ext uri="{FF2B5EF4-FFF2-40B4-BE49-F238E27FC236}">
+                  <a16:creationId xmlns:a16="http://schemas.microsoft.com/office/drawing/2014/main" id="{E23DD49B-5838-F011-DD44-9FA9AEC054D0}"/>
+                </a:ext>
+              </a:extLst>
+            </p:cNvPr>
+            <p:cNvCxnSpPr>
+              <a:stCxn id="14" idx="2"/>
+              <a:endCxn id="16" idx="0"/>
+            </p:cNvCxnSpPr>
+            <p:nvPr/>
+          </p:nvCxnSpPr>
+          <p:spPr>
+            <a:xfrm>
+              <a:off x="2714915" y="5168481"/>
+              <a:ext cx="0" cy="559073"/>
+            </a:xfrm>
+            <a:prstGeom prst="straightConnector1">
+              <a:avLst/>
+            </a:prstGeom>
+            <a:ln w="19050">
+              <a:solidFill>
+                <a:schemeClr val="accent1">
+                  <a:lumMod val="40000"/>
+                  <a:lumOff val="60000"/>
+                </a:schemeClr>
+              </a:solidFill>
+              <a:tailEnd type="triangle"/>
+            </a:ln>
+          </p:spPr>
+          <p:style>
+            <a:lnRef idx="1">
+              <a:schemeClr val="accent1"/>
+            </a:lnRef>
+            <a:fillRef idx="0">
+              <a:schemeClr val="accent1"/>
+            </a:fillRef>
+            <a:effectRef idx="0">
+              <a:schemeClr val="accent1"/>
+            </a:effectRef>
+            <a:fontRef idx="minor">
+              <a:schemeClr val="tx1"/>
+            </a:fontRef>
+          </p:style>
+        </p:cxnSp>
+        <p:cxnSp>
+          <p:nvCxnSpPr>
+            <p:cNvPr id="33" name="Connector: Elbow 32">
+              <a:extLst>
+                <a:ext uri="{FF2B5EF4-FFF2-40B4-BE49-F238E27FC236}">
+                  <a16:creationId xmlns:a16="http://schemas.microsoft.com/office/drawing/2014/main" id="{5A7A81C5-D74C-09D2-EE3D-D76C0BE39DE0}"/>
+                </a:ext>
+              </a:extLst>
+            </p:cNvPr>
+            <p:cNvCxnSpPr>
+              <a:cxnSpLocks/>
+              <a:stCxn id="16" idx="2"/>
+              <a:endCxn id="7" idx="1"/>
+            </p:cNvCxnSpPr>
+            <p:nvPr/>
+          </p:nvCxnSpPr>
+          <p:spPr>
+            <a:xfrm rot="5400000" flipH="1">
+              <a:off x="627535" y="4112043"/>
+              <a:ext cx="3328760" cy="846000"/>
+            </a:xfrm>
+            <a:prstGeom prst="bentConnector4">
+              <a:avLst>
+                <a:gd name="adj1" fmla="val -6867"/>
+                <a:gd name="adj2" fmla="val 123206"/>
+              </a:avLst>
+            </a:prstGeom>
+            <a:ln w="19050">
+              <a:solidFill>
+                <a:schemeClr val="accent1">
+                  <a:lumMod val="40000"/>
+                  <a:lumOff val="60000"/>
+                </a:schemeClr>
+              </a:solidFill>
+              <a:tailEnd type="triangle"/>
+            </a:ln>
+          </p:spPr>
+          <p:style>
+            <a:lnRef idx="1">
+              <a:schemeClr val="accent1"/>
+            </a:lnRef>
+            <a:fillRef idx="0">
+              <a:schemeClr val="accent1"/>
+            </a:fillRef>
+            <a:effectRef idx="0">
+              <a:schemeClr val="accent1"/>
+            </a:effectRef>
+            <a:fontRef idx="minor">
+              <a:schemeClr val="tx1"/>
+            </a:fontRef>
+          </p:style>
+        </p:cxnSp>
+        <p:sp>
+          <p:nvSpPr>
+            <p:cNvPr id="5" name="Rectangle 4">
+              <a:extLst>
+                <a:ext uri="{FF2B5EF4-FFF2-40B4-BE49-F238E27FC236}">
+                  <a16:creationId xmlns:a16="http://schemas.microsoft.com/office/drawing/2014/main" id="{CB56E09D-7BC3-9438-7D27-BE7F0454AA03}"/>
+                </a:ext>
+              </a:extLst>
+            </p:cNvPr>
+            <p:cNvSpPr/>
+            <p:nvPr/>
+          </p:nvSpPr>
+          <p:spPr>
+            <a:xfrm>
+              <a:off x="5138769" y="712608"/>
+              <a:ext cx="1692000" cy="471869"/>
+            </a:xfrm>
+            <a:prstGeom prst="rect">
+              <a:avLst/>
+            </a:prstGeom>
             <a:solidFill>
               <a:schemeClr val="accent1">
-                <a:lumMod val="40000"/>
-                <a:lumOff val="60000"/>
+                <a:lumMod val="20000"/>
+                <a:lumOff val="80000"/>
               </a:schemeClr>
             </a:solidFill>
-            <a:tailEnd type="triangle"/>
-          </a:ln>
-        </p:spPr>
-        <p:style>
-          <a:lnRef idx="1">
-            <a:schemeClr val="accent1"/>
-          </a:lnRef>
-          <a:fillRef idx="0">
-            <a:schemeClr val="accent1"/>
-          </a:fillRef>
-          <a:effectRef idx="0">
-            <a:schemeClr val="accent1"/>
-          </a:effectRef>
-          <a:fontRef idx="minor">
-            <a:schemeClr val="tx1"/>
-          </a:fontRef>
-        </p:style>
-      </p:cxnSp>
-      <p:cxnSp>
-        <p:nvCxnSpPr>
-          <p:cNvPr id="29" name="Straight Arrow Connector 28">
-            <a:extLst>
-              <a:ext uri="{FF2B5EF4-FFF2-40B4-BE49-F238E27FC236}">
-                <a16:creationId xmlns:a16="http://schemas.microsoft.com/office/drawing/2014/main" id="{4AFF575C-762E-AB1B-3B09-1670F39D7536}"/>
-              </a:ext>
-            </a:extLst>
-          </p:cNvPr>
-          <p:cNvCxnSpPr>
-            <a:stCxn id="12" idx="2"/>
-            <a:endCxn id="14" idx="0"/>
-          </p:cNvCxnSpPr>
-          <p:nvPr/>
-        </p:nvCxnSpPr>
-        <p:spPr>
-          <a:xfrm>
-            <a:off x="2714915" y="4137539"/>
-            <a:ext cx="0" cy="559073"/>
-          </a:xfrm>
-          <a:prstGeom prst="straightConnector1">
-            <a:avLst/>
-          </a:prstGeom>
-          <a:ln w="19050">
+            <a:ln w="19050">
+              <a:solidFill>
+                <a:schemeClr val="accent1">
+                  <a:lumMod val="75000"/>
+                </a:schemeClr>
+              </a:solidFill>
+            </a:ln>
+          </p:spPr>
+          <p:style>
+            <a:lnRef idx="2">
+              <a:schemeClr val="accent1">
+                <a:shade val="50000"/>
+              </a:schemeClr>
+            </a:lnRef>
+            <a:fillRef idx="1">
+              <a:schemeClr val="accent1"/>
+            </a:fillRef>
+            <a:effectRef idx="0">
+              <a:schemeClr val="accent1"/>
+            </a:effectRef>
+            <a:fontRef idx="minor">
+              <a:schemeClr val="lt1"/>
+            </a:fontRef>
+          </p:style>
+          <p:txBody>
+            <a:bodyPr rtlCol="0" anchor="ctr"/>
+            <a:lstStyle/>
+            <a:p>
+              <a:pPr algn="ctr"/>
+              <a:r>
+                <a:rPr lang="es-ES" sz="1100" b="1" dirty="0" err="1">
+                  <a:solidFill>
+                    <a:schemeClr val="tx1">
+                      <a:lumMod val="95000"/>
+                      <a:lumOff val="5000"/>
+                    </a:schemeClr>
+                  </a:solidFill>
+                  <a:latin typeface="Courier New" panose="02070309020205020404" pitchFamily="49" charset="0"/>
+                  <a:cs typeface="Courier New" panose="02070309020205020404" pitchFamily="49" charset="0"/>
+                </a:rPr>
+                <a:t>init_flash</a:t>
+              </a:r>
+              <a:r>
+                <a:rPr lang="es-ES" sz="1100" b="1" dirty="0">
+                  <a:solidFill>
+                    <a:schemeClr val="tx1">
+                      <a:lumMod val="95000"/>
+                      <a:lumOff val="5000"/>
+                    </a:schemeClr>
+                  </a:solidFill>
+                  <a:latin typeface="Courier New" panose="02070309020205020404" pitchFamily="49" charset="0"/>
+                  <a:cs typeface="Courier New" panose="02070309020205020404" pitchFamily="49" charset="0"/>
+                </a:rPr>
+                <a:t>()</a:t>
+              </a:r>
+            </a:p>
+          </p:txBody>
+        </p:sp>
+        <p:sp>
+          <p:nvSpPr>
+            <p:cNvPr id="9" name="Rectangle 8">
+              <a:extLst>
+                <a:ext uri="{FF2B5EF4-FFF2-40B4-BE49-F238E27FC236}">
+                  <a16:creationId xmlns:a16="http://schemas.microsoft.com/office/drawing/2014/main" id="{92F44737-92BE-E265-D4BD-969607F460F7}"/>
+                </a:ext>
+              </a:extLst>
+            </p:cNvPr>
+            <p:cNvSpPr/>
+            <p:nvPr/>
+          </p:nvSpPr>
+          <p:spPr>
+            <a:xfrm>
+              <a:off x="5146267" y="5614657"/>
+              <a:ext cx="1692000" cy="471869"/>
+            </a:xfrm>
+            <a:prstGeom prst="rect">
+              <a:avLst/>
+            </a:prstGeom>
             <a:solidFill>
               <a:schemeClr val="accent1">
-                <a:lumMod val="40000"/>
-                <a:lumOff val="60000"/>
+                <a:lumMod val="20000"/>
+                <a:lumOff val="80000"/>
               </a:schemeClr>
             </a:solidFill>
-            <a:tailEnd type="triangle"/>
-          </a:ln>
-        </p:spPr>
-        <p:style>
-          <a:lnRef idx="1">
-            <a:schemeClr val="accent1"/>
-          </a:lnRef>
-          <a:fillRef idx="0">
-            <a:schemeClr val="accent1"/>
-          </a:fillRef>
-          <a:effectRef idx="0">
-            <a:schemeClr val="accent1"/>
-          </a:effectRef>
-          <a:fontRef idx="minor">
-            <a:schemeClr val="tx1"/>
-          </a:fontRef>
-        </p:style>
-      </p:cxnSp>
-      <p:cxnSp>
-        <p:nvCxnSpPr>
-          <p:cNvPr id="31" name="Straight Arrow Connector 30">
-            <a:extLst>
-              <a:ext uri="{FF2B5EF4-FFF2-40B4-BE49-F238E27FC236}">
-                <a16:creationId xmlns:a16="http://schemas.microsoft.com/office/drawing/2014/main" id="{E23DD49B-5838-F011-DD44-9FA9AEC054D0}"/>
-              </a:ext>
-            </a:extLst>
-          </p:cNvPr>
-          <p:cNvCxnSpPr>
-            <a:stCxn id="14" idx="2"/>
-            <a:endCxn id="16" idx="0"/>
-          </p:cNvCxnSpPr>
-          <p:nvPr/>
-        </p:nvCxnSpPr>
-        <p:spPr>
-          <a:xfrm>
-            <a:off x="2714915" y="5168481"/>
-            <a:ext cx="0" cy="559073"/>
-          </a:xfrm>
-          <a:prstGeom prst="straightConnector1">
-            <a:avLst/>
-          </a:prstGeom>
-          <a:ln w="19050">
+            <a:ln w="19050">
+              <a:solidFill>
+                <a:schemeClr val="accent1">
+                  <a:lumMod val="75000"/>
+                </a:schemeClr>
+              </a:solidFill>
+            </a:ln>
+          </p:spPr>
+          <p:style>
+            <a:lnRef idx="2">
+              <a:schemeClr val="accent1">
+                <a:shade val="50000"/>
+              </a:schemeClr>
+            </a:lnRef>
+            <a:fillRef idx="1">
+              <a:schemeClr val="accent1"/>
+            </a:fillRef>
+            <a:effectRef idx="0">
+              <a:schemeClr val="accent1"/>
+            </a:effectRef>
+            <a:fontRef idx="minor">
+              <a:schemeClr val="lt1"/>
+            </a:fontRef>
+          </p:style>
+          <p:txBody>
+            <a:bodyPr rtlCol="0" anchor="ctr"/>
+            <a:lstStyle/>
+            <a:p>
+              <a:pPr algn="ctr"/>
+              <a:r>
+                <a:rPr lang="es-ES" sz="1100" b="1" dirty="0" err="1">
+                  <a:solidFill>
+                    <a:schemeClr val="tx1">
+                      <a:lumMod val="95000"/>
+                      <a:lumOff val="5000"/>
+                    </a:schemeClr>
+                  </a:solidFill>
+                  <a:latin typeface="Courier New" panose="02070309020205020404" pitchFamily="49" charset="0"/>
+                  <a:cs typeface="Courier New" panose="02070309020205020404" pitchFamily="49" charset="0"/>
+                </a:rPr>
+                <a:t>init_barometer</a:t>
+              </a:r>
+              <a:r>
+                <a:rPr lang="es-ES" sz="1100" b="1" dirty="0">
+                  <a:solidFill>
+                    <a:schemeClr val="tx1">
+                      <a:lumMod val="95000"/>
+                      <a:lumOff val="5000"/>
+                    </a:schemeClr>
+                  </a:solidFill>
+                  <a:latin typeface="Courier New" panose="02070309020205020404" pitchFamily="49" charset="0"/>
+                  <a:cs typeface="Courier New" panose="02070309020205020404" pitchFamily="49" charset="0"/>
+                </a:rPr>
+                <a:t>()</a:t>
+              </a:r>
+            </a:p>
+          </p:txBody>
+        </p:sp>
+        <p:sp>
+          <p:nvSpPr>
+            <p:cNvPr id="19" name="Left Brace 18">
+              <a:extLst>
+                <a:ext uri="{FF2B5EF4-FFF2-40B4-BE49-F238E27FC236}">
+                  <a16:creationId xmlns:a16="http://schemas.microsoft.com/office/drawing/2014/main" id="{4512B7F7-A894-A9EA-778D-943552C7C70A}"/>
+                </a:ext>
+              </a:extLst>
+            </p:cNvPr>
+            <p:cNvSpPr/>
+            <p:nvPr/>
+          </p:nvSpPr>
+          <p:spPr>
+            <a:xfrm>
+              <a:off x="4522331" y="572844"/>
+              <a:ext cx="623936" cy="5626579"/>
+            </a:xfrm>
+            <a:prstGeom prst="leftBrace">
+              <a:avLst/>
+            </a:prstGeom>
+            <a:ln w="19050">
+              <a:solidFill>
+                <a:schemeClr val="accent1">
+                  <a:lumMod val="75000"/>
+                </a:schemeClr>
+              </a:solidFill>
+            </a:ln>
+          </p:spPr>
+          <p:style>
+            <a:lnRef idx="1">
+              <a:schemeClr val="accent1"/>
+            </a:lnRef>
+            <a:fillRef idx="0">
+              <a:schemeClr val="accent1"/>
+            </a:fillRef>
+            <a:effectRef idx="0">
+              <a:schemeClr val="accent1"/>
+            </a:effectRef>
+            <a:fontRef idx="minor">
+              <a:schemeClr val="tx1"/>
+            </a:fontRef>
+          </p:style>
+          <p:txBody>
+            <a:bodyPr rtlCol="0" anchor="ctr"/>
+            <a:lstStyle/>
+            <a:p>
+              <a:pPr algn="ctr"/>
+              <a:endParaRPr lang="es-ES"/>
+            </a:p>
+          </p:txBody>
+        </p:sp>
+        <p:cxnSp>
+          <p:nvCxnSpPr>
+            <p:cNvPr id="23" name="Connector: Elbow 22">
+              <a:extLst>
+                <a:ext uri="{FF2B5EF4-FFF2-40B4-BE49-F238E27FC236}">
+                  <a16:creationId xmlns:a16="http://schemas.microsoft.com/office/drawing/2014/main" id="{01A2E98F-C557-F6B6-6F66-2ABBAA7BEEBA}"/>
+                </a:ext>
+              </a:extLst>
+            </p:cNvPr>
+            <p:cNvCxnSpPr>
+              <a:cxnSpLocks/>
+              <a:stCxn id="6" idx="3"/>
+              <a:endCxn id="19" idx="1"/>
+            </p:cNvCxnSpPr>
+            <p:nvPr/>
+          </p:nvCxnSpPr>
+          <p:spPr>
+            <a:xfrm>
+              <a:off x="3560915" y="1839721"/>
+              <a:ext cx="961416" cy="1546413"/>
+            </a:xfrm>
+            <a:prstGeom prst="bentConnector3">
+              <a:avLst/>
+            </a:prstGeom>
+            <a:ln w="19050">
+              <a:solidFill>
+                <a:schemeClr val="accent1">
+                  <a:lumMod val="75000"/>
+                </a:schemeClr>
+              </a:solidFill>
+              <a:tailEnd type="triangle"/>
+            </a:ln>
+          </p:spPr>
+          <p:style>
+            <a:lnRef idx="1">
+              <a:schemeClr val="accent1"/>
+            </a:lnRef>
+            <a:fillRef idx="0">
+              <a:schemeClr val="accent1"/>
+            </a:fillRef>
+            <a:effectRef idx="0">
+              <a:schemeClr val="accent1"/>
+            </a:effectRef>
+            <a:fontRef idx="minor">
+              <a:schemeClr val="tx1"/>
+            </a:fontRef>
+          </p:style>
+        </p:cxnSp>
+        <p:sp>
+          <p:nvSpPr>
+            <p:cNvPr id="8" name="Rectangle 7">
+              <a:extLst>
+                <a:ext uri="{FF2B5EF4-FFF2-40B4-BE49-F238E27FC236}">
+                  <a16:creationId xmlns:a16="http://schemas.microsoft.com/office/drawing/2014/main" id="{D4686CBA-5238-6488-F34A-565C8790B632}"/>
+                </a:ext>
+              </a:extLst>
+            </p:cNvPr>
+            <p:cNvSpPr/>
+            <p:nvPr/>
+          </p:nvSpPr>
+          <p:spPr>
+            <a:xfrm>
+              <a:off x="5138769" y="1529616"/>
+              <a:ext cx="1692000" cy="471869"/>
+            </a:xfrm>
+            <a:prstGeom prst="rect">
+              <a:avLst/>
+            </a:prstGeom>
             <a:solidFill>
               <a:schemeClr val="accent1">
-                <a:lumMod val="40000"/>
-                <a:lumOff val="60000"/>
+                <a:lumMod val="20000"/>
+                <a:lumOff val="80000"/>
               </a:schemeClr>
             </a:solidFill>
-            <a:tailEnd type="triangle"/>
-          </a:ln>
-        </p:spPr>
-        <p:style>
-          <a:lnRef idx="1">
-            <a:schemeClr val="accent1"/>
-          </a:lnRef>
-          <a:fillRef idx="0">
-            <a:schemeClr val="accent1"/>
-          </a:fillRef>
-          <a:effectRef idx="0">
-            <a:schemeClr val="accent1"/>
-          </a:effectRef>
-          <a:fontRef idx="minor">
-            <a:schemeClr val="tx1"/>
-          </a:fontRef>
-        </p:style>
-      </p:cxnSp>
-      <p:cxnSp>
-        <p:nvCxnSpPr>
-          <p:cNvPr id="33" name="Connector: Elbow 32">
-            <a:extLst>
-              <a:ext uri="{FF2B5EF4-FFF2-40B4-BE49-F238E27FC236}">
-                <a16:creationId xmlns:a16="http://schemas.microsoft.com/office/drawing/2014/main" id="{5A7A81C5-D74C-09D2-EE3D-D76C0BE39DE0}"/>
-              </a:ext>
-            </a:extLst>
-          </p:cNvPr>
-          <p:cNvCxnSpPr>
-            <a:cxnSpLocks/>
-            <a:stCxn id="16" idx="2"/>
-            <a:endCxn id="7" idx="1"/>
-          </p:cNvCxnSpPr>
-          <p:nvPr/>
-        </p:nvCxnSpPr>
-        <p:spPr>
-          <a:xfrm rot="5400000" flipH="1">
-            <a:off x="627535" y="4112043"/>
-            <a:ext cx="3328760" cy="846000"/>
-          </a:xfrm>
-          <a:prstGeom prst="bentConnector4">
-            <a:avLst>
-              <a:gd name="adj1" fmla="val -6867"/>
-              <a:gd name="adj2" fmla="val 123206"/>
-            </a:avLst>
-          </a:prstGeom>
-          <a:ln w="19050">
+            <a:ln w="19050">
+              <a:solidFill>
+                <a:schemeClr val="accent1">
+                  <a:lumMod val="75000"/>
+                </a:schemeClr>
+              </a:solidFill>
+            </a:ln>
+          </p:spPr>
+          <p:style>
+            <a:lnRef idx="2">
+              <a:schemeClr val="accent1">
+                <a:shade val="50000"/>
+              </a:schemeClr>
+            </a:lnRef>
+            <a:fillRef idx="1">
+              <a:schemeClr val="accent1"/>
+            </a:fillRef>
+            <a:effectRef idx="0">
+              <a:schemeClr val="accent1"/>
+            </a:effectRef>
+            <a:fontRef idx="minor">
+              <a:schemeClr val="lt1"/>
+            </a:fontRef>
+          </p:style>
+          <p:txBody>
+            <a:bodyPr rtlCol="0" anchor="ctr"/>
+            <a:lstStyle/>
+            <a:p>
+              <a:pPr algn="ctr"/>
+              <a:r>
+                <a:rPr lang="es-ES" sz="1100" b="1" dirty="0" err="1">
+                  <a:solidFill>
+                    <a:schemeClr val="tx1">
+                      <a:lumMod val="95000"/>
+                      <a:lumOff val="5000"/>
+                    </a:schemeClr>
+                  </a:solidFill>
+                  <a:latin typeface="Courier New" panose="02070309020205020404" pitchFamily="49" charset="0"/>
+                  <a:cs typeface="Courier New" panose="02070309020205020404" pitchFamily="49" charset="0"/>
+                </a:rPr>
+                <a:t>init_led</a:t>
+              </a:r>
+              <a:r>
+                <a:rPr lang="es-ES" sz="1100" b="1" dirty="0">
+                  <a:solidFill>
+                    <a:schemeClr val="tx1">
+                      <a:lumMod val="95000"/>
+                      <a:lumOff val="5000"/>
+                    </a:schemeClr>
+                  </a:solidFill>
+                  <a:latin typeface="Courier New" panose="02070309020205020404" pitchFamily="49" charset="0"/>
+                  <a:cs typeface="Courier New" panose="02070309020205020404" pitchFamily="49" charset="0"/>
+                </a:rPr>
+                <a:t>()</a:t>
+              </a:r>
+            </a:p>
+          </p:txBody>
+        </p:sp>
+        <p:sp>
+          <p:nvSpPr>
+            <p:cNvPr id="10" name="Rectangle 9">
+              <a:extLst>
+                <a:ext uri="{FF2B5EF4-FFF2-40B4-BE49-F238E27FC236}">
+                  <a16:creationId xmlns:a16="http://schemas.microsoft.com/office/drawing/2014/main" id="{B7576E84-9D37-69DD-2120-97F6C73E8D9D}"/>
+                </a:ext>
+              </a:extLst>
+            </p:cNvPr>
+            <p:cNvSpPr/>
+            <p:nvPr/>
+          </p:nvSpPr>
+          <p:spPr>
+            <a:xfrm>
+              <a:off x="5138769" y="2346624"/>
+              <a:ext cx="1692000" cy="471869"/>
+            </a:xfrm>
+            <a:prstGeom prst="rect">
+              <a:avLst/>
+            </a:prstGeom>
             <a:solidFill>
               <a:schemeClr val="accent1">
-                <a:lumMod val="40000"/>
-                <a:lumOff val="60000"/>
+                <a:lumMod val="20000"/>
+                <a:lumOff val="80000"/>
               </a:schemeClr>
             </a:solidFill>
-            <a:tailEnd type="triangle"/>
-          </a:ln>
-        </p:spPr>
-        <p:style>
-          <a:lnRef idx="1">
-            <a:schemeClr val="accent1"/>
-          </a:lnRef>
-          <a:fillRef idx="0">
-            <a:schemeClr val="accent1"/>
-          </a:fillRef>
-          <a:effectRef idx="0">
-            <a:schemeClr val="accent1"/>
-          </a:effectRef>
-          <a:fontRef idx="minor">
-            <a:schemeClr val="tx1"/>
-          </a:fontRef>
-        </p:style>
-      </p:cxnSp>
-      <p:sp>
-        <p:nvSpPr>
-          <p:cNvPr id="5" name="Rectangle 4">
-            <a:extLst>
-              <a:ext uri="{FF2B5EF4-FFF2-40B4-BE49-F238E27FC236}">
-                <a16:creationId xmlns:a16="http://schemas.microsoft.com/office/drawing/2014/main" id="{CB56E09D-7BC3-9438-7D27-BE7F0454AA03}"/>
-              </a:ext>
-            </a:extLst>
-          </p:cNvPr>
-          <p:cNvSpPr/>
-          <p:nvPr/>
-        </p:nvSpPr>
-        <p:spPr>
-          <a:xfrm>
-            <a:off x="5146267" y="3193801"/>
-            <a:ext cx="1692000" cy="471869"/>
-          </a:xfrm>
-          <a:prstGeom prst="rect">
-            <a:avLst/>
-          </a:prstGeom>
-          <a:solidFill>
-            <a:schemeClr val="accent1">
-              <a:lumMod val="20000"/>
-              <a:lumOff val="80000"/>
-            </a:schemeClr>
-          </a:solidFill>
-          <a:ln w="19050">
+            <a:ln w="19050">
+              <a:solidFill>
+                <a:schemeClr val="accent1">
+                  <a:lumMod val="75000"/>
+                </a:schemeClr>
+              </a:solidFill>
+            </a:ln>
+          </p:spPr>
+          <p:style>
+            <a:lnRef idx="2">
+              <a:schemeClr val="accent1">
+                <a:shade val="50000"/>
+              </a:schemeClr>
+            </a:lnRef>
+            <a:fillRef idx="1">
+              <a:schemeClr val="accent1"/>
+            </a:fillRef>
+            <a:effectRef idx="0">
+              <a:schemeClr val="accent1"/>
+            </a:effectRef>
+            <a:fontRef idx="minor">
+              <a:schemeClr val="lt1"/>
+            </a:fontRef>
+          </p:style>
+          <p:txBody>
+            <a:bodyPr rtlCol="0" anchor="ctr"/>
+            <a:lstStyle/>
+            <a:p>
+              <a:pPr algn="ctr"/>
+              <a:r>
+                <a:rPr lang="es-ES" sz="1100" b="1" dirty="0" err="1">
+                  <a:solidFill>
+                    <a:schemeClr val="tx1">
+                      <a:lumMod val="95000"/>
+                      <a:lumOff val="5000"/>
+                    </a:schemeClr>
+                  </a:solidFill>
+                  <a:latin typeface="Courier New" panose="02070309020205020404" pitchFamily="49" charset="0"/>
+                  <a:cs typeface="Courier New" panose="02070309020205020404" pitchFamily="49" charset="0"/>
+                </a:rPr>
+                <a:t>init_ultrasonic</a:t>
+              </a:r>
+              <a:r>
+                <a:rPr lang="es-ES" sz="1100" b="1" dirty="0">
+                  <a:solidFill>
+                    <a:schemeClr val="tx1">
+                      <a:lumMod val="95000"/>
+                      <a:lumOff val="5000"/>
+                    </a:schemeClr>
+                  </a:solidFill>
+                  <a:latin typeface="Courier New" panose="02070309020205020404" pitchFamily="49" charset="0"/>
+                  <a:cs typeface="Courier New" panose="02070309020205020404" pitchFamily="49" charset="0"/>
+                </a:rPr>
+                <a:t>()</a:t>
+              </a:r>
+            </a:p>
+          </p:txBody>
+        </p:sp>
+        <p:sp>
+          <p:nvSpPr>
+            <p:cNvPr id="11" name="Rectangle 10">
+              <a:extLst>
+                <a:ext uri="{FF2B5EF4-FFF2-40B4-BE49-F238E27FC236}">
+                  <a16:creationId xmlns:a16="http://schemas.microsoft.com/office/drawing/2014/main" id="{0BC0BAF7-8941-9025-2D83-C0866CE11D65}"/>
+                </a:ext>
+              </a:extLst>
+            </p:cNvPr>
+            <p:cNvSpPr/>
+            <p:nvPr/>
+          </p:nvSpPr>
+          <p:spPr>
+            <a:xfrm>
+              <a:off x="5138769" y="3163632"/>
+              <a:ext cx="1692000" cy="471869"/>
+            </a:xfrm>
+            <a:prstGeom prst="rect">
+              <a:avLst/>
+            </a:prstGeom>
             <a:solidFill>
               <a:schemeClr val="accent1">
-                <a:lumMod val="75000"/>
+                <a:lumMod val="20000"/>
+                <a:lumOff val="80000"/>
               </a:schemeClr>
             </a:solidFill>
-          </a:ln>
-        </p:spPr>
-        <p:style>
-          <a:lnRef idx="2">
-            <a:schemeClr val="accent1">
-              <a:shade val="50000"/>
-            </a:schemeClr>
-          </a:lnRef>
-          <a:fillRef idx="1">
-            <a:schemeClr val="accent1"/>
-          </a:fillRef>
-          <a:effectRef idx="0">
-            <a:schemeClr val="accent1"/>
-          </a:effectRef>
-          <a:fontRef idx="minor">
-            <a:schemeClr val="lt1"/>
-          </a:fontRef>
-        </p:style>
-        <p:txBody>
-          <a:bodyPr rtlCol="0" anchor="ctr"/>
-          <a:lstStyle/>
-          <a:p>
-            <a:pPr algn="ctr"/>
-            <a:r>
-              <a:rPr lang="es-ES" sz="1200" b="1" dirty="0" err="1">
-                <a:solidFill>
-                  <a:schemeClr val="tx1">
-                    <a:lumMod val="95000"/>
-                    <a:lumOff val="5000"/>
-                  </a:schemeClr>
-                </a:solidFill>
-                <a:latin typeface="Courier New" panose="02070309020205020404" pitchFamily="49" charset="0"/>
-                <a:cs typeface="Courier New" panose="02070309020205020404" pitchFamily="49" charset="0"/>
-              </a:rPr>
-              <a:t>ref_set_mode</a:t>
-            </a:r>
-            <a:r>
-              <a:rPr lang="es-ES" sz="1200" b="1" dirty="0">
-                <a:solidFill>
-                  <a:schemeClr val="tx1">
-                    <a:lumMod val="95000"/>
-                    <a:lumOff val="5000"/>
-                  </a:schemeClr>
-                </a:solidFill>
-                <a:latin typeface="Courier New" panose="02070309020205020404" pitchFamily="49" charset="0"/>
-                <a:cs typeface="Courier New" panose="02070309020205020404" pitchFamily="49" charset="0"/>
-              </a:rPr>
-              <a:t>()</a:t>
-            </a:r>
-          </a:p>
-        </p:txBody>
-      </p:sp>
-      <p:sp>
-        <p:nvSpPr>
-          <p:cNvPr id="9" name="Rectangle 8">
-            <a:extLst>
-              <a:ext uri="{FF2B5EF4-FFF2-40B4-BE49-F238E27FC236}">
-                <a16:creationId xmlns:a16="http://schemas.microsoft.com/office/drawing/2014/main" id="{92F44737-92BE-E265-D4BD-969607F460F7}"/>
-              </a:ext>
-            </a:extLst>
-          </p:cNvPr>
-          <p:cNvSpPr/>
-          <p:nvPr/>
-        </p:nvSpPr>
-        <p:spPr>
-          <a:xfrm>
-            <a:off x="5146267" y="5168481"/>
-            <a:ext cx="1692000" cy="471869"/>
-          </a:xfrm>
-          <a:prstGeom prst="rect">
-            <a:avLst/>
-          </a:prstGeom>
-          <a:solidFill>
-            <a:schemeClr val="accent1">
-              <a:lumMod val="20000"/>
-              <a:lumOff val="80000"/>
-            </a:schemeClr>
-          </a:solidFill>
-          <a:ln w="19050">
+            <a:ln w="19050">
+              <a:solidFill>
+                <a:schemeClr val="accent1">
+                  <a:lumMod val="75000"/>
+                </a:schemeClr>
+              </a:solidFill>
+            </a:ln>
+          </p:spPr>
+          <p:style>
+            <a:lnRef idx="2">
+              <a:schemeClr val="accent1">
+                <a:shade val="50000"/>
+              </a:schemeClr>
+            </a:lnRef>
+            <a:fillRef idx="1">
+              <a:schemeClr val="accent1"/>
+            </a:fillRef>
+            <a:effectRef idx="0">
+              <a:schemeClr val="accent1"/>
+            </a:effectRef>
+            <a:fontRef idx="minor">
+              <a:schemeClr val="lt1"/>
+            </a:fontRef>
+          </p:style>
+          <p:txBody>
+            <a:bodyPr rtlCol="0" anchor="ctr"/>
+            <a:lstStyle/>
+            <a:p>
+              <a:pPr algn="ctr"/>
+              <a:r>
+                <a:rPr lang="es-ES" sz="1100" b="1" dirty="0" err="1">
+                  <a:solidFill>
+                    <a:schemeClr val="tx1">
+                      <a:lumMod val="95000"/>
+                      <a:lumOff val="5000"/>
+                    </a:schemeClr>
+                  </a:solidFill>
+                  <a:latin typeface="Courier New" panose="02070309020205020404" pitchFamily="49" charset="0"/>
+                  <a:cs typeface="Courier New" panose="02070309020205020404" pitchFamily="49" charset="0"/>
+                </a:rPr>
+                <a:t>init_rc</a:t>
+              </a:r>
+              <a:r>
+                <a:rPr lang="es-ES" sz="1100" b="1" dirty="0">
+                  <a:solidFill>
+                    <a:schemeClr val="tx1">
+                      <a:lumMod val="95000"/>
+                      <a:lumOff val="5000"/>
+                    </a:schemeClr>
+                  </a:solidFill>
+                  <a:latin typeface="Courier New" panose="02070309020205020404" pitchFamily="49" charset="0"/>
+                  <a:cs typeface="Courier New" panose="02070309020205020404" pitchFamily="49" charset="0"/>
+                </a:rPr>
+                <a:t>()</a:t>
+              </a:r>
+            </a:p>
+          </p:txBody>
+        </p:sp>
+        <p:sp>
+          <p:nvSpPr>
+            <p:cNvPr id="13" name="Rectangle 12">
+              <a:extLst>
+                <a:ext uri="{FF2B5EF4-FFF2-40B4-BE49-F238E27FC236}">
+                  <a16:creationId xmlns:a16="http://schemas.microsoft.com/office/drawing/2014/main" id="{AAD7B55E-F30F-A024-5126-105DDB75D238}"/>
+                </a:ext>
+              </a:extLst>
+            </p:cNvPr>
+            <p:cNvSpPr/>
+            <p:nvPr/>
+          </p:nvSpPr>
+          <p:spPr>
+            <a:xfrm>
+              <a:off x="5146267" y="3980640"/>
+              <a:ext cx="1692000" cy="471869"/>
+            </a:xfrm>
+            <a:prstGeom prst="rect">
+              <a:avLst/>
+            </a:prstGeom>
             <a:solidFill>
               <a:schemeClr val="accent1">
-                <a:lumMod val="75000"/>
+                <a:lumMod val="20000"/>
+                <a:lumOff val="80000"/>
               </a:schemeClr>
             </a:solidFill>
-          </a:ln>
-        </p:spPr>
-        <p:style>
-          <a:lnRef idx="2">
-            <a:schemeClr val="accent1">
-              <a:shade val="50000"/>
-            </a:schemeClr>
-          </a:lnRef>
-          <a:fillRef idx="1">
-            <a:schemeClr val="accent1"/>
-          </a:fillRef>
-          <a:effectRef idx="0">
-            <a:schemeClr val="accent1"/>
-          </a:effectRef>
-          <a:fontRef idx="minor">
-            <a:schemeClr val="lt1"/>
-          </a:fontRef>
-        </p:style>
-        <p:txBody>
-          <a:bodyPr rtlCol="0" anchor="ctr"/>
-          <a:lstStyle/>
-          <a:p>
-            <a:pPr algn="ctr"/>
-            <a:r>
-              <a:rPr lang="es-ES" sz="1200" b="1" dirty="0" err="1">
-                <a:solidFill>
-                  <a:schemeClr val="tx1">
-                    <a:lumMod val="95000"/>
-                    <a:lumOff val="5000"/>
-                  </a:schemeClr>
-                </a:solidFill>
-                <a:latin typeface="Courier New" panose="02070309020205020404" pitchFamily="49" charset="0"/>
-                <a:cs typeface="Courier New" panose="02070309020205020404" pitchFamily="49" charset="0"/>
-              </a:rPr>
-              <a:t>ref_gen</a:t>
-            </a:r>
-            <a:r>
-              <a:rPr lang="es-ES" sz="1200" b="1" dirty="0">
-                <a:solidFill>
-                  <a:schemeClr val="tx1">
-                    <a:lumMod val="95000"/>
-                    <a:lumOff val="5000"/>
-                  </a:schemeClr>
-                </a:solidFill>
-                <a:latin typeface="Courier New" panose="02070309020205020404" pitchFamily="49" charset="0"/>
-                <a:cs typeface="Courier New" panose="02070309020205020404" pitchFamily="49" charset="0"/>
-              </a:rPr>
-              <a:t>()</a:t>
-            </a:r>
-          </a:p>
-        </p:txBody>
-      </p:sp>
-      <p:sp>
-        <p:nvSpPr>
-          <p:cNvPr id="19" name="Left Brace 18">
-            <a:extLst>
-              <a:ext uri="{FF2B5EF4-FFF2-40B4-BE49-F238E27FC236}">
-                <a16:creationId xmlns:a16="http://schemas.microsoft.com/office/drawing/2014/main" id="{4512B7F7-A894-A9EA-778D-943552C7C70A}"/>
-              </a:ext>
-            </a:extLst>
-          </p:cNvPr>
-          <p:cNvSpPr/>
-          <p:nvPr/>
-        </p:nvSpPr>
-        <p:spPr>
-          <a:xfrm>
-            <a:off x="4522331" y="2634728"/>
-            <a:ext cx="623936" cy="3564695"/>
-          </a:xfrm>
-          <a:prstGeom prst="leftBrace">
-            <a:avLst/>
-          </a:prstGeom>
-          <a:ln w="19050">
+            <a:ln w="19050">
+              <a:solidFill>
+                <a:schemeClr val="accent1">
+                  <a:lumMod val="75000"/>
+                </a:schemeClr>
+              </a:solidFill>
+            </a:ln>
+          </p:spPr>
+          <p:style>
+            <a:lnRef idx="2">
+              <a:schemeClr val="accent1">
+                <a:shade val="50000"/>
+              </a:schemeClr>
+            </a:lnRef>
+            <a:fillRef idx="1">
+              <a:schemeClr val="accent1"/>
+            </a:fillRef>
+            <a:effectRef idx="0">
+              <a:schemeClr val="accent1"/>
+            </a:effectRef>
+            <a:fontRef idx="minor">
+              <a:schemeClr val="lt1"/>
+            </a:fontRef>
+          </p:style>
+          <p:txBody>
+            <a:bodyPr rtlCol="0" anchor="ctr"/>
+            <a:lstStyle/>
+            <a:p>
+              <a:pPr algn="ctr"/>
+              <a:r>
+                <a:rPr lang="es-ES" sz="1100" b="1" dirty="0" err="1">
+                  <a:solidFill>
+                    <a:schemeClr val="tx1">
+                      <a:lumMod val="95000"/>
+                      <a:lumOff val="5000"/>
+                    </a:schemeClr>
+                  </a:solidFill>
+                  <a:latin typeface="Courier New" panose="02070309020205020404" pitchFamily="49" charset="0"/>
+                  <a:cs typeface="Courier New" panose="02070309020205020404" pitchFamily="49" charset="0"/>
+                </a:rPr>
+                <a:t>init_esc</a:t>
+              </a:r>
+              <a:r>
+                <a:rPr lang="es-ES" sz="1100" b="1" dirty="0">
+                  <a:solidFill>
+                    <a:schemeClr val="tx1">
+                      <a:lumMod val="95000"/>
+                      <a:lumOff val="5000"/>
+                    </a:schemeClr>
+                  </a:solidFill>
+                  <a:latin typeface="Courier New" panose="02070309020205020404" pitchFamily="49" charset="0"/>
+                  <a:cs typeface="Courier New" panose="02070309020205020404" pitchFamily="49" charset="0"/>
+                </a:rPr>
+                <a:t>()</a:t>
+              </a:r>
+            </a:p>
+          </p:txBody>
+        </p:sp>
+        <p:sp>
+          <p:nvSpPr>
+            <p:cNvPr id="15" name="Rectangle 14">
+              <a:extLst>
+                <a:ext uri="{FF2B5EF4-FFF2-40B4-BE49-F238E27FC236}">
+                  <a16:creationId xmlns:a16="http://schemas.microsoft.com/office/drawing/2014/main" id="{30D40789-A1E7-3E74-5014-4225ADF28CE2}"/>
+                </a:ext>
+              </a:extLst>
+            </p:cNvPr>
+            <p:cNvSpPr/>
+            <p:nvPr/>
+          </p:nvSpPr>
+          <p:spPr>
+            <a:xfrm>
+              <a:off x="5146267" y="4797648"/>
+              <a:ext cx="1692000" cy="471869"/>
+            </a:xfrm>
+            <a:prstGeom prst="rect">
+              <a:avLst/>
+            </a:prstGeom>
             <a:solidFill>
               <a:schemeClr val="accent1">
-                <a:lumMod val="75000"/>
+                <a:lumMod val="20000"/>
+                <a:lumOff val="80000"/>
               </a:schemeClr>
             </a:solidFill>
-          </a:ln>
-        </p:spPr>
-        <p:style>
-          <a:lnRef idx="1">
-            <a:schemeClr val="accent1"/>
-          </a:lnRef>
-          <a:fillRef idx="0">
-            <a:schemeClr val="accent1"/>
-          </a:fillRef>
-          <a:effectRef idx="0">
-            <a:schemeClr val="accent1"/>
-          </a:effectRef>
-          <a:fontRef idx="minor">
-            <a:schemeClr val="tx1"/>
-          </a:fontRef>
-        </p:style>
-        <p:txBody>
-          <a:bodyPr rtlCol="0" anchor="ctr"/>
-          <a:lstStyle/>
-          <a:p>
-            <a:pPr algn="ctr"/>
-            <a:endParaRPr lang="es-ES"/>
-          </a:p>
-        </p:txBody>
-      </p:sp>
-      <p:cxnSp>
-        <p:nvCxnSpPr>
-          <p:cNvPr id="23" name="Connector: Elbow 22">
-            <a:extLst>
-              <a:ext uri="{FF2B5EF4-FFF2-40B4-BE49-F238E27FC236}">
-                <a16:creationId xmlns:a16="http://schemas.microsoft.com/office/drawing/2014/main" id="{01A2E98F-C557-F6B6-6F66-2ABBAA7BEEBA}"/>
-              </a:ext>
-            </a:extLst>
-          </p:cNvPr>
-          <p:cNvCxnSpPr>
-            <a:stCxn id="7" idx="3"/>
-            <a:endCxn id="19" idx="1"/>
-          </p:cNvCxnSpPr>
-          <p:nvPr/>
-        </p:nvCxnSpPr>
-        <p:spPr>
-          <a:xfrm>
-            <a:off x="3560915" y="2870663"/>
-            <a:ext cx="961416" cy="1546413"/>
-          </a:xfrm>
-          <a:prstGeom prst="bentConnector3">
-            <a:avLst/>
-          </a:prstGeom>
-          <a:ln w="19050">
-            <a:solidFill>
-              <a:schemeClr val="accent1">
-                <a:lumMod val="75000"/>
-              </a:schemeClr>
-            </a:solidFill>
-            <a:tailEnd type="triangle"/>
-          </a:ln>
-        </p:spPr>
-        <p:style>
-          <a:lnRef idx="1">
-            <a:schemeClr val="accent1"/>
-          </a:lnRef>
-          <a:fillRef idx="0">
-            <a:schemeClr val="accent1"/>
-          </a:fillRef>
-          <a:effectRef idx="0">
-            <a:schemeClr val="accent1"/>
-          </a:effectRef>
-          <a:fontRef idx="minor">
-            <a:schemeClr val="tx1"/>
-          </a:fontRef>
-        </p:style>
-      </p:cxnSp>
-      <p:cxnSp>
-        <p:nvCxnSpPr>
-          <p:cNvPr id="30" name="Straight Arrow Connector 29">
-            <a:extLst>
-              <a:ext uri="{FF2B5EF4-FFF2-40B4-BE49-F238E27FC236}">
-                <a16:creationId xmlns:a16="http://schemas.microsoft.com/office/drawing/2014/main" id="{4921B1FA-F323-5F6B-142C-D48532B45AFD}"/>
-              </a:ext>
-            </a:extLst>
-          </p:cNvPr>
-          <p:cNvCxnSpPr>
-            <a:cxnSpLocks/>
-            <a:stCxn id="5" idx="2"/>
-            <a:endCxn id="9" idx="0"/>
-          </p:cNvCxnSpPr>
-          <p:nvPr/>
-        </p:nvCxnSpPr>
-        <p:spPr>
-          <a:xfrm>
-            <a:off x="5992267" y="3665670"/>
-            <a:ext cx="0" cy="1502811"/>
-          </a:xfrm>
-          <a:prstGeom prst="straightConnector1">
-            <a:avLst/>
-          </a:prstGeom>
-          <a:ln w="19050">
-            <a:solidFill>
-              <a:schemeClr val="accent1">
-                <a:lumMod val="75000"/>
-              </a:schemeClr>
-            </a:solidFill>
-            <a:tailEnd type="triangle"/>
-          </a:ln>
-        </p:spPr>
-        <p:style>
-          <a:lnRef idx="1">
-            <a:schemeClr val="accent1"/>
-          </a:lnRef>
-          <a:fillRef idx="0">
-            <a:schemeClr val="accent1"/>
-          </a:fillRef>
-          <a:effectRef idx="0">
-            <a:schemeClr val="accent1"/>
-          </a:effectRef>
-          <a:fontRef idx="minor">
-            <a:schemeClr val="tx1"/>
-          </a:fontRef>
-        </p:style>
-      </p:cxnSp>
+            <a:ln w="19050">
+              <a:solidFill>
+                <a:schemeClr val="accent1">
+                  <a:lumMod val="75000"/>
+                </a:schemeClr>
+              </a:solidFill>
+            </a:ln>
+          </p:spPr>
+          <p:style>
+            <a:lnRef idx="2">
+              <a:schemeClr val="accent1">
+                <a:shade val="50000"/>
+              </a:schemeClr>
+            </a:lnRef>
+            <a:fillRef idx="1">
+              <a:schemeClr val="accent1"/>
+            </a:fillRef>
+            <a:effectRef idx="0">
+              <a:schemeClr val="accent1"/>
+            </a:effectRef>
+            <a:fontRef idx="minor">
+              <a:schemeClr val="lt1"/>
+            </a:fontRef>
+          </p:style>
+          <p:txBody>
+            <a:bodyPr rtlCol="0" anchor="ctr"/>
+            <a:lstStyle/>
+            <a:p>
+              <a:pPr algn="ctr"/>
+              <a:r>
+                <a:rPr lang="es-ES" sz="1100" b="1" dirty="0" err="1">
+                  <a:solidFill>
+                    <a:schemeClr val="tx1">
+                      <a:lumMod val="95000"/>
+                      <a:lumOff val="5000"/>
+                    </a:schemeClr>
+                  </a:solidFill>
+                  <a:latin typeface="Courier New" panose="02070309020205020404" pitchFamily="49" charset="0"/>
+                  <a:cs typeface="Courier New" panose="02070309020205020404" pitchFamily="49" charset="0"/>
+                </a:rPr>
+                <a:t>init_gyro</a:t>
+              </a:r>
+              <a:r>
+                <a:rPr lang="es-ES" sz="1100" b="1" dirty="0">
+                  <a:solidFill>
+                    <a:schemeClr val="tx1">
+                      <a:lumMod val="95000"/>
+                      <a:lumOff val="5000"/>
+                    </a:schemeClr>
+                  </a:solidFill>
+                  <a:latin typeface="Courier New" panose="02070309020205020404" pitchFamily="49" charset="0"/>
+                  <a:cs typeface="Courier New" panose="02070309020205020404" pitchFamily="49" charset="0"/>
+                </a:rPr>
+                <a:t>()</a:t>
+              </a:r>
+            </a:p>
+          </p:txBody>
+        </p:sp>
+        <p:cxnSp>
+          <p:nvCxnSpPr>
+            <p:cNvPr id="21" name="Straight Arrow Connector 20">
+              <a:extLst>
+                <a:ext uri="{FF2B5EF4-FFF2-40B4-BE49-F238E27FC236}">
+                  <a16:creationId xmlns:a16="http://schemas.microsoft.com/office/drawing/2014/main" id="{149F904C-2DE3-0341-3D7B-F7C88BF2D6B2}"/>
+                </a:ext>
+              </a:extLst>
+            </p:cNvPr>
+            <p:cNvCxnSpPr>
+              <a:cxnSpLocks/>
+              <a:stCxn id="5" idx="2"/>
+              <a:endCxn id="8" idx="0"/>
+            </p:cNvCxnSpPr>
+            <p:nvPr/>
+          </p:nvCxnSpPr>
+          <p:spPr>
+            <a:xfrm>
+              <a:off x="5984769" y="1184477"/>
+              <a:ext cx="0" cy="345139"/>
+            </a:xfrm>
+            <a:prstGeom prst="straightConnector1">
+              <a:avLst/>
+            </a:prstGeom>
+            <a:ln w="19050">
+              <a:solidFill>
+                <a:schemeClr val="accent1">
+                  <a:lumMod val="75000"/>
+                </a:schemeClr>
+              </a:solidFill>
+              <a:tailEnd type="triangle"/>
+            </a:ln>
+          </p:spPr>
+          <p:style>
+            <a:lnRef idx="1">
+              <a:schemeClr val="accent1"/>
+            </a:lnRef>
+            <a:fillRef idx="0">
+              <a:schemeClr val="accent1"/>
+            </a:fillRef>
+            <a:effectRef idx="0">
+              <a:schemeClr val="accent1"/>
+            </a:effectRef>
+            <a:fontRef idx="minor">
+              <a:schemeClr val="tx1"/>
+            </a:fontRef>
+          </p:style>
+        </p:cxnSp>
+        <p:cxnSp>
+          <p:nvCxnSpPr>
+            <p:cNvPr id="26" name="Straight Arrow Connector 25">
+              <a:extLst>
+                <a:ext uri="{FF2B5EF4-FFF2-40B4-BE49-F238E27FC236}">
+                  <a16:creationId xmlns:a16="http://schemas.microsoft.com/office/drawing/2014/main" id="{BBBDCAF7-684F-1886-2ACA-E6E2A5CFA80F}"/>
+                </a:ext>
+              </a:extLst>
+            </p:cNvPr>
+            <p:cNvCxnSpPr>
+              <a:cxnSpLocks/>
+              <a:stCxn id="8" idx="2"/>
+              <a:endCxn id="10" idx="0"/>
+            </p:cNvCxnSpPr>
+            <p:nvPr/>
+          </p:nvCxnSpPr>
+          <p:spPr>
+            <a:xfrm>
+              <a:off x="5984769" y="2001485"/>
+              <a:ext cx="0" cy="345139"/>
+            </a:xfrm>
+            <a:prstGeom prst="straightConnector1">
+              <a:avLst/>
+            </a:prstGeom>
+            <a:ln w="19050">
+              <a:solidFill>
+                <a:schemeClr val="accent1">
+                  <a:lumMod val="75000"/>
+                </a:schemeClr>
+              </a:solidFill>
+              <a:tailEnd type="triangle"/>
+            </a:ln>
+          </p:spPr>
+          <p:style>
+            <a:lnRef idx="1">
+              <a:schemeClr val="accent1"/>
+            </a:lnRef>
+            <a:fillRef idx="0">
+              <a:schemeClr val="accent1"/>
+            </a:fillRef>
+            <a:effectRef idx="0">
+              <a:schemeClr val="accent1"/>
+            </a:effectRef>
+            <a:fontRef idx="minor">
+              <a:schemeClr val="tx1"/>
+            </a:fontRef>
+          </p:style>
+        </p:cxnSp>
+        <p:cxnSp>
+          <p:nvCxnSpPr>
+            <p:cNvPr id="34" name="Straight Arrow Connector 33">
+              <a:extLst>
+                <a:ext uri="{FF2B5EF4-FFF2-40B4-BE49-F238E27FC236}">
+                  <a16:creationId xmlns:a16="http://schemas.microsoft.com/office/drawing/2014/main" id="{E587C29F-F01A-9FD1-501B-5C6689E52D95}"/>
+                </a:ext>
+              </a:extLst>
+            </p:cNvPr>
+            <p:cNvCxnSpPr>
+              <a:cxnSpLocks/>
+              <a:stCxn id="10" idx="2"/>
+              <a:endCxn id="11" idx="0"/>
+            </p:cNvCxnSpPr>
+            <p:nvPr/>
+          </p:nvCxnSpPr>
+          <p:spPr>
+            <a:xfrm>
+              <a:off x="5984769" y="2818493"/>
+              <a:ext cx="0" cy="345139"/>
+            </a:xfrm>
+            <a:prstGeom prst="straightConnector1">
+              <a:avLst/>
+            </a:prstGeom>
+            <a:ln w="19050">
+              <a:solidFill>
+                <a:schemeClr val="accent1">
+                  <a:lumMod val="75000"/>
+                </a:schemeClr>
+              </a:solidFill>
+              <a:tailEnd type="triangle"/>
+            </a:ln>
+          </p:spPr>
+          <p:style>
+            <a:lnRef idx="1">
+              <a:schemeClr val="accent1"/>
+            </a:lnRef>
+            <a:fillRef idx="0">
+              <a:schemeClr val="accent1"/>
+            </a:fillRef>
+            <a:effectRef idx="0">
+              <a:schemeClr val="accent1"/>
+            </a:effectRef>
+            <a:fontRef idx="minor">
+              <a:schemeClr val="tx1"/>
+            </a:fontRef>
+          </p:style>
+        </p:cxnSp>
+        <p:cxnSp>
+          <p:nvCxnSpPr>
+            <p:cNvPr id="45" name="Straight Arrow Connector 44">
+              <a:extLst>
+                <a:ext uri="{FF2B5EF4-FFF2-40B4-BE49-F238E27FC236}">
+                  <a16:creationId xmlns:a16="http://schemas.microsoft.com/office/drawing/2014/main" id="{16C7CD47-FDB1-64F0-C9F4-5C78AE4EABFC}"/>
+                </a:ext>
+              </a:extLst>
+            </p:cNvPr>
+            <p:cNvCxnSpPr>
+              <a:cxnSpLocks/>
+            </p:cNvCxnSpPr>
+            <p:nvPr/>
+          </p:nvCxnSpPr>
+          <p:spPr>
+            <a:xfrm>
+              <a:off x="5984769" y="3639478"/>
+              <a:ext cx="0" cy="345139"/>
+            </a:xfrm>
+            <a:prstGeom prst="straightConnector1">
+              <a:avLst/>
+            </a:prstGeom>
+            <a:ln w="19050">
+              <a:solidFill>
+                <a:schemeClr val="accent1">
+                  <a:lumMod val="75000"/>
+                </a:schemeClr>
+              </a:solidFill>
+              <a:tailEnd type="triangle"/>
+            </a:ln>
+          </p:spPr>
+          <p:style>
+            <a:lnRef idx="1">
+              <a:schemeClr val="accent1"/>
+            </a:lnRef>
+            <a:fillRef idx="0">
+              <a:schemeClr val="accent1"/>
+            </a:fillRef>
+            <a:effectRef idx="0">
+              <a:schemeClr val="accent1"/>
+            </a:effectRef>
+            <a:fontRef idx="minor">
+              <a:schemeClr val="tx1"/>
+            </a:fontRef>
+          </p:style>
+        </p:cxnSp>
+        <p:cxnSp>
+          <p:nvCxnSpPr>
+            <p:cNvPr id="46" name="Straight Arrow Connector 45">
+              <a:extLst>
+                <a:ext uri="{FF2B5EF4-FFF2-40B4-BE49-F238E27FC236}">
+                  <a16:creationId xmlns:a16="http://schemas.microsoft.com/office/drawing/2014/main" id="{BFEADE5E-20F6-8224-C3CC-2711AFE3EB81}"/>
+                </a:ext>
+              </a:extLst>
+            </p:cNvPr>
+            <p:cNvCxnSpPr>
+              <a:cxnSpLocks/>
+              <a:stCxn id="13" idx="2"/>
+              <a:endCxn id="15" idx="0"/>
+            </p:cNvCxnSpPr>
+            <p:nvPr/>
+          </p:nvCxnSpPr>
+          <p:spPr>
+            <a:xfrm>
+              <a:off x="5992267" y="4452509"/>
+              <a:ext cx="0" cy="345139"/>
+            </a:xfrm>
+            <a:prstGeom prst="straightConnector1">
+              <a:avLst/>
+            </a:prstGeom>
+            <a:ln w="19050">
+              <a:solidFill>
+                <a:schemeClr val="accent1">
+                  <a:lumMod val="75000"/>
+                </a:schemeClr>
+              </a:solidFill>
+              <a:tailEnd type="triangle"/>
+            </a:ln>
+          </p:spPr>
+          <p:style>
+            <a:lnRef idx="1">
+              <a:schemeClr val="accent1"/>
+            </a:lnRef>
+            <a:fillRef idx="0">
+              <a:schemeClr val="accent1"/>
+            </a:fillRef>
+            <a:effectRef idx="0">
+              <a:schemeClr val="accent1"/>
+            </a:effectRef>
+            <a:fontRef idx="minor">
+              <a:schemeClr val="tx1"/>
+            </a:fontRef>
+          </p:style>
+        </p:cxnSp>
+        <p:cxnSp>
+          <p:nvCxnSpPr>
+            <p:cNvPr id="49" name="Straight Arrow Connector 48">
+              <a:extLst>
+                <a:ext uri="{FF2B5EF4-FFF2-40B4-BE49-F238E27FC236}">
+                  <a16:creationId xmlns:a16="http://schemas.microsoft.com/office/drawing/2014/main" id="{D857E6B2-A8BD-3C4C-B446-8FA5189A9EAA}"/>
+                </a:ext>
+              </a:extLst>
+            </p:cNvPr>
+            <p:cNvCxnSpPr>
+              <a:cxnSpLocks/>
+              <a:stCxn id="15" idx="2"/>
+              <a:endCxn id="9" idx="0"/>
+            </p:cNvCxnSpPr>
+            <p:nvPr/>
+          </p:nvCxnSpPr>
+          <p:spPr>
+            <a:xfrm>
+              <a:off x="5992267" y="5269517"/>
+              <a:ext cx="0" cy="345140"/>
+            </a:xfrm>
+            <a:prstGeom prst="straightConnector1">
+              <a:avLst/>
+            </a:prstGeom>
+            <a:ln w="19050">
+              <a:solidFill>
+                <a:schemeClr val="accent1">
+                  <a:lumMod val="75000"/>
+                </a:schemeClr>
+              </a:solidFill>
+              <a:tailEnd type="triangle"/>
+            </a:ln>
+          </p:spPr>
+          <p:style>
+            <a:lnRef idx="1">
+              <a:schemeClr val="accent1"/>
+            </a:lnRef>
+            <a:fillRef idx="0">
+              <a:schemeClr val="accent1"/>
+            </a:fillRef>
+            <a:effectRef idx="0">
+              <a:schemeClr val="accent1"/>
+            </a:effectRef>
+            <a:fontRef idx="minor">
+              <a:schemeClr val="tx1"/>
+            </a:fontRef>
+          </p:style>
+        </p:cxnSp>
+      </p:grpSp>
     </p:spTree>
     <p:extLst>
       <p:ext uri="{BB962C8B-B14F-4D97-AF65-F5344CB8AC3E}">
-        <p14:creationId xmlns:p14="http://schemas.microsoft.com/office/powerpoint/2010/main" val="972302429"/>
+        <p14:creationId xmlns:p14="http://schemas.microsoft.com/office/powerpoint/2010/main" val="3434448942"/>
       </p:ext>
     </p:extLst>
   </p:cSld>
@@ -6547,8 +7247,7 @@
           <a:ln w="19050">
             <a:solidFill>
               <a:schemeClr val="accent1">
-                <a:lumMod val="40000"/>
-                <a:lumOff val="60000"/>
+                <a:lumMod val="75000"/>
               </a:schemeClr>
             </a:solidFill>
           </a:ln>
@@ -6619,7 +7318,8 @@
           <a:ln w="19050">
             <a:solidFill>
               <a:schemeClr val="accent1">
-                <a:lumMod val="75000"/>
+                <a:lumMod val="40000"/>
+                <a:lumOff val="60000"/>
               </a:schemeClr>
             </a:solidFill>
           </a:ln>
@@ -7113,7 +7813,7 @@
         </p:nvSpPr>
         <p:spPr>
           <a:xfrm>
-            <a:off x="5146267" y="2921463"/>
+            <a:off x="5146267" y="3193801"/>
             <a:ext cx="1692000" cy="471869"/>
           </a:xfrm>
           <a:prstGeom prst="rect">
@@ -7165,7 +7865,7 @@
                 <a:latin typeface="Courier New" panose="02070309020205020404" pitchFamily="49" charset="0"/>
                 <a:cs typeface="Courier New" panose="02070309020205020404" pitchFamily="49" charset="0"/>
               </a:rPr>
-              <a:t>read_battery</a:t>
+              <a:t>ref_set_mode</a:t>
             </a:r>
             <a:r>
               <a:rPr lang="es-ES" sz="1200" b="1" dirty="0">
@@ -7185,10 +7885,10 @@
       </p:sp>
       <p:sp>
         <p:nvSpPr>
-          <p:cNvPr id="19" name="Left Brace 18">
-            <a:extLst>
-              <a:ext uri="{FF2B5EF4-FFF2-40B4-BE49-F238E27FC236}">
-                <a16:creationId xmlns:a16="http://schemas.microsoft.com/office/drawing/2014/main" id="{4512B7F7-A894-A9EA-778D-943552C7C70A}"/>
+          <p:cNvPr id="9" name="Rectangle 8">
+            <a:extLst>
+              <a:ext uri="{FF2B5EF4-FFF2-40B4-BE49-F238E27FC236}">
+                <a16:creationId xmlns:a16="http://schemas.microsoft.com/office/drawing/2014/main" id="{92F44737-92BE-E265-D4BD-969607F460F7}"/>
               </a:ext>
             </a:extLst>
           </p:cNvPr>
@@ -7197,106 +7897,7 @@
         </p:nvSpPr>
         <p:spPr>
           <a:xfrm>
-            <a:off x="4522331" y="2634728"/>
-            <a:ext cx="623936" cy="3564695"/>
-          </a:xfrm>
-          <a:prstGeom prst="leftBrace">
-            <a:avLst/>
-          </a:prstGeom>
-          <a:ln w="19050">
-            <a:solidFill>
-              <a:schemeClr val="accent1">
-                <a:lumMod val="75000"/>
-              </a:schemeClr>
-            </a:solidFill>
-          </a:ln>
-        </p:spPr>
-        <p:style>
-          <a:lnRef idx="1">
-            <a:schemeClr val="accent1"/>
-          </a:lnRef>
-          <a:fillRef idx="0">
-            <a:schemeClr val="accent1"/>
-          </a:fillRef>
-          <a:effectRef idx="0">
-            <a:schemeClr val="accent1"/>
-          </a:effectRef>
-          <a:fontRef idx="minor">
-            <a:schemeClr val="tx1"/>
-          </a:fontRef>
-        </p:style>
-        <p:txBody>
-          <a:bodyPr rtlCol="0" anchor="ctr"/>
-          <a:lstStyle/>
-          <a:p>
-            <a:pPr algn="ctr"/>
-            <a:endParaRPr lang="es-ES"/>
-          </a:p>
-        </p:txBody>
-      </p:sp>
-      <p:cxnSp>
-        <p:nvCxnSpPr>
-          <p:cNvPr id="23" name="Connector: Elbow 22">
-            <a:extLst>
-              <a:ext uri="{FF2B5EF4-FFF2-40B4-BE49-F238E27FC236}">
-                <a16:creationId xmlns:a16="http://schemas.microsoft.com/office/drawing/2014/main" id="{01A2E98F-C557-F6B6-6F66-2ABBAA7BEEBA}"/>
-              </a:ext>
-            </a:extLst>
-          </p:cNvPr>
-          <p:cNvCxnSpPr>
-            <a:cxnSpLocks/>
-            <a:stCxn id="12" idx="3"/>
-            <a:endCxn id="19" idx="1"/>
-          </p:cNvCxnSpPr>
-          <p:nvPr/>
-        </p:nvCxnSpPr>
-        <p:spPr>
-          <a:xfrm>
-            <a:off x="3560915" y="3901605"/>
-            <a:ext cx="961416" cy="515471"/>
-          </a:xfrm>
-          <a:prstGeom prst="bentConnector3">
-            <a:avLst/>
-          </a:prstGeom>
-          <a:ln w="19050">
-            <a:solidFill>
-              <a:schemeClr val="accent1">
-                <a:lumMod val="75000"/>
-              </a:schemeClr>
-            </a:solidFill>
-            <a:tailEnd type="triangle"/>
-          </a:ln>
-        </p:spPr>
-        <p:style>
-          <a:lnRef idx="1">
-            <a:schemeClr val="accent1"/>
-          </a:lnRef>
-          <a:fillRef idx="0">
-            <a:schemeClr val="accent1"/>
-          </a:fillRef>
-          <a:effectRef idx="0">
-            <a:schemeClr val="accent1"/>
-          </a:effectRef>
-          <a:fontRef idx="minor">
-            <a:schemeClr val="tx1"/>
-          </a:fontRef>
-        </p:style>
-      </p:cxnSp>
-      <p:sp>
-        <p:nvSpPr>
-          <p:cNvPr id="8" name="Rectangle 7">
-            <a:extLst>
-              <a:ext uri="{FF2B5EF4-FFF2-40B4-BE49-F238E27FC236}">
-                <a16:creationId xmlns:a16="http://schemas.microsoft.com/office/drawing/2014/main" id="{E3B33A7B-25C1-97AE-FAA4-2671112121ED}"/>
-              </a:ext>
-            </a:extLst>
-          </p:cNvPr>
-          <p:cNvSpPr/>
-          <p:nvPr/>
-        </p:nvSpPr>
-        <p:spPr>
-          <a:xfrm>
-            <a:off x="5146267" y="3768283"/>
+            <a:off x="5146267" y="5168481"/>
             <a:ext cx="1692000" cy="471869"/>
           </a:xfrm>
           <a:prstGeom prst="rect">
@@ -7348,7 +7949,7 @@
                 <a:latin typeface="Courier New" panose="02070309020205020404" pitchFamily="49" charset="0"/>
                 <a:cs typeface="Courier New" panose="02070309020205020404" pitchFamily="49" charset="0"/>
               </a:rPr>
-              <a:t>read_rc</a:t>
+              <a:t>ref_gen</a:t>
             </a:r>
             <a:r>
               <a:rPr lang="es-ES" sz="1200" b="1" dirty="0">
@@ -7368,10 +7969,10 @@
       </p:sp>
       <p:sp>
         <p:nvSpPr>
-          <p:cNvPr id="10" name="Rectangle 9">
-            <a:extLst>
-              <a:ext uri="{FF2B5EF4-FFF2-40B4-BE49-F238E27FC236}">
-                <a16:creationId xmlns:a16="http://schemas.microsoft.com/office/drawing/2014/main" id="{7BAD2370-6E97-9F7D-F68F-C8451A2A929B}"/>
+          <p:cNvPr id="19" name="Left Brace 18">
+            <a:extLst>
+              <a:ext uri="{FF2B5EF4-FFF2-40B4-BE49-F238E27FC236}">
+                <a16:creationId xmlns:a16="http://schemas.microsoft.com/office/drawing/2014/main" id="{4512B7F7-A894-A9EA-778D-943552C7C70A}"/>
               </a:ext>
             </a:extLst>
           </p:cNvPr>
@@ -7380,18 +7981,12 @@
         </p:nvSpPr>
         <p:spPr>
           <a:xfrm>
-            <a:off x="5146267" y="4617764"/>
-            <a:ext cx="1692000" cy="471869"/>
-          </a:xfrm>
-          <a:prstGeom prst="rect">
+            <a:off x="4522331" y="2634728"/>
+            <a:ext cx="623936" cy="3564695"/>
+          </a:xfrm>
+          <a:prstGeom prst="leftBrace">
             <a:avLst/>
           </a:prstGeom>
-          <a:solidFill>
-            <a:schemeClr val="accent1">
-              <a:lumMod val="20000"/>
-              <a:lumOff val="80000"/>
-            </a:schemeClr>
-          </a:solidFill>
           <a:ln w="19050">
             <a:solidFill>
               <a:schemeClr val="accent1">
@@ -7401,19 +7996,17 @@
           </a:ln>
         </p:spPr>
         <p:style>
-          <a:lnRef idx="2">
-            <a:schemeClr val="accent1">
-              <a:shade val="50000"/>
-            </a:schemeClr>
+          <a:lnRef idx="1">
+            <a:schemeClr val="accent1"/>
           </a:lnRef>
-          <a:fillRef idx="1">
+          <a:fillRef idx="0">
             <a:schemeClr val="accent1"/>
           </a:fillRef>
           <a:effectRef idx="0">
             <a:schemeClr val="accent1"/>
           </a:effectRef>
           <a:fontRef idx="minor">
-            <a:schemeClr val="lt1"/>
+            <a:schemeClr val="tx1"/>
           </a:fontRef>
         </p:style>
         <p:txBody>
@@ -7421,128 +8014,31 @@
           <a:lstStyle/>
           <a:p>
             <a:pPr algn="ctr"/>
-            <a:r>
-              <a:rPr lang="es-ES" sz="1200" b="1" dirty="0" err="1">
-                <a:solidFill>
-                  <a:schemeClr val="tx1">
-                    <a:lumMod val="95000"/>
-                    <a:lumOff val="5000"/>
-                  </a:schemeClr>
-                </a:solidFill>
-                <a:latin typeface="Courier New" panose="02070309020205020404" pitchFamily="49" charset="0"/>
-                <a:cs typeface="Courier New" panose="02070309020205020404" pitchFamily="49" charset="0"/>
-              </a:rPr>
-              <a:t>read_gyro</a:t>
-            </a:r>
-            <a:r>
-              <a:rPr lang="es-ES" sz="1200" b="1" dirty="0">
-                <a:solidFill>
-                  <a:schemeClr val="tx1">
-                    <a:lumMod val="95000"/>
-                    <a:lumOff val="5000"/>
-                  </a:schemeClr>
-                </a:solidFill>
-                <a:latin typeface="Courier New" panose="02070309020205020404" pitchFamily="49" charset="0"/>
-                <a:cs typeface="Courier New" panose="02070309020205020404" pitchFamily="49" charset="0"/>
-              </a:rPr>
-              <a:t>()</a:t>
-            </a:r>
-          </a:p>
-        </p:txBody>
-      </p:sp>
-      <p:sp>
-        <p:nvSpPr>
-          <p:cNvPr id="11" name="Rectangle 10">
-            <a:extLst>
-              <a:ext uri="{FF2B5EF4-FFF2-40B4-BE49-F238E27FC236}">
-                <a16:creationId xmlns:a16="http://schemas.microsoft.com/office/drawing/2014/main" id="{D874ACD8-D1C6-8848-084D-91A93BFC303E}"/>
-              </a:ext>
-            </a:extLst>
-          </p:cNvPr>
-          <p:cNvSpPr/>
-          <p:nvPr/>
-        </p:nvSpPr>
-        <p:spPr>
-          <a:xfrm>
-            <a:off x="5146267" y="5464584"/>
-            <a:ext cx="1692000" cy="471869"/>
-          </a:xfrm>
-          <a:prstGeom prst="rect">
-            <a:avLst/>
-          </a:prstGeom>
-          <a:solidFill>
-            <a:schemeClr val="accent1">
-              <a:lumMod val="20000"/>
-              <a:lumOff val="80000"/>
-            </a:schemeClr>
-          </a:solidFill>
-          <a:ln w="19050">
-            <a:solidFill>
-              <a:schemeClr val="accent1">
-                <a:lumMod val="75000"/>
-              </a:schemeClr>
-            </a:solidFill>
-          </a:ln>
-        </p:spPr>
-        <p:style>
-          <a:lnRef idx="2">
-            <a:schemeClr val="accent1">
-              <a:shade val="50000"/>
-            </a:schemeClr>
-          </a:lnRef>
-          <a:fillRef idx="1">
-            <a:schemeClr val="accent1"/>
-          </a:fillRef>
-          <a:effectRef idx="0">
-            <a:schemeClr val="accent1"/>
-          </a:effectRef>
-          <a:fontRef idx="minor">
-            <a:schemeClr val="lt1"/>
-          </a:fontRef>
-        </p:style>
-        <p:txBody>
-          <a:bodyPr rtlCol="0" anchor="ctr"/>
-          <a:lstStyle/>
-          <a:p>
-            <a:pPr algn="ctr"/>
-            <a:r>
-              <a:rPr lang="es-ES" sz="1200" b="1" dirty="0">
-                <a:solidFill>
-                  <a:schemeClr val="tx1">
-                    <a:lumMod val="95000"/>
-                    <a:lumOff val="5000"/>
-                  </a:schemeClr>
-                </a:solidFill>
-                <a:latin typeface="Courier New" panose="02070309020205020404" pitchFamily="49" charset="0"/>
-                <a:cs typeface="Courier New" panose="02070309020205020404" pitchFamily="49" charset="0"/>
-              </a:rPr>
-              <a:t>read_barometer_v2()</a:t>
-            </a:r>
+            <a:endParaRPr lang="es-ES"/>
           </a:p>
         </p:txBody>
       </p:sp>
       <p:cxnSp>
         <p:nvCxnSpPr>
-          <p:cNvPr id="17" name="Straight Arrow Connector 16">
-            <a:extLst>
-              <a:ext uri="{FF2B5EF4-FFF2-40B4-BE49-F238E27FC236}">
-                <a16:creationId xmlns:a16="http://schemas.microsoft.com/office/drawing/2014/main" id="{1AA767D6-F7C8-266D-FEDE-0876FD498230}"/>
+          <p:cNvPr id="23" name="Connector: Elbow 22">
+            <a:extLst>
+              <a:ext uri="{FF2B5EF4-FFF2-40B4-BE49-F238E27FC236}">
+                <a16:creationId xmlns:a16="http://schemas.microsoft.com/office/drawing/2014/main" id="{01A2E98F-C557-F6B6-6F66-2ABBAA7BEEBA}"/>
               </a:ext>
             </a:extLst>
           </p:cNvPr>
           <p:cNvCxnSpPr>
-            <a:cxnSpLocks/>
-            <a:stCxn id="5" idx="2"/>
-            <a:endCxn id="8" idx="0"/>
+            <a:stCxn id="7" idx="3"/>
+            <a:endCxn id="19" idx="1"/>
           </p:cNvCxnSpPr>
           <p:nvPr/>
         </p:nvCxnSpPr>
         <p:spPr>
           <a:xfrm>
-            <a:off x="5992267" y="3393332"/>
-            <a:ext cx="0" cy="374951"/>
-          </a:xfrm>
-          <a:prstGeom prst="straightConnector1">
+            <a:off x="3560915" y="2870663"/>
+            <a:ext cx="961416" cy="1546413"/>
+          </a:xfrm>
+          <a:prstGeom prst="bentConnector3">
             <a:avLst/>
           </a:prstGeom>
           <a:ln w="19050">
@@ -7571,72 +8067,24 @@
       </p:cxnSp>
       <p:cxnSp>
         <p:nvCxnSpPr>
-          <p:cNvPr id="24" name="Straight Arrow Connector 23">
-            <a:extLst>
-              <a:ext uri="{FF2B5EF4-FFF2-40B4-BE49-F238E27FC236}">
-                <a16:creationId xmlns:a16="http://schemas.microsoft.com/office/drawing/2014/main" id="{A1CE9593-8C48-0DF5-C77A-B7FA0892D747}"/>
+          <p:cNvPr id="30" name="Straight Arrow Connector 29">
+            <a:extLst>
+              <a:ext uri="{FF2B5EF4-FFF2-40B4-BE49-F238E27FC236}">
+                <a16:creationId xmlns:a16="http://schemas.microsoft.com/office/drawing/2014/main" id="{4921B1FA-F323-5F6B-142C-D48532B45AFD}"/>
               </a:ext>
             </a:extLst>
           </p:cNvPr>
           <p:cNvCxnSpPr>
             <a:cxnSpLocks/>
-            <a:stCxn id="8" idx="2"/>
-            <a:endCxn id="10" idx="0"/>
+            <a:stCxn id="5" idx="2"/>
+            <a:endCxn id="9" idx="0"/>
           </p:cNvCxnSpPr>
           <p:nvPr/>
         </p:nvCxnSpPr>
         <p:spPr>
           <a:xfrm>
-            <a:off x="5992267" y="4240152"/>
-            <a:ext cx="0" cy="377612"/>
-          </a:xfrm>
-          <a:prstGeom prst="straightConnector1">
-            <a:avLst/>
-          </a:prstGeom>
-          <a:ln w="19050">
-            <a:solidFill>
-              <a:schemeClr val="accent1">
-                <a:lumMod val="75000"/>
-              </a:schemeClr>
-            </a:solidFill>
-            <a:tailEnd type="triangle"/>
-          </a:ln>
-        </p:spPr>
-        <p:style>
-          <a:lnRef idx="1">
-            <a:schemeClr val="accent1"/>
-          </a:lnRef>
-          <a:fillRef idx="0">
-            <a:schemeClr val="accent1"/>
-          </a:fillRef>
-          <a:effectRef idx="0">
-            <a:schemeClr val="accent1"/>
-          </a:effectRef>
-          <a:fontRef idx="minor">
-            <a:schemeClr val="tx1"/>
-          </a:fontRef>
-        </p:style>
-      </p:cxnSp>
-      <p:cxnSp>
-        <p:nvCxnSpPr>
-          <p:cNvPr id="28" name="Straight Arrow Connector 27">
-            <a:extLst>
-              <a:ext uri="{FF2B5EF4-FFF2-40B4-BE49-F238E27FC236}">
-                <a16:creationId xmlns:a16="http://schemas.microsoft.com/office/drawing/2014/main" id="{032DCB4E-F70A-CF0B-9431-2771FEBC5EFC}"/>
-              </a:ext>
-            </a:extLst>
-          </p:cNvPr>
-          <p:cNvCxnSpPr>
-            <a:cxnSpLocks/>
-            <a:stCxn id="10" idx="2"/>
-            <a:endCxn id="11" idx="0"/>
-          </p:cNvCxnSpPr>
-          <p:nvPr/>
-        </p:nvCxnSpPr>
-        <p:spPr>
-          <a:xfrm>
-            <a:off x="5992267" y="5089633"/>
-            <a:ext cx="0" cy="374951"/>
+            <a:off x="5992267" y="3665670"/>
+            <a:ext cx="0" cy="1502811"/>
           </a:xfrm>
           <a:prstGeom prst="straightConnector1">
             <a:avLst/>
@@ -7668,7 +8116,7 @@
     </p:spTree>
     <p:extLst>
       <p:ext uri="{BB962C8B-B14F-4D97-AF65-F5344CB8AC3E}">
-        <p14:creationId xmlns:p14="http://schemas.microsoft.com/office/powerpoint/2010/main" val="157209372"/>
+        <p14:creationId xmlns:p14="http://schemas.microsoft.com/office/powerpoint/2010/main" val="972302429"/>
       </p:ext>
     </p:extLst>
   </p:cSld>
@@ -8067,8 +8515,7 @@
           <a:ln w="19050">
             <a:solidFill>
               <a:schemeClr val="accent1">
-                <a:lumMod val="40000"/>
-                <a:lumOff val="60000"/>
+                <a:lumMod val="75000"/>
               </a:schemeClr>
             </a:solidFill>
           </a:ln>
@@ -8139,7 +8586,8 @@
           <a:ln w="19050">
             <a:solidFill>
               <a:schemeClr val="accent1">
-                <a:lumMod val="75000"/>
+                <a:lumMod val="40000"/>
+                <a:lumOff val="60000"/>
               </a:schemeClr>
             </a:solidFill>
           </a:ln>
@@ -8561,7 +9009,7 @@
         </p:nvSpPr>
         <p:spPr>
           <a:xfrm>
-            <a:off x="5146267" y="3193801"/>
+            <a:off x="5146267" y="2921463"/>
             <a:ext cx="1692000" cy="471869"/>
           </a:xfrm>
           <a:prstGeom prst="rect">
@@ -8613,7 +9061,7 @@
                 <a:latin typeface="Courier New" panose="02070309020205020404" pitchFamily="49" charset="0"/>
                 <a:cs typeface="Courier New" panose="02070309020205020404" pitchFamily="49" charset="0"/>
               </a:rPr>
-              <a:t>pid_attitude_sp</a:t>
+              <a:t>read_battery</a:t>
             </a:r>
             <a:r>
               <a:rPr lang="es-ES" sz="1200" b="1" dirty="0">
@@ -8633,10 +9081,10 @@
       </p:sp>
       <p:sp>
         <p:nvSpPr>
-          <p:cNvPr id="9" name="Rectangle 8">
-            <a:extLst>
-              <a:ext uri="{FF2B5EF4-FFF2-40B4-BE49-F238E27FC236}">
-                <a16:creationId xmlns:a16="http://schemas.microsoft.com/office/drawing/2014/main" id="{92F44737-92BE-E265-D4BD-969607F460F7}"/>
+          <p:cNvPr id="19" name="Left Brace 18">
+            <a:extLst>
+              <a:ext uri="{FF2B5EF4-FFF2-40B4-BE49-F238E27FC236}">
+                <a16:creationId xmlns:a16="http://schemas.microsoft.com/office/drawing/2014/main" id="{4512B7F7-A894-A9EA-778D-943552C7C70A}"/>
               </a:ext>
             </a:extLst>
           </p:cNvPr>
@@ -8645,7 +9093,106 @@
         </p:nvSpPr>
         <p:spPr>
           <a:xfrm>
-            <a:off x="5146267" y="5168481"/>
+            <a:off x="4522331" y="2634728"/>
+            <a:ext cx="623936" cy="3564695"/>
+          </a:xfrm>
+          <a:prstGeom prst="leftBrace">
+            <a:avLst/>
+          </a:prstGeom>
+          <a:ln w="19050">
+            <a:solidFill>
+              <a:schemeClr val="accent1">
+                <a:lumMod val="75000"/>
+              </a:schemeClr>
+            </a:solidFill>
+          </a:ln>
+        </p:spPr>
+        <p:style>
+          <a:lnRef idx="1">
+            <a:schemeClr val="accent1"/>
+          </a:lnRef>
+          <a:fillRef idx="0">
+            <a:schemeClr val="accent1"/>
+          </a:fillRef>
+          <a:effectRef idx="0">
+            <a:schemeClr val="accent1"/>
+          </a:effectRef>
+          <a:fontRef idx="minor">
+            <a:schemeClr val="tx1"/>
+          </a:fontRef>
+        </p:style>
+        <p:txBody>
+          <a:bodyPr rtlCol="0" anchor="ctr"/>
+          <a:lstStyle/>
+          <a:p>
+            <a:pPr algn="ctr"/>
+            <a:endParaRPr lang="es-ES"/>
+          </a:p>
+        </p:txBody>
+      </p:sp>
+      <p:cxnSp>
+        <p:nvCxnSpPr>
+          <p:cNvPr id="23" name="Connector: Elbow 22">
+            <a:extLst>
+              <a:ext uri="{FF2B5EF4-FFF2-40B4-BE49-F238E27FC236}">
+                <a16:creationId xmlns:a16="http://schemas.microsoft.com/office/drawing/2014/main" id="{01A2E98F-C557-F6B6-6F66-2ABBAA7BEEBA}"/>
+              </a:ext>
+            </a:extLst>
+          </p:cNvPr>
+          <p:cNvCxnSpPr>
+            <a:cxnSpLocks/>
+            <a:stCxn id="12" idx="3"/>
+            <a:endCxn id="19" idx="1"/>
+          </p:cNvCxnSpPr>
+          <p:nvPr/>
+        </p:nvCxnSpPr>
+        <p:spPr>
+          <a:xfrm>
+            <a:off x="3560915" y="3901605"/>
+            <a:ext cx="961416" cy="515471"/>
+          </a:xfrm>
+          <a:prstGeom prst="bentConnector3">
+            <a:avLst/>
+          </a:prstGeom>
+          <a:ln w="19050">
+            <a:solidFill>
+              <a:schemeClr val="accent1">
+                <a:lumMod val="75000"/>
+              </a:schemeClr>
+            </a:solidFill>
+            <a:tailEnd type="triangle"/>
+          </a:ln>
+        </p:spPr>
+        <p:style>
+          <a:lnRef idx="1">
+            <a:schemeClr val="accent1"/>
+          </a:lnRef>
+          <a:fillRef idx="0">
+            <a:schemeClr val="accent1"/>
+          </a:fillRef>
+          <a:effectRef idx="0">
+            <a:schemeClr val="accent1"/>
+          </a:effectRef>
+          <a:fontRef idx="minor">
+            <a:schemeClr val="tx1"/>
+          </a:fontRef>
+        </p:style>
+      </p:cxnSp>
+      <p:sp>
+        <p:nvSpPr>
+          <p:cNvPr id="8" name="Rectangle 7">
+            <a:extLst>
+              <a:ext uri="{FF2B5EF4-FFF2-40B4-BE49-F238E27FC236}">
+                <a16:creationId xmlns:a16="http://schemas.microsoft.com/office/drawing/2014/main" id="{E3B33A7B-25C1-97AE-FAA4-2671112121ED}"/>
+              </a:ext>
+            </a:extLst>
+          </p:cNvPr>
+          <p:cNvSpPr/>
+          <p:nvPr/>
+        </p:nvSpPr>
+        <p:spPr>
+          <a:xfrm>
+            <a:off x="5146267" y="3768283"/>
             <a:ext cx="1692000" cy="471869"/>
           </a:xfrm>
           <a:prstGeom prst="rect">
@@ -8697,7 +9244,7 @@
                 <a:latin typeface="Courier New" panose="02070309020205020404" pitchFamily="49" charset="0"/>
                 <a:cs typeface="Courier New" panose="02070309020205020404" pitchFamily="49" charset="0"/>
               </a:rPr>
-              <a:t>Calculate_pid</a:t>
+              <a:t>read_rc</a:t>
             </a:r>
             <a:r>
               <a:rPr lang="es-ES" sz="1200" b="1" dirty="0">
@@ -8717,10 +9264,10 @@
       </p:sp>
       <p:sp>
         <p:nvSpPr>
-          <p:cNvPr id="19" name="Left Brace 18">
-            <a:extLst>
-              <a:ext uri="{FF2B5EF4-FFF2-40B4-BE49-F238E27FC236}">
-                <a16:creationId xmlns:a16="http://schemas.microsoft.com/office/drawing/2014/main" id="{4512B7F7-A894-A9EA-778D-943552C7C70A}"/>
+          <p:cNvPr id="10" name="Rectangle 9">
+            <a:extLst>
+              <a:ext uri="{FF2B5EF4-FFF2-40B4-BE49-F238E27FC236}">
+                <a16:creationId xmlns:a16="http://schemas.microsoft.com/office/drawing/2014/main" id="{7BAD2370-6E97-9F7D-F68F-C8451A2A929B}"/>
               </a:ext>
             </a:extLst>
           </p:cNvPr>
@@ -8729,12 +9276,18 @@
         </p:nvSpPr>
         <p:spPr>
           <a:xfrm>
-            <a:off x="4522331" y="2634728"/>
-            <a:ext cx="623936" cy="3564695"/>
-          </a:xfrm>
-          <a:prstGeom prst="leftBrace">
+            <a:off x="5146267" y="4617764"/>
+            <a:ext cx="1692000" cy="471869"/>
+          </a:xfrm>
+          <a:prstGeom prst="rect">
             <a:avLst/>
           </a:prstGeom>
+          <a:solidFill>
+            <a:schemeClr val="accent1">
+              <a:lumMod val="20000"/>
+              <a:lumOff val="80000"/>
+            </a:schemeClr>
+          </a:solidFill>
           <a:ln w="19050">
             <a:solidFill>
               <a:schemeClr val="accent1">
@@ -8744,17 +9297,19 @@
           </a:ln>
         </p:spPr>
         <p:style>
-          <a:lnRef idx="1">
-            <a:schemeClr val="accent1"/>
+          <a:lnRef idx="2">
+            <a:schemeClr val="accent1">
+              <a:shade val="50000"/>
+            </a:schemeClr>
           </a:lnRef>
-          <a:fillRef idx="0">
+          <a:fillRef idx="1">
             <a:schemeClr val="accent1"/>
           </a:fillRef>
           <a:effectRef idx="0">
             <a:schemeClr val="accent1"/>
           </a:effectRef>
           <a:fontRef idx="minor">
-            <a:schemeClr val="tx1"/>
+            <a:schemeClr val="lt1"/>
           </a:fontRef>
         </p:style>
         <p:txBody>
@@ -8762,32 +9317,128 @@
           <a:lstStyle/>
           <a:p>
             <a:pPr algn="ctr"/>
-            <a:endParaRPr lang="es-ES"/>
+            <a:r>
+              <a:rPr lang="es-ES" sz="1200" b="1" dirty="0" err="1">
+                <a:solidFill>
+                  <a:schemeClr val="tx1">
+                    <a:lumMod val="95000"/>
+                    <a:lumOff val="5000"/>
+                  </a:schemeClr>
+                </a:solidFill>
+                <a:latin typeface="Courier New" panose="02070309020205020404" pitchFamily="49" charset="0"/>
+                <a:cs typeface="Courier New" panose="02070309020205020404" pitchFamily="49" charset="0"/>
+              </a:rPr>
+              <a:t>read_gyro</a:t>
+            </a:r>
+            <a:r>
+              <a:rPr lang="es-ES" sz="1200" b="1" dirty="0">
+                <a:solidFill>
+                  <a:schemeClr val="tx1">
+                    <a:lumMod val="95000"/>
+                    <a:lumOff val="5000"/>
+                  </a:schemeClr>
+                </a:solidFill>
+                <a:latin typeface="Courier New" panose="02070309020205020404" pitchFamily="49" charset="0"/>
+                <a:cs typeface="Courier New" panose="02070309020205020404" pitchFamily="49" charset="0"/>
+              </a:rPr>
+              <a:t>()</a:t>
+            </a:r>
+          </a:p>
+        </p:txBody>
+      </p:sp>
+      <p:sp>
+        <p:nvSpPr>
+          <p:cNvPr id="11" name="Rectangle 10">
+            <a:extLst>
+              <a:ext uri="{FF2B5EF4-FFF2-40B4-BE49-F238E27FC236}">
+                <a16:creationId xmlns:a16="http://schemas.microsoft.com/office/drawing/2014/main" id="{D874ACD8-D1C6-8848-084D-91A93BFC303E}"/>
+              </a:ext>
+            </a:extLst>
+          </p:cNvPr>
+          <p:cNvSpPr/>
+          <p:nvPr/>
+        </p:nvSpPr>
+        <p:spPr>
+          <a:xfrm>
+            <a:off x="5146267" y="5464584"/>
+            <a:ext cx="1692000" cy="471869"/>
+          </a:xfrm>
+          <a:prstGeom prst="rect">
+            <a:avLst/>
+          </a:prstGeom>
+          <a:solidFill>
+            <a:schemeClr val="accent1">
+              <a:lumMod val="20000"/>
+              <a:lumOff val="80000"/>
+            </a:schemeClr>
+          </a:solidFill>
+          <a:ln w="19050">
+            <a:solidFill>
+              <a:schemeClr val="accent1">
+                <a:lumMod val="75000"/>
+              </a:schemeClr>
+            </a:solidFill>
+          </a:ln>
+        </p:spPr>
+        <p:style>
+          <a:lnRef idx="2">
+            <a:schemeClr val="accent1">
+              <a:shade val="50000"/>
+            </a:schemeClr>
+          </a:lnRef>
+          <a:fillRef idx="1">
+            <a:schemeClr val="accent1"/>
+          </a:fillRef>
+          <a:effectRef idx="0">
+            <a:schemeClr val="accent1"/>
+          </a:effectRef>
+          <a:fontRef idx="minor">
+            <a:schemeClr val="lt1"/>
+          </a:fontRef>
+        </p:style>
+        <p:txBody>
+          <a:bodyPr rtlCol="0" anchor="ctr"/>
+          <a:lstStyle/>
+          <a:p>
+            <a:pPr algn="ctr"/>
+            <a:r>
+              <a:rPr lang="es-ES" sz="1200" b="1" dirty="0">
+                <a:solidFill>
+                  <a:schemeClr val="tx1">
+                    <a:lumMod val="95000"/>
+                    <a:lumOff val="5000"/>
+                  </a:schemeClr>
+                </a:solidFill>
+                <a:latin typeface="Courier New" panose="02070309020205020404" pitchFamily="49" charset="0"/>
+                <a:cs typeface="Courier New" panose="02070309020205020404" pitchFamily="49" charset="0"/>
+              </a:rPr>
+              <a:t>read_barometer_v2()</a:t>
+            </a:r>
           </a:p>
         </p:txBody>
       </p:sp>
       <p:cxnSp>
         <p:nvCxnSpPr>
-          <p:cNvPr id="23" name="Connector: Elbow 22">
-            <a:extLst>
-              <a:ext uri="{FF2B5EF4-FFF2-40B4-BE49-F238E27FC236}">
-                <a16:creationId xmlns:a16="http://schemas.microsoft.com/office/drawing/2014/main" id="{01A2E98F-C557-F6B6-6F66-2ABBAA7BEEBA}"/>
+          <p:cNvPr id="17" name="Straight Arrow Connector 16">
+            <a:extLst>
+              <a:ext uri="{FF2B5EF4-FFF2-40B4-BE49-F238E27FC236}">
+                <a16:creationId xmlns:a16="http://schemas.microsoft.com/office/drawing/2014/main" id="{1AA767D6-F7C8-266D-FEDE-0876FD498230}"/>
               </a:ext>
             </a:extLst>
           </p:cNvPr>
           <p:cNvCxnSpPr>
             <a:cxnSpLocks/>
-            <a:stCxn id="14" idx="3"/>
-            <a:endCxn id="19" idx="1"/>
+            <a:stCxn id="5" idx="2"/>
+            <a:endCxn id="8" idx="0"/>
           </p:cNvCxnSpPr>
           <p:nvPr/>
         </p:nvCxnSpPr>
         <p:spPr>
-          <a:xfrm flipV="1">
-            <a:off x="3560915" y="4417076"/>
-            <a:ext cx="961416" cy="515471"/>
-          </a:xfrm>
-          <a:prstGeom prst="bentConnector3">
+          <a:xfrm>
+            <a:off x="5992267" y="3393332"/>
+            <a:ext cx="0" cy="374951"/>
+          </a:xfrm>
+          <a:prstGeom prst="straightConnector1">
             <a:avLst/>
           </a:prstGeom>
           <a:ln w="19050">
@@ -8816,24 +9467,72 @@
       </p:cxnSp>
       <p:cxnSp>
         <p:nvCxnSpPr>
-          <p:cNvPr id="30" name="Straight Arrow Connector 29">
-            <a:extLst>
-              <a:ext uri="{FF2B5EF4-FFF2-40B4-BE49-F238E27FC236}">
-                <a16:creationId xmlns:a16="http://schemas.microsoft.com/office/drawing/2014/main" id="{4921B1FA-F323-5F6B-142C-D48532B45AFD}"/>
+          <p:cNvPr id="24" name="Straight Arrow Connector 23">
+            <a:extLst>
+              <a:ext uri="{FF2B5EF4-FFF2-40B4-BE49-F238E27FC236}">
+                <a16:creationId xmlns:a16="http://schemas.microsoft.com/office/drawing/2014/main" id="{A1CE9593-8C48-0DF5-C77A-B7FA0892D747}"/>
               </a:ext>
             </a:extLst>
           </p:cNvPr>
           <p:cNvCxnSpPr>
             <a:cxnSpLocks/>
-            <a:stCxn id="5" idx="2"/>
-            <a:endCxn id="9" idx="0"/>
+            <a:stCxn id="8" idx="2"/>
+            <a:endCxn id="10" idx="0"/>
           </p:cNvCxnSpPr>
           <p:nvPr/>
         </p:nvCxnSpPr>
         <p:spPr>
           <a:xfrm>
-            <a:off x="5992267" y="3665670"/>
-            <a:ext cx="0" cy="1502811"/>
+            <a:off x="5992267" y="4240152"/>
+            <a:ext cx="0" cy="377612"/>
+          </a:xfrm>
+          <a:prstGeom prst="straightConnector1">
+            <a:avLst/>
+          </a:prstGeom>
+          <a:ln w="19050">
+            <a:solidFill>
+              <a:schemeClr val="accent1">
+                <a:lumMod val="75000"/>
+              </a:schemeClr>
+            </a:solidFill>
+            <a:tailEnd type="triangle"/>
+          </a:ln>
+        </p:spPr>
+        <p:style>
+          <a:lnRef idx="1">
+            <a:schemeClr val="accent1"/>
+          </a:lnRef>
+          <a:fillRef idx="0">
+            <a:schemeClr val="accent1"/>
+          </a:fillRef>
+          <a:effectRef idx="0">
+            <a:schemeClr val="accent1"/>
+          </a:effectRef>
+          <a:fontRef idx="minor">
+            <a:schemeClr val="tx1"/>
+          </a:fontRef>
+        </p:style>
+      </p:cxnSp>
+      <p:cxnSp>
+        <p:nvCxnSpPr>
+          <p:cNvPr id="28" name="Straight Arrow Connector 27">
+            <a:extLst>
+              <a:ext uri="{FF2B5EF4-FFF2-40B4-BE49-F238E27FC236}">
+                <a16:creationId xmlns:a16="http://schemas.microsoft.com/office/drawing/2014/main" id="{032DCB4E-F70A-CF0B-9431-2771FEBC5EFC}"/>
+              </a:ext>
+            </a:extLst>
+          </p:cNvPr>
+          <p:cNvCxnSpPr>
+            <a:cxnSpLocks/>
+            <a:stCxn id="10" idx="2"/>
+            <a:endCxn id="11" idx="0"/>
+          </p:cNvCxnSpPr>
+          <p:nvPr/>
+        </p:nvCxnSpPr>
+        <p:spPr>
+          <a:xfrm>
+            <a:off x="5992267" y="5089633"/>
+            <a:ext cx="0" cy="374951"/>
           </a:xfrm>
           <a:prstGeom prst="straightConnector1">
             <a:avLst/>
@@ -8865,7 +9564,7 @@
     </p:spTree>
     <p:extLst>
       <p:ext uri="{BB962C8B-B14F-4D97-AF65-F5344CB8AC3E}">
-        <p14:creationId xmlns:p14="http://schemas.microsoft.com/office/powerpoint/2010/main" val="2358357664"/>
+        <p14:creationId xmlns:p14="http://schemas.microsoft.com/office/powerpoint/2010/main" val="157209372"/>
       </p:ext>
     </p:extLst>
   </p:cSld>
@@ -9336,6 +10035,1203 @@
           <a:ln w="19050">
             <a:solidFill>
               <a:schemeClr val="accent1">
+                <a:lumMod val="75000"/>
+              </a:schemeClr>
+            </a:solidFill>
+          </a:ln>
+        </p:spPr>
+        <p:style>
+          <a:lnRef idx="2">
+            <a:schemeClr val="accent1">
+              <a:shade val="50000"/>
+            </a:schemeClr>
+          </a:lnRef>
+          <a:fillRef idx="1">
+            <a:schemeClr val="accent1"/>
+          </a:fillRef>
+          <a:effectRef idx="0">
+            <a:schemeClr val="accent1"/>
+          </a:effectRef>
+          <a:fontRef idx="minor">
+            <a:schemeClr val="lt1"/>
+          </a:fontRef>
+        </p:style>
+        <p:txBody>
+          <a:bodyPr rtlCol="0" anchor="ctr"/>
+          <a:lstStyle/>
+          <a:p>
+            <a:pPr algn="ctr"/>
+            <a:r>
+              <a:rPr lang="es-ES" sz="1200" b="1" dirty="0">
+                <a:solidFill>
+                  <a:schemeClr val="tx1">
+                    <a:lumMod val="95000"/>
+                    <a:lumOff val="5000"/>
+                  </a:schemeClr>
+                </a:solidFill>
+                <a:latin typeface="Arial" panose="020B0604020202020204" pitchFamily="34" charset="0"/>
+                <a:cs typeface="Arial" panose="020B0604020202020204" pitchFamily="34" charset="0"/>
+              </a:rPr>
+              <a:t>Controladores</a:t>
+            </a:r>
+          </a:p>
+        </p:txBody>
+      </p:sp>
+      <p:sp>
+        <p:nvSpPr>
+          <p:cNvPr id="16" name="Rectangle 15">
+            <a:extLst>
+              <a:ext uri="{FF2B5EF4-FFF2-40B4-BE49-F238E27FC236}">
+                <a16:creationId xmlns:a16="http://schemas.microsoft.com/office/drawing/2014/main" id="{C03E425E-9B99-2126-3A6A-EC7BCA129CA3}"/>
+              </a:ext>
+            </a:extLst>
+          </p:cNvPr>
+          <p:cNvSpPr/>
+          <p:nvPr/>
+        </p:nvSpPr>
+        <p:spPr>
+          <a:xfrm>
+            <a:off x="1868915" y="5727554"/>
+            <a:ext cx="1692000" cy="471869"/>
+          </a:xfrm>
+          <a:prstGeom prst="rect">
+            <a:avLst/>
+          </a:prstGeom>
+          <a:solidFill>
+            <a:schemeClr val="accent1">
+              <a:lumMod val="20000"/>
+              <a:lumOff val="80000"/>
+            </a:schemeClr>
+          </a:solidFill>
+          <a:ln w="19050">
+            <a:solidFill>
+              <a:schemeClr val="accent1">
+                <a:lumMod val="40000"/>
+                <a:lumOff val="60000"/>
+              </a:schemeClr>
+            </a:solidFill>
+          </a:ln>
+        </p:spPr>
+        <p:style>
+          <a:lnRef idx="2">
+            <a:schemeClr val="accent1">
+              <a:shade val="50000"/>
+            </a:schemeClr>
+          </a:lnRef>
+          <a:fillRef idx="1">
+            <a:schemeClr val="accent1"/>
+          </a:fillRef>
+          <a:effectRef idx="0">
+            <a:schemeClr val="accent1"/>
+          </a:effectRef>
+          <a:fontRef idx="minor">
+            <a:schemeClr val="lt1"/>
+          </a:fontRef>
+        </p:style>
+        <p:txBody>
+          <a:bodyPr rtlCol="0" anchor="ctr"/>
+          <a:lstStyle/>
+          <a:p>
+            <a:pPr algn="ctr"/>
+            <a:r>
+              <a:rPr lang="es-ES" sz="1200" b="1" dirty="0">
+                <a:solidFill>
+                  <a:schemeClr val="tx1">
+                    <a:lumMod val="95000"/>
+                    <a:lumOff val="5000"/>
+                  </a:schemeClr>
+                </a:solidFill>
+                <a:latin typeface="Arial" panose="020B0604020202020204" pitchFamily="34" charset="0"/>
+                <a:cs typeface="Arial" panose="020B0604020202020204" pitchFamily="34" charset="0"/>
+              </a:rPr>
+              <a:t>Actuadores</a:t>
+            </a:r>
+          </a:p>
+        </p:txBody>
+      </p:sp>
+      <p:cxnSp>
+        <p:nvCxnSpPr>
+          <p:cNvPr id="20" name="Straight Arrow Connector 19">
+            <a:extLst>
+              <a:ext uri="{FF2B5EF4-FFF2-40B4-BE49-F238E27FC236}">
+                <a16:creationId xmlns:a16="http://schemas.microsoft.com/office/drawing/2014/main" id="{B1CD1A88-FFE4-0B96-895B-8BF0AADA9F86}"/>
+              </a:ext>
+            </a:extLst>
+          </p:cNvPr>
+          <p:cNvCxnSpPr>
+            <a:cxnSpLocks/>
+            <a:stCxn id="2" idx="2"/>
+            <a:endCxn id="6" idx="0"/>
+          </p:cNvCxnSpPr>
+          <p:nvPr/>
+        </p:nvCxnSpPr>
+        <p:spPr>
+          <a:xfrm>
+            <a:off x="2714915" y="1044713"/>
+            <a:ext cx="0" cy="559073"/>
+          </a:xfrm>
+          <a:prstGeom prst="straightConnector1">
+            <a:avLst/>
+          </a:prstGeom>
+          <a:ln w="19050">
+            <a:solidFill>
+              <a:schemeClr val="accent1">
+                <a:lumMod val="40000"/>
+                <a:lumOff val="60000"/>
+              </a:schemeClr>
+            </a:solidFill>
+            <a:tailEnd type="triangle"/>
+          </a:ln>
+        </p:spPr>
+        <p:style>
+          <a:lnRef idx="1">
+            <a:schemeClr val="accent1"/>
+          </a:lnRef>
+          <a:fillRef idx="0">
+            <a:schemeClr val="accent1"/>
+          </a:fillRef>
+          <a:effectRef idx="0">
+            <a:schemeClr val="accent1"/>
+          </a:effectRef>
+          <a:fontRef idx="minor">
+            <a:schemeClr val="tx1"/>
+          </a:fontRef>
+        </p:style>
+      </p:cxnSp>
+      <p:cxnSp>
+        <p:nvCxnSpPr>
+          <p:cNvPr id="22" name="Straight Arrow Connector 21">
+            <a:extLst>
+              <a:ext uri="{FF2B5EF4-FFF2-40B4-BE49-F238E27FC236}">
+                <a16:creationId xmlns:a16="http://schemas.microsoft.com/office/drawing/2014/main" id="{D2900C8F-F247-832A-EF9E-58D6265E32AD}"/>
+              </a:ext>
+            </a:extLst>
+          </p:cNvPr>
+          <p:cNvCxnSpPr>
+            <a:cxnSpLocks/>
+            <a:stCxn id="6" idx="2"/>
+            <a:endCxn id="7" idx="0"/>
+          </p:cNvCxnSpPr>
+          <p:nvPr/>
+        </p:nvCxnSpPr>
+        <p:spPr>
+          <a:xfrm>
+            <a:off x="2714915" y="2075655"/>
+            <a:ext cx="0" cy="559073"/>
+          </a:xfrm>
+          <a:prstGeom prst="straightConnector1">
+            <a:avLst/>
+          </a:prstGeom>
+          <a:ln w="19050">
+            <a:solidFill>
+              <a:schemeClr val="accent1">
+                <a:lumMod val="40000"/>
+                <a:lumOff val="60000"/>
+              </a:schemeClr>
+            </a:solidFill>
+            <a:tailEnd type="triangle"/>
+          </a:ln>
+        </p:spPr>
+        <p:style>
+          <a:lnRef idx="1">
+            <a:schemeClr val="accent1"/>
+          </a:lnRef>
+          <a:fillRef idx="0">
+            <a:schemeClr val="accent1"/>
+          </a:fillRef>
+          <a:effectRef idx="0">
+            <a:schemeClr val="accent1"/>
+          </a:effectRef>
+          <a:fontRef idx="minor">
+            <a:schemeClr val="tx1"/>
+          </a:fontRef>
+        </p:style>
+      </p:cxnSp>
+      <p:cxnSp>
+        <p:nvCxnSpPr>
+          <p:cNvPr id="27" name="Straight Arrow Connector 26">
+            <a:extLst>
+              <a:ext uri="{FF2B5EF4-FFF2-40B4-BE49-F238E27FC236}">
+                <a16:creationId xmlns:a16="http://schemas.microsoft.com/office/drawing/2014/main" id="{2C865300-57D4-ABB8-1D00-21A288F9E1F8}"/>
+              </a:ext>
+            </a:extLst>
+          </p:cNvPr>
+          <p:cNvCxnSpPr>
+            <a:stCxn id="7" idx="2"/>
+            <a:endCxn id="12" idx="0"/>
+          </p:cNvCxnSpPr>
+          <p:nvPr/>
+        </p:nvCxnSpPr>
+        <p:spPr>
+          <a:xfrm>
+            <a:off x="2714915" y="3106597"/>
+            <a:ext cx="0" cy="559073"/>
+          </a:xfrm>
+          <a:prstGeom prst="straightConnector1">
+            <a:avLst/>
+          </a:prstGeom>
+          <a:ln w="19050">
+            <a:solidFill>
+              <a:schemeClr val="accent1">
+                <a:lumMod val="40000"/>
+                <a:lumOff val="60000"/>
+              </a:schemeClr>
+            </a:solidFill>
+            <a:tailEnd type="triangle"/>
+          </a:ln>
+        </p:spPr>
+        <p:style>
+          <a:lnRef idx="1">
+            <a:schemeClr val="accent1"/>
+          </a:lnRef>
+          <a:fillRef idx="0">
+            <a:schemeClr val="accent1"/>
+          </a:fillRef>
+          <a:effectRef idx="0">
+            <a:schemeClr val="accent1"/>
+          </a:effectRef>
+          <a:fontRef idx="minor">
+            <a:schemeClr val="tx1"/>
+          </a:fontRef>
+        </p:style>
+      </p:cxnSp>
+      <p:cxnSp>
+        <p:nvCxnSpPr>
+          <p:cNvPr id="29" name="Straight Arrow Connector 28">
+            <a:extLst>
+              <a:ext uri="{FF2B5EF4-FFF2-40B4-BE49-F238E27FC236}">
+                <a16:creationId xmlns:a16="http://schemas.microsoft.com/office/drawing/2014/main" id="{4AFF575C-762E-AB1B-3B09-1670F39D7536}"/>
+              </a:ext>
+            </a:extLst>
+          </p:cNvPr>
+          <p:cNvCxnSpPr>
+            <a:stCxn id="12" idx="2"/>
+            <a:endCxn id="14" idx="0"/>
+          </p:cNvCxnSpPr>
+          <p:nvPr/>
+        </p:nvCxnSpPr>
+        <p:spPr>
+          <a:xfrm>
+            <a:off x="2714915" y="4137539"/>
+            <a:ext cx="0" cy="559073"/>
+          </a:xfrm>
+          <a:prstGeom prst="straightConnector1">
+            <a:avLst/>
+          </a:prstGeom>
+          <a:ln w="19050">
+            <a:solidFill>
+              <a:schemeClr val="accent1">
+                <a:lumMod val="40000"/>
+                <a:lumOff val="60000"/>
+              </a:schemeClr>
+            </a:solidFill>
+            <a:tailEnd type="triangle"/>
+          </a:ln>
+        </p:spPr>
+        <p:style>
+          <a:lnRef idx="1">
+            <a:schemeClr val="accent1"/>
+          </a:lnRef>
+          <a:fillRef idx="0">
+            <a:schemeClr val="accent1"/>
+          </a:fillRef>
+          <a:effectRef idx="0">
+            <a:schemeClr val="accent1"/>
+          </a:effectRef>
+          <a:fontRef idx="minor">
+            <a:schemeClr val="tx1"/>
+          </a:fontRef>
+        </p:style>
+      </p:cxnSp>
+      <p:cxnSp>
+        <p:nvCxnSpPr>
+          <p:cNvPr id="31" name="Straight Arrow Connector 30">
+            <a:extLst>
+              <a:ext uri="{FF2B5EF4-FFF2-40B4-BE49-F238E27FC236}">
+                <a16:creationId xmlns:a16="http://schemas.microsoft.com/office/drawing/2014/main" id="{E23DD49B-5838-F011-DD44-9FA9AEC054D0}"/>
+              </a:ext>
+            </a:extLst>
+          </p:cNvPr>
+          <p:cNvCxnSpPr>
+            <a:stCxn id="14" idx="2"/>
+            <a:endCxn id="16" idx="0"/>
+          </p:cNvCxnSpPr>
+          <p:nvPr/>
+        </p:nvCxnSpPr>
+        <p:spPr>
+          <a:xfrm>
+            <a:off x="2714915" y="5168481"/>
+            <a:ext cx="0" cy="559073"/>
+          </a:xfrm>
+          <a:prstGeom prst="straightConnector1">
+            <a:avLst/>
+          </a:prstGeom>
+          <a:ln w="19050">
+            <a:solidFill>
+              <a:schemeClr val="accent1">
+                <a:lumMod val="40000"/>
+                <a:lumOff val="60000"/>
+              </a:schemeClr>
+            </a:solidFill>
+            <a:tailEnd type="triangle"/>
+          </a:ln>
+        </p:spPr>
+        <p:style>
+          <a:lnRef idx="1">
+            <a:schemeClr val="accent1"/>
+          </a:lnRef>
+          <a:fillRef idx="0">
+            <a:schemeClr val="accent1"/>
+          </a:fillRef>
+          <a:effectRef idx="0">
+            <a:schemeClr val="accent1"/>
+          </a:effectRef>
+          <a:fontRef idx="minor">
+            <a:schemeClr val="tx1"/>
+          </a:fontRef>
+        </p:style>
+      </p:cxnSp>
+      <p:cxnSp>
+        <p:nvCxnSpPr>
+          <p:cNvPr id="33" name="Connector: Elbow 32">
+            <a:extLst>
+              <a:ext uri="{FF2B5EF4-FFF2-40B4-BE49-F238E27FC236}">
+                <a16:creationId xmlns:a16="http://schemas.microsoft.com/office/drawing/2014/main" id="{5A7A81C5-D74C-09D2-EE3D-D76C0BE39DE0}"/>
+              </a:ext>
+            </a:extLst>
+          </p:cNvPr>
+          <p:cNvCxnSpPr>
+            <a:cxnSpLocks/>
+            <a:stCxn id="16" idx="2"/>
+            <a:endCxn id="7" idx="1"/>
+          </p:cNvCxnSpPr>
+          <p:nvPr/>
+        </p:nvCxnSpPr>
+        <p:spPr>
+          <a:xfrm rot="5400000" flipH="1">
+            <a:off x="627535" y="4112043"/>
+            <a:ext cx="3328760" cy="846000"/>
+          </a:xfrm>
+          <a:prstGeom prst="bentConnector4">
+            <a:avLst>
+              <a:gd name="adj1" fmla="val -6867"/>
+              <a:gd name="adj2" fmla="val 123206"/>
+            </a:avLst>
+          </a:prstGeom>
+          <a:ln w="19050">
+            <a:solidFill>
+              <a:schemeClr val="accent1">
+                <a:lumMod val="40000"/>
+                <a:lumOff val="60000"/>
+              </a:schemeClr>
+            </a:solidFill>
+            <a:tailEnd type="triangle"/>
+          </a:ln>
+        </p:spPr>
+        <p:style>
+          <a:lnRef idx="1">
+            <a:schemeClr val="accent1"/>
+          </a:lnRef>
+          <a:fillRef idx="0">
+            <a:schemeClr val="accent1"/>
+          </a:fillRef>
+          <a:effectRef idx="0">
+            <a:schemeClr val="accent1"/>
+          </a:effectRef>
+          <a:fontRef idx="minor">
+            <a:schemeClr val="tx1"/>
+          </a:fontRef>
+        </p:style>
+      </p:cxnSp>
+      <p:sp>
+        <p:nvSpPr>
+          <p:cNvPr id="5" name="Rectangle 4">
+            <a:extLst>
+              <a:ext uri="{FF2B5EF4-FFF2-40B4-BE49-F238E27FC236}">
+                <a16:creationId xmlns:a16="http://schemas.microsoft.com/office/drawing/2014/main" id="{CB56E09D-7BC3-9438-7D27-BE7F0454AA03}"/>
+              </a:ext>
+            </a:extLst>
+          </p:cNvPr>
+          <p:cNvSpPr/>
+          <p:nvPr/>
+        </p:nvSpPr>
+        <p:spPr>
+          <a:xfrm>
+            <a:off x="5146267" y="3193801"/>
+            <a:ext cx="1692000" cy="471869"/>
+          </a:xfrm>
+          <a:prstGeom prst="rect">
+            <a:avLst/>
+          </a:prstGeom>
+          <a:solidFill>
+            <a:schemeClr val="accent1">
+              <a:lumMod val="20000"/>
+              <a:lumOff val="80000"/>
+            </a:schemeClr>
+          </a:solidFill>
+          <a:ln w="19050">
+            <a:solidFill>
+              <a:schemeClr val="accent1">
+                <a:lumMod val="75000"/>
+              </a:schemeClr>
+            </a:solidFill>
+          </a:ln>
+        </p:spPr>
+        <p:style>
+          <a:lnRef idx="2">
+            <a:schemeClr val="accent1">
+              <a:shade val="50000"/>
+            </a:schemeClr>
+          </a:lnRef>
+          <a:fillRef idx="1">
+            <a:schemeClr val="accent1"/>
+          </a:fillRef>
+          <a:effectRef idx="0">
+            <a:schemeClr val="accent1"/>
+          </a:effectRef>
+          <a:fontRef idx="minor">
+            <a:schemeClr val="lt1"/>
+          </a:fontRef>
+        </p:style>
+        <p:txBody>
+          <a:bodyPr rtlCol="0" anchor="ctr"/>
+          <a:lstStyle/>
+          <a:p>
+            <a:pPr algn="ctr"/>
+            <a:r>
+              <a:rPr lang="es-ES" sz="1200" b="1" dirty="0" err="1">
+                <a:solidFill>
+                  <a:schemeClr val="tx1">
+                    <a:lumMod val="95000"/>
+                    <a:lumOff val="5000"/>
+                  </a:schemeClr>
+                </a:solidFill>
+                <a:latin typeface="Courier New" panose="02070309020205020404" pitchFamily="49" charset="0"/>
+                <a:cs typeface="Courier New" panose="02070309020205020404" pitchFamily="49" charset="0"/>
+              </a:rPr>
+              <a:t>pid_attitude_sp</a:t>
+            </a:r>
+            <a:r>
+              <a:rPr lang="es-ES" sz="1200" b="1" dirty="0">
+                <a:solidFill>
+                  <a:schemeClr val="tx1">
+                    <a:lumMod val="95000"/>
+                    <a:lumOff val="5000"/>
+                  </a:schemeClr>
+                </a:solidFill>
+                <a:latin typeface="Courier New" panose="02070309020205020404" pitchFamily="49" charset="0"/>
+                <a:cs typeface="Courier New" panose="02070309020205020404" pitchFamily="49" charset="0"/>
+              </a:rPr>
+              <a:t>()</a:t>
+            </a:r>
+          </a:p>
+        </p:txBody>
+      </p:sp>
+      <p:sp>
+        <p:nvSpPr>
+          <p:cNvPr id="9" name="Rectangle 8">
+            <a:extLst>
+              <a:ext uri="{FF2B5EF4-FFF2-40B4-BE49-F238E27FC236}">
+                <a16:creationId xmlns:a16="http://schemas.microsoft.com/office/drawing/2014/main" id="{92F44737-92BE-E265-D4BD-969607F460F7}"/>
+              </a:ext>
+            </a:extLst>
+          </p:cNvPr>
+          <p:cNvSpPr/>
+          <p:nvPr/>
+        </p:nvSpPr>
+        <p:spPr>
+          <a:xfrm>
+            <a:off x="5146267" y="5168481"/>
+            <a:ext cx="1692000" cy="471869"/>
+          </a:xfrm>
+          <a:prstGeom prst="rect">
+            <a:avLst/>
+          </a:prstGeom>
+          <a:solidFill>
+            <a:schemeClr val="accent1">
+              <a:lumMod val="20000"/>
+              <a:lumOff val="80000"/>
+            </a:schemeClr>
+          </a:solidFill>
+          <a:ln w="19050">
+            <a:solidFill>
+              <a:schemeClr val="accent1">
+                <a:lumMod val="75000"/>
+              </a:schemeClr>
+            </a:solidFill>
+          </a:ln>
+        </p:spPr>
+        <p:style>
+          <a:lnRef idx="2">
+            <a:schemeClr val="accent1">
+              <a:shade val="50000"/>
+            </a:schemeClr>
+          </a:lnRef>
+          <a:fillRef idx="1">
+            <a:schemeClr val="accent1"/>
+          </a:fillRef>
+          <a:effectRef idx="0">
+            <a:schemeClr val="accent1"/>
+          </a:effectRef>
+          <a:fontRef idx="minor">
+            <a:schemeClr val="lt1"/>
+          </a:fontRef>
+        </p:style>
+        <p:txBody>
+          <a:bodyPr rtlCol="0" anchor="ctr"/>
+          <a:lstStyle/>
+          <a:p>
+            <a:pPr algn="ctr"/>
+            <a:r>
+              <a:rPr lang="es-ES" sz="1200" b="1" dirty="0" err="1">
+                <a:solidFill>
+                  <a:schemeClr val="tx1">
+                    <a:lumMod val="95000"/>
+                    <a:lumOff val="5000"/>
+                  </a:schemeClr>
+                </a:solidFill>
+                <a:latin typeface="Courier New" panose="02070309020205020404" pitchFamily="49" charset="0"/>
+                <a:cs typeface="Courier New" panose="02070309020205020404" pitchFamily="49" charset="0"/>
+              </a:rPr>
+              <a:t>Calculate_pid</a:t>
+            </a:r>
+            <a:r>
+              <a:rPr lang="es-ES" sz="1200" b="1" dirty="0">
+                <a:solidFill>
+                  <a:schemeClr val="tx1">
+                    <a:lumMod val="95000"/>
+                    <a:lumOff val="5000"/>
+                  </a:schemeClr>
+                </a:solidFill>
+                <a:latin typeface="Courier New" panose="02070309020205020404" pitchFamily="49" charset="0"/>
+                <a:cs typeface="Courier New" panose="02070309020205020404" pitchFamily="49" charset="0"/>
+              </a:rPr>
+              <a:t>()</a:t>
+            </a:r>
+          </a:p>
+        </p:txBody>
+      </p:sp>
+      <p:sp>
+        <p:nvSpPr>
+          <p:cNvPr id="19" name="Left Brace 18">
+            <a:extLst>
+              <a:ext uri="{FF2B5EF4-FFF2-40B4-BE49-F238E27FC236}">
+                <a16:creationId xmlns:a16="http://schemas.microsoft.com/office/drawing/2014/main" id="{4512B7F7-A894-A9EA-778D-943552C7C70A}"/>
+              </a:ext>
+            </a:extLst>
+          </p:cNvPr>
+          <p:cNvSpPr/>
+          <p:nvPr/>
+        </p:nvSpPr>
+        <p:spPr>
+          <a:xfrm>
+            <a:off x="4522331" y="2634728"/>
+            <a:ext cx="623936" cy="3564695"/>
+          </a:xfrm>
+          <a:prstGeom prst="leftBrace">
+            <a:avLst/>
+          </a:prstGeom>
+          <a:ln w="19050">
+            <a:solidFill>
+              <a:schemeClr val="accent1">
+                <a:lumMod val="75000"/>
+              </a:schemeClr>
+            </a:solidFill>
+          </a:ln>
+        </p:spPr>
+        <p:style>
+          <a:lnRef idx="1">
+            <a:schemeClr val="accent1"/>
+          </a:lnRef>
+          <a:fillRef idx="0">
+            <a:schemeClr val="accent1"/>
+          </a:fillRef>
+          <a:effectRef idx="0">
+            <a:schemeClr val="accent1"/>
+          </a:effectRef>
+          <a:fontRef idx="minor">
+            <a:schemeClr val="tx1"/>
+          </a:fontRef>
+        </p:style>
+        <p:txBody>
+          <a:bodyPr rtlCol="0" anchor="ctr"/>
+          <a:lstStyle/>
+          <a:p>
+            <a:pPr algn="ctr"/>
+            <a:endParaRPr lang="es-ES"/>
+          </a:p>
+        </p:txBody>
+      </p:sp>
+      <p:cxnSp>
+        <p:nvCxnSpPr>
+          <p:cNvPr id="23" name="Connector: Elbow 22">
+            <a:extLst>
+              <a:ext uri="{FF2B5EF4-FFF2-40B4-BE49-F238E27FC236}">
+                <a16:creationId xmlns:a16="http://schemas.microsoft.com/office/drawing/2014/main" id="{01A2E98F-C557-F6B6-6F66-2ABBAA7BEEBA}"/>
+              </a:ext>
+            </a:extLst>
+          </p:cNvPr>
+          <p:cNvCxnSpPr>
+            <a:cxnSpLocks/>
+            <a:stCxn id="14" idx="3"/>
+            <a:endCxn id="19" idx="1"/>
+          </p:cNvCxnSpPr>
+          <p:nvPr/>
+        </p:nvCxnSpPr>
+        <p:spPr>
+          <a:xfrm flipV="1">
+            <a:off x="3560915" y="4417076"/>
+            <a:ext cx="961416" cy="515471"/>
+          </a:xfrm>
+          <a:prstGeom prst="bentConnector3">
+            <a:avLst/>
+          </a:prstGeom>
+          <a:ln w="19050">
+            <a:solidFill>
+              <a:schemeClr val="accent1">
+                <a:lumMod val="75000"/>
+              </a:schemeClr>
+            </a:solidFill>
+            <a:tailEnd type="triangle"/>
+          </a:ln>
+        </p:spPr>
+        <p:style>
+          <a:lnRef idx="1">
+            <a:schemeClr val="accent1"/>
+          </a:lnRef>
+          <a:fillRef idx="0">
+            <a:schemeClr val="accent1"/>
+          </a:fillRef>
+          <a:effectRef idx="0">
+            <a:schemeClr val="accent1"/>
+          </a:effectRef>
+          <a:fontRef idx="minor">
+            <a:schemeClr val="tx1"/>
+          </a:fontRef>
+        </p:style>
+      </p:cxnSp>
+      <p:cxnSp>
+        <p:nvCxnSpPr>
+          <p:cNvPr id="30" name="Straight Arrow Connector 29">
+            <a:extLst>
+              <a:ext uri="{FF2B5EF4-FFF2-40B4-BE49-F238E27FC236}">
+                <a16:creationId xmlns:a16="http://schemas.microsoft.com/office/drawing/2014/main" id="{4921B1FA-F323-5F6B-142C-D48532B45AFD}"/>
+              </a:ext>
+            </a:extLst>
+          </p:cNvPr>
+          <p:cNvCxnSpPr>
+            <a:cxnSpLocks/>
+            <a:stCxn id="5" idx="2"/>
+            <a:endCxn id="9" idx="0"/>
+          </p:cNvCxnSpPr>
+          <p:nvPr/>
+        </p:nvCxnSpPr>
+        <p:spPr>
+          <a:xfrm>
+            <a:off x="5992267" y="3665670"/>
+            <a:ext cx="0" cy="1502811"/>
+          </a:xfrm>
+          <a:prstGeom prst="straightConnector1">
+            <a:avLst/>
+          </a:prstGeom>
+          <a:ln w="19050">
+            <a:solidFill>
+              <a:schemeClr val="accent1">
+                <a:lumMod val="75000"/>
+              </a:schemeClr>
+            </a:solidFill>
+            <a:tailEnd type="triangle"/>
+          </a:ln>
+        </p:spPr>
+        <p:style>
+          <a:lnRef idx="1">
+            <a:schemeClr val="accent1"/>
+          </a:lnRef>
+          <a:fillRef idx="0">
+            <a:schemeClr val="accent1"/>
+          </a:fillRef>
+          <a:effectRef idx="0">
+            <a:schemeClr val="accent1"/>
+          </a:effectRef>
+          <a:fontRef idx="minor">
+            <a:schemeClr val="tx1"/>
+          </a:fontRef>
+        </p:style>
+      </p:cxnSp>
+    </p:spTree>
+    <p:extLst>
+      <p:ext uri="{BB962C8B-B14F-4D97-AF65-F5344CB8AC3E}">
+        <p14:creationId xmlns:p14="http://schemas.microsoft.com/office/powerpoint/2010/main" val="2358357664"/>
+      </p:ext>
+    </p:extLst>
+  </p:cSld>
+  <p:clrMapOvr>
+    <a:masterClrMapping/>
+  </p:clrMapOvr>
+</p:sld>
+</file>
+
+<file path=ppt/slides/slide7.xml><?xml version="1.0" encoding="utf-8"?>
+<p:sld xmlns:a="http://schemas.openxmlformats.org/drawingml/2006/main" xmlns:r="http://schemas.openxmlformats.org/officeDocument/2006/relationships" xmlns:p="http://schemas.openxmlformats.org/presentationml/2006/main">
+  <p:cSld>
+    <p:spTree>
+      <p:nvGrpSpPr>
+        <p:cNvPr id="1" name=""/>
+        <p:cNvGrpSpPr/>
+        <p:nvPr/>
+      </p:nvGrpSpPr>
+      <p:grpSpPr>
+        <a:xfrm>
+          <a:off x="0" y="0"/>
+          <a:ext cx="0" cy="0"/>
+          <a:chOff x="0" y="0"/>
+          <a:chExt cx="0" cy="0"/>
+        </a:xfrm>
+      </p:grpSpPr>
+      <p:sp>
+        <p:nvSpPr>
+          <p:cNvPr id="36" name="Rectangle 35">
+            <a:extLst>
+              <a:ext uri="{FF2B5EF4-FFF2-40B4-BE49-F238E27FC236}">
+                <a16:creationId xmlns:a16="http://schemas.microsoft.com/office/drawing/2014/main" id="{DFA68F53-5200-F997-5974-CCA3F12AE0C8}"/>
+              </a:ext>
+            </a:extLst>
+          </p:cNvPr>
+          <p:cNvSpPr/>
+          <p:nvPr/>
+        </p:nvSpPr>
+        <p:spPr>
+          <a:xfrm>
+            <a:off x="1194098" y="387275"/>
+            <a:ext cx="2646382" cy="1848164"/>
+          </a:xfrm>
+          <a:prstGeom prst="rect">
+            <a:avLst/>
+          </a:prstGeom>
+          <a:solidFill>
+            <a:srgbClr val="DAE3F3">
+              <a:alpha val="50196"/>
+            </a:srgbClr>
+          </a:solidFill>
+          <a:ln>
+            <a:noFill/>
+          </a:ln>
+        </p:spPr>
+        <p:style>
+          <a:lnRef idx="2">
+            <a:schemeClr val="accent1">
+              <a:shade val="50000"/>
+            </a:schemeClr>
+          </a:lnRef>
+          <a:fillRef idx="1">
+            <a:schemeClr val="accent1"/>
+          </a:fillRef>
+          <a:effectRef idx="0">
+            <a:schemeClr val="accent1"/>
+          </a:effectRef>
+          <a:fontRef idx="minor">
+            <a:schemeClr val="lt1"/>
+          </a:fontRef>
+        </p:style>
+        <p:txBody>
+          <a:bodyPr vert="vert270" rtlCol="0" anchor="t"/>
+          <a:lstStyle/>
+          <a:p>
+            <a:pPr algn="ctr"/>
+            <a:r>
+              <a:rPr lang="es-ES" sz="1200" b="1" dirty="0">
+                <a:solidFill>
+                  <a:schemeClr val="tx1"/>
+                </a:solidFill>
+                <a:latin typeface="Arial" panose="020B0604020202020204" pitchFamily="34" charset="0"/>
+                <a:cs typeface="Arial" panose="020B0604020202020204" pitchFamily="34" charset="0"/>
+              </a:rPr>
+              <a:t>Inicialización</a:t>
+            </a:r>
+          </a:p>
+        </p:txBody>
+      </p:sp>
+      <p:sp>
+        <p:nvSpPr>
+          <p:cNvPr id="37" name="Rectangle 36">
+            <a:extLst>
+              <a:ext uri="{FF2B5EF4-FFF2-40B4-BE49-F238E27FC236}">
+                <a16:creationId xmlns:a16="http://schemas.microsoft.com/office/drawing/2014/main" id="{3C7E9BC0-9F28-B64C-8428-D5DD89A0FA22}"/>
+              </a:ext>
+            </a:extLst>
+          </p:cNvPr>
+          <p:cNvSpPr/>
+          <p:nvPr/>
+        </p:nvSpPr>
+        <p:spPr>
+          <a:xfrm>
+            <a:off x="1194098" y="2421008"/>
+            <a:ext cx="2646381" cy="4194946"/>
+          </a:xfrm>
+          <a:prstGeom prst="rect">
+            <a:avLst/>
+          </a:prstGeom>
+          <a:solidFill>
+            <a:srgbClr val="DAE3F3">
+              <a:alpha val="50196"/>
+            </a:srgbClr>
+          </a:solidFill>
+          <a:ln>
+            <a:noFill/>
+          </a:ln>
+        </p:spPr>
+        <p:style>
+          <a:lnRef idx="2">
+            <a:schemeClr val="accent1">
+              <a:shade val="50000"/>
+            </a:schemeClr>
+          </a:lnRef>
+          <a:fillRef idx="1">
+            <a:schemeClr val="accent1"/>
+          </a:fillRef>
+          <a:effectRef idx="0">
+            <a:schemeClr val="accent1"/>
+          </a:effectRef>
+          <a:fontRef idx="minor">
+            <a:schemeClr val="lt1"/>
+          </a:fontRef>
+        </p:style>
+        <p:txBody>
+          <a:bodyPr vert="vert270" rtlCol="0" anchor="t"/>
+          <a:lstStyle/>
+          <a:p>
+            <a:pPr algn="ctr"/>
+            <a:r>
+              <a:rPr lang="es-ES" sz="1200" b="1" dirty="0">
+                <a:solidFill>
+                  <a:schemeClr val="tx1"/>
+                </a:solidFill>
+                <a:latin typeface="Arial" panose="020B0604020202020204" pitchFamily="34" charset="0"/>
+                <a:cs typeface="Arial" panose="020B0604020202020204" pitchFamily="34" charset="0"/>
+              </a:rPr>
+              <a:t>Bucle principal</a:t>
+            </a:r>
+            <a:endParaRPr lang="es-ES" sz="1200" dirty="0"/>
+          </a:p>
+        </p:txBody>
+      </p:sp>
+      <p:sp>
+        <p:nvSpPr>
+          <p:cNvPr id="2" name="Rectangle 1">
+            <a:extLst>
+              <a:ext uri="{FF2B5EF4-FFF2-40B4-BE49-F238E27FC236}">
+                <a16:creationId xmlns:a16="http://schemas.microsoft.com/office/drawing/2014/main" id="{A49631B1-BAE4-47C3-C8A7-F625E342852D}"/>
+              </a:ext>
+            </a:extLst>
+          </p:cNvPr>
+          <p:cNvSpPr/>
+          <p:nvPr/>
+        </p:nvSpPr>
+        <p:spPr>
+          <a:xfrm>
+            <a:off x="1868915" y="572844"/>
+            <a:ext cx="1692000" cy="471869"/>
+          </a:xfrm>
+          <a:prstGeom prst="rect">
+            <a:avLst/>
+          </a:prstGeom>
+          <a:solidFill>
+            <a:schemeClr val="accent1">
+              <a:lumMod val="20000"/>
+              <a:lumOff val="80000"/>
+            </a:schemeClr>
+          </a:solidFill>
+          <a:ln w="19050">
+            <a:solidFill>
+              <a:schemeClr val="accent1">
+                <a:lumMod val="40000"/>
+                <a:lumOff val="60000"/>
+              </a:schemeClr>
+            </a:solidFill>
+          </a:ln>
+        </p:spPr>
+        <p:style>
+          <a:lnRef idx="2">
+            <a:schemeClr val="accent1">
+              <a:shade val="50000"/>
+            </a:schemeClr>
+          </a:lnRef>
+          <a:fillRef idx="1">
+            <a:schemeClr val="accent1"/>
+          </a:fillRef>
+          <a:effectRef idx="0">
+            <a:schemeClr val="accent1"/>
+          </a:effectRef>
+          <a:fontRef idx="minor">
+            <a:schemeClr val="lt1"/>
+          </a:fontRef>
+        </p:style>
+        <p:txBody>
+          <a:bodyPr rtlCol="0" anchor="ctr"/>
+          <a:lstStyle/>
+          <a:p>
+            <a:pPr algn="ctr"/>
+            <a:r>
+              <a:rPr lang="es-ES" sz="1200" b="1" dirty="0">
+                <a:solidFill>
+                  <a:schemeClr val="tx1">
+                    <a:lumMod val="95000"/>
+                    <a:lumOff val="5000"/>
+                  </a:schemeClr>
+                </a:solidFill>
+                <a:latin typeface="Arial" panose="020B0604020202020204" pitchFamily="34" charset="0"/>
+                <a:cs typeface="Arial" panose="020B0604020202020204" pitchFamily="34" charset="0"/>
+              </a:rPr>
+              <a:t>Instanciación variables globales</a:t>
+            </a:r>
+          </a:p>
+        </p:txBody>
+      </p:sp>
+      <p:sp>
+        <p:nvSpPr>
+          <p:cNvPr id="6" name="Rectangle 5">
+            <a:extLst>
+              <a:ext uri="{FF2B5EF4-FFF2-40B4-BE49-F238E27FC236}">
+                <a16:creationId xmlns:a16="http://schemas.microsoft.com/office/drawing/2014/main" id="{7F6C4207-9F03-2461-C8C9-8D238760BA25}"/>
+              </a:ext>
+            </a:extLst>
+          </p:cNvPr>
+          <p:cNvSpPr/>
+          <p:nvPr/>
+        </p:nvSpPr>
+        <p:spPr>
+          <a:xfrm>
+            <a:off x="1868915" y="1603786"/>
+            <a:ext cx="1692000" cy="471869"/>
+          </a:xfrm>
+          <a:prstGeom prst="rect">
+            <a:avLst/>
+          </a:prstGeom>
+          <a:solidFill>
+            <a:schemeClr val="accent1">
+              <a:lumMod val="20000"/>
+              <a:lumOff val="80000"/>
+            </a:schemeClr>
+          </a:solidFill>
+          <a:ln w="19050">
+            <a:solidFill>
+              <a:schemeClr val="accent1">
+                <a:lumMod val="40000"/>
+                <a:lumOff val="60000"/>
+              </a:schemeClr>
+            </a:solidFill>
+          </a:ln>
+        </p:spPr>
+        <p:style>
+          <a:lnRef idx="2">
+            <a:schemeClr val="accent1">
+              <a:shade val="50000"/>
+            </a:schemeClr>
+          </a:lnRef>
+          <a:fillRef idx="1">
+            <a:schemeClr val="accent1"/>
+          </a:fillRef>
+          <a:effectRef idx="0">
+            <a:schemeClr val="accent1"/>
+          </a:effectRef>
+          <a:fontRef idx="minor">
+            <a:schemeClr val="lt1"/>
+          </a:fontRef>
+        </p:style>
+        <p:txBody>
+          <a:bodyPr rtlCol="0" anchor="ctr"/>
+          <a:lstStyle/>
+          <a:p>
+            <a:pPr algn="ctr"/>
+            <a:r>
+              <a:rPr lang="es-ES" sz="1200" b="1" dirty="0">
+                <a:solidFill>
+                  <a:schemeClr val="tx1">
+                    <a:lumMod val="95000"/>
+                    <a:lumOff val="5000"/>
+                  </a:schemeClr>
+                </a:solidFill>
+                <a:latin typeface="Arial" panose="020B0604020202020204" pitchFamily="34" charset="0"/>
+                <a:cs typeface="Arial" panose="020B0604020202020204" pitchFamily="34" charset="0"/>
+              </a:rPr>
+              <a:t>Inicialización software</a:t>
+            </a:r>
+          </a:p>
+        </p:txBody>
+      </p:sp>
+      <p:sp>
+        <p:nvSpPr>
+          <p:cNvPr id="7" name="Rectangle 6">
+            <a:extLst>
+              <a:ext uri="{FF2B5EF4-FFF2-40B4-BE49-F238E27FC236}">
+                <a16:creationId xmlns:a16="http://schemas.microsoft.com/office/drawing/2014/main" id="{BC8DF8D7-BDF9-1FE8-8FEF-1CD7109EDC37}"/>
+              </a:ext>
+            </a:extLst>
+          </p:cNvPr>
+          <p:cNvSpPr/>
+          <p:nvPr/>
+        </p:nvSpPr>
+        <p:spPr>
+          <a:xfrm>
+            <a:off x="1868915" y="2634728"/>
+            <a:ext cx="1692000" cy="471869"/>
+          </a:xfrm>
+          <a:prstGeom prst="rect">
+            <a:avLst/>
+          </a:prstGeom>
+          <a:solidFill>
+            <a:schemeClr val="accent1">
+              <a:lumMod val="20000"/>
+              <a:lumOff val="80000"/>
+            </a:schemeClr>
+          </a:solidFill>
+          <a:ln w="19050">
+            <a:solidFill>
+              <a:schemeClr val="accent1">
+                <a:lumMod val="40000"/>
+                <a:lumOff val="60000"/>
+              </a:schemeClr>
+            </a:solidFill>
+          </a:ln>
+        </p:spPr>
+        <p:style>
+          <a:lnRef idx="2">
+            <a:schemeClr val="accent1">
+              <a:shade val="50000"/>
+            </a:schemeClr>
+          </a:lnRef>
+          <a:fillRef idx="1">
+            <a:schemeClr val="accent1"/>
+          </a:fillRef>
+          <a:effectRef idx="0">
+            <a:schemeClr val="accent1"/>
+          </a:effectRef>
+          <a:fontRef idx="minor">
+            <a:schemeClr val="lt1"/>
+          </a:fontRef>
+        </p:style>
+        <p:txBody>
+          <a:bodyPr rtlCol="0" anchor="ctr"/>
+          <a:lstStyle/>
+          <a:p>
+            <a:pPr algn="ctr"/>
+            <a:r>
+              <a:rPr lang="es-ES" sz="1200" b="1" dirty="0">
+                <a:solidFill>
+                  <a:schemeClr val="tx1">
+                    <a:lumMod val="95000"/>
+                    <a:lumOff val="5000"/>
+                  </a:schemeClr>
+                </a:solidFill>
+                <a:latin typeface="Arial" panose="020B0604020202020204" pitchFamily="34" charset="0"/>
+                <a:cs typeface="Arial" panose="020B0604020202020204" pitchFamily="34" charset="0"/>
+              </a:rPr>
+              <a:t>Cálculo referencia</a:t>
+            </a:r>
+          </a:p>
+        </p:txBody>
+      </p:sp>
+      <p:sp>
+        <p:nvSpPr>
+          <p:cNvPr id="12" name="Rectangle 11">
+            <a:extLst>
+              <a:ext uri="{FF2B5EF4-FFF2-40B4-BE49-F238E27FC236}">
+                <a16:creationId xmlns:a16="http://schemas.microsoft.com/office/drawing/2014/main" id="{E1B48259-A780-B605-989D-0A0D72D45AEC}"/>
+              </a:ext>
+            </a:extLst>
+          </p:cNvPr>
+          <p:cNvSpPr/>
+          <p:nvPr/>
+        </p:nvSpPr>
+        <p:spPr>
+          <a:xfrm>
+            <a:off x="1868915" y="3665670"/>
+            <a:ext cx="1692000" cy="471869"/>
+          </a:xfrm>
+          <a:prstGeom prst="rect">
+            <a:avLst/>
+          </a:prstGeom>
+          <a:solidFill>
+            <a:schemeClr val="accent1">
+              <a:lumMod val="20000"/>
+              <a:lumOff val="80000"/>
+            </a:schemeClr>
+          </a:solidFill>
+          <a:ln w="19050">
+            <a:solidFill>
+              <a:schemeClr val="accent1">
+                <a:lumMod val="40000"/>
+                <a:lumOff val="60000"/>
+              </a:schemeClr>
+            </a:solidFill>
+          </a:ln>
+        </p:spPr>
+        <p:style>
+          <a:lnRef idx="2">
+            <a:schemeClr val="accent1">
+              <a:shade val="50000"/>
+            </a:schemeClr>
+          </a:lnRef>
+          <a:fillRef idx="1">
+            <a:schemeClr val="accent1"/>
+          </a:fillRef>
+          <a:effectRef idx="0">
+            <a:schemeClr val="accent1"/>
+          </a:effectRef>
+          <a:fontRef idx="minor">
+            <a:schemeClr val="lt1"/>
+          </a:fontRef>
+        </p:style>
+        <p:txBody>
+          <a:bodyPr rtlCol="0" anchor="ctr"/>
+          <a:lstStyle/>
+          <a:p>
+            <a:pPr algn="ctr"/>
+            <a:r>
+              <a:rPr lang="es-ES" sz="1200" b="1" dirty="0">
+                <a:solidFill>
+                  <a:schemeClr val="tx1">
+                    <a:lumMod val="95000"/>
+                    <a:lumOff val="5000"/>
+                  </a:schemeClr>
+                </a:solidFill>
+                <a:latin typeface="Arial" panose="020B0604020202020204" pitchFamily="34" charset="0"/>
+                <a:cs typeface="Arial" panose="020B0604020202020204" pitchFamily="34" charset="0"/>
+              </a:rPr>
+              <a:t>Lectura y procesado sensores</a:t>
+            </a:r>
+          </a:p>
+        </p:txBody>
+      </p:sp>
+      <p:sp>
+        <p:nvSpPr>
+          <p:cNvPr id="14" name="Rectangle 13">
+            <a:extLst>
+              <a:ext uri="{FF2B5EF4-FFF2-40B4-BE49-F238E27FC236}">
+                <a16:creationId xmlns:a16="http://schemas.microsoft.com/office/drawing/2014/main" id="{FEEC76FE-A7CD-9CED-12C6-E7DD5F647296}"/>
+              </a:ext>
+            </a:extLst>
+          </p:cNvPr>
+          <p:cNvSpPr/>
+          <p:nvPr/>
+        </p:nvSpPr>
+        <p:spPr>
+          <a:xfrm>
+            <a:off x="1868915" y="4696612"/>
+            <a:ext cx="1692000" cy="471869"/>
+          </a:xfrm>
+          <a:prstGeom prst="rect">
+            <a:avLst/>
+          </a:prstGeom>
+          <a:solidFill>
+            <a:schemeClr val="accent1">
+              <a:lumMod val="20000"/>
+              <a:lumOff val="80000"/>
+            </a:schemeClr>
+          </a:solidFill>
+          <a:ln w="19050">
+            <a:solidFill>
+              <a:schemeClr val="accent1">
                 <a:lumMod val="40000"/>
                 <a:lumOff val="60000"/>
               </a:schemeClr>
@@ -10182,6 +12078,1033 @@
     <p:extLst>
       <p:ext uri="{BB962C8B-B14F-4D97-AF65-F5344CB8AC3E}">
         <p14:creationId xmlns:p14="http://schemas.microsoft.com/office/powerpoint/2010/main" val="1779121556"/>
+      </p:ext>
+    </p:extLst>
+  </p:cSld>
+  <p:clrMapOvr>
+    <a:masterClrMapping/>
+  </p:clrMapOvr>
+</p:sld>
+</file>
+
+<file path=ppt/slides/slide8.xml><?xml version="1.0" encoding="utf-8"?>
+<p:sld xmlns:a="http://schemas.openxmlformats.org/drawingml/2006/main" xmlns:r="http://schemas.openxmlformats.org/officeDocument/2006/relationships" xmlns:p="http://schemas.openxmlformats.org/presentationml/2006/main">
+  <p:cSld>
+    <p:spTree>
+      <p:nvGrpSpPr>
+        <p:cNvPr id="1" name=""/>
+        <p:cNvGrpSpPr/>
+        <p:nvPr/>
+      </p:nvGrpSpPr>
+      <p:grpSpPr>
+        <a:xfrm>
+          <a:off x="0" y="0"/>
+          <a:ext cx="0" cy="0"/>
+          <a:chOff x="0" y="0"/>
+          <a:chExt cx="0" cy="0"/>
+        </a:xfrm>
+      </p:grpSpPr>
+      <p:sp>
+        <p:nvSpPr>
+          <p:cNvPr id="44" name="Rectangle 43">
+            <a:extLst>
+              <a:ext uri="{FF2B5EF4-FFF2-40B4-BE49-F238E27FC236}">
+                <a16:creationId xmlns:a16="http://schemas.microsoft.com/office/drawing/2014/main" id="{4AE7AFCF-5EC8-27DF-B9EF-5482AC29E9D3}"/>
+              </a:ext>
+            </a:extLst>
+          </p:cNvPr>
+          <p:cNvSpPr/>
+          <p:nvPr/>
+        </p:nvSpPr>
+        <p:spPr>
+          <a:xfrm>
+            <a:off x="2063219" y="2354863"/>
+            <a:ext cx="1368000" cy="471869"/>
+          </a:xfrm>
+          <a:prstGeom prst="rect">
+            <a:avLst/>
+          </a:prstGeom>
+          <a:solidFill>
+            <a:schemeClr val="accent1">
+              <a:lumMod val="20000"/>
+              <a:lumOff val="80000"/>
+            </a:schemeClr>
+          </a:solidFill>
+          <a:ln w="19050">
+            <a:solidFill>
+              <a:schemeClr val="accent1">
+                <a:lumMod val="40000"/>
+                <a:lumOff val="60000"/>
+              </a:schemeClr>
+            </a:solidFill>
+          </a:ln>
+        </p:spPr>
+        <p:style>
+          <a:lnRef idx="2">
+            <a:schemeClr val="accent1">
+              <a:shade val="50000"/>
+            </a:schemeClr>
+          </a:lnRef>
+          <a:fillRef idx="1">
+            <a:schemeClr val="accent1"/>
+          </a:fillRef>
+          <a:effectRef idx="0">
+            <a:schemeClr val="accent1"/>
+          </a:effectRef>
+          <a:fontRef idx="minor">
+            <a:schemeClr val="lt1"/>
+          </a:fontRef>
+        </p:style>
+        <p:txBody>
+          <a:bodyPr rtlCol="0" anchor="ctr"/>
+          <a:lstStyle/>
+          <a:p>
+            <a:pPr algn="ctr"/>
+            <a:r>
+              <a:rPr lang="es-ES" sz="1200" b="1" dirty="0">
+                <a:solidFill>
+                  <a:schemeClr val="tx1">
+                    <a:lumMod val="95000"/>
+                    <a:lumOff val="5000"/>
+                  </a:schemeClr>
+                </a:solidFill>
+                <a:latin typeface="Arial" panose="020B0604020202020204" pitchFamily="34" charset="0"/>
+                <a:cs typeface="Arial" panose="020B0604020202020204" pitchFamily="34" charset="0"/>
+              </a:rPr>
+              <a:t>Espera</a:t>
+            </a:r>
+          </a:p>
+        </p:txBody>
+      </p:sp>
+      <p:sp>
+        <p:nvSpPr>
+          <p:cNvPr id="45" name="Rectangle 44">
+            <a:extLst>
+              <a:ext uri="{FF2B5EF4-FFF2-40B4-BE49-F238E27FC236}">
+                <a16:creationId xmlns:a16="http://schemas.microsoft.com/office/drawing/2014/main" id="{1BFE8876-4BAB-A480-41F4-E3419C709615}"/>
+              </a:ext>
+            </a:extLst>
+          </p:cNvPr>
+          <p:cNvSpPr/>
+          <p:nvPr/>
+        </p:nvSpPr>
+        <p:spPr>
+          <a:xfrm>
+            <a:off x="4140518" y="2354865"/>
+            <a:ext cx="1368000" cy="471869"/>
+          </a:xfrm>
+          <a:prstGeom prst="rect">
+            <a:avLst/>
+          </a:prstGeom>
+          <a:solidFill>
+            <a:schemeClr val="accent1">
+              <a:lumMod val="20000"/>
+              <a:lumOff val="80000"/>
+            </a:schemeClr>
+          </a:solidFill>
+          <a:ln w="19050">
+            <a:solidFill>
+              <a:schemeClr val="accent1">
+                <a:lumMod val="40000"/>
+                <a:lumOff val="60000"/>
+              </a:schemeClr>
+            </a:solidFill>
+          </a:ln>
+        </p:spPr>
+        <p:style>
+          <a:lnRef idx="2">
+            <a:schemeClr val="accent1">
+              <a:shade val="50000"/>
+            </a:schemeClr>
+          </a:lnRef>
+          <a:fillRef idx="1">
+            <a:schemeClr val="accent1"/>
+          </a:fillRef>
+          <a:effectRef idx="0">
+            <a:schemeClr val="accent1"/>
+          </a:effectRef>
+          <a:fontRef idx="minor">
+            <a:schemeClr val="lt1"/>
+          </a:fontRef>
+        </p:style>
+        <p:txBody>
+          <a:bodyPr rtlCol="0" anchor="ctr"/>
+          <a:lstStyle/>
+          <a:p>
+            <a:pPr algn="ctr"/>
+            <a:r>
+              <a:rPr lang="es-ES" sz="1200" b="1" dirty="0">
+                <a:solidFill>
+                  <a:schemeClr val="tx1">
+                    <a:lumMod val="95000"/>
+                    <a:lumOff val="5000"/>
+                  </a:schemeClr>
+                </a:solidFill>
+                <a:latin typeface="Arial" panose="020B0604020202020204" pitchFamily="34" charset="0"/>
+                <a:cs typeface="Arial" panose="020B0604020202020204" pitchFamily="34" charset="0"/>
+              </a:rPr>
+              <a:t>Espera</a:t>
+            </a:r>
+          </a:p>
+        </p:txBody>
+      </p:sp>
+      <p:sp>
+        <p:nvSpPr>
+          <p:cNvPr id="46" name="Rectangle 45">
+            <a:extLst>
+              <a:ext uri="{FF2B5EF4-FFF2-40B4-BE49-F238E27FC236}">
+                <a16:creationId xmlns:a16="http://schemas.microsoft.com/office/drawing/2014/main" id="{24E4C72A-2BFB-8B44-A65B-671EEE7404CE}"/>
+              </a:ext>
+            </a:extLst>
+          </p:cNvPr>
+          <p:cNvSpPr/>
+          <p:nvPr/>
+        </p:nvSpPr>
+        <p:spPr>
+          <a:xfrm>
+            <a:off x="6217817" y="2354865"/>
+            <a:ext cx="1368000" cy="471869"/>
+          </a:xfrm>
+          <a:prstGeom prst="rect">
+            <a:avLst/>
+          </a:prstGeom>
+          <a:solidFill>
+            <a:schemeClr val="accent1">
+              <a:lumMod val="20000"/>
+              <a:lumOff val="80000"/>
+            </a:schemeClr>
+          </a:solidFill>
+          <a:ln w="19050">
+            <a:solidFill>
+              <a:schemeClr val="accent1">
+                <a:lumMod val="40000"/>
+                <a:lumOff val="60000"/>
+              </a:schemeClr>
+            </a:solidFill>
+          </a:ln>
+        </p:spPr>
+        <p:style>
+          <a:lnRef idx="2">
+            <a:schemeClr val="accent1">
+              <a:shade val="50000"/>
+            </a:schemeClr>
+          </a:lnRef>
+          <a:fillRef idx="1">
+            <a:schemeClr val="accent1"/>
+          </a:fillRef>
+          <a:effectRef idx="0">
+            <a:schemeClr val="accent1"/>
+          </a:effectRef>
+          <a:fontRef idx="minor">
+            <a:schemeClr val="lt1"/>
+          </a:fontRef>
+        </p:style>
+        <p:txBody>
+          <a:bodyPr rtlCol="0" anchor="ctr"/>
+          <a:lstStyle/>
+          <a:p>
+            <a:pPr algn="ctr"/>
+            <a:r>
+              <a:rPr lang="es-ES" sz="1200" b="1" dirty="0">
+                <a:solidFill>
+                  <a:schemeClr val="tx1">
+                    <a:lumMod val="95000"/>
+                    <a:lumOff val="5000"/>
+                  </a:schemeClr>
+                </a:solidFill>
+                <a:latin typeface="Arial" panose="020B0604020202020204" pitchFamily="34" charset="0"/>
+                <a:cs typeface="Arial" panose="020B0604020202020204" pitchFamily="34" charset="0"/>
+              </a:rPr>
+              <a:t>Espera</a:t>
+            </a:r>
+          </a:p>
+        </p:txBody>
+      </p:sp>
+      <p:sp>
+        <p:nvSpPr>
+          <p:cNvPr id="47" name="Rectangle 46">
+            <a:extLst>
+              <a:ext uri="{FF2B5EF4-FFF2-40B4-BE49-F238E27FC236}">
+                <a16:creationId xmlns:a16="http://schemas.microsoft.com/office/drawing/2014/main" id="{59C5DEEE-9B8A-644C-698C-746AA90FA6D9}"/>
+              </a:ext>
+            </a:extLst>
+          </p:cNvPr>
+          <p:cNvSpPr/>
+          <p:nvPr/>
+        </p:nvSpPr>
+        <p:spPr>
+          <a:xfrm>
+            <a:off x="8295115" y="2354862"/>
+            <a:ext cx="1368000" cy="471869"/>
+          </a:xfrm>
+          <a:prstGeom prst="rect">
+            <a:avLst/>
+          </a:prstGeom>
+          <a:solidFill>
+            <a:schemeClr val="accent1">
+              <a:lumMod val="20000"/>
+              <a:lumOff val="80000"/>
+            </a:schemeClr>
+          </a:solidFill>
+          <a:ln w="19050">
+            <a:solidFill>
+              <a:schemeClr val="accent1">
+                <a:lumMod val="40000"/>
+                <a:lumOff val="60000"/>
+              </a:schemeClr>
+            </a:solidFill>
+          </a:ln>
+        </p:spPr>
+        <p:style>
+          <a:lnRef idx="2">
+            <a:schemeClr val="accent1">
+              <a:shade val="50000"/>
+            </a:schemeClr>
+          </a:lnRef>
+          <a:fillRef idx="1">
+            <a:schemeClr val="accent1"/>
+          </a:fillRef>
+          <a:effectRef idx="0">
+            <a:schemeClr val="accent1"/>
+          </a:effectRef>
+          <a:fontRef idx="minor">
+            <a:schemeClr val="lt1"/>
+          </a:fontRef>
+        </p:style>
+        <p:txBody>
+          <a:bodyPr rtlCol="0" anchor="ctr"/>
+          <a:lstStyle/>
+          <a:p>
+            <a:pPr algn="ctr"/>
+            <a:r>
+              <a:rPr lang="es-ES" sz="1200" b="1" dirty="0">
+                <a:solidFill>
+                  <a:schemeClr val="tx1">
+                    <a:lumMod val="95000"/>
+                    <a:lumOff val="5000"/>
+                  </a:schemeClr>
+                </a:solidFill>
+                <a:latin typeface="Arial" panose="020B0604020202020204" pitchFamily="34" charset="0"/>
+                <a:cs typeface="Arial" panose="020B0604020202020204" pitchFamily="34" charset="0"/>
+              </a:rPr>
+              <a:t>Solicitud </a:t>
+            </a:r>
+            <a:r>
+              <a:rPr lang="es-ES" sz="1200" b="1">
+                <a:solidFill>
+                  <a:schemeClr val="tx1">
+                    <a:lumMod val="95000"/>
+                    <a:lumOff val="5000"/>
+                  </a:schemeClr>
+                </a:solidFill>
+                <a:latin typeface="Arial" panose="020B0604020202020204" pitchFamily="34" charset="0"/>
+                <a:cs typeface="Arial" panose="020B0604020202020204" pitchFamily="34" charset="0"/>
+              </a:rPr>
+              <a:t>y lectura</a:t>
+            </a:r>
+            <a:endParaRPr lang="es-ES" sz="1200" b="1" dirty="0">
+              <a:solidFill>
+                <a:schemeClr val="tx1">
+                  <a:lumMod val="95000"/>
+                  <a:lumOff val="5000"/>
+                </a:schemeClr>
+              </a:solidFill>
+              <a:latin typeface="Arial" panose="020B0604020202020204" pitchFamily="34" charset="0"/>
+              <a:cs typeface="Arial" panose="020B0604020202020204" pitchFamily="34" charset="0"/>
+            </a:endParaRPr>
+          </a:p>
+        </p:txBody>
+      </p:sp>
+      <p:cxnSp>
+        <p:nvCxnSpPr>
+          <p:cNvPr id="51" name="Straight Arrow Connector 50">
+            <a:extLst>
+              <a:ext uri="{FF2B5EF4-FFF2-40B4-BE49-F238E27FC236}">
+                <a16:creationId xmlns:a16="http://schemas.microsoft.com/office/drawing/2014/main" id="{B5A388AB-2F0F-CCC5-6EEA-8F2D558AEBCA}"/>
+              </a:ext>
+            </a:extLst>
+          </p:cNvPr>
+          <p:cNvCxnSpPr>
+            <a:cxnSpLocks/>
+            <a:stCxn id="44" idx="3"/>
+            <a:endCxn id="45" idx="1"/>
+          </p:cNvCxnSpPr>
+          <p:nvPr/>
+        </p:nvCxnSpPr>
+        <p:spPr>
+          <a:xfrm>
+            <a:off x="3431219" y="2590798"/>
+            <a:ext cx="709299" cy="2"/>
+          </a:xfrm>
+          <a:prstGeom prst="straightConnector1">
+            <a:avLst/>
+          </a:prstGeom>
+          <a:ln w="19050">
+            <a:solidFill>
+              <a:schemeClr val="accent1">
+                <a:lumMod val="40000"/>
+                <a:lumOff val="60000"/>
+              </a:schemeClr>
+            </a:solidFill>
+            <a:tailEnd type="triangle"/>
+          </a:ln>
+        </p:spPr>
+        <p:style>
+          <a:lnRef idx="1">
+            <a:schemeClr val="accent1"/>
+          </a:lnRef>
+          <a:fillRef idx="0">
+            <a:schemeClr val="accent1"/>
+          </a:fillRef>
+          <a:effectRef idx="0">
+            <a:schemeClr val="accent1"/>
+          </a:effectRef>
+          <a:fontRef idx="minor">
+            <a:schemeClr val="tx1"/>
+          </a:fontRef>
+        </p:style>
+      </p:cxnSp>
+      <p:cxnSp>
+        <p:nvCxnSpPr>
+          <p:cNvPr id="54" name="Straight Arrow Connector 53">
+            <a:extLst>
+              <a:ext uri="{FF2B5EF4-FFF2-40B4-BE49-F238E27FC236}">
+                <a16:creationId xmlns:a16="http://schemas.microsoft.com/office/drawing/2014/main" id="{C217D762-9996-E1DF-18B6-D83E4B68FB3F}"/>
+              </a:ext>
+            </a:extLst>
+          </p:cNvPr>
+          <p:cNvCxnSpPr>
+            <a:cxnSpLocks/>
+            <a:stCxn id="45" idx="3"/>
+            <a:endCxn id="46" idx="1"/>
+          </p:cNvCxnSpPr>
+          <p:nvPr/>
+        </p:nvCxnSpPr>
+        <p:spPr>
+          <a:xfrm>
+            <a:off x="5508518" y="2590800"/>
+            <a:ext cx="709299" cy="0"/>
+          </a:xfrm>
+          <a:prstGeom prst="straightConnector1">
+            <a:avLst/>
+          </a:prstGeom>
+          <a:ln w="19050">
+            <a:solidFill>
+              <a:schemeClr val="accent1">
+                <a:lumMod val="40000"/>
+                <a:lumOff val="60000"/>
+              </a:schemeClr>
+            </a:solidFill>
+            <a:tailEnd type="triangle"/>
+          </a:ln>
+        </p:spPr>
+        <p:style>
+          <a:lnRef idx="1">
+            <a:schemeClr val="accent1"/>
+          </a:lnRef>
+          <a:fillRef idx="0">
+            <a:schemeClr val="accent1"/>
+          </a:fillRef>
+          <a:effectRef idx="0">
+            <a:schemeClr val="accent1"/>
+          </a:effectRef>
+          <a:fontRef idx="minor">
+            <a:schemeClr val="tx1"/>
+          </a:fontRef>
+        </p:style>
+      </p:cxnSp>
+      <p:cxnSp>
+        <p:nvCxnSpPr>
+          <p:cNvPr id="57" name="Straight Arrow Connector 56">
+            <a:extLst>
+              <a:ext uri="{FF2B5EF4-FFF2-40B4-BE49-F238E27FC236}">
+                <a16:creationId xmlns:a16="http://schemas.microsoft.com/office/drawing/2014/main" id="{8FFBD6CC-5E0F-1760-188D-95E52127EFFE}"/>
+              </a:ext>
+            </a:extLst>
+          </p:cNvPr>
+          <p:cNvCxnSpPr>
+            <a:cxnSpLocks/>
+            <a:stCxn id="46" idx="3"/>
+            <a:endCxn id="47" idx="1"/>
+          </p:cNvCxnSpPr>
+          <p:nvPr/>
+        </p:nvCxnSpPr>
+        <p:spPr>
+          <a:xfrm flipV="1">
+            <a:off x="7585817" y="2590797"/>
+            <a:ext cx="709298" cy="3"/>
+          </a:xfrm>
+          <a:prstGeom prst="straightConnector1">
+            <a:avLst/>
+          </a:prstGeom>
+          <a:ln w="19050">
+            <a:solidFill>
+              <a:schemeClr val="accent1">
+                <a:lumMod val="40000"/>
+                <a:lumOff val="60000"/>
+              </a:schemeClr>
+            </a:solidFill>
+            <a:tailEnd type="triangle"/>
+          </a:ln>
+        </p:spPr>
+        <p:style>
+          <a:lnRef idx="1">
+            <a:schemeClr val="accent1"/>
+          </a:lnRef>
+          <a:fillRef idx="0">
+            <a:schemeClr val="accent1"/>
+          </a:fillRef>
+          <a:effectRef idx="0">
+            <a:schemeClr val="accent1"/>
+          </a:effectRef>
+          <a:fontRef idx="minor">
+            <a:schemeClr val="tx1"/>
+          </a:fontRef>
+        </p:style>
+      </p:cxnSp>
+      <p:cxnSp>
+        <p:nvCxnSpPr>
+          <p:cNvPr id="78" name="Connector: Elbow 77">
+            <a:extLst>
+              <a:ext uri="{FF2B5EF4-FFF2-40B4-BE49-F238E27FC236}">
+                <a16:creationId xmlns:a16="http://schemas.microsoft.com/office/drawing/2014/main" id="{31590A3C-BD1F-98B2-76B6-6D9766DF41D9}"/>
+              </a:ext>
+            </a:extLst>
+          </p:cNvPr>
+          <p:cNvCxnSpPr>
+            <a:stCxn id="47" idx="3"/>
+            <a:endCxn id="44" idx="1"/>
+          </p:cNvCxnSpPr>
+          <p:nvPr/>
+        </p:nvCxnSpPr>
+        <p:spPr>
+          <a:xfrm flipH="1">
+            <a:off x="2063219" y="2590797"/>
+            <a:ext cx="7599896" cy="1"/>
+          </a:xfrm>
+          <a:prstGeom prst="bentConnector5">
+            <a:avLst>
+              <a:gd name="adj1" fmla="val -3008"/>
+              <a:gd name="adj2" fmla="val 46453500000"/>
+              <a:gd name="adj3" fmla="val 103008"/>
+            </a:avLst>
+          </a:prstGeom>
+          <a:ln w="19050">
+            <a:solidFill>
+              <a:schemeClr val="accent1">
+                <a:lumMod val="40000"/>
+                <a:lumOff val="60000"/>
+              </a:schemeClr>
+            </a:solidFill>
+            <a:tailEnd type="triangle"/>
+          </a:ln>
+        </p:spPr>
+        <p:style>
+          <a:lnRef idx="1">
+            <a:schemeClr val="accent1"/>
+          </a:lnRef>
+          <a:fillRef idx="0">
+            <a:schemeClr val="accent1"/>
+          </a:fillRef>
+          <a:effectRef idx="0">
+            <a:schemeClr val="accent1"/>
+          </a:effectRef>
+          <a:fontRef idx="minor">
+            <a:schemeClr val="tx1"/>
+          </a:fontRef>
+        </p:style>
+      </p:cxnSp>
+      <p:sp>
+        <p:nvSpPr>
+          <p:cNvPr id="79" name="Rectangle 78">
+            <a:extLst>
+              <a:ext uri="{FF2B5EF4-FFF2-40B4-BE49-F238E27FC236}">
+                <a16:creationId xmlns:a16="http://schemas.microsoft.com/office/drawing/2014/main" id="{71FEE860-AF2D-8921-3D7C-3E263D76CF51}"/>
+              </a:ext>
+            </a:extLst>
+          </p:cNvPr>
+          <p:cNvSpPr/>
+          <p:nvPr/>
+        </p:nvSpPr>
+        <p:spPr>
+          <a:xfrm>
+            <a:off x="2063219" y="3428998"/>
+            <a:ext cx="1368000" cy="471869"/>
+          </a:xfrm>
+          <a:prstGeom prst="rect">
+            <a:avLst/>
+          </a:prstGeom>
+          <a:solidFill>
+            <a:schemeClr val="accent1">
+              <a:lumMod val="20000"/>
+              <a:lumOff val="80000"/>
+            </a:schemeClr>
+          </a:solidFill>
+          <a:ln w="19050">
+            <a:solidFill>
+              <a:schemeClr val="accent1">
+                <a:lumMod val="40000"/>
+                <a:lumOff val="60000"/>
+              </a:schemeClr>
+            </a:solidFill>
+          </a:ln>
+        </p:spPr>
+        <p:style>
+          <a:lnRef idx="2">
+            <a:schemeClr val="accent1">
+              <a:shade val="50000"/>
+            </a:schemeClr>
+          </a:lnRef>
+          <a:fillRef idx="1">
+            <a:schemeClr val="accent1"/>
+          </a:fillRef>
+          <a:effectRef idx="0">
+            <a:schemeClr val="accent1"/>
+          </a:effectRef>
+          <a:fontRef idx="minor">
+            <a:schemeClr val="lt1"/>
+          </a:fontRef>
+        </p:style>
+        <p:txBody>
+          <a:bodyPr rtlCol="0" anchor="ctr"/>
+          <a:lstStyle/>
+          <a:p>
+            <a:pPr algn="ctr"/>
+            <a:r>
+              <a:rPr lang="es-ES" sz="1200" b="1" dirty="0">
+                <a:solidFill>
+                  <a:schemeClr val="tx1">
+                    <a:lumMod val="95000"/>
+                    <a:lumOff val="5000"/>
+                  </a:schemeClr>
+                </a:solidFill>
+                <a:latin typeface="Arial" panose="020B0604020202020204" pitchFamily="34" charset="0"/>
+                <a:cs typeface="Arial" panose="020B0604020202020204" pitchFamily="34" charset="0"/>
+              </a:rPr>
+              <a:t>Espera</a:t>
+            </a:r>
+          </a:p>
+        </p:txBody>
+      </p:sp>
+      <p:sp>
+        <p:nvSpPr>
+          <p:cNvPr id="80" name="Rectangle 79">
+            <a:extLst>
+              <a:ext uri="{FF2B5EF4-FFF2-40B4-BE49-F238E27FC236}">
+                <a16:creationId xmlns:a16="http://schemas.microsoft.com/office/drawing/2014/main" id="{6BB71E09-29A0-B2C5-6AD0-4B4AFCA8449D}"/>
+              </a:ext>
+            </a:extLst>
+          </p:cNvPr>
+          <p:cNvSpPr/>
+          <p:nvPr/>
+        </p:nvSpPr>
+        <p:spPr>
+          <a:xfrm>
+            <a:off x="4140518" y="3429000"/>
+            <a:ext cx="1368000" cy="471869"/>
+          </a:xfrm>
+          <a:prstGeom prst="rect">
+            <a:avLst/>
+          </a:prstGeom>
+          <a:solidFill>
+            <a:schemeClr val="accent1">
+              <a:lumMod val="20000"/>
+              <a:lumOff val="80000"/>
+            </a:schemeClr>
+          </a:solidFill>
+          <a:ln w="19050">
+            <a:solidFill>
+              <a:schemeClr val="accent1">
+                <a:lumMod val="40000"/>
+                <a:lumOff val="60000"/>
+              </a:schemeClr>
+            </a:solidFill>
+          </a:ln>
+        </p:spPr>
+        <p:style>
+          <a:lnRef idx="2">
+            <a:schemeClr val="accent1">
+              <a:shade val="50000"/>
+            </a:schemeClr>
+          </a:lnRef>
+          <a:fillRef idx="1">
+            <a:schemeClr val="accent1"/>
+          </a:fillRef>
+          <a:effectRef idx="0">
+            <a:schemeClr val="accent1"/>
+          </a:effectRef>
+          <a:fontRef idx="minor">
+            <a:schemeClr val="lt1"/>
+          </a:fontRef>
+        </p:style>
+        <p:txBody>
+          <a:bodyPr rtlCol="0" anchor="ctr"/>
+          <a:lstStyle/>
+          <a:p>
+            <a:pPr algn="ctr"/>
+            <a:r>
+              <a:rPr lang="es-ES" sz="1200" b="1" dirty="0">
+                <a:solidFill>
+                  <a:schemeClr val="tx1">
+                    <a:lumMod val="95000"/>
+                    <a:lumOff val="5000"/>
+                  </a:schemeClr>
+                </a:solidFill>
+                <a:latin typeface="Arial" panose="020B0604020202020204" pitchFamily="34" charset="0"/>
+                <a:cs typeface="Arial" panose="020B0604020202020204" pitchFamily="34" charset="0"/>
+              </a:rPr>
+              <a:t>Solicitud</a:t>
+            </a:r>
+          </a:p>
+        </p:txBody>
+      </p:sp>
+      <p:sp>
+        <p:nvSpPr>
+          <p:cNvPr id="81" name="Rectangle 80">
+            <a:extLst>
+              <a:ext uri="{FF2B5EF4-FFF2-40B4-BE49-F238E27FC236}">
+                <a16:creationId xmlns:a16="http://schemas.microsoft.com/office/drawing/2014/main" id="{D53CC7E6-1F11-6B26-0248-B24D5C7F5DC6}"/>
+              </a:ext>
+            </a:extLst>
+          </p:cNvPr>
+          <p:cNvSpPr/>
+          <p:nvPr/>
+        </p:nvSpPr>
+        <p:spPr>
+          <a:xfrm>
+            <a:off x="6217817" y="3429000"/>
+            <a:ext cx="1368000" cy="471869"/>
+          </a:xfrm>
+          <a:prstGeom prst="rect">
+            <a:avLst/>
+          </a:prstGeom>
+          <a:solidFill>
+            <a:schemeClr val="accent1">
+              <a:lumMod val="20000"/>
+              <a:lumOff val="80000"/>
+            </a:schemeClr>
+          </a:solidFill>
+          <a:ln w="19050">
+            <a:solidFill>
+              <a:schemeClr val="accent1">
+                <a:lumMod val="40000"/>
+                <a:lumOff val="60000"/>
+              </a:schemeClr>
+            </a:solidFill>
+          </a:ln>
+        </p:spPr>
+        <p:style>
+          <a:lnRef idx="2">
+            <a:schemeClr val="accent1">
+              <a:shade val="50000"/>
+            </a:schemeClr>
+          </a:lnRef>
+          <a:fillRef idx="1">
+            <a:schemeClr val="accent1"/>
+          </a:fillRef>
+          <a:effectRef idx="0">
+            <a:schemeClr val="accent1"/>
+          </a:effectRef>
+          <a:fontRef idx="minor">
+            <a:schemeClr val="lt1"/>
+          </a:fontRef>
+        </p:style>
+        <p:txBody>
+          <a:bodyPr rtlCol="0" anchor="ctr"/>
+          <a:lstStyle/>
+          <a:p>
+            <a:pPr algn="ctr"/>
+            <a:r>
+              <a:rPr lang="es-ES" sz="1200" b="1" dirty="0">
+                <a:solidFill>
+                  <a:schemeClr val="tx1">
+                    <a:lumMod val="95000"/>
+                    <a:lumOff val="5000"/>
+                  </a:schemeClr>
+                </a:solidFill>
+                <a:latin typeface="Arial" panose="020B0604020202020204" pitchFamily="34" charset="0"/>
+                <a:cs typeface="Arial" panose="020B0604020202020204" pitchFamily="34" charset="0"/>
+              </a:rPr>
+              <a:t>Espera</a:t>
+            </a:r>
+          </a:p>
+        </p:txBody>
+      </p:sp>
+      <p:sp>
+        <p:nvSpPr>
+          <p:cNvPr id="82" name="Rectangle 81">
+            <a:extLst>
+              <a:ext uri="{FF2B5EF4-FFF2-40B4-BE49-F238E27FC236}">
+                <a16:creationId xmlns:a16="http://schemas.microsoft.com/office/drawing/2014/main" id="{971C91AB-2892-D3F8-6966-59D158A6701A}"/>
+              </a:ext>
+            </a:extLst>
+          </p:cNvPr>
+          <p:cNvSpPr/>
+          <p:nvPr/>
+        </p:nvSpPr>
+        <p:spPr>
+          <a:xfrm>
+            <a:off x="8295115" y="3428997"/>
+            <a:ext cx="1368000" cy="471869"/>
+          </a:xfrm>
+          <a:prstGeom prst="rect">
+            <a:avLst/>
+          </a:prstGeom>
+          <a:solidFill>
+            <a:schemeClr val="accent1">
+              <a:lumMod val="20000"/>
+              <a:lumOff val="80000"/>
+            </a:schemeClr>
+          </a:solidFill>
+          <a:ln w="19050">
+            <a:solidFill>
+              <a:schemeClr val="accent1">
+                <a:lumMod val="40000"/>
+                <a:lumOff val="60000"/>
+              </a:schemeClr>
+            </a:solidFill>
+          </a:ln>
+        </p:spPr>
+        <p:style>
+          <a:lnRef idx="2">
+            <a:schemeClr val="accent1">
+              <a:shade val="50000"/>
+            </a:schemeClr>
+          </a:lnRef>
+          <a:fillRef idx="1">
+            <a:schemeClr val="accent1"/>
+          </a:fillRef>
+          <a:effectRef idx="0">
+            <a:schemeClr val="accent1"/>
+          </a:effectRef>
+          <a:fontRef idx="minor">
+            <a:schemeClr val="lt1"/>
+          </a:fontRef>
+        </p:style>
+        <p:txBody>
+          <a:bodyPr rtlCol="0" anchor="ctr"/>
+          <a:lstStyle/>
+          <a:p>
+            <a:pPr algn="ctr"/>
+            <a:r>
+              <a:rPr lang="es-ES" sz="1200" b="1" dirty="0">
+                <a:solidFill>
+                  <a:schemeClr val="tx1">
+                    <a:lumMod val="95000"/>
+                    <a:lumOff val="5000"/>
+                  </a:schemeClr>
+                </a:solidFill>
+                <a:latin typeface="Arial" panose="020B0604020202020204" pitchFamily="34" charset="0"/>
+                <a:cs typeface="Arial" panose="020B0604020202020204" pitchFamily="34" charset="0"/>
+              </a:rPr>
+              <a:t>Lectura</a:t>
+            </a:r>
+          </a:p>
+        </p:txBody>
+      </p:sp>
+      <p:cxnSp>
+        <p:nvCxnSpPr>
+          <p:cNvPr id="83" name="Straight Arrow Connector 82">
+            <a:extLst>
+              <a:ext uri="{FF2B5EF4-FFF2-40B4-BE49-F238E27FC236}">
+                <a16:creationId xmlns:a16="http://schemas.microsoft.com/office/drawing/2014/main" id="{86404D1C-0921-F03E-6A16-8C8D594CB78E}"/>
+              </a:ext>
+            </a:extLst>
+          </p:cNvPr>
+          <p:cNvCxnSpPr>
+            <a:cxnSpLocks/>
+            <a:stCxn id="79" idx="3"/>
+            <a:endCxn id="80" idx="1"/>
+          </p:cNvCxnSpPr>
+          <p:nvPr/>
+        </p:nvCxnSpPr>
+        <p:spPr>
+          <a:xfrm>
+            <a:off x="3431219" y="3664933"/>
+            <a:ext cx="709299" cy="2"/>
+          </a:xfrm>
+          <a:prstGeom prst="straightConnector1">
+            <a:avLst/>
+          </a:prstGeom>
+          <a:ln w="19050">
+            <a:solidFill>
+              <a:schemeClr val="accent1">
+                <a:lumMod val="40000"/>
+                <a:lumOff val="60000"/>
+              </a:schemeClr>
+            </a:solidFill>
+            <a:tailEnd type="triangle"/>
+          </a:ln>
+        </p:spPr>
+        <p:style>
+          <a:lnRef idx="1">
+            <a:schemeClr val="accent1"/>
+          </a:lnRef>
+          <a:fillRef idx="0">
+            <a:schemeClr val="accent1"/>
+          </a:fillRef>
+          <a:effectRef idx="0">
+            <a:schemeClr val="accent1"/>
+          </a:effectRef>
+          <a:fontRef idx="minor">
+            <a:schemeClr val="tx1"/>
+          </a:fontRef>
+        </p:style>
+      </p:cxnSp>
+      <p:cxnSp>
+        <p:nvCxnSpPr>
+          <p:cNvPr id="84" name="Straight Arrow Connector 83">
+            <a:extLst>
+              <a:ext uri="{FF2B5EF4-FFF2-40B4-BE49-F238E27FC236}">
+                <a16:creationId xmlns:a16="http://schemas.microsoft.com/office/drawing/2014/main" id="{43AAF893-598B-E342-1288-717E71171D29}"/>
+              </a:ext>
+            </a:extLst>
+          </p:cNvPr>
+          <p:cNvCxnSpPr>
+            <a:cxnSpLocks/>
+            <a:stCxn id="80" idx="3"/>
+            <a:endCxn id="81" idx="1"/>
+          </p:cNvCxnSpPr>
+          <p:nvPr/>
+        </p:nvCxnSpPr>
+        <p:spPr>
+          <a:xfrm>
+            <a:off x="5508518" y="3664935"/>
+            <a:ext cx="709299" cy="0"/>
+          </a:xfrm>
+          <a:prstGeom prst="straightConnector1">
+            <a:avLst/>
+          </a:prstGeom>
+          <a:ln w="19050">
+            <a:solidFill>
+              <a:schemeClr val="accent1">
+                <a:lumMod val="40000"/>
+                <a:lumOff val="60000"/>
+              </a:schemeClr>
+            </a:solidFill>
+            <a:tailEnd type="triangle"/>
+          </a:ln>
+        </p:spPr>
+        <p:style>
+          <a:lnRef idx="1">
+            <a:schemeClr val="accent1"/>
+          </a:lnRef>
+          <a:fillRef idx="0">
+            <a:schemeClr val="accent1"/>
+          </a:fillRef>
+          <a:effectRef idx="0">
+            <a:schemeClr val="accent1"/>
+          </a:effectRef>
+          <a:fontRef idx="minor">
+            <a:schemeClr val="tx1"/>
+          </a:fontRef>
+        </p:style>
+      </p:cxnSp>
+      <p:cxnSp>
+        <p:nvCxnSpPr>
+          <p:cNvPr id="85" name="Straight Arrow Connector 84">
+            <a:extLst>
+              <a:ext uri="{FF2B5EF4-FFF2-40B4-BE49-F238E27FC236}">
+                <a16:creationId xmlns:a16="http://schemas.microsoft.com/office/drawing/2014/main" id="{47DA48FF-A0CB-65CE-CE00-9E2C1787EF6C}"/>
+              </a:ext>
+            </a:extLst>
+          </p:cNvPr>
+          <p:cNvCxnSpPr>
+            <a:cxnSpLocks/>
+            <a:stCxn id="81" idx="3"/>
+            <a:endCxn id="82" idx="1"/>
+          </p:cNvCxnSpPr>
+          <p:nvPr/>
+        </p:nvCxnSpPr>
+        <p:spPr>
+          <a:xfrm flipV="1">
+            <a:off x="7585817" y="3664932"/>
+            <a:ext cx="709298" cy="3"/>
+          </a:xfrm>
+          <a:prstGeom prst="straightConnector1">
+            <a:avLst/>
+          </a:prstGeom>
+          <a:ln w="19050">
+            <a:solidFill>
+              <a:schemeClr val="accent1">
+                <a:lumMod val="40000"/>
+                <a:lumOff val="60000"/>
+              </a:schemeClr>
+            </a:solidFill>
+            <a:tailEnd type="triangle"/>
+          </a:ln>
+        </p:spPr>
+        <p:style>
+          <a:lnRef idx="1">
+            <a:schemeClr val="accent1"/>
+          </a:lnRef>
+          <a:fillRef idx="0">
+            <a:schemeClr val="accent1"/>
+          </a:fillRef>
+          <a:effectRef idx="0">
+            <a:schemeClr val="accent1"/>
+          </a:effectRef>
+          <a:fontRef idx="minor">
+            <a:schemeClr val="tx1"/>
+          </a:fontRef>
+        </p:style>
+      </p:cxnSp>
+      <p:cxnSp>
+        <p:nvCxnSpPr>
+          <p:cNvPr id="86" name="Connector: Elbow 85">
+            <a:extLst>
+              <a:ext uri="{FF2B5EF4-FFF2-40B4-BE49-F238E27FC236}">
+                <a16:creationId xmlns:a16="http://schemas.microsoft.com/office/drawing/2014/main" id="{03031DFD-FA2D-566D-243F-68AB1FF7042E}"/>
+              </a:ext>
+            </a:extLst>
+          </p:cNvPr>
+          <p:cNvCxnSpPr>
+            <a:stCxn id="82" idx="3"/>
+            <a:endCxn id="79" idx="1"/>
+          </p:cNvCxnSpPr>
+          <p:nvPr/>
+        </p:nvCxnSpPr>
+        <p:spPr>
+          <a:xfrm flipH="1">
+            <a:off x="2063219" y="3664932"/>
+            <a:ext cx="7599896" cy="1"/>
+          </a:xfrm>
+          <a:prstGeom prst="bentConnector5">
+            <a:avLst>
+              <a:gd name="adj1" fmla="val -3008"/>
+              <a:gd name="adj2" fmla="val 46453500000"/>
+              <a:gd name="adj3" fmla="val 103008"/>
+            </a:avLst>
+          </a:prstGeom>
+          <a:ln w="19050">
+            <a:solidFill>
+              <a:schemeClr val="accent1">
+                <a:lumMod val="40000"/>
+                <a:lumOff val="60000"/>
+              </a:schemeClr>
+            </a:solidFill>
+            <a:tailEnd type="triangle"/>
+          </a:ln>
+        </p:spPr>
+        <p:style>
+          <a:lnRef idx="1">
+            <a:schemeClr val="accent1"/>
+          </a:lnRef>
+          <a:fillRef idx="0">
+            <a:schemeClr val="accent1"/>
+          </a:fillRef>
+          <a:effectRef idx="0">
+            <a:schemeClr val="accent1"/>
+          </a:effectRef>
+          <a:fontRef idx="minor">
+            <a:schemeClr val="tx1"/>
+          </a:fontRef>
+        </p:style>
+      </p:cxnSp>
+    </p:spTree>
+    <p:extLst>
+      <p:ext uri="{BB962C8B-B14F-4D97-AF65-F5344CB8AC3E}">
+        <p14:creationId xmlns:p14="http://schemas.microsoft.com/office/powerpoint/2010/main" val="3169862337"/>
       </p:ext>
     </p:extLst>
   </p:cSld>

--- a/doc/schemes.pptx
+++ b/doc/schemes.pptx
@@ -13,6 +13,7 @@
     <p:sldId id="260" r:id="rId7"/>
     <p:sldId id="261" r:id="rId8"/>
     <p:sldId id="263" r:id="rId9"/>
+    <p:sldId id="264" r:id="rId10"/>
   </p:sldIdLst>
   <p:sldSz cx="12192000" cy="6858000"/>
   <p:notesSz cx="6858000" cy="9144000"/>
@@ -268,7 +269,7 @@
           <a:p>
             <a:fld id="{063F6DB6-D4C6-4E49-9768-C6B84C44B8E5}" type="datetimeFigureOut">
               <a:rPr lang="es-ES" smtClean="0"/>
-              <a:t>21/06/2023</a:t>
+              <a:t>24/06/2023</a:t>
             </a:fld>
             <a:endParaRPr lang="es-ES"/>
           </a:p>
@@ -468,7 +469,7 @@
           <a:p>
             <a:fld id="{063F6DB6-D4C6-4E49-9768-C6B84C44B8E5}" type="datetimeFigureOut">
               <a:rPr lang="es-ES" smtClean="0"/>
-              <a:t>21/06/2023</a:t>
+              <a:t>24/06/2023</a:t>
             </a:fld>
             <a:endParaRPr lang="es-ES"/>
           </a:p>
@@ -678,7 +679,7 @@
           <a:p>
             <a:fld id="{063F6DB6-D4C6-4E49-9768-C6B84C44B8E5}" type="datetimeFigureOut">
               <a:rPr lang="es-ES" smtClean="0"/>
-              <a:t>21/06/2023</a:t>
+              <a:t>24/06/2023</a:t>
             </a:fld>
             <a:endParaRPr lang="es-ES"/>
           </a:p>
@@ -878,7 +879,7 @@
           <a:p>
             <a:fld id="{063F6DB6-D4C6-4E49-9768-C6B84C44B8E5}" type="datetimeFigureOut">
               <a:rPr lang="es-ES" smtClean="0"/>
-              <a:t>21/06/2023</a:t>
+              <a:t>24/06/2023</a:t>
             </a:fld>
             <a:endParaRPr lang="es-ES"/>
           </a:p>
@@ -1154,7 +1155,7 @@
           <a:p>
             <a:fld id="{063F6DB6-D4C6-4E49-9768-C6B84C44B8E5}" type="datetimeFigureOut">
               <a:rPr lang="es-ES" smtClean="0"/>
-              <a:t>21/06/2023</a:t>
+              <a:t>24/06/2023</a:t>
             </a:fld>
             <a:endParaRPr lang="es-ES"/>
           </a:p>
@@ -1422,7 +1423,7 @@
           <a:p>
             <a:fld id="{063F6DB6-D4C6-4E49-9768-C6B84C44B8E5}" type="datetimeFigureOut">
               <a:rPr lang="es-ES" smtClean="0"/>
-              <a:t>21/06/2023</a:t>
+              <a:t>24/06/2023</a:t>
             </a:fld>
             <a:endParaRPr lang="es-ES"/>
           </a:p>
@@ -1837,7 +1838,7 @@
           <a:p>
             <a:fld id="{063F6DB6-D4C6-4E49-9768-C6B84C44B8E5}" type="datetimeFigureOut">
               <a:rPr lang="es-ES" smtClean="0"/>
-              <a:t>21/06/2023</a:t>
+              <a:t>24/06/2023</a:t>
             </a:fld>
             <a:endParaRPr lang="es-ES"/>
           </a:p>
@@ -1979,7 +1980,7 @@
           <a:p>
             <a:fld id="{063F6DB6-D4C6-4E49-9768-C6B84C44B8E5}" type="datetimeFigureOut">
               <a:rPr lang="es-ES" smtClean="0"/>
-              <a:t>21/06/2023</a:t>
+              <a:t>24/06/2023</a:t>
             </a:fld>
             <a:endParaRPr lang="es-ES"/>
           </a:p>
@@ -2092,7 +2093,7 @@
           <a:p>
             <a:fld id="{063F6DB6-D4C6-4E49-9768-C6B84C44B8E5}" type="datetimeFigureOut">
               <a:rPr lang="es-ES" smtClean="0"/>
-              <a:t>21/06/2023</a:t>
+              <a:t>24/06/2023</a:t>
             </a:fld>
             <a:endParaRPr lang="es-ES"/>
           </a:p>
@@ -2405,7 +2406,7 @@
           <a:p>
             <a:fld id="{063F6DB6-D4C6-4E49-9768-C6B84C44B8E5}" type="datetimeFigureOut">
               <a:rPr lang="es-ES" smtClean="0"/>
-              <a:t>21/06/2023</a:t>
+              <a:t>24/06/2023</a:t>
             </a:fld>
             <a:endParaRPr lang="es-ES"/>
           </a:p>
@@ -2694,7 +2695,7 @@
           <a:p>
             <a:fld id="{063F6DB6-D4C6-4E49-9768-C6B84C44B8E5}" type="datetimeFigureOut">
               <a:rPr lang="es-ES" smtClean="0"/>
-              <a:t>21/06/2023</a:t>
+              <a:t>24/06/2023</a:t>
             </a:fld>
             <a:endParaRPr lang="es-ES"/>
           </a:p>
@@ -2937,7 +2938,7 @@
           <a:p>
             <a:fld id="{063F6DB6-D4C6-4E49-9768-C6B84C44B8E5}" type="datetimeFigureOut">
               <a:rPr lang="es-ES" smtClean="0"/>
-              <a:t>21/06/2023</a:t>
+              <a:t>24/06/2023</a:t>
             </a:fld>
             <a:endParaRPr lang="es-ES"/>
           </a:p>
@@ -5333,30 +5334,17 @@
             <a:p>
               <a:pPr algn="ctr"/>
               <a:r>
-                <a:rPr lang="es-ES" sz="1100" b="1" dirty="0" err="1">
+                <a:rPr lang="es-ES" sz="1200" b="1" dirty="0">
                   <a:solidFill>
                     <a:schemeClr val="tx1">
                       <a:lumMod val="95000"/>
                       <a:lumOff val="5000"/>
                     </a:schemeClr>
                   </a:solidFill>
-                  <a:latin typeface="Courier New" panose="02070309020205020404" pitchFamily="49" charset="0"/>
-                  <a:cs typeface="Courier New" panose="02070309020205020404" pitchFamily="49" charset="0"/>
+                  <a:latin typeface="Arial" panose="020B0604020202020204" pitchFamily="34" charset="0"/>
+                  <a:cs typeface="Arial" panose="020B0604020202020204" pitchFamily="34" charset="0"/>
                 </a:rPr>
-                <a:t>init_components</a:t>
-              </a:r>
-              <a:r>
-                <a:rPr lang="es-ES" sz="1100" b="1" dirty="0">
-                  <a:solidFill>
-                    <a:schemeClr val="tx1">
-                      <a:lumMod val="95000"/>
-                      <a:lumOff val="5000"/>
-                    </a:schemeClr>
-                  </a:solidFill>
-                  <a:latin typeface="Courier New" panose="02070309020205020404" pitchFamily="49" charset="0"/>
-                  <a:cs typeface="Courier New" panose="02070309020205020404" pitchFamily="49" charset="0"/>
-                </a:rPr>
-                <a:t>()</a:t>
+                <a:t>Inicialización software</a:t>
               </a:r>
             </a:p>
           </p:txBody>
@@ -9402,6 +9390,19 @@
           <a:p>
             <a:pPr algn="ctr"/>
             <a:r>
+              <a:rPr lang="es-ES" sz="1200" b="1" dirty="0" err="1">
+                <a:solidFill>
+                  <a:schemeClr val="tx1">
+                    <a:lumMod val="95000"/>
+                    <a:lumOff val="5000"/>
+                  </a:schemeClr>
+                </a:solidFill>
+                <a:latin typeface="Courier New" panose="02070309020205020404" pitchFamily="49" charset="0"/>
+                <a:cs typeface="Courier New" panose="02070309020205020404" pitchFamily="49" charset="0"/>
+              </a:rPr>
+              <a:t>read_barometer</a:t>
+            </a:r>
+            <a:r>
               <a:rPr lang="es-ES" sz="1200" b="1" dirty="0">
                 <a:solidFill>
                   <a:schemeClr val="tx1">
@@ -9412,7 +9413,7 @@
                 <a:latin typeface="Courier New" panose="02070309020205020404" pitchFamily="49" charset="0"/>
                 <a:cs typeface="Courier New" panose="02070309020205020404" pitchFamily="49" charset="0"/>
               </a:rPr>
-              <a:t>read_barometer_v2()</a:t>
+              <a:t>()</a:t>
             </a:r>
           </a:p>
         </p:txBody>
@@ -10499,7 +10500,7 @@
           <a:p>
             <a:pPr algn="ctr"/>
             <a:r>
-              <a:rPr lang="es-ES" sz="1200" b="1" dirty="0" err="1">
+              <a:rPr lang="es-ES" sz="1100" b="1" dirty="0" err="1">
                 <a:solidFill>
                   <a:schemeClr val="tx1">
                     <a:lumMod val="95000"/>
@@ -10512,7 +10513,7 @@
               <a:t>pid_attitude_sp</a:t>
             </a:r>
             <a:r>
-              <a:rPr lang="es-ES" sz="1200" b="1" dirty="0">
+              <a:rPr lang="es-ES" sz="1100" b="1" dirty="0">
                 <a:solidFill>
                   <a:schemeClr val="tx1">
                     <a:lumMod val="95000"/>
@@ -10583,7 +10584,7 @@
           <a:p>
             <a:pPr algn="ctr"/>
             <a:r>
-              <a:rPr lang="es-ES" sz="1200" b="1" dirty="0" err="1">
+              <a:rPr lang="es-ES" sz="1100" b="1" dirty="0" err="1">
                 <a:solidFill>
                   <a:schemeClr val="tx1">
                     <a:lumMod val="95000"/>
@@ -10596,7 +10597,7 @@
               <a:t>Calculate_pid</a:t>
             </a:r>
             <a:r>
-              <a:rPr lang="es-ES" sz="1200" b="1" dirty="0">
+              <a:rPr lang="es-ES" sz="1100" b="1" dirty="0">
                 <a:solidFill>
                   <a:schemeClr val="tx1">
                     <a:lumMod val="95000"/>
@@ -13105,6 +13106,554 @@
     <p:extLst>
       <p:ext uri="{BB962C8B-B14F-4D97-AF65-F5344CB8AC3E}">
         <p14:creationId xmlns:p14="http://schemas.microsoft.com/office/powerpoint/2010/main" val="3169862337"/>
+      </p:ext>
+    </p:extLst>
+  </p:cSld>
+  <p:clrMapOvr>
+    <a:masterClrMapping/>
+  </p:clrMapOvr>
+</p:sld>
+</file>
+
+<file path=ppt/slides/slide9.xml><?xml version="1.0" encoding="utf-8"?>
+<p:sld xmlns:a="http://schemas.openxmlformats.org/drawingml/2006/main" xmlns:r="http://schemas.openxmlformats.org/officeDocument/2006/relationships" xmlns:p="http://schemas.openxmlformats.org/presentationml/2006/main">
+  <p:cSld>
+    <p:spTree>
+      <p:nvGrpSpPr>
+        <p:cNvPr id="1" name=""/>
+        <p:cNvGrpSpPr/>
+        <p:nvPr/>
+      </p:nvGrpSpPr>
+      <p:grpSpPr>
+        <a:xfrm>
+          <a:off x="0" y="0"/>
+          <a:ext cx="0" cy="0"/>
+          <a:chOff x="0" y="0"/>
+          <a:chExt cx="0" cy="0"/>
+        </a:xfrm>
+      </p:grpSpPr>
+      <p:sp>
+        <p:nvSpPr>
+          <p:cNvPr id="79" name="Rectangle 78">
+            <a:extLst>
+              <a:ext uri="{FF2B5EF4-FFF2-40B4-BE49-F238E27FC236}">
+                <a16:creationId xmlns:a16="http://schemas.microsoft.com/office/drawing/2014/main" id="{71FEE860-AF2D-8921-3D7C-3E263D76CF51}"/>
+              </a:ext>
+            </a:extLst>
+          </p:cNvPr>
+          <p:cNvSpPr/>
+          <p:nvPr/>
+        </p:nvSpPr>
+        <p:spPr>
+          <a:xfrm>
+            <a:off x="3358331" y="3429000"/>
+            <a:ext cx="1368000" cy="471869"/>
+          </a:xfrm>
+          <a:prstGeom prst="rect">
+            <a:avLst/>
+          </a:prstGeom>
+          <a:solidFill>
+            <a:schemeClr val="accent1">
+              <a:lumMod val="20000"/>
+              <a:lumOff val="80000"/>
+            </a:schemeClr>
+          </a:solidFill>
+          <a:ln w="19050">
+            <a:solidFill>
+              <a:schemeClr val="accent1">
+                <a:lumMod val="40000"/>
+                <a:lumOff val="60000"/>
+              </a:schemeClr>
+            </a:solidFill>
+          </a:ln>
+        </p:spPr>
+        <p:style>
+          <a:lnRef idx="2">
+            <a:schemeClr val="accent1">
+              <a:shade val="50000"/>
+            </a:schemeClr>
+          </a:lnRef>
+          <a:fillRef idx="1">
+            <a:schemeClr val="accent1"/>
+          </a:fillRef>
+          <a:effectRef idx="0">
+            <a:schemeClr val="accent1"/>
+          </a:effectRef>
+          <a:fontRef idx="minor">
+            <a:schemeClr val="lt1"/>
+          </a:fontRef>
+        </p:style>
+        <p:txBody>
+          <a:bodyPr rtlCol="0" anchor="ctr"/>
+          <a:lstStyle/>
+          <a:p>
+            <a:pPr algn="ctr"/>
+            <a:r>
+              <a:rPr lang="es-ES" sz="1200" b="1" dirty="0">
+                <a:solidFill>
+                  <a:schemeClr val="tx1">
+                    <a:lumMod val="95000"/>
+                    <a:lumOff val="5000"/>
+                  </a:schemeClr>
+                </a:solidFill>
+                <a:latin typeface="Arial" panose="020B0604020202020204" pitchFamily="34" charset="0"/>
+                <a:cs typeface="Arial" panose="020B0604020202020204" pitchFamily="34" charset="0"/>
+              </a:rPr>
+              <a:t>Ejecución ciclo</a:t>
+            </a:r>
+          </a:p>
+        </p:txBody>
+      </p:sp>
+      <p:sp>
+        <p:nvSpPr>
+          <p:cNvPr id="80" name="Rectangle 79">
+            <a:extLst>
+              <a:ext uri="{FF2B5EF4-FFF2-40B4-BE49-F238E27FC236}">
+                <a16:creationId xmlns:a16="http://schemas.microsoft.com/office/drawing/2014/main" id="{6BB71E09-29A0-B2C5-6AD0-4B4AFCA8449D}"/>
+              </a:ext>
+            </a:extLst>
+          </p:cNvPr>
+          <p:cNvSpPr/>
+          <p:nvPr/>
+        </p:nvSpPr>
+        <p:spPr>
+          <a:xfrm>
+            <a:off x="5198355" y="3429000"/>
+            <a:ext cx="1368000" cy="471869"/>
+          </a:xfrm>
+          <a:prstGeom prst="rect">
+            <a:avLst/>
+          </a:prstGeom>
+          <a:solidFill>
+            <a:schemeClr val="accent1">
+              <a:lumMod val="20000"/>
+              <a:lumOff val="80000"/>
+            </a:schemeClr>
+          </a:solidFill>
+          <a:ln w="19050">
+            <a:solidFill>
+              <a:schemeClr val="accent1">
+                <a:lumMod val="40000"/>
+                <a:lumOff val="60000"/>
+              </a:schemeClr>
+            </a:solidFill>
+          </a:ln>
+        </p:spPr>
+        <p:style>
+          <a:lnRef idx="2">
+            <a:schemeClr val="accent1">
+              <a:shade val="50000"/>
+            </a:schemeClr>
+          </a:lnRef>
+          <a:fillRef idx="1">
+            <a:schemeClr val="accent1"/>
+          </a:fillRef>
+          <a:effectRef idx="0">
+            <a:schemeClr val="accent1"/>
+          </a:effectRef>
+          <a:fontRef idx="minor">
+            <a:schemeClr val="lt1"/>
+          </a:fontRef>
+        </p:style>
+        <p:txBody>
+          <a:bodyPr rtlCol="0" anchor="ctr"/>
+          <a:lstStyle/>
+          <a:p>
+            <a:pPr algn="ctr"/>
+            <a:r>
+              <a:rPr lang="es-ES" sz="1200" b="1" dirty="0">
+                <a:solidFill>
+                  <a:schemeClr val="tx1">
+                    <a:lumMod val="95000"/>
+                    <a:lumOff val="5000"/>
+                  </a:schemeClr>
+                </a:solidFill>
+                <a:latin typeface="Arial" panose="020B0604020202020204" pitchFamily="34" charset="0"/>
+                <a:cs typeface="Arial" panose="020B0604020202020204" pitchFamily="34" charset="0"/>
+              </a:rPr>
+              <a:t>Duración ciclo &gt; 4000 µs</a:t>
+            </a:r>
+          </a:p>
+        </p:txBody>
+      </p:sp>
+      <p:cxnSp>
+        <p:nvCxnSpPr>
+          <p:cNvPr id="83" name="Straight Arrow Connector 82">
+            <a:extLst>
+              <a:ext uri="{FF2B5EF4-FFF2-40B4-BE49-F238E27FC236}">
+                <a16:creationId xmlns:a16="http://schemas.microsoft.com/office/drawing/2014/main" id="{86404D1C-0921-F03E-6A16-8C8D594CB78E}"/>
+              </a:ext>
+            </a:extLst>
+          </p:cNvPr>
+          <p:cNvCxnSpPr>
+            <a:cxnSpLocks/>
+            <a:stCxn id="79" idx="3"/>
+            <a:endCxn id="80" idx="1"/>
+          </p:cNvCxnSpPr>
+          <p:nvPr/>
+        </p:nvCxnSpPr>
+        <p:spPr>
+          <a:xfrm>
+            <a:off x="4726331" y="3664935"/>
+            <a:ext cx="472024" cy="0"/>
+          </a:xfrm>
+          <a:prstGeom prst="straightConnector1">
+            <a:avLst/>
+          </a:prstGeom>
+          <a:ln w="19050">
+            <a:solidFill>
+              <a:schemeClr val="accent1">
+                <a:lumMod val="40000"/>
+                <a:lumOff val="60000"/>
+              </a:schemeClr>
+            </a:solidFill>
+            <a:tailEnd type="triangle"/>
+          </a:ln>
+        </p:spPr>
+        <p:style>
+          <a:lnRef idx="1">
+            <a:schemeClr val="accent1"/>
+          </a:lnRef>
+          <a:fillRef idx="0">
+            <a:schemeClr val="accent1"/>
+          </a:fillRef>
+          <a:effectRef idx="0">
+            <a:schemeClr val="accent1"/>
+          </a:effectRef>
+          <a:fontRef idx="minor">
+            <a:schemeClr val="tx1"/>
+          </a:fontRef>
+        </p:style>
+      </p:cxnSp>
+      <p:sp>
+        <p:nvSpPr>
+          <p:cNvPr id="6" name="Rectangle 5">
+            <a:extLst>
+              <a:ext uri="{FF2B5EF4-FFF2-40B4-BE49-F238E27FC236}">
+                <a16:creationId xmlns:a16="http://schemas.microsoft.com/office/drawing/2014/main" id="{ADDE0DAA-6CEA-533B-4717-73013E08FFCF}"/>
+              </a:ext>
+            </a:extLst>
+          </p:cNvPr>
+          <p:cNvSpPr/>
+          <p:nvPr/>
+        </p:nvSpPr>
+        <p:spPr>
+          <a:xfrm>
+            <a:off x="5658322" y="4307541"/>
+            <a:ext cx="448065" cy="386379"/>
+          </a:xfrm>
+          <a:prstGeom prst="rect">
+            <a:avLst/>
+          </a:prstGeom>
+          <a:noFill/>
+          <a:ln>
+            <a:noFill/>
+          </a:ln>
+        </p:spPr>
+        <p:style>
+          <a:lnRef idx="0">
+            <a:scrgbClr r="0" g="0" b="0"/>
+          </a:lnRef>
+          <a:fillRef idx="0">
+            <a:scrgbClr r="0" g="0" b="0"/>
+          </a:fillRef>
+          <a:effectRef idx="0">
+            <a:scrgbClr r="0" g="0" b="0"/>
+          </a:effectRef>
+          <a:fontRef idx="minor">
+            <a:schemeClr val="dk1"/>
+          </a:fontRef>
+        </p:style>
+        <p:txBody>
+          <a:bodyPr rtlCol="0" anchor="ctr"/>
+          <a:lstStyle/>
+          <a:p>
+            <a:pPr algn="ctr"/>
+            <a:r>
+              <a:rPr lang="es-ES" sz="1200" b="1" dirty="0">
+                <a:solidFill>
+                  <a:schemeClr val="tx1">
+                    <a:lumMod val="95000"/>
+                    <a:lumOff val="5000"/>
+                  </a:schemeClr>
+                </a:solidFill>
+                <a:latin typeface="Arial" panose="020B0604020202020204" pitchFamily="34" charset="0"/>
+                <a:cs typeface="Arial" panose="020B0604020202020204" pitchFamily="34" charset="0"/>
+              </a:rPr>
+              <a:t>No</a:t>
+            </a:r>
+          </a:p>
+        </p:txBody>
+      </p:sp>
+      <p:cxnSp>
+        <p:nvCxnSpPr>
+          <p:cNvPr id="8" name="Straight Arrow Connector 7">
+            <a:extLst>
+              <a:ext uri="{FF2B5EF4-FFF2-40B4-BE49-F238E27FC236}">
+                <a16:creationId xmlns:a16="http://schemas.microsoft.com/office/drawing/2014/main" id="{42081082-22D7-561E-E7C9-51A811FFB0F3}"/>
+              </a:ext>
+            </a:extLst>
+          </p:cNvPr>
+          <p:cNvCxnSpPr>
+            <a:cxnSpLocks/>
+            <a:stCxn id="80" idx="3"/>
+            <a:endCxn id="25" idx="1"/>
+          </p:cNvCxnSpPr>
+          <p:nvPr/>
+        </p:nvCxnSpPr>
+        <p:spPr>
+          <a:xfrm flipV="1">
+            <a:off x="6566355" y="3664932"/>
+            <a:ext cx="483458" cy="3"/>
+          </a:xfrm>
+          <a:prstGeom prst="straightConnector1">
+            <a:avLst/>
+          </a:prstGeom>
+          <a:ln w="19050">
+            <a:solidFill>
+              <a:schemeClr val="accent1">
+                <a:lumMod val="40000"/>
+                <a:lumOff val="60000"/>
+              </a:schemeClr>
+            </a:solidFill>
+            <a:headEnd type="none" w="med" len="med"/>
+            <a:tailEnd type="none" w="med" len="med"/>
+          </a:ln>
+        </p:spPr>
+        <p:style>
+          <a:lnRef idx="1">
+            <a:schemeClr val="accent1"/>
+          </a:lnRef>
+          <a:fillRef idx="0">
+            <a:schemeClr val="accent1"/>
+          </a:fillRef>
+          <a:effectRef idx="0">
+            <a:schemeClr val="accent1"/>
+          </a:effectRef>
+          <a:fontRef idx="minor">
+            <a:schemeClr val="tx1"/>
+          </a:fontRef>
+        </p:style>
+      </p:cxnSp>
+      <p:cxnSp>
+        <p:nvCxnSpPr>
+          <p:cNvPr id="10" name="Connector: Elbow 9">
+            <a:extLst>
+              <a:ext uri="{FF2B5EF4-FFF2-40B4-BE49-F238E27FC236}">
+                <a16:creationId xmlns:a16="http://schemas.microsoft.com/office/drawing/2014/main" id="{D914B5CC-0129-5D05-1DFA-A008C62B32D8}"/>
+              </a:ext>
+            </a:extLst>
+          </p:cNvPr>
+          <p:cNvCxnSpPr>
+            <a:cxnSpLocks/>
+            <a:stCxn id="80" idx="3"/>
+            <a:endCxn id="6" idx="3"/>
+          </p:cNvCxnSpPr>
+          <p:nvPr/>
+        </p:nvCxnSpPr>
+        <p:spPr>
+          <a:xfrm flipH="1">
+            <a:off x="6106387" y="3664935"/>
+            <a:ext cx="459968" cy="835796"/>
+          </a:xfrm>
+          <a:prstGeom prst="bentConnector3">
+            <a:avLst>
+              <a:gd name="adj1" fmla="val -57982"/>
+            </a:avLst>
+          </a:prstGeom>
+          <a:ln w="19050">
+            <a:solidFill>
+              <a:schemeClr val="accent1">
+                <a:lumMod val="40000"/>
+                <a:lumOff val="60000"/>
+              </a:schemeClr>
+            </a:solidFill>
+            <a:headEnd type="none" w="med" len="med"/>
+            <a:tailEnd type="none" w="med" len="med"/>
+          </a:ln>
+        </p:spPr>
+        <p:style>
+          <a:lnRef idx="1">
+            <a:schemeClr val="accent1"/>
+          </a:lnRef>
+          <a:fillRef idx="0">
+            <a:schemeClr val="accent1"/>
+          </a:fillRef>
+          <a:effectRef idx="0">
+            <a:schemeClr val="accent1"/>
+          </a:effectRef>
+          <a:fontRef idx="minor">
+            <a:schemeClr val="tx1"/>
+          </a:fontRef>
+        </p:style>
+      </p:cxnSp>
+      <p:cxnSp>
+        <p:nvCxnSpPr>
+          <p:cNvPr id="12" name="Connector: Elbow 11">
+            <a:extLst>
+              <a:ext uri="{FF2B5EF4-FFF2-40B4-BE49-F238E27FC236}">
+                <a16:creationId xmlns:a16="http://schemas.microsoft.com/office/drawing/2014/main" id="{EF1E3EE5-9C73-31A6-8131-D92C90730715}"/>
+              </a:ext>
+            </a:extLst>
+          </p:cNvPr>
+          <p:cNvCxnSpPr>
+            <a:cxnSpLocks/>
+            <a:stCxn id="6" idx="1"/>
+            <a:endCxn id="80" idx="1"/>
+          </p:cNvCxnSpPr>
+          <p:nvPr/>
+        </p:nvCxnSpPr>
+        <p:spPr>
+          <a:xfrm rot="10800000">
+            <a:off x="5198356" y="3664935"/>
+            <a:ext cx="459967" cy="835796"/>
+          </a:xfrm>
+          <a:prstGeom prst="bentConnector3">
+            <a:avLst>
+              <a:gd name="adj1" fmla="val 149699"/>
+            </a:avLst>
+          </a:prstGeom>
+          <a:ln w="19050">
+            <a:solidFill>
+              <a:schemeClr val="accent1">
+                <a:lumMod val="40000"/>
+                <a:lumOff val="60000"/>
+              </a:schemeClr>
+            </a:solidFill>
+            <a:tailEnd type="triangle"/>
+          </a:ln>
+        </p:spPr>
+        <p:style>
+          <a:lnRef idx="1">
+            <a:schemeClr val="accent1"/>
+          </a:lnRef>
+          <a:fillRef idx="0">
+            <a:schemeClr val="accent1"/>
+          </a:fillRef>
+          <a:effectRef idx="0">
+            <a:schemeClr val="accent1"/>
+          </a:effectRef>
+          <a:fontRef idx="minor">
+            <a:schemeClr val="tx1"/>
+          </a:fontRef>
+        </p:style>
+      </p:cxnSp>
+      <p:sp>
+        <p:nvSpPr>
+          <p:cNvPr id="25" name="Rectangle 24">
+            <a:extLst>
+              <a:ext uri="{FF2B5EF4-FFF2-40B4-BE49-F238E27FC236}">
+                <a16:creationId xmlns:a16="http://schemas.microsoft.com/office/drawing/2014/main" id="{FE7CF808-3BAA-D58A-9AFF-8987D458B99B}"/>
+              </a:ext>
+            </a:extLst>
+          </p:cNvPr>
+          <p:cNvSpPr/>
+          <p:nvPr/>
+        </p:nvSpPr>
+        <p:spPr>
+          <a:xfrm>
+            <a:off x="7049813" y="3471742"/>
+            <a:ext cx="448065" cy="386379"/>
+          </a:xfrm>
+          <a:prstGeom prst="rect">
+            <a:avLst/>
+          </a:prstGeom>
+          <a:noFill/>
+          <a:ln>
+            <a:noFill/>
+          </a:ln>
+        </p:spPr>
+        <p:style>
+          <a:lnRef idx="0">
+            <a:scrgbClr r="0" g="0" b="0"/>
+          </a:lnRef>
+          <a:fillRef idx="0">
+            <a:scrgbClr r="0" g="0" b="0"/>
+          </a:fillRef>
+          <a:effectRef idx="0">
+            <a:scrgbClr r="0" g="0" b="0"/>
+          </a:effectRef>
+          <a:fontRef idx="minor">
+            <a:schemeClr val="dk1"/>
+          </a:fontRef>
+        </p:style>
+        <p:txBody>
+          <a:bodyPr rtlCol="0" anchor="ctr"/>
+          <a:lstStyle/>
+          <a:p>
+            <a:pPr algn="ctr"/>
+            <a:r>
+              <a:rPr lang="es-ES" sz="1200" b="1" dirty="0">
+                <a:solidFill>
+                  <a:schemeClr val="tx1">
+                    <a:lumMod val="95000"/>
+                    <a:lumOff val="5000"/>
+                  </a:schemeClr>
+                </a:solidFill>
+                <a:latin typeface="Arial" panose="020B0604020202020204" pitchFamily="34" charset="0"/>
+                <a:cs typeface="Arial" panose="020B0604020202020204" pitchFamily="34" charset="0"/>
+              </a:rPr>
+              <a:t>Sí</a:t>
+            </a:r>
+          </a:p>
+        </p:txBody>
+      </p:sp>
+      <p:cxnSp>
+        <p:nvCxnSpPr>
+          <p:cNvPr id="53" name="Connector: Elbow 52">
+            <a:extLst>
+              <a:ext uri="{FF2B5EF4-FFF2-40B4-BE49-F238E27FC236}">
+                <a16:creationId xmlns:a16="http://schemas.microsoft.com/office/drawing/2014/main" id="{80F732C8-C9B7-5C6A-C09F-F5E50C6A7CE1}"/>
+              </a:ext>
+            </a:extLst>
+          </p:cNvPr>
+          <p:cNvCxnSpPr>
+            <a:stCxn id="25" idx="3"/>
+            <a:endCxn id="79" idx="1"/>
+          </p:cNvCxnSpPr>
+          <p:nvPr/>
+        </p:nvCxnSpPr>
+        <p:spPr>
+          <a:xfrm flipH="1">
+            <a:off x="3358331" y="3664932"/>
+            <a:ext cx="4139547" cy="9"/>
+          </a:xfrm>
+          <a:prstGeom prst="bentConnector5">
+            <a:avLst>
+              <a:gd name="adj1" fmla="val -5522"/>
+              <a:gd name="adj2" fmla="val 15484566667"/>
+              <a:gd name="adj3" fmla="val 106258"/>
+            </a:avLst>
+          </a:prstGeom>
+          <a:ln w="19050">
+            <a:solidFill>
+              <a:schemeClr val="accent1">
+                <a:lumMod val="40000"/>
+                <a:lumOff val="60000"/>
+              </a:schemeClr>
+            </a:solidFill>
+            <a:tailEnd type="triangle"/>
+          </a:ln>
+        </p:spPr>
+        <p:style>
+          <a:lnRef idx="1">
+            <a:schemeClr val="accent1"/>
+          </a:lnRef>
+          <a:fillRef idx="0">
+            <a:schemeClr val="accent1"/>
+          </a:fillRef>
+          <a:effectRef idx="0">
+            <a:schemeClr val="accent1"/>
+          </a:effectRef>
+          <a:fontRef idx="minor">
+            <a:schemeClr val="tx1"/>
+          </a:fontRef>
+        </p:style>
+      </p:cxnSp>
+    </p:spTree>
+    <p:extLst>
+      <p:ext uri="{BB962C8B-B14F-4D97-AF65-F5344CB8AC3E}">
+        <p14:creationId xmlns:p14="http://schemas.microsoft.com/office/powerpoint/2010/main" val="3866831575"/>
       </p:ext>
     </p:extLst>
   </p:cSld>

--- a/doc/schemes.pptx
+++ b/doc/schemes.pptx
@@ -14,6 +14,7 @@
     <p:sldId id="261" r:id="rId8"/>
     <p:sldId id="263" r:id="rId9"/>
     <p:sldId id="264" r:id="rId10"/>
+    <p:sldId id="265" r:id="rId11"/>
   </p:sldIdLst>
   <p:sldSz cx="12192000" cy="6858000"/>
   <p:notesSz cx="6858000" cy="9144000"/>
@@ -269,7 +270,7 @@
           <a:p>
             <a:fld id="{063F6DB6-D4C6-4E49-9768-C6B84C44B8E5}" type="datetimeFigureOut">
               <a:rPr lang="es-ES" smtClean="0"/>
-              <a:t>24/06/2023</a:t>
+              <a:t>01/07/2023</a:t>
             </a:fld>
             <a:endParaRPr lang="es-ES"/>
           </a:p>
@@ -469,7 +470,7 @@
           <a:p>
             <a:fld id="{063F6DB6-D4C6-4E49-9768-C6B84C44B8E5}" type="datetimeFigureOut">
               <a:rPr lang="es-ES" smtClean="0"/>
-              <a:t>24/06/2023</a:t>
+              <a:t>01/07/2023</a:t>
             </a:fld>
             <a:endParaRPr lang="es-ES"/>
           </a:p>
@@ -679,7 +680,7 @@
           <a:p>
             <a:fld id="{063F6DB6-D4C6-4E49-9768-C6B84C44B8E5}" type="datetimeFigureOut">
               <a:rPr lang="es-ES" smtClean="0"/>
-              <a:t>24/06/2023</a:t>
+              <a:t>01/07/2023</a:t>
             </a:fld>
             <a:endParaRPr lang="es-ES"/>
           </a:p>
@@ -879,7 +880,7 @@
           <a:p>
             <a:fld id="{063F6DB6-D4C6-4E49-9768-C6B84C44B8E5}" type="datetimeFigureOut">
               <a:rPr lang="es-ES" smtClean="0"/>
-              <a:t>24/06/2023</a:t>
+              <a:t>01/07/2023</a:t>
             </a:fld>
             <a:endParaRPr lang="es-ES"/>
           </a:p>
@@ -1155,7 +1156,7 @@
           <a:p>
             <a:fld id="{063F6DB6-D4C6-4E49-9768-C6B84C44B8E5}" type="datetimeFigureOut">
               <a:rPr lang="es-ES" smtClean="0"/>
-              <a:t>24/06/2023</a:t>
+              <a:t>01/07/2023</a:t>
             </a:fld>
             <a:endParaRPr lang="es-ES"/>
           </a:p>
@@ -1423,7 +1424,7 @@
           <a:p>
             <a:fld id="{063F6DB6-D4C6-4E49-9768-C6B84C44B8E5}" type="datetimeFigureOut">
               <a:rPr lang="es-ES" smtClean="0"/>
-              <a:t>24/06/2023</a:t>
+              <a:t>01/07/2023</a:t>
             </a:fld>
             <a:endParaRPr lang="es-ES"/>
           </a:p>
@@ -1838,7 +1839,7 @@
           <a:p>
             <a:fld id="{063F6DB6-D4C6-4E49-9768-C6B84C44B8E5}" type="datetimeFigureOut">
               <a:rPr lang="es-ES" smtClean="0"/>
-              <a:t>24/06/2023</a:t>
+              <a:t>01/07/2023</a:t>
             </a:fld>
             <a:endParaRPr lang="es-ES"/>
           </a:p>
@@ -1980,7 +1981,7 @@
           <a:p>
             <a:fld id="{063F6DB6-D4C6-4E49-9768-C6B84C44B8E5}" type="datetimeFigureOut">
               <a:rPr lang="es-ES" smtClean="0"/>
-              <a:t>24/06/2023</a:t>
+              <a:t>01/07/2023</a:t>
             </a:fld>
             <a:endParaRPr lang="es-ES"/>
           </a:p>
@@ -2093,7 +2094,7 @@
           <a:p>
             <a:fld id="{063F6DB6-D4C6-4E49-9768-C6B84C44B8E5}" type="datetimeFigureOut">
               <a:rPr lang="es-ES" smtClean="0"/>
-              <a:t>24/06/2023</a:t>
+              <a:t>01/07/2023</a:t>
             </a:fld>
             <a:endParaRPr lang="es-ES"/>
           </a:p>
@@ -2406,7 +2407,7 @@
           <a:p>
             <a:fld id="{063F6DB6-D4C6-4E49-9768-C6B84C44B8E5}" type="datetimeFigureOut">
               <a:rPr lang="es-ES" smtClean="0"/>
-              <a:t>24/06/2023</a:t>
+              <a:t>01/07/2023</a:t>
             </a:fld>
             <a:endParaRPr lang="es-ES"/>
           </a:p>
@@ -2695,7 +2696,7 @@
           <a:p>
             <a:fld id="{063F6DB6-D4C6-4E49-9768-C6B84C44B8E5}" type="datetimeFigureOut">
               <a:rPr lang="es-ES" smtClean="0"/>
-              <a:t>24/06/2023</a:t>
+              <a:t>01/07/2023</a:t>
             </a:fld>
             <a:endParaRPr lang="es-ES"/>
           </a:p>
@@ -2938,7 +2939,7 @@
           <a:p>
             <a:fld id="{063F6DB6-D4C6-4E49-9768-C6B84C44B8E5}" type="datetimeFigureOut">
               <a:rPr lang="es-ES" smtClean="0"/>
-              <a:t>24/06/2023</a:t>
+              <a:t>01/07/2023</a:t>
             </a:fld>
             <a:endParaRPr lang="es-ES"/>
           </a:p>
@@ -4152,6 +4153,690 @@
     <p:extLst>
       <p:ext uri="{BB962C8B-B14F-4D97-AF65-F5344CB8AC3E}">
         <p14:creationId xmlns:p14="http://schemas.microsoft.com/office/powerpoint/2010/main" val="2895244591"/>
+      </p:ext>
+    </p:extLst>
+  </p:cSld>
+  <p:clrMapOvr>
+    <a:masterClrMapping/>
+  </p:clrMapOvr>
+</p:sld>
+</file>
+
+<file path=ppt/slides/slide10.xml><?xml version="1.0" encoding="utf-8"?>
+<p:sld xmlns:a="http://schemas.openxmlformats.org/drawingml/2006/main" xmlns:r="http://schemas.openxmlformats.org/officeDocument/2006/relationships" xmlns:p="http://schemas.openxmlformats.org/presentationml/2006/main">
+  <p:cSld>
+    <p:spTree>
+      <p:nvGrpSpPr>
+        <p:cNvPr id="1" name=""/>
+        <p:cNvGrpSpPr/>
+        <p:nvPr/>
+      </p:nvGrpSpPr>
+      <p:grpSpPr>
+        <a:xfrm>
+          <a:off x="0" y="0"/>
+          <a:ext cx="0" cy="0"/>
+          <a:chOff x="0" y="0"/>
+          <a:chExt cx="0" cy="0"/>
+        </a:xfrm>
+      </p:grpSpPr>
+      <p:sp>
+        <p:nvSpPr>
+          <p:cNvPr id="79" name="Rectangle 78">
+            <a:extLst>
+              <a:ext uri="{FF2B5EF4-FFF2-40B4-BE49-F238E27FC236}">
+                <a16:creationId xmlns:a16="http://schemas.microsoft.com/office/drawing/2014/main" id="{71FEE860-AF2D-8921-3D7C-3E263D76CF51}"/>
+              </a:ext>
+            </a:extLst>
+          </p:cNvPr>
+          <p:cNvSpPr/>
+          <p:nvPr/>
+        </p:nvSpPr>
+        <p:spPr>
+          <a:xfrm>
+            <a:off x="3106871" y="3543300"/>
+            <a:ext cx="1368000" cy="471869"/>
+          </a:xfrm>
+          <a:prstGeom prst="rect">
+            <a:avLst/>
+          </a:prstGeom>
+          <a:solidFill>
+            <a:schemeClr val="accent1">
+              <a:lumMod val="20000"/>
+              <a:lumOff val="80000"/>
+            </a:schemeClr>
+          </a:solidFill>
+          <a:ln w="19050">
+            <a:solidFill>
+              <a:schemeClr val="accent1">
+                <a:lumMod val="40000"/>
+                <a:lumOff val="60000"/>
+              </a:schemeClr>
+            </a:solidFill>
+          </a:ln>
+        </p:spPr>
+        <p:style>
+          <a:lnRef idx="2">
+            <a:schemeClr val="accent1">
+              <a:shade val="50000"/>
+            </a:schemeClr>
+          </a:lnRef>
+          <a:fillRef idx="1">
+            <a:schemeClr val="accent1"/>
+          </a:fillRef>
+          <a:effectRef idx="0">
+            <a:schemeClr val="accent1"/>
+          </a:effectRef>
+          <a:fontRef idx="minor">
+            <a:schemeClr val="lt1"/>
+          </a:fontRef>
+        </p:style>
+        <p:txBody>
+          <a:bodyPr rtlCol="0" anchor="ctr"/>
+          <a:lstStyle/>
+          <a:p>
+            <a:pPr algn="ctr"/>
+            <a:r>
+              <a:rPr lang="es-ES" sz="1200" b="1" dirty="0" err="1">
+                <a:solidFill>
+                  <a:schemeClr val="tx1">
+                    <a:lumMod val="95000"/>
+                    <a:lumOff val="5000"/>
+                  </a:schemeClr>
+                </a:solidFill>
+                <a:latin typeface="Arial" panose="020B0604020202020204" pitchFamily="34" charset="0"/>
+                <a:cs typeface="Arial" panose="020B0604020202020204" pitchFamily="34" charset="0"/>
+              </a:rPr>
+              <a:t>Disabled</a:t>
+            </a:r>
+            <a:endParaRPr lang="es-ES" sz="1200" b="1" dirty="0">
+              <a:solidFill>
+                <a:schemeClr val="tx1">
+                  <a:lumMod val="95000"/>
+                  <a:lumOff val="5000"/>
+                </a:schemeClr>
+              </a:solidFill>
+              <a:latin typeface="Arial" panose="020B0604020202020204" pitchFamily="34" charset="0"/>
+              <a:cs typeface="Arial" panose="020B0604020202020204" pitchFamily="34" charset="0"/>
+            </a:endParaRPr>
+          </a:p>
+        </p:txBody>
+      </p:sp>
+      <p:sp>
+        <p:nvSpPr>
+          <p:cNvPr id="2" name="Rectangle 1">
+            <a:extLst>
+              <a:ext uri="{FF2B5EF4-FFF2-40B4-BE49-F238E27FC236}">
+                <a16:creationId xmlns:a16="http://schemas.microsoft.com/office/drawing/2014/main" id="{9EC092F3-7129-04C3-9324-0AB483ED87B1}"/>
+              </a:ext>
+            </a:extLst>
+          </p:cNvPr>
+          <p:cNvSpPr/>
+          <p:nvPr/>
+        </p:nvSpPr>
+        <p:spPr>
+          <a:xfrm>
+            <a:off x="5160540" y="3543300"/>
+            <a:ext cx="1368000" cy="471869"/>
+          </a:xfrm>
+          <a:prstGeom prst="rect">
+            <a:avLst/>
+          </a:prstGeom>
+          <a:solidFill>
+            <a:schemeClr val="accent1">
+              <a:lumMod val="20000"/>
+              <a:lumOff val="80000"/>
+            </a:schemeClr>
+          </a:solidFill>
+          <a:ln w="19050">
+            <a:solidFill>
+              <a:schemeClr val="accent1">
+                <a:lumMod val="40000"/>
+                <a:lumOff val="60000"/>
+              </a:schemeClr>
+            </a:solidFill>
+          </a:ln>
+        </p:spPr>
+        <p:style>
+          <a:lnRef idx="2">
+            <a:schemeClr val="accent1">
+              <a:shade val="50000"/>
+            </a:schemeClr>
+          </a:lnRef>
+          <a:fillRef idx="1">
+            <a:schemeClr val="accent1"/>
+          </a:fillRef>
+          <a:effectRef idx="0">
+            <a:schemeClr val="accent1"/>
+          </a:effectRef>
+          <a:fontRef idx="minor">
+            <a:schemeClr val="lt1"/>
+          </a:fontRef>
+        </p:style>
+        <p:txBody>
+          <a:bodyPr rtlCol="0" anchor="ctr"/>
+          <a:lstStyle/>
+          <a:p>
+            <a:pPr algn="ctr"/>
+            <a:r>
+              <a:rPr lang="es-ES" sz="1200" b="1" dirty="0" err="1">
+                <a:solidFill>
+                  <a:schemeClr val="tx1">
+                    <a:lumMod val="95000"/>
+                    <a:lumOff val="5000"/>
+                  </a:schemeClr>
+                </a:solidFill>
+                <a:latin typeface="Arial" panose="020B0604020202020204" pitchFamily="34" charset="0"/>
+                <a:cs typeface="Arial" panose="020B0604020202020204" pitchFamily="34" charset="0"/>
+              </a:rPr>
+              <a:t>Mounting</a:t>
+            </a:r>
+            <a:endParaRPr lang="es-ES" sz="1200" b="1" dirty="0">
+              <a:solidFill>
+                <a:schemeClr val="tx1">
+                  <a:lumMod val="95000"/>
+                  <a:lumOff val="5000"/>
+                </a:schemeClr>
+              </a:solidFill>
+              <a:latin typeface="Arial" panose="020B0604020202020204" pitchFamily="34" charset="0"/>
+              <a:cs typeface="Arial" panose="020B0604020202020204" pitchFamily="34" charset="0"/>
+            </a:endParaRPr>
+          </a:p>
+        </p:txBody>
+      </p:sp>
+      <p:sp>
+        <p:nvSpPr>
+          <p:cNvPr id="3" name="Rectangle 2">
+            <a:extLst>
+              <a:ext uri="{FF2B5EF4-FFF2-40B4-BE49-F238E27FC236}">
+                <a16:creationId xmlns:a16="http://schemas.microsoft.com/office/drawing/2014/main" id="{3E0ADE84-8E14-6F3C-DA11-0A5E2F134B4A}"/>
+              </a:ext>
+            </a:extLst>
+          </p:cNvPr>
+          <p:cNvSpPr/>
+          <p:nvPr/>
+        </p:nvSpPr>
+        <p:spPr>
+          <a:xfrm>
+            <a:off x="7527223" y="3071431"/>
+            <a:ext cx="1368000" cy="471869"/>
+          </a:xfrm>
+          <a:prstGeom prst="rect">
+            <a:avLst/>
+          </a:prstGeom>
+          <a:solidFill>
+            <a:schemeClr val="accent1">
+              <a:lumMod val="20000"/>
+              <a:lumOff val="80000"/>
+            </a:schemeClr>
+          </a:solidFill>
+          <a:ln w="19050">
+            <a:solidFill>
+              <a:schemeClr val="accent1">
+                <a:lumMod val="40000"/>
+                <a:lumOff val="60000"/>
+              </a:schemeClr>
+            </a:solidFill>
+          </a:ln>
+        </p:spPr>
+        <p:style>
+          <a:lnRef idx="2">
+            <a:schemeClr val="accent1">
+              <a:shade val="50000"/>
+            </a:schemeClr>
+          </a:lnRef>
+          <a:fillRef idx="1">
+            <a:schemeClr val="accent1"/>
+          </a:fillRef>
+          <a:effectRef idx="0">
+            <a:schemeClr val="accent1"/>
+          </a:effectRef>
+          <a:fontRef idx="minor">
+            <a:schemeClr val="lt1"/>
+          </a:fontRef>
+        </p:style>
+        <p:txBody>
+          <a:bodyPr rtlCol="0" anchor="ctr"/>
+          <a:lstStyle/>
+          <a:p>
+            <a:pPr algn="ctr"/>
+            <a:r>
+              <a:rPr lang="es-ES" sz="1200" b="1" dirty="0" err="1">
+                <a:solidFill>
+                  <a:schemeClr val="tx1">
+                    <a:lumMod val="95000"/>
+                    <a:lumOff val="5000"/>
+                  </a:schemeClr>
+                </a:solidFill>
+                <a:latin typeface="Arial" panose="020B0604020202020204" pitchFamily="34" charset="0"/>
+                <a:cs typeface="Arial" panose="020B0604020202020204" pitchFamily="34" charset="0"/>
+              </a:rPr>
+              <a:t>Stabilized</a:t>
+            </a:r>
+            <a:endParaRPr lang="es-ES" sz="1200" b="1" dirty="0">
+              <a:solidFill>
+                <a:schemeClr val="tx1">
+                  <a:lumMod val="95000"/>
+                  <a:lumOff val="5000"/>
+                </a:schemeClr>
+              </a:solidFill>
+              <a:latin typeface="Arial" panose="020B0604020202020204" pitchFamily="34" charset="0"/>
+              <a:cs typeface="Arial" panose="020B0604020202020204" pitchFamily="34" charset="0"/>
+            </a:endParaRPr>
+          </a:p>
+        </p:txBody>
+      </p:sp>
+      <p:sp>
+        <p:nvSpPr>
+          <p:cNvPr id="4" name="Rectangle 3">
+            <a:extLst>
+              <a:ext uri="{FF2B5EF4-FFF2-40B4-BE49-F238E27FC236}">
+                <a16:creationId xmlns:a16="http://schemas.microsoft.com/office/drawing/2014/main" id="{D2D812C6-AA5A-1922-1C5F-49B5EBE33C10}"/>
+              </a:ext>
+            </a:extLst>
+          </p:cNvPr>
+          <p:cNvSpPr/>
+          <p:nvPr/>
+        </p:nvSpPr>
+        <p:spPr>
+          <a:xfrm>
+            <a:off x="7527223" y="4015169"/>
+            <a:ext cx="1368000" cy="471869"/>
+          </a:xfrm>
+          <a:prstGeom prst="rect">
+            <a:avLst/>
+          </a:prstGeom>
+          <a:solidFill>
+            <a:schemeClr val="accent1">
+              <a:lumMod val="20000"/>
+              <a:lumOff val="80000"/>
+            </a:schemeClr>
+          </a:solidFill>
+          <a:ln w="19050">
+            <a:solidFill>
+              <a:schemeClr val="accent1">
+                <a:lumMod val="40000"/>
+                <a:lumOff val="60000"/>
+              </a:schemeClr>
+            </a:solidFill>
+          </a:ln>
+        </p:spPr>
+        <p:style>
+          <a:lnRef idx="2">
+            <a:schemeClr val="accent1">
+              <a:shade val="50000"/>
+            </a:schemeClr>
+          </a:lnRef>
+          <a:fillRef idx="1">
+            <a:schemeClr val="accent1"/>
+          </a:fillRef>
+          <a:effectRef idx="0">
+            <a:schemeClr val="accent1"/>
+          </a:effectRef>
+          <a:fontRef idx="minor">
+            <a:schemeClr val="lt1"/>
+          </a:fontRef>
+        </p:style>
+        <p:txBody>
+          <a:bodyPr rtlCol="0" anchor="ctr"/>
+          <a:lstStyle/>
+          <a:p>
+            <a:pPr algn="ctr"/>
+            <a:r>
+              <a:rPr lang="es-ES" sz="1200" b="1" dirty="0" err="1">
+                <a:solidFill>
+                  <a:schemeClr val="tx1">
+                    <a:lumMod val="95000"/>
+                    <a:lumOff val="5000"/>
+                  </a:schemeClr>
+                </a:solidFill>
+                <a:latin typeface="Arial" panose="020B0604020202020204" pitchFamily="34" charset="0"/>
+                <a:cs typeface="Arial" panose="020B0604020202020204" pitchFamily="34" charset="0"/>
+              </a:rPr>
+              <a:t>Altitude</a:t>
+            </a:r>
+            <a:r>
+              <a:rPr lang="es-ES" sz="1200" b="1" dirty="0">
+                <a:solidFill>
+                  <a:schemeClr val="tx1">
+                    <a:lumMod val="95000"/>
+                    <a:lumOff val="5000"/>
+                  </a:schemeClr>
+                </a:solidFill>
+                <a:latin typeface="Arial" panose="020B0604020202020204" pitchFamily="34" charset="0"/>
+                <a:cs typeface="Arial" panose="020B0604020202020204" pitchFamily="34" charset="0"/>
+              </a:rPr>
+              <a:t> </a:t>
+            </a:r>
+            <a:r>
+              <a:rPr lang="es-ES" sz="1200" b="1" dirty="0" err="1">
+                <a:solidFill>
+                  <a:schemeClr val="tx1">
+                    <a:lumMod val="95000"/>
+                    <a:lumOff val="5000"/>
+                  </a:schemeClr>
+                </a:solidFill>
+                <a:latin typeface="Arial" panose="020B0604020202020204" pitchFamily="34" charset="0"/>
+                <a:cs typeface="Arial" panose="020B0604020202020204" pitchFamily="34" charset="0"/>
+              </a:rPr>
+              <a:t>Hold</a:t>
+            </a:r>
+            <a:endParaRPr lang="es-ES" sz="1200" b="1" dirty="0">
+              <a:solidFill>
+                <a:schemeClr val="tx1">
+                  <a:lumMod val="95000"/>
+                  <a:lumOff val="5000"/>
+                </a:schemeClr>
+              </a:solidFill>
+              <a:latin typeface="Arial" panose="020B0604020202020204" pitchFamily="34" charset="0"/>
+              <a:cs typeface="Arial" panose="020B0604020202020204" pitchFamily="34" charset="0"/>
+            </a:endParaRPr>
+          </a:p>
+        </p:txBody>
+      </p:sp>
+      <p:cxnSp>
+        <p:nvCxnSpPr>
+          <p:cNvPr id="7" name="Straight Arrow Connector 6">
+            <a:extLst>
+              <a:ext uri="{FF2B5EF4-FFF2-40B4-BE49-F238E27FC236}">
+                <a16:creationId xmlns:a16="http://schemas.microsoft.com/office/drawing/2014/main" id="{A6F82FBD-FBA1-897D-61A7-3949F6F44CB1}"/>
+              </a:ext>
+            </a:extLst>
+          </p:cNvPr>
+          <p:cNvCxnSpPr>
+            <a:stCxn id="79" idx="3"/>
+            <a:endCxn id="2" idx="1"/>
+          </p:cNvCxnSpPr>
+          <p:nvPr/>
+        </p:nvCxnSpPr>
+        <p:spPr>
+          <a:xfrm>
+            <a:off x="4474871" y="3779235"/>
+            <a:ext cx="685669" cy="0"/>
+          </a:xfrm>
+          <a:prstGeom prst="straightConnector1">
+            <a:avLst/>
+          </a:prstGeom>
+          <a:ln w="19050">
+            <a:solidFill>
+              <a:schemeClr val="accent1">
+                <a:lumMod val="40000"/>
+                <a:lumOff val="60000"/>
+              </a:schemeClr>
+            </a:solidFill>
+            <a:headEnd type="triangle" w="med" len="med"/>
+            <a:tailEnd type="triangle" w="med" len="med"/>
+          </a:ln>
+        </p:spPr>
+        <p:style>
+          <a:lnRef idx="1">
+            <a:schemeClr val="accent1"/>
+          </a:lnRef>
+          <a:fillRef idx="0">
+            <a:schemeClr val="accent1"/>
+          </a:fillRef>
+          <a:effectRef idx="0">
+            <a:schemeClr val="accent1"/>
+          </a:effectRef>
+          <a:fontRef idx="minor">
+            <a:schemeClr val="tx1"/>
+          </a:fontRef>
+        </p:style>
+      </p:cxnSp>
+      <p:cxnSp>
+        <p:nvCxnSpPr>
+          <p:cNvPr id="11" name="Connector: Elbow 10">
+            <a:extLst>
+              <a:ext uri="{FF2B5EF4-FFF2-40B4-BE49-F238E27FC236}">
+                <a16:creationId xmlns:a16="http://schemas.microsoft.com/office/drawing/2014/main" id="{D4A1CD74-24D8-8D00-042F-D6030D6A6BB5}"/>
+              </a:ext>
+            </a:extLst>
+          </p:cNvPr>
+          <p:cNvCxnSpPr>
+            <a:stCxn id="2" idx="3"/>
+            <a:endCxn id="3" idx="1"/>
+          </p:cNvCxnSpPr>
+          <p:nvPr/>
+        </p:nvCxnSpPr>
+        <p:spPr>
+          <a:xfrm flipV="1">
+            <a:off x="6528540" y="3307366"/>
+            <a:ext cx="998683" cy="471869"/>
+          </a:xfrm>
+          <a:prstGeom prst="bentConnector3">
+            <a:avLst/>
+          </a:prstGeom>
+          <a:ln w="19050">
+            <a:solidFill>
+              <a:schemeClr val="accent1">
+                <a:lumMod val="40000"/>
+                <a:lumOff val="60000"/>
+              </a:schemeClr>
+            </a:solidFill>
+            <a:headEnd type="triangle" w="med" len="med"/>
+            <a:tailEnd type="triangle" w="med" len="med"/>
+          </a:ln>
+        </p:spPr>
+        <p:style>
+          <a:lnRef idx="1">
+            <a:schemeClr val="accent1"/>
+          </a:lnRef>
+          <a:fillRef idx="0">
+            <a:schemeClr val="accent1"/>
+          </a:fillRef>
+          <a:effectRef idx="0">
+            <a:schemeClr val="accent1"/>
+          </a:effectRef>
+          <a:fontRef idx="minor">
+            <a:schemeClr val="tx1"/>
+          </a:fontRef>
+        </p:style>
+      </p:cxnSp>
+      <p:cxnSp>
+        <p:nvCxnSpPr>
+          <p:cNvPr id="14" name="Connector: Elbow 13">
+            <a:extLst>
+              <a:ext uri="{FF2B5EF4-FFF2-40B4-BE49-F238E27FC236}">
+                <a16:creationId xmlns:a16="http://schemas.microsoft.com/office/drawing/2014/main" id="{3E171048-FE6C-7E65-EEC4-5DC2E4E427DC}"/>
+              </a:ext>
+            </a:extLst>
+          </p:cNvPr>
+          <p:cNvCxnSpPr>
+            <a:stCxn id="2" idx="3"/>
+            <a:endCxn id="4" idx="1"/>
+          </p:cNvCxnSpPr>
+          <p:nvPr/>
+        </p:nvCxnSpPr>
+        <p:spPr>
+          <a:xfrm>
+            <a:off x="6528540" y="3779235"/>
+            <a:ext cx="998683" cy="471869"/>
+          </a:xfrm>
+          <a:prstGeom prst="bentConnector3">
+            <a:avLst/>
+          </a:prstGeom>
+          <a:ln w="19050">
+            <a:solidFill>
+              <a:schemeClr val="accent1">
+                <a:lumMod val="40000"/>
+                <a:lumOff val="60000"/>
+              </a:schemeClr>
+            </a:solidFill>
+            <a:headEnd type="triangle" w="med" len="med"/>
+            <a:tailEnd type="triangle" w="med" len="med"/>
+          </a:ln>
+        </p:spPr>
+        <p:style>
+          <a:lnRef idx="1">
+            <a:schemeClr val="accent1"/>
+          </a:lnRef>
+          <a:fillRef idx="0">
+            <a:schemeClr val="accent1"/>
+          </a:fillRef>
+          <a:effectRef idx="0">
+            <a:schemeClr val="accent1"/>
+          </a:effectRef>
+          <a:fontRef idx="minor">
+            <a:schemeClr val="tx1"/>
+          </a:fontRef>
+        </p:style>
+      </p:cxnSp>
+      <p:cxnSp>
+        <p:nvCxnSpPr>
+          <p:cNvPr id="16" name="Straight Arrow Connector 15">
+            <a:extLst>
+              <a:ext uri="{FF2B5EF4-FFF2-40B4-BE49-F238E27FC236}">
+                <a16:creationId xmlns:a16="http://schemas.microsoft.com/office/drawing/2014/main" id="{A2F494D3-DE75-E984-129B-CA1408B85A43}"/>
+              </a:ext>
+            </a:extLst>
+          </p:cNvPr>
+          <p:cNvCxnSpPr>
+            <a:stCxn id="3" idx="2"/>
+            <a:endCxn id="4" idx="0"/>
+          </p:cNvCxnSpPr>
+          <p:nvPr/>
+        </p:nvCxnSpPr>
+        <p:spPr>
+          <a:xfrm>
+            <a:off x="8211223" y="3543300"/>
+            <a:ext cx="0" cy="471869"/>
+          </a:xfrm>
+          <a:prstGeom prst="straightConnector1">
+            <a:avLst/>
+          </a:prstGeom>
+          <a:ln w="19050">
+            <a:solidFill>
+              <a:schemeClr val="accent1">
+                <a:lumMod val="40000"/>
+                <a:lumOff val="60000"/>
+              </a:schemeClr>
+            </a:solidFill>
+            <a:headEnd type="triangle" w="med" len="med"/>
+            <a:tailEnd type="triangle" w="med" len="med"/>
+          </a:ln>
+        </p:spPr>
+        <p:style>
+          <a:lnRef idx="1">
+            <a:schemeClr val="accent1"/>
+          </a:lnRef>
+          <a:fillRef idx="0">
+            <a:schemeClr val="accent1"/>
+          </a:fillRef>
+          <a:effectRef idx="0">
+            <a:schemeClr val="accent1"/>
+          </a:effectRef>
+          <a:fontRef idx="minor">
+            <a:schemeClr val="tx1"/>
+          </a:fontRef>
+        </p:style>
+      </p:cxnSp>
+      <p:cxnSp>
+        <p:nvCxnSpPr>
+          <p:cNvPr id="18" name="Connector: Elbow 17">
+            <a:extLst>
+              <a:ext uri="{FF2B5EF4-FFF2-40B4-BE49-F238E27FC236}">
+                <a16:creationId xmlns:a16="http://schemas.microsoft.com/office/drawing/2014/main" id="{2C8FA728-F9BD-D67B-0DBF-E3E3D64422B3}"/>
+              </a:ext>
+            </a:extLst>
+          </p:cNvPr>
+          <p:cNvCxnSpPr>
+            <a:stCxn id="3" idx="3"/>
+            <a:endCxn id="79" idx="1"/>
+          </p:cNvCxnSpPr>
+          <p:nvPr/>
+        </p:nvCxnSpPr>
+        <p:spPr>
+          <a:xfrm flipH="1">
+            <a:off x="3106871" y="3307366"/>
+            <a:ext cx="5788352" cy="471869"/>
+          </a:xfrm>
+          <a:prstGeom prst="bentConnector5">
+            <a:avLst>
+              <a:gd name="adj1" fmla="val -11453"/>
+              <a:gd name="adj2" fmla="val -126786"/>
+              <a:gd name="adj3" fmla="val 110663"/>
+            </a:avLst>
+          </a:prstGeom>
+          <a:ln w="19050">
+            <a:solidFill>
+              <a:schemeClr val="accent1">
+                <a:lumMod val="40000"/>
+                <a:lumOff val="60000"/>
+              </a:schemeClr>
+            </a:solidFill>
+            <a:tailEnd type="triangle"/>
+          </a:ln>
+        </p:spPr>
+        <p:style>
+          <a:lnRef idx="1">
+            <a:schemeClr val="accent1"/>
+          </a:lnRef>
+          <a:fillRef idx="0">
+            <a:schemeClr val="accent1"/>
+          </a:fillRef>
+          <a:effectRef idx="0">
+            <a:schemeClr val="accent1"/>
+          </a:effectRef>
+          <a:fontRef idx="minor">
+            <a:schemeClr val="tx1"/>
+          </a:fontRef>
+        </p:style>
+      </p:cxnSp>
+      <p:cxnSp>
+        <p:nvCxnSpPr>
+          <p:cNvPr id="21" name="Connector: Elbow 20">
+            <a:extLst>
+              <a:ext uri="{FF2B5EF4-FFF2-40B4-BE49-F238E27FC236}">
+                <a16:creationId xmlns:a16="http://schemas.microsoft.com/office/drawing/2014/main" id="{E2D864CC-B2B5-E091-AAF7-2F17C553D56B}"/>
+              </a:ext>
+            </a:extLst>
+          </p:cNvPr>
+          <p:cNvCxnSpPr>
+            <a:stCxn id="4" idx="3"/>
+            <a:endCxn id="79" idx="1"/>
+          </p:cNvCxnSpPr>
+          <p:nvPr/>
+        </p:nvCxnSpPr>
+        <p:spPr>
+          <a:xfrm flipH="1" flipV="1">
+            <a:off x="3106871" y="3779235"/>
+            <a:ext cx="5788352" cy="471869"/>
+          </a:xfrm>
+          <a:prstGeom prst="bentConnector5">
+            <a:avLst>
+              <a:gd name="adj1" fmla="val -11321"/>
+              <a:gd name="adj2" fmla="val -131308"/>
+              <a:gd name="adj3" fmla="val 110663"/>
+            </a:avLst>
+          </a:prstGeom>
+          <a:ln w="19050">
+            <a:solidFill>
+              <a:schemeClr val="accent1">
+                <a:lumMod val="40000"/>
+                <a:lumOff val="60000"/>
+              </a:schemeClr>
+            </a:solidFill>
+            <a:tailEnd type="triangle"/>
+          </a:ln>
+        </p:spPr>
+        <p:style>
+          <a:lnRef idx="1">
+            <a:schemeClr val="accent1"/>
+          </a:lnRef>
+          <a:fillRef idx="0">
+            <a:schemeClr val="accent1"/>
+          </a:fillRef>
+          <a:effectRef idx="0">
+            <a:schemeClr val="accent1"/>
+          </a:effectRef>
+          <a:fontRef idx="minor">
+            <a:schemeClr val="tx1"/>
+          </a:fontRef>
+        </p:style>
+      </p:cxnSp>
+    </p:spTree>
+    <p:extLst>
+      <p:ext uri="{BB962C8B-B14F-4D97-AF65-F5344CB8AC3E}">
+        <p14:creationId xmlns:p14="http://schemas.microsoft.com/office/powerpoint/2010/main" val="3170267286"/>
       </p:ext>
     </p:extLst>
   </p:cSld>

--- a/doc/schemes.pptx
+++ b/doc/schemes.pptx
@@ -10,8 +10,8 @@
     <p:sldId id="262" r:id="rId4"/>
     <p:sldId id="258" r:id="rId5"/>
     <p:sldId id="259" r:id="rId6"/>
-    <p:sldId id="260" r:id="rId7"/>
-    <p:sldId id="261" r:id="rId8"/>
+    <p:sldId id="266" r:id="rId7"/>
+    <p:sldId id="267" r:id="rId8"/>
     <p:sldId id="263" r:id="rId9"/>
     <p:sldId id="264" r:id="rId10"/>
     <p:sldId id="265" r:id="rId11"/>
@@ -270,7 +270,7 @@
           <a:p>
             <a:fld id="{063F6DB6-D4C6-4E49-9768-C6B84C44B8E5}" type="datetimeFigureOut">
               <a:rPr lang="es-ES" smtClean="0"/>
-              <a:t>01/07/2023</a:t>
+              <a:t>07/07/2023</a:t>
             </a:fld>
             <a:endParaRPr lang="es-ES"/>
           </a:p>
@@ -470,7 +470,7 @@
           <a:p>
             <a:fld id="{063F6DB6-D4C6-4E49-9768-C6B84C44B8E5}" type="datetimeFigureOut">
               <a:rPr lang="es-ES" smtClean="0"/>
-              <a:t>01/07/2023</a:t>
+              <a:t>07/07/2023</a:t>
             </a:fld>
             <a:endParaRPr lang="es-ES"/>
           </a:p>
@@ -680,7 +680,7 @@
           <a:p>
             <a:fld id="{063F6DB6-D4C6-4E49-9768-C6B84C44B8E5}" type="datetimeFigureOut">
               <a:rPr lang="es-ES" smtClean="0"/>
-              <a:t>01/07/2023</a:t>
+              <a:t>07/07/2023</a:t>
             </a:fld>
             <a:endParaRPr lang="es-ES"/>
           </a:p>
@@ -880,7 +880,7 @@
           <a:p>
             <a:fld id="{063F6DB6-D4C6-4E49-9768-C6B84C44B8E5}" type="datetimeFigureOut">
               <a:rPr lang="es-ES" smtClean="0"/>
-              <a:t>01/07/2023</a:t>
+              <a:t>07/07/2023</a:t>
             </a:fld>
             <a:endParaRPr lang="es-ES"/>
           </a:p>
@@ -1156,7 +1156,7 @@
           <a:p>
             <a:fld id="{063F6DB6-D4C6-4E49-9768-C6B84C44B8E5}" type="datetimeFigureOut">
               <a:rPr lang="es-ES" smtClean="0"/>
-              <a:t>01/07/2023</a:t>
+              <a:t>07/07/2023</a:t>
             </a:fld>
             <a:endParaRPr lang="es-ES"/>
           </a:p>
@@ -1424,7 +1424,7 @@
           <a:p>
             <a:fld id="{063F6DB6-D4C6-4E49-9768-C6B84C44B8E5}" type="datetimeFigureOut">
               <a:rPr lang="es-ES" smtClean="0"/>
-              <a:t>01/07/2023</a:t>
+              <a:t>07/07/2023</a:t>
             </a:fld>
             <a:endParaRPr lang="es-ES"/>
           </a:p>
@@ -1839,7 +1839,7 @@
           <a:p>
             <a:fld id="{063F6DB6-D4C6-4E49-9768-C6B84C44B8E5}" type="datetimeFigureOut">
               <a:rPr lang="es-ES" smtClean="0"/>
-              <a:t>01/07/2023</a:t>
+              <a:t>07/07/2023</a:t>
             </a:fld>
             <a:endParaRPr lang="es-ES"/>
           </a:p>
@@ -1981,7 +1981,7 @@
           <a:p>
             <a:fld id="{063F6DB6-D4C6-4E49-9768-C6B84C44B8E5}" type="datetimeFigureOut">
               <a:rPr lang="es-ES" smtClean="0"/>
-              <a:t>01/07/2023</a:t>
+              <a:t>07/07/2023</a:t>
             </a:fld>
             <a:endParaRPr lang="es-ES"/>
           </a:p>
@@ -2094,7 +2094,7 @@
           <a:p>
             <a:fld id="{063F6DB6-D4C6-4E49-9768-C6B84C44B8E5}" type="datetimeFigureOut">
               <a:rPr lang="es-ES" smtClean="0"/>
-              <a:t>01/07/2023</a:t>
+              <a:t>07/07/2023</a:t>
             </a:fld>
             <a:endParaRPr lang="es-ES"/>
           </a:p>
@@ -2407,7 +2407,7 @@
           <a:p>
             <a:fld id="{063F6DB6-D4C6-4E49-9768-C6B84C44B8E5}" type="datetimeFigureOut">
               <a:rPr lang="es-ES" smtClean="0"/>
-              <a:t>01/07/2023</a:t>
+              <a:t>07/07/2023</a:t>
             </a:fld>
             <a:endParaRPr lang="es-ES"/>
           </a:p>
@@ -2696,7 +2696,7 @@
           <a:p>
             <a:fld id="{063F6DB6-D4C6-4E49-9768-C6B84C44B8E5}" type="datetimeFigureOut">
               <a:rPr lang="es-ES" smtClean="0"/>
-              <a:t>01/07/2023</a:t>
+              <a:t>07/07/2023</a:t>
             </a:fld>
             <a:endParaRPr lang="es-ES"/>
           </a:p>
@@ -2939,7 +2939,7 @@
           <a:p>
             <a:fld id="{063F6DB6-D4C6-4E49-9768-C6B84C44B8E5}" type="datetimeFigureOut">
               <a:rPr lang="es-ES" smtClean="0"/>
-              <a:t>01/07/2023</a:t>
+              <a:t>07/07/2023</a:t>
             </a:fld>
             <a:endParaRPr lang="es-ES"/>
           </a:p>
@@ -3358,10 +3358,10 @@
       </p:grpSpPr>
       <p:grpSp>
         <p:nvGrpSpPr>
-          <p:cNvPr id="26" name="Group 25">
-            <a:extLst>
-              <a:ext uri="{FF2B5EF4-FFF2-40B4-BE49-F238E27FC236}">
-                <a16:creationId xmlns:a16="http://schemas.microsoft.com/office/drawing/2014/main" id="{E494AE0F-148D-6C5F-365B-D0A74AE9B594}"/>
+          <p:cNvPr id="65" name="Group 64">
+            <a:extLst>
+              <a:ext uri="{FF2B5EF4-FFF2-40B4-BE49-F238E27FC236}">
+                <a16:creationId xmlns:a16="http://schemas.microsoft.com/office/drawing/2014/main" id="{A7E9635B-F75C-67C0-D8BE-78B4551557D9}"/>
               </a:ext>
             </a:extLst>
           </p:cNvPr>
@@ -3370,10 +3370,10 @@
         </p:nvGrpSpPr>
         <p:grpSpPr>
           <a:xfrm>
-            <a:off x="2184399" y="2357665"/>
-            <a:ext cx="7823202" cy="2142670"/>
-            <a:chOff x="566059" y="1973944"/>
-            <a:chExt cx="11168743" cy="3229426"/>
+            <a:off x="1317624" y="2121649"/>
+            <a:ext cx="9699627" cy="2143361"/>
+            <a:chOff x="1317624" y="2121649"/>
+            <a:chExt cx="9699627" cy="2143361"/>
           </a:xfrm>
         </p:grpSpPr>
         <p:sp>
@@ -3390,8 +3390,8 @@
           </p:nvSpPr>
           <p:spPr>
             <a:xfrm>
-              <a:off x="566059" y="1973944"/>
-              <a:ext cx="2002972" cy="711200"/>
+              <a:off x="3391782" y="2957740"/>
+              <a:ext cx="1402992" cy="471869"/>
             </a:xfrm>
             <a:prstGeom prst="rect">
               <a:avLst/>
@@ -3478,8 +3478,8 @@
           </p:nvSpPr>
           <p:spPr>
             <a:xfrm>
-              <a:off x="566059" y="4492170"/>
-              <a:ext cx="2002972" cy="711200"/>
+              <a:off x="1317624" y="2121649"/>
+              <a:ext cx="1402992" cy="471869"/>
             </a:xfrm>
             <a:prstGeom prst="rect">
               <a:avLst/>
@@ -3550,8 +3550,8 @@
           </p:nvSpPr>
           <p:spPr>
             <a:xfrm>
-              <a:off x="566059" y="3233057"/>
-              <a:ext cx="2002972" cy="711200"/>
+              <a:off x="3391783" y="3793140"/>
+              <a:ext cx="1402992" cy="471869"/>
             </a:xfrm>
             <a:prstGeom prst="rect">
               <a:avLst/>
@@ -3622,8 +3622,8 @@
           </p:nvSpPr>
           <p:spPr>
             <a:xfrm>
-              <a:off x="3621316" y="1973944"/>
-              <a:ext cx="2002972" cy="1970314"/>
+              <a:off x="5465942" y="2957740"/>
+              <a:ext cx="1402992" cy="1307270"/>
             </a:xfrm>
             <a:prstGeom prst="rect">
               <a:avLst/>
@@ -3665,7 +3665,7 @@
             <a:p>
               <a:pPr algn="ctr"/>
               <a:r>
-                <a:rPr lang="es-ES" sz="1200" b="1" dirty="0" err="1">
+                <a:rPr lang="es-ES" sz="1100" b="1" dirty="0">
                   <a:solidFill>
                     <a:schemeClr val="tx1">
                       <a:lumMod val="95000"/>
@@ -3675,33 +3675,7 @@
                   <a:latin typeface="Arial" panose="020B0604020202020204" pitchFamily="34" charset="0"/>
                   <a:cs typeface="Arial" panose="020B0604020202020204" pitchFamily="34" charset="0"/>
                 </a:rPr>
-                <a:t>Adafruit</a:t>
-              </a:r>
-              <a:endParaRPr lang="es-ES" sz="1200" b="1" dirty="0">
-                <a:solidFill>
-                  <a:schemeClr val="tx1">
-                    <a:lumMod val="95000"/>
-                    <a:lumOff val="5000"/>
-                  </a:schemeClr>
-                </a:solidFill>
-                <a:latin typeface="Arial" panose="020B0604020202020204" pitchFamily="34" charset="0"/>
-                <a:cs typeface="Arial" panose="020B0604020202020204" pitchFamily="34" charset="0"/>
-              </a:endParaRPr>
-            </a:p>
-            <a:p>
-              <a:pPr algn="ctr"/>
-              <a:r>
-                <a:rPr lang="es-ES" sz="1200" b="1" dirty="0">
-                  <a:solidFill>
-                    <a:schemeClr val="tx1">
-                      <a:lumMod val="95000"/>
-                      <a:lumOff val="5000"/>
-                    </a:schemeClr>
-                  </a:solidFill>
-                  <a:latin typeface="Arial" panose="020B0604020202020204" pitchFamily="34" charset="0"/>
-                  <a:cs typeface="Arial" panose="020B0604020202020204" pitchFamily="34" charset="0"/>
-                </a:rPr>
-                <a:t>STM32F405</a:t>
+                <a:t>Microcontrolador</a:t>
               </a:r>
             </a:p>
           </p:txBody>
@@ -3720,8 +3694,8 @@
           </p:nvSpPr>
           <p:spPr>
             <a:xfrm>
-              <a:off x="6676573" y="2603501"/>
-              <a:ext cx="2002972" cy="711200"/>
+              <a:off x="7540101" y="3375441"/>
+              <a:ext cx="1402992" cy="471869"/>
             </a:xfrm>
             <a:prstGeom prst="rect">
               <a:avLst/>
@@ -3802,8 +3776,8 @@
           </p:nvSpPr>
           <p:spPr>
             <a:xfrm>
-              <a:off x="9731830" y="2603501"/>
-              <a:ext cx="2002972" cy="711200"/>
+              <a:off x="9614259" y="3375441"/>
+              <a:ext cx="1402992" cy="471869"/>
             </a:xfrm>
             <a:prstGeom prst="rect">
               <a:avLst/>
@@ -3860,25 +3834,145 @@
             </a:p>
           </p:txBody>
         </p:sp>
+        <p:sp>
+          <p:nvSpPr>
+            <p:cNvPr id="35" name="Rectangle 34">
+              <a:extLst>
+                <a:ext uri="{FF2B5EF4-FFF2-40B4-BE49-F238E27FC236}">
+                  <a16:creationId xmlns:a16="http://schemas.microsoft.com/office/drawing/2014/main" id="{42C30E2A-D4E6-9272-0419-7D53A64A7D2E}"/>
+                </a:ext>
+              </a:extLst>
+            </p:cNvPr>
+            <p:cNvSpPr/>
+            <p:nvPr/>
+          </p:nvSpPr>
+          <p:spPr>
+            <a:xfrm>
+              <a:off x="1317624" y="2957740"/>
+              <a:ext cx="1402992" cy="471869"/>
+            </a:xfrm>
+            <a:prstGeom prst="rect">
+              <a:avLst/>
+            </a:prstGeom>
+            <a:solidFill>
+              <a:schemeClr val="accent1">
+                <a:lumMod val="20000"/>
+                <a:lumOff val="80000"/>
+              </a:schemeClr>
+            </a:solidFill>
+            <a:ln w="19050">
+              <a:solidFill>
+                <a:schemeClr val="accent1">
+                  <a:lumMod val="40000"/>
+                  <a:lumOff val="60000"/>
+                </a:schemeClr>
+              </a:solidFill>
+            </a:ln>
+          </p:spPr>
+          <p:style>
+            <a:lnRef idx="2">
+              <a:schemeClr val="accent1">
+                <a:shade val="50000"/>
+              </a:schemeClr>
+            </a:lnRef>
+            <a:fillRef idx="1">
+              <a:schemeClr val="accent1"/>
+            </a:fillRef>
+            <a:effectRef idx="0">
+              <a:schemeClr val="accent1"/>
+            </a:effectRef>
+            <a:fontRef idx="minor">
+              <a:schemeClr val="lt1"/>
+            </a:fontRef>
+          </p:style>
+          <p:txBody>
+            <a:bodyPr rtlCol="0" anchor="ctr"/>
+            <a:lstStyle/>
+            <a:p>
+              <a:pPr algn="ctr"/>
+              <a:r>
+                <a:rPr lang="es-ES" sz="1200" b="1" dirty="0">
+                  <a:solidFill>
+                    <a:schemeClr val="tx1">
+                      <a:lumMod val="95000"/>
+                      <a:lumOff val="5000"/>
+                    </a:schemeClr>
+                  </a:solidFill>
+                  <a:latin typeface="Arial" panose="020B0604020202020204" pitchFamily="34" charset="0"/>
+                  <a:cs typeface="Arial" panose="020B0604020202020204" pitchFamily="34" charset="0"/>
+                </a:rPr>
+                <a:t>PDB</a:t>
+              </a:r>
+            </a:p>
+          </p:txBody>
+        </p:sp>
         <p:cxnSp>
           <p:nvCxnSpPr>
-            <p:cNvPr id="13" name="Connector: Elbow 12">
+            <p:cNvPr id="37" name="Straight Arrow Connector 36">
               <a:extLst>
                 <a:ext uri="{FF2B5EF4-FFF2-40B4-BE49-F238E27FC236}">
-                  <a16:creationId xmlns:a16="http://schemas.microsoft.com/office/drawing/2014/main" id="{C7FE0520-0087-3CF6-172B-9480E89A994F}"/>
+                  <a16:creationId xmlns:a16="http://schemas.microsoft.com/office/drawing/2014/main" id="{FED939AE-5A7D-2D5D-5FFE-44877E7CCC87}"/>
                 </a:ext>
               </a:extLst>
             </p:cNvPr>
             <p:cNvCxnSpPr>
-              <a:stCxn id="4" idx="3"/>
-              <a:endCxn id="9" idx="1"/>
+              <a:stCxn id="35" idx="3"/>
+              <a:endCxn id="4" idx="1"/>
             </p:cNvCxnSpPr>
             <p:nvPr/>
           </p:nvCxnSpPr>
           <p:spPr>
             <a:xfrm>
-              <a:off x="2569031" y="2329544"/>
-              <a:ext cx="1052285" cy="629557"/>
+              <a:off x="2720616" y="3193675"/>
+              <a:ext cx="671166" cy="0"/>
+            </a:xfrm>
+            <a:prstGeom prst="straightConnector1">
+              <a:avLst/>
+            </a:prstGeom>
+            <a:ln w="19050">
+              <a:solidFill>
+                <a:schemeClr val="accent1">
+                  <a:lumMod val="40000"/>
+                  <a:lumOff val="60000"/>
+                </a:schemeClr>
+              </a:solidFill>
+              <a:tailEnd type="triangle"/>
+            </a:ln>
+          </p:spPr>
+          <p:style>
+            <a:lnRef idx="1">
+              <a:schemeClr val="accent1"/>
+            </a:lnRef>
+            <a:fillRef idx="0">
+              <a:schemeClr val="accent1"/>
+            </a:fillRef>
+            <a:effectRef idx="0">
+              <a:schemeClr val="accent1"/>
+            </a:effectRef>
+            <a:fontRef idx="minor">
+              <a:schemeClr val="tx1"/>
+            </a:fontRef>
+          </p:style>
+        </p:cxnSp>
+        <p:cxnSp>
+          <p:nvCxnSpPr>
+            <p:cNvPr id="39" name="Connector: Elbow 38">
+              <a:extLst>
+                <a:ext uri="{FF2B5EF4-FFF2-40B4-BE49-F238E27FC236}">
+                  <a16:creationId xmlns:a16="http://schemas.microsoft.com/office/drawing/2014/main" id="{C3A51E58-DD3D-D84D-EAEE-B1AB0B06817B}"/>
+                </a:ext>
+              </a:extLst>
+            </p:cNvPr>
+            <p:cNvCxnSpPr>
+              <a:stCxn id="35" idx="3"/>
+              <a:endCxn id="8" idx="1"/>
+            </p:cNvCxnSpPr>
+            <p:nvPr/>
+          </p:nvCxnSpPr>
+          <p:spPr>
+            <a:xfrm>
+              <a:off x="2720616" y="3193675"/>
+              <a:ext cx="671167" cy="835400"/>
             </a:xfrm>
             <a:prstGeom prst="bentConnector3">
               <a:avLst/>
@@ -3910,26 +4004,29 @@
         </p:cxnSp>
         <p:cxnSp>
           <p:nvCxnSpPr>
-            <p:cNvPr id="15" name="Connector: Elbow 14">
+            <p:cNvPr id="41" name="Connector: Elbow 40">
               <a:extLst>
                 <a:ext uri="{FF2B5EF4-FFF2-40B4-BE49-F238E27FC236}">
-                  <a16:creationId xmlns:a16="http://schemas.microsoft.com/office/drawing/2014/main" id="{11F0C337-ED7A-B264-CEC2-1B65FD3F3308}"/>
+                  <a16:creationId xmlns:a16="http://schemas.microsoft.com/office/drawing/2014/main" id="{A503B21F-D5EC-2242-07A6-A994846A75C7}"/>
                 </a:ext>
               </a:extLst>
             </p:cNvPr>
             <p:cNvCxnSpPr>
-              <a:stCxn id="8" idx="3"/>
-              <a:endCxn id="9" idx="1"/>
+              <a:stCxn id="35" idx="3"/>
+              <a:endCxn id="9" idx="2"/>
             </p:cNvCxnSpPr>
             <p:nvPr/>
           </p:nvCxnSpPr>
           <p:spPr>
-            <a:xfrm flipV="1">
-              <a:off x="2569031" y="2959101"/>
-              <a:ext cx="1052285" cy="629556"/>
+            <a:xfrm>
+              <a:off x="2720616" y="3193675"/>
+              <a:ext cx="3446822" cy="1071335"/>
             </a:xfrm>
-            <a:prstGeom prst="bentConnector3">
-              <a:avLst/>
+            <a:prstGeom prst="bentConnector4">
+              <a:avLst>
+                <a:gd name="adj1" fmla="val 9749"/>
+                <a:gd name="adj2" fmla="val 141369"/>
+              </a:avLst>
             </a:prstGeom>
             <a:ln w="19050">
               <a:solidFill>
@@ -3958,23 +4055,73 @@
         </p:cxnSp>
         <p:cxnSp>
           <p:nvCxnSpPr>
-            <p:cNvPr id="17" name="Straight Arrow Connector 16">
+            <p:cNvPr id="47" name="Connector: Elbow 46">
               <a:extLst>
                 <a:ext uri="{FF2B5EF4-FFF2-40B4-BE49-F238E27FC236}">
-                  <a16:creationId xmlns:a16="http://schemas.microsoft.com/office/drawing/2014/main" id="{45B3AEDD-F150-EE25-A559-C688EB2A1E96}"/>
+                  <a16:creationId xmlns:a16="http://schemas.microsoft.com/office/drawing/2014/main" id="{D0D680B6-8082-297F-7A41-D838E6B3230E}"/>
                 </a:ext>
               </a:extLst>
             </p:cNvPr>
             <p:cNvCxnSpPr>
-              <a:stCxn id="9" idx="3"/>
-              <a:endCxn id="10" idx="1"/>
+              <a:stCxn id="35" idx="3"/>
+              <a:endCxn id="10" idx="2"/>
             </p:cNvCxnSpPr>
             <p:nvPr/>
           </p:nvCxnSpPr>
           <p:spPr>
             <a:xfrm>
-              <a:off x="5624288" y="2959101"/>
-              <a:ext cx="1052285" cy="0"/>
+              <a:off x="2720616" y="3193675"/>
+              <a:ext cx="5520981" cy="653635"/>
+            </a:xfrm>
+            <a:prstGeom prst="bentConnector4">
+              <a:avLst>
+                <a:gd name="adj1" fmla="val 6088"/>
+                <a:gd name="adj2" fmla="val 231798"/>
+              </a:avLst>
+            </a:prstGeom>
+            <a:ln w="19050">
+              <a:solidFill>
+                <a:schemeClr val="accent1">
+                  <a:lumMod val="40000"/>
+                  <a:lumOff val="60000"/>
+                </a:schemeClr>
+              </a:solidFill>
+              <a:tailEnd type="triangle"/>
+            </a:ln>
+          </p:spPr>
+          <p:style>
+            <a:lnRef idx="1">
+              <a:schemeClr val="accent1"/>
+            </a:lnRef>
+            <a:fillRef idx="0">
+              <a:schemeClr val="accent1"/>
+            </a:fillRef>
+            <a:effectRef idx="0">
+              <a:schemeClr val="accent1"/>
+            </a:effectRef>
+            <a:fontRef idx="minor">
+              <a:schemeClr val="tx1"/>
+            </a:fontRef>
+          </p:style>
+        </p:cxnSp>
+        <p:cxnSp>
+          <p:nvCxnSpPr>
+            <p:cNvPr id="53" name="Straight Arrow Connector 52">
+              <a:extLst>
+                <a:ext uri="{FF2B5EF4-FFF2-40B4-BE49-F238E27FC236}">
+                  <a16:creationId xmlns:a16="http://schemas.microsoft.com/office/drawing/2014/main" id="{F455FEA8-DF34-A929-C890-762D405BB51F}"/>
+                </a:ext>
+              </a:extLst>
+            </p:cNvPr>
+            <p:cNvCxnSpPr>
+              <a:stCxn id="4" idx="3"/>
+            </p:cNvCxnSpPr>
+            <p:nvPr/>
+          </p:nvCxnSpPr>
+          <p:spPr>
+            <a:xfrm flipV="1">
+              <a:off x="4794774" y="3193674"/>
+              <a:ext cx="671168" cy="1"/>
             </a:xfrm>
             <a:prstGeom prst="straightConnector1">
               <a:avLst/>
@@ -4006,23 +4153,22 @@
         </p:cxnSp>
         <p:cxnSp>
           <p:nvCxnSpPr>
-            <p:cNvPr id="19" name="Straight Arrow Connector 18">
+            <p:cNvPr id="55" name="Straight Arrow Connector 54">
               <a:extLst>
                 <a:ext uri="{FF2B5EF4-FFF2-40B4-BE49-F238E27FC236}">
-                  <a16:creationId xmlns:a16="http://schemas.microsoft.com/office/drawing/2014/main" id="{8923B4C6-3A80-3E36-7C07-4DB07D788557}"/>
+                  <a16:creationId xmlns:a16="http://schemas.microsoft.com/office/drawing/2014/main" id="{AB99A3CC-361E-BB3E-C477-FD04804E8E08}"/>
                 </a:ext>
               </a:extLst>
             </p:cNvPr>
             <p:cNvCxnSpPr>
-              <a:stCxn id="10" idx="3"/>
-              <a:endCxn id="11" idx="1"/>
+              <a:stCxn id="8" idx="3"/>
             </p:cNvCxnSpPr>
             <p:nvPr/>
           </p:nvCxnSpPr>
           <p:spPr>
-            <a:xfrm>
-              <a:off x="8679545" y="2959101"/>
-              <a:ext cx="1052285" cy="0"/>
+            <a:xfrm flipV="1">
+              <a:off x="4794775" y="4029074"/>
+              <a:ext cx="671167" cy="1"/>
             </a:xfrm>
             <a:prstGeom prst="straightConnector1">
               <a:avLst/>
@@ -4054,25 +4200,25 @@
         </p:cxnSp>
         <p:cxnSp>
           <p:nvCxnSpPr>
-            <p:cNvPr id="23" name="Connector: Elbow 22">
+            <p:cNvPr id="57" name="Straight Arrow Connector 56">
               <a:extLst>
                 <a:ext uri="{FF2B5EF4-FFF2-40B4-BE49-F238E27FC236}">
-                  <a16:creationId xmlns:a16="http://schemas.microsoft.com/office/drawing/2014/main" id="{68F88381-98BE-6D54-E412-40D62A044881}"/>
+                  <a16:creationId xmlns:a16="http://schemas.microsoft.com/office/drawing/2014/main" id="{78C42D2B-99CD-DA12-4C14-7B27DC4FF6CF}"/>
                 </a:ext>
               </a:extLst>
             </p:cNvPr>
             <p:cNvCxnSpPr>
-              <a:stCxn id="5" idx="3"/>
-              <a:endCxn id="9" idx="2"/>
+              <a:stCxn id="9" idx="3"/>
+              <a:endCxn id="10" idx="1"/>
             </p:cNvCxnSpPr>
             <p:nvPr/>
           </p:nvCxnSpPr>
           <p:spPr>
-            <a:xfrm flipV="1">
-              <a:off x="2569031" y="3944258"/>
-              <a:ext cx="2053771" cy="903512"/>
+            <a:xfrm>
+              <a:off x="6868934" y="3611375"/>
+              <a:ext cx="671167" cy="1"/>
             </a:xfrm>
-            <a:prstGeom prst="bentConnector2">
+            <a:prstGeom prst="straightConnector1">
               <a:avLst/>
             </a:prstGeom>
             <a:ln w="19050">
@@ -4102,25 +4248,73 @@
         </p:cxnSp>
         <p:cxnSp>
           <p:nvCxnSpPr>
-            <p:cNvPr id="25" name="Connector: Elbow 24">
+            <p:cNvPr id="59" name="Straight Arrow Connector 58">
               <a:extLst>
                 <a:ext uri="{FF2B5EF4-FFF2-40B4-BE49-F238E27FC236}">
-                  <a16:creationId xmlns:a16="http://schemas.microsoft.com/office/drawing/2014/main" id="{B1B731AE-A046-A414-607C-44B5107C9516}"/>
+                  <a16:creationId xmlns:a16="http://schemas.microsoft.com/office/drawing/2014/main" id="{789EB1DF-9BA5-FA43-9432-45E021032972}"/>
                 </a:ext>
               </a:extLst>
             </p:cNvPr>
             <p:cNvCxnSpPr>
-              <a:stCxn id="5" idx="3"/>
-              <a:endCxn id="10" idx="2"/>
+              <a:stCxn id="10" idx="3"/>
+              <a:endCxn id="11" idx="1"/>
             </p:cNvCxnSpPr>
             <p:nvPr/>
           </p:nvCxnSpPr>
           <p:spPr>
-            <a:xfrm flipV="1">
-              <a:off x="2569031" y="3314701"/>
-              <a:ext cx="5109028" cy="1533069"/>
+            <a:xfrm>
+              <a:off x="8943093" y="3611376"/>
+              <a:ext cx="671166" cy="0"/>
             </a:xfrm>
-            <a:prstGeom prst="bentConnector2">
+            <a:prstGeom prst="straightConnector1">
+              <a:avLst/>
+            </a:prstGeom>
+            <a:ln w="19050">
+              <a:solidFill>
+                <a:schemeClr val="accent1">
+                  <a:lumMod val="40000"/>
+                  <a:lumOff val="60000"/>
+                </a:schemeClr>
+              </a:solidFill>
+              <a:tailEnd type="triangle"/>
+            </a:ln>
+          </p:spPr>
+          <p:style>
+            <a:lnRef idx="1">
+              <a:schemeClr val="accent1"/>
+            </a:lnRef>
+            <a:fillRef idx="0">
+              <a:schemeClr val="accent1"/>
+            </a:fillRef>
+            <a:effectRef idx="0">
+              <a:schemeClr val="accent1"/>
+            </a:effectRef>
+            <a:fontRef idx="minor">
+              <a:schemeClr val="tx1"/>
+            </a:fontRef>
+          </p:style>
+        </p:cxnSp>
+        <p:cxnSp>
+          <p:nvCxnSpPr>
+            <p:cNvPr id="61" name="Straight Arrow Connector 60">
+              <a:extLst>
+                <a:ext uri="{FF2B5EF4-FFF2-40B4-BE49-F238E27FC236}">
+                  <a16:creationId xmlns:a16="http://schemas.microsoft.com/office/drawing/2014/main" id="{1E6B9915-04C1-0B73-77F3-6EA0DE8D64C4}"/>
+                </a:ext>
+              </a:extLst>
+            </p:cNvPr>
+            <p:cNvCxnSpPr>
+              <a:stCxn id="5" idx="2"/>
+              <a:endCxn id="35" idx="0"/>
+            </p:cNvCxnSpPr>
+            <p:nvPr/>
+          </p:nvCxnSpPr>
+          <p:spPr>
+            <a:xfrm>
+              <a:off x="2019120" y="2593518"/>
+              <a:ext cx="0" cy="364222"/>
+            </a:xfrm>
+            <a:prstGeom prst="straightConnector1">
               <a:avLst/>
             </a:prstGeom>
             <a:ln w="19050">
@@ -5744,1852 +5938,1831 @@
           <a:chExt cx="0" cy="0"/>
         </a:xfrm>
       </p:grpSpPr>
-      <p:grpSp>
-        <p:nvGrpSpPr>
-          <p:cNvPr id="54" name="Group 53">
-            <a:extLst>
-              <a:ext uri="{FF2B5EF4-FFF2-40B4-BE49-F238E27FC236}">
-                <a16:creationId xmlns:a16="http://schemas.microsoft.com/office/drawing/2014/main" id="{9D0829D8-2571-A60E-53B1-816596681CF8}"/>
-              </a:ext>
-            </a:extLst>
-          </p:cNvPr>
-          <p:cNvGrpSpPr/>
-          <p:nvPr/>
-        </p:nvGrpSpPr>
-        <p:grpSpPr>
+      <p:sp>
+        <p:nvSpPr>
+          <p:cNvPr id="36" name="Rectangle 35">
+            <a:extLst>
+              <a:ext uri="{FF2B5EF4-FFF2-40B4-BE49-F238E27FC236}">
+                <a16:creationId xmlns:a16="http://schemas.microsoft.com/office/drawing/2014/main" id="{DFA68F53-5200-F997-5974-CCA3F12AE0C8}"/>
+              </a:ext>
+            </a:extLst>
+          </p:cNvPr>
+          <p:cNvSpPr/>
+          <p:nvPr/>
+        </p:nvSpPr>
+        <p:spPr>
           <a:xfrm>
             <a:off x="1194098" y="387275"/>
-            <a:ext cx="5644169" cy="6228679"/>
-            <a:chOff x="1194098" y="387275"/>
-            <a:chExt cx="5644169" cy="6228679"/>
-          </a:xfrm>
-        </p:grpSpPr>
-        <p:sp>
-          <p:nvSpPr>
-            <p:cNvPr id="36" name="Rectangle 35">
-              <a:extLst>
-                <a:ext uri="{FF2B5EF4-FFF2-40B4-BE49-F238E27FC236}">
-                  <a16:creationId xmlns:a16="http://schemas.microsoft.com/office/drawing/2014/main" id="{DFA68F53-5200-F997-5974-CCA3F12AE0C8}"/>
-                </a:ext>
-              </a:extLst>
-            </p:cNvPr>
-            <p:cNvSpPr/>
-            <p:nvPr/>
-          </p:nvSpPr>
-          <p:spPr>
-            <a:xfrm>
-              <a:off x="1194098" y="387275"/>
-              <a:ext cx="2646382" cy="1848164"/>
-            </a:xfrm>
-            <a:prstGeom prst="rect">
-              <a:avLst/>
-            </a:prstGeom>
-            <a:solidFill>
-              <a:srgbClr val="DAE3F3">
-                <a:alpha val="50196"/>
-              </a:srgbClr>
-            </a:solidFill>
-            <a:ln>
-              <a:noFill/>
-            </a:ln>
-          </p:spPr>
-          <p:style>
-            <a:lnRef idx="2">
-              <a:schemeClr val="accent1">
-                <a:shade val="50000"/>
-              </a:schemeClr>
-            </a:lnRef>
-            <a:fillRef idx="1">
-              <a:schemeClr val="accent1"/>
-            </a:fillRef>
-            <a:effectRef idx="0">
-              <a:schemeClr val="accent1"/>
-            </a:effectRef>
-            <a:fontRef idx="minor">
-              <a:schemeClr val="lt1"/>
-            </a:fontRef>
-          </p:style>
-          <p:txBody>
-            <a:bodyPr vert="vert270" rtlCol="0" anchor="t"/>
-            <a:lstStyle/>
-            <a:p>
-              <a:pPr algn="ctr"/>
-              <a:r>
-                <a:rPr lang="es-ES" sz="1200" b="1" dirty="0">
-                  <a:solidFill>
-                    <a:schemeClr val="tx1"/>
-                  </a:solidFill>
-                  <a:latin typeface="Arial" panose="020B0604020202020204" pitchFamily="34" charset="0"/>
-                  <a:cs typeface="Arial" panose="020B0604020202020204" pitchFamily="34" charset="0"/>
-                </a:rPr>
-                <a:t>Inicialización</a:t>
-              </a:r>
-            </a:p>
-          </p:txBody>
-        </p:sp>
-        <p:sp>
-          <p:nvSpPr>
-            <p:cNvPr id="37" name="Rectangle 36">
-              <a:extLst>
-                <a:ext uri="{FF2B5EF4-FFF2-40B4-BE49-F238E27FC236}">
-                  <a16:creationId xmlns:a16="http://schemas.microsoft.com/office/drawing/2014/main" id="{3C7E9BC0-9F28-B64C-8428-D5DD89A0FA22}"/>
-                </a:ext>
-              </a:extLst>
-            </p:cNvPr>
-            <p:cNvSpPr/>
-            <p:nvPr/>
-          </p:nvSpPr>
-          <p:spPr>
-            <a:xfrm>
-              <a:off x="1194098" y="2421008"/>
-              <a:ext cx="2646381" cy="4194946"/>
-            </a:xfrm>
-            <a:prstGeom prst="rect">
-              <a:avLst/>
-            </a:prstGeom>
-            <a:solidFill>
-              <a:srgbClr val="DAE3F3">
-                <a:alpha val="50196"/>
-              </a:srgbClr>
-            </a:solidFill>
-            <a:ln>
-              <a:noFill/>
-            </a:ln>
-          </p:spPr>
-          <p:style>
-            <a:lnRef idx="2">
-              <a:schemeClr val="accent1">
-                <a:shade val="50000"/>
-              </a:schemeClr>
-            </a:lnRef>
-            <a:fillRef idx="1">
-              <a:schemeClr val="accent1"/>
-            </a:fillRef>
-            <a:effectRef idx="0">
-              <a:schemeClr val="accent1"/>
-            </a:effectRef>
-            <a:fontRef idx="minor">
-              <a:schemeClr val="lt1"/>
-            </a:fontRef>
-          </p:style>
-          <p:txBody>
-            <a:bodyPr vert="vert270" rtlCol="0" anchor="t"/>
-            <a:lstStyle/>
-            <a:p>
-              <a:pPr algn="ctr"/>
-              <a:r>
-                <a:rPr lang="es-ES" sz="1200" b="1" dirty="0">
-                  <a:solidFill>
-                    <a:schemeClr val="tx1"/>
-                  </a:solidFill>
-                  <a:latin typeface="Arial" panose="020B0604020202020204" pitchFamily="34" charset="0"/>
-                  <a:cs typeface="Arial" panose="020B0604020202020204" pitchFamily="34" charset="0"/>
-                </a:rPr>
-                <a:t>Bucle principal</a:t>
-              </a:r>
-              <a:endParaRPr lang="es-ES" sz="1200" dirty="0"/>
-            </a:p>
-          </p:txBody>
-        </p:sp>
-        <p:sp>
-          <p:nvSpPr>
-            <p:cNvPr id="2" name="Rectangle 1">
-              <a:extLst>
-                <a:ext uri="{FF2B5EF4-FFF2-40B4-BE49-F238E27FC236}">
-                  <a16:creationId xmlns:a16="http://schemas.microsoft.com/office/drawing/2014/main" id="{A49631B1-BAE4-47C3-C8A7-F625E342852D}"/>
-                </a:ext>
-              </a:extLst>
-            </p:cNvPr>
-            <p:cNvSpPr/>
-            <p:nvPr/>
-          </p:nvSpPr>
-          <p:spPr>
-            <a:xfrm>
-              <a:off x="1868915" y="572844"/>
-              <a:ext cx="1692000" cy="471869"/>
-            </a:xfrm>
-            <a:prstGeom prst="rect">
-              <a:avLst/>
-            </a:prstGeom>
-            <a:solidFill>
-              <a:schemeClr val="accent1">
-                <a:lumMod val="20000"/>
-                <a:lumOff val="80000"/>
-              </a:schemeClr>
-            </a:solidFill>
-            <a:ln w="19050">
-              <a:solidFill>
-                <a:schemeClr val="accent1">
-                  <a:lumMod val="40000"/>
-                  <a:lumOff val="60000"/>
-                </a:schemeClr>
-              </a:solidFill>
-            </a:ln>
-          </p:spPr>
-          <p:style>
-            <a:lnRef idx="2">
-              <a:schemeClr val="accent1">
-                <a:shade val="50000"/>
-              </a:schemeClr>
-            </a:lnRef>
-            <a:fillRef idx="1">
-              <a:schemeClr val="accent1"/>
-            </a:fillRef>
-            <a:effectRef idx="0">
-              <a:schemeClr val="accent1"/>
-            </a:effectRef>
-            <a:fontRef idx="minor">
-              <a:schemeClr val="lt1"/>
-            </a:fontRef>
-          </p:style>
-          <p:txBody>
-            <a:bodyPr rtlCol="0" anchor="ctr"/>
-            <a:lstStyle/>
-            <a:p>
-              <a:pPr algn="ctr"/>
-              <a:r>
-                <a:rPr lang="es-ES" sz="1200" b="1" dirty="0">
-                  <a:solidFill>
-                    <a:schemeClr val="tx1">
-                      <a:lumMod val="95000"/>
-                      <a:lumOff val="5000"/>
-                    </a:schemeClr>
-                  </a:solidFill>
-                  <a:latin typeface="Arial" panose="020B0604020202020204" pitchFamily="34" charset="0"/>
-                  <a:cs typeface="Arial" panose="020B0604020202020204" pitchFamily="34" charset="0"/>
-                </a:rPr>
-                <a:t>Instanciación variables globales</a:t>
-              </a:r>
-            </a:p>
-          </p:txBody>
-        </p:sp>
-        <p:sp>
-          <p:nvSpPr>
-            <p:cNvPr id="6" name="Rectangle 5">
-              <a:extLst>
-                <a:ext uri="{FF2B5EF4-FFF2-40B4-BE49-F238E27FC236}">
-                  <a16:creationId xmlns:a16="http://schemas.microsoft.com/office/drawing/2014/main" id="{7F6C4207-9F03-2461-C8C9-8D238760BA25}"/>
-                </a:ext>
-              </a:extLst>
-            </p:cNvPr>
-            <p:cNvSpPr/>
-            <p:nvPr/>
-          </p:nvSpPr>
-          <p:spPr>
-            <a:xfrm>
-              <a:off x="1868915" y="1603786"/>
-              <a:ext cx="1692000" cy="471869"/>
-            </a:xfrm>
-            <a:prstGeom prst="rect">
-              <a:avLst/>
-            </a:prstGeom>
-            <a:solidFill>
-              <a:schemeClr val="accent1">
-                <a:lumMod val="20000"/>
-                <a:lumOff val="80000"/>
-              </a:schemeClr>
-            </a:solidFill>
-            <a:ln w="19050">
-              <a:solidFill>
-                <a:schemeClr val="accent1">
-                  <a:lumMod val="75000"/>
-                </a:schemeClr>
-              </a:solidFill>
-            </a:ln>
-          </p:spPr>
-          <p:style>
-            <a:lnRef idx="2">
-              <a:schemeClr val="accent1">
-                <a:shade val="50000"/>
-              </a:schemeClr>
-            </a:lnRef>
-            <a:fillRef idx="1">
-              <a:schemeClr val="accent1"/>
-            </a:fillRef>
-            <a:effectRef idx="0">
-              <a:schemeClr val="accent1"/>
-            </a:effectRef>
-            <a:fontRef idx="minor">
-              <a:schemeClr val="lt1"/>
-            </a:fontRef>
-          </p:style>
-          <p:txBody>
-            <a:bodyPr rtlCol="0" anchor="ctr"/>
-            <a:lstStyle/>
-            <a:p>
-              <a:pPr algn="ctr"/>
-              <a:r>
-                <a:rPr lang="es-ES" sz="1200" b="1" dirty="0">
-                  <a:solidFill>
-                    <a:schemeClr val="tx1">
-                      <a:lumMod val="95000"/>
-                      <a:lumOff val="5000"/>
-                    </a:schemeClr>
-                  </a:solidFill>
-                  <a:latin typeface="Arial" panose="020B0604020202020204" pitchFamily="34" charset="0"/>
-                  <a:cs typeface="Arial" panose="020B0604020202020204" pitchFamily="34" charset="0"/>
-                </a:rPr>
-                <a:t>Inicialización software</a:t>
-              </a:r>
-            </a:p>
-          </p:txBody>
-        </p:sp>
-        <p:sp>
-          <p:nvSpPr>
-            <p:cNvPr id="7" name="Rectangle 6">
-              <a:extLst>
-                <a:ext uri="{FF2B5EF4-FFF2-40B4-BE49-F238E27FC236}">
-                  <a16:creationId xmlns:a16="http://schemas.microsoft.com/office/drawing/2014/main" id="{BC8DF8D7-BDF9-1FE8-8FEF-1CD7109EDC37}"/>
-                </a:ext>
-              </a:extLst>
-            </p:cNvPr>
-            <p:cNvSpPr/>
-            <p:nvPr/>
-          </p:nvSpPr>
-          <p:spPr>
-            <a:xfrm>
-              <a:off x="1868915" y="2634728"/>
-              <a:ext cx="1692000" cy="471869"/>
-            </a:xfrm>
-            <a:prstGeom prst="rect">
-              <a:avLst/>
-            </a:prstGeom>
-            <a:solidFill>
-              <a:schemeClr val="accent1">
-                <a:lumMod val="20000"/>
-                <a:lumOff val="80000"/>
-              </a:schemeClr>
-            </a:solidFill>
-            <a:ln w="19050">
-              <a:solidFill>
-                <a:schemeClr val="accent1">
-                  <a:lumMod val="40000"/>
-                  <a:lumOff val="60000"/>
-                </a:schemeClr>
-              </a:solidFill>
-            </a:ln>
-          </p:spPr>
-          <p:style>
-            <a:lnRef idx="2">
-              <a:schemeClr val="accent1">
-                <a:shade val="50000"/>
-              </a:schemeClr>
-            </a:lnRef>
-            <a:fillRef idx="1">
-              <a:schemeClr val="accent1"/>
-            </a:fillRef>
-            <a:effectRef idx="0">
-              <a:schemeClr val="accent1"/>
-            </a:effectRef>
-            <a:fontRef idx="minor">
-              <a:schemeClr val="lt1"/>
-            </a:fontRef>
-          </p:style>
-          <p:txBody>
-            <a:bodyPr rtlCol="0" anchor="ctr"/>
-            <a:lstStyle/>
-            <a:p>
-              <a:pPr algn="ctr"/>
-              <a:r>
-                <a:rPr lang="es-ES" sz="1200" b="1" dirty="0">
-                  <a:solidFill>
-                    <a:schemeClr val="tx1">
-                      <a:lumMod val="95000"/>
-                      <a:lumOff val="5000"/>
-                    </a:schemeClr>
-                  </a:solidFill>
-                  <a:latin typeface="Arial" panose="020B0604020202020204" pitchFamily="34" charset="0"/>
-                  <a:cs typeface="Arial" panose="020B0604020202020204" pitchFamily="34" charset="0"/>
-                </a:rPr>
-                <a:t>Cálculo referencia</a:t>
-              </a:r>
-            </a:p>
-          </p:txBody>
-        </p:sp>
-        <p:sp>
-          <p:nvSpPr>
-            <p:cNvPr id="12" name="Rectangle 11">
-              <a:extLst>
-                <a:ext uri="{FF2B5EF4-FFF2-40B4-BE49-F238E27FC236}">
-                  <a16:creationId xmlns:a16="http://schemas.microsoft.com/office/drawing/2014/main" id="{E1B48259-A780-B605-989D-0A0D72D45AEC}"/>
-                </a:ext>
-              </a:extLst>
-            </p:cNvPr>
-            <p:cNvSpPr/>
-            <p:nvPr/>
-          </p:nvSpPr>
-          <p:spPr>
-            <a:xfrm>
-              <a:off x="1868915" y="3665670"/>
-              <a:ext cx="1692000" cy="471869"/>
-            </a:xfrm>
-            <a:prstGeom prst="rect">
-              <a:avLst/>
-            </a:prstGeom>
-            <a:solidFill>
-              <a:schemeClr val="accent1">
-                <a:lumMod val="20000"/>
-                <a:lumOff val="80000"/>
-              </a:schemeClr>
-            </a:solidFill>
-            <a:ln w="19050">
-              <a:solidFill>
-                <a:schemeClr val="accent1">
-                  <a:lumMod val="40000"/>
-                  <a:lumOff val="60000"/>
-                </a:schemeClr>
-              </a:solidFill>
-            </a:ln>
-          </p:spPr>
-          <p:style>
-            <a:lnRef idx="2">
-              <a:schemeClr val="accent1">
-                <a:shade val="50000"/>
-              </a:schemeClr>
-            </a:lnRef>
-            <a:fillRef idx="1">
-              <a:schemeClr val="accent1"/>
-            </a:fillRef>
-            <a:effectRef idx="0">
-              <a:schemeClr val="accent1"/>
-            </a:effectRef>
-            <a:fontRef idx="minor">
-              <a:schemeClr val="lt1"/>
-            </a:fontRef>
-          </p:style>
-          <p:txBody>
-            <a:bodyPr rtlCol="0" anchor="ctr"/>
-            <a:lstStyle/>
-            <a:p>
-              <a:pPr algn="ctr"/>
-              <a:r>
-                <a:rPr lang="es-ES" sz="1200" b="1" dirty="0">
-                  <a:solidFill>
-                    <a:schemeClr val="tx1">
-                      <a:lumMod val="95000"/>
-                      <a:lumOff val="5000"/>
-                    </a:schemeClr>
-                  </a:solidFill>
-                  <a:latin typeface="Arial" panose="020B0604020202020204" pitchFamily="34" charset="0"/>
-                  <a:cs typeface="Arial" panose="020B0604020202020204" pitchFamily="34" charset="0"/>
-                </a:rPr>
-                <a:t>Lectura y procesado sensores</a:t>
-              </a:r>
-            </a:p>
-          </p:txBody>
-        </p:sp>
-        <p:sp>
-          <p:nvSpPr>
-            <p:cNvPr id="14" name="Rectangle 13">
-              <a:extLst>
-                <a:ext uri="{FF2B5EF4-FFF2-40B4-BE49-F238E27FC236}">
-                  <a16:creationId xmlns:a16="http://schemas.microsoft.com/office/drawing/2014/main" id="{FEEC76FE-A7CD-9CED-12C6-E7DD5F647296}"/>
-                </a:ext>
-              </a:extLst>
-            </p:cNvPr>
-            <p:cNvSpPr/>
-            <p:nvPr/>
-          </p:nvSpPr>
-          <p:spPr>
-            <a:xfrm>
-              <a:off x="1868915" y="4696612"/>
-              <a:ext cx="1692000" cy="471869"/>
-            </a:xfrm>
-            <a:prstGeom prst="rect">
-              <a:avLst/>
-            </a:prstGeom>
-            <a:solidFill>
-              <a:schemeClr val="accent1">
-                <a:lumMod val="20000"/>
-                <a:lumOff val="80000"/>
-              </a:schemeClr>
-            </a:solidFill>
-            <a:ln w="19050">
-              <a:solidFill>
-                <a:schemeClr val="accent1">
-                  <a:lumMod val="40000"/>
-                  <a:lumOff val="60000"/>
-                </a:schemeClr>
-              </a:solidFill>
-            </a:ln>
-          </p:spPr>
-          <p:style>
-            <a:lnRef idx="2">
-              <a:schemeClr val="accent1">
-                <a:shade val="50000"/>
-              </a:schemeClr>
-            </a:lnRef>
-            <a:fillRef idx="1">
-              <a:schemeClr val="accent1"/>
-            </a:fillRef>
-            <a:effectRef idx="0">
-              <a:schemeClr val="accent1"/>
-            </a:effectRef>
-            <a:fontRef idx="minor">
-              <a:schemeClr val="lt1"/>
-            </a:fontRef>
-          </p:style>
-          <p:txBody>
-            <a:bodyPr rtlCol="0" anchor="ctr"/>
-            <a:lstStyle/>
-            <a:p>
-              <a:pPr algn="ctr"/>
-              <a:r>
-                <a:rPr lang="es-ES" sz="1200" b="1" dirty="0">
-                  <a:solidFill>
-                    <a:schemeClr val="tx1">
-                      <a:lumMod val="95000"/>
-                      <a:lumOff val="5000"/>
-                    </a:schemeClr>
-                  </a:solidFill>
-                  <a:latin typeface="Arial" panose="020B0604020202020204" pitchFamily="34" charset="0"/>
-                  <a:cs typeface="Arial" panose="020B0604020202020204" pitchFamily="34" charset="0"/>
-                </a:rPr>
-                <a:t>Controladores</a:t>
-              </a:r>
-            </a:p>
-          </p:txBody>
-        </p:sp>
-        <p:sp>
-          <p:nvSpPr>
-            <p:cNvPr id="16" name="Rectangle 15">
-              <a:extLst>
-                <a:ext uri="{FF2B5EF4-FFF2-40B4-BE49-F238E27FC236}">
-                  <a16:creationId xmlns:a16="http://schemas.microsoft.com/office/drawing/2014/main" id="{C03E425E-9B99-2126-3A6A-EC7BCA129CA3}"/>
-                </a:ext>
-              </a:extLst>
-            </p:cNvPr>
-            <p:cNvSpPr/>
-            <p:nvPr/>
-          </p:nvSpPr>
-          <p:spPr>
-            <a:xfrm>
-              <a:off x="1868915" y="5727554"/>
-              <a:ext cx="1692000" cy="471869"/>
-            </a:xfrm>
-            <a:prstGeom prst="rect">
-              <a:avLst/>
-            </a:prstGeom>
-            <a:solidFill>
-              <a:schemeClr val="accent1">
-                <a:lumMod val="20000"/>
-                <a:lumOff val="80000"/>
-              </a:schemeClr>
-            </a:solidFill>
-            <a:ln w="19050">
-              <a:solidFill>
-                <a:schemeClr val="accent1">
-                  <a:lumMod val="40000"/>
-                  <a:lumOff val="60000"/>
-                </a:schemeClr>
-              </a:solidFill>
-            </a:ln>
-          </p:spPr>
-          <p:style>
-            <a:lnRef idx="2">
-              <a:schemeClr val="accent1">
-                <a:shade val="50000"/>
-              </a:schemeClr>
-            </a:lnRef>
-            <a:fillRef idx="1">
-              <a:schemeClr val="accent1"/>
-            </a:fillRef>
-            <a:effectRef idx="0">
-              <a:schemeClr val="accent1"/>
-            </a:effectRef>
-            <a:fontRef idx="minor">
-              <a:schemeClr val="lt1"/>
-            </a:fontRef>
-          </p:style>
-          <p:txBody>
-            <a:bodyPr rtlCol="0" anchor="ctr"/>
-            <a:lstStyle/>
-            <a:p>
-              <a:pPr algn="ctr"/>
-              <a:r>
-                <a:rPr lang="es-ES" sz="1200" b="1" dirty="0">
-                  <a:solidFill>
-                    <a:schemeClr val="tx1">
-                      <a:lumMod val="95000"/>
-                      <a:lumOff val="5000"/>
-                    </a:schemeClr>
-                  </a:solidFill>
-                  <a:latin typeface="Arial" panose="020B0604020202020204" pitchFamily="34" charset="0"/>
-                  <a:cs typeface="Arial" panose="020B0604020202020204" pitchFamily="34" charset="0"/>
-                </a:rPr>
-                <a:t>Actuadores</a:t>
-              </a:r>
-            </a:p>
-          </p:txBody>
-        </p:sp>
-        <p:cxnSp>
-          <p:nvCxnSpPr>
-            <p:cNvPr id="20" name="Straight Arrow Connector 19">
-              <a:extLst>
-                <a:ext uri="{FF2B5EF4-FFF2-40B4-BE49-F238E27FC236}">
-                  <a16:creationId xmlns:a16="http://schemas.microsoft.com/office/drawing/2014/main" id="{B1CD1A88-FFE4-0B96-895B-8BF0AADA9F86}"/>
-                </a:ext>
-              </a:extLst>
-            </p:cNvPr>
-            <p:cNvCxnSpPr>
-              <a:cxnSpLocks/>
-              <a:stCxn id="2" idx="2"/>
-              <a:endCxn id="6" idx="0"/>
-            </p:cNvCxnSpPr>
-            <p:nvPr/>
-          </p:nvCxnSpPr>
-          <p:spPr>
-            <a:xfrm>
-              <a:off x="2714915" y="1044713"/>
-              <a:ext cx="0" cy="559073"/>
-            </a:xfrm>
-            <a:prstGeom prst="straightConnector1">
-              <a:avLst/>
-            </a:prstGeom>
-            <a:ln w="19050">
-              <a:solidFill>
-                <a:schemeClr val="accent1">
-                  <a:lumMod val="40000"/>
-                  <a:lumOff val="60000"/>
-                </a:schemeClr>
-              </a:solidFill>
-              <a:tailEnd type="triangle"/>
-            </a:ln>
-          </p:spPr>
-          <p:style>
-            <a:lnRef idx="1">
-              <a:schemeClr val="accent1"/>
-            </a:lnRef>
-            <a:fillRef idx="0">
-              <a:schemeClr val="accent1"/>
-            </a:fillRef>
-            <a:effectRef idx="0">
-              <a:schemeClr val="accent1"/>
-            </a:effectRef>
-            <a:fontRef idx="minor">
-              <a:schemeClr val="tx1"/>
-            </a:fontRef>
-          </p:style>
-        </p:cxnSp>
-        <p:cxnSp>
-          <p:nvCxnSpPr>
-            <p:cNvPr id="22" name="Straight Arrow Connector 21">
-              <a:extLst>
-                <a:ext uri="{FF2B5EF4-FFF2-40B4-BE49-F238E27FC236}">
-                  <a16:creationId xmlns:a16="http://schemas.microsoft.com/office/drawing/2014/main" id="{D2900C8F-F247-832A-EF9E-58D6265E32AD}"/>
-                </a:ext>
-              </a:extLst>
-            </p:cNvPr>
-            <p:cNvCxnSpPr>
-              <a:cxnSpLocks/>
-              <a:stCxn id="6" idx="2"/>
-              <a:endCxn id="7" idx="0"/>
-            </p:cNvCxnSpPr>
-            <p:nvPr/>
-          </p:nvCxnSpPr>
-          <p:spPr>
-            <a:xfrm>
-              <a:off x="2714915" y="2075655"/>
-              <a:ext cx="0" cy="559073"/>
-            </a:xfrm>
-            <a:prstGeom prst="straightConnector1">
-              <a:avLst/>
-            </a:prstGeom>
-            <a:ln w="19050">
-              <a:solidFill>
-                <a:schemeClr val="accent1">
-                  <a:lumMod val="40000"/>
-                  <a:lumOff val="60000"/>
-                </a:schemeClr>
-              </a:solidFill>
-              <a:tailEnd type="triangle"/>
-            </a:ln>
-          </p:spPr>
-          <p:style>
-            <a:lnRef idx="1">
-              <a:schemeClr val="accent1"/>
-            </a:lnRef>
-            <a:fillRef idx="0">
-              <a:schemeClr val="accent1"/>
-            </a:fillRef>
-            <a:effectRef idx="0">
-              <a:schemeClr val="accent1"/>
-            </a:effectRef>
-            <a:fontRef idx="minor">
-              <a:schemeClr val="tx1"/>
-            </a:fontRef>
-          </p:style>
-        </p:cxnSp>
-        <p:cxnSp>
-          <p:nvCxnSpPr>
-            <p:cNvPr id="27" name="Straight Arrow Connector 26">
-              <a:extLst>
-                <a:ext uri="{FF2B5EF4-FFF2-40B4-BE49-F238E27FC236}">
-                  <a16:creationId xmlns:a16="http://schemas.microsoft.com/office/drawing/2014/main" id="{2C865300-57D4-ABB8-1D00-21A288F9E1F8}"/>
-                </a:ext>
-              </a:extLst>
-            </p:cNvPr>
-            <p:cNvCxnSpPr>
-              <a:stCxn id="7" idx="2"/>
-              <a:endCxn id="12" idx="0"/>
-            </p:cNvCxnSpPr>
-            <p:nvPr/>
-          </p:nvCxnSpPr>
-          <p:spPr>
-            <a:xfrm>
-              <a:off x="2714915" y="3106597"/>
-              <a:ext cx="0" cy="559073"/>
-            </a:xfrm>
-            <a:prstGeom prst="straightConnector1">
-              <a:avLst/>
-            </a:prstGeom>
-            <a:ln w="19050">
-              <a:solidFill>
-                <a:schemeClr val="accent1">
-                  <a:lumMod val="40000"/>
-                  <a:lumOff val="60000"/>
-                </a:schemeClr>
-              </a:solidFill>
-              <a:tailEnd type="triangle"/>
-            </a:ln>
-          </p:spPr>
-          <p:style>
-            <a:lnRef idx="1">
-              <a:schemeClr val="accent1"/>
-            </a:lnRef>
-            <a:fillRef idx="0">
-              <a:schemeClr val="accent1"/>
-            </a:fillRef>
-            <a:effectRef idx="0">
-              <a:schemeClr val="accent1"/>
-            </a:effectRef>
-            <a:fontRef idx="minor">
-              <a:schemeClr val="tx1"/>
-            </a:fontRef>
-          </p:style>
-        </p:cxnSp>
-        <p:cxnSp>
-          <p:nvCxnSpPr>
-            <p:cNvPr id="29" name="Straight Arrow Connector 28">
-              <a:extLst>
-                <a:ext uri="{FF2B5EF4-FFF2-40B4-BE49-F238E27FC236}">
-                  <a16:creationId xmlns:a16="http://schemas.microsoft.com/office/drawing/2014/main" id="{4AFF575C-762E-AB1B-3B09-1670F39D7536}"/>
-                </a:ext>
-              </a:extLst>
-            </p:cNvPr>
-            <p:cNvCxnSpPr>
-              <a:stCxn id="12" idx="2"/>
-              <a:endCxn id="14" idx="0"/>
-            </p:cNvCxnSpPr>
-            <p:nvPr/>
-          </p:nvCxnSpPr>
-          <p:spPr>
-            <a:xfrm>
-              <a:off x="2714915" y="4137539"/>
-              <a:ext cx="0" cy="559073"/>
-            </a:xfrm>
-            <a:prstGeom prst="straightConnector1">
-              <a:avLst/>
-            </a:prstGeom>
-            <a:ln w="19050">
-              <a:solidFill>
-                <a:schemeClr val="accent1">
-                  <a:lumMod val="40000"/>
-                  <a:lumOff val="60000"/>
-                </a:schemeClr>
-              </a:solidFill>
-              <a:tailEnd type="triangle"/>
-            </a:ln>
-          </p:spPr>
-          <p:style>
-            <a:lnRef idx="1">
-              <a:schemeClr val="accent1"/>
-            </a:lnRef>
-            <a:fillRef idx="0">
-              <a:schemeClr val="accent1"/>
-            </a:fillRef>
-            <a:effectRef idx="0">
-              <a:schemeClr val="accent1"/>
-            </a:effectRef>
-            <a:fontRef idx="minor">
-              <a:schemeClr val="tx1"/>
-            </a:fontRef>
-          </p:style>
-        </p:cxnSp>
-        <p:cxnSp>
-          <p:nvCxnSpPr>
-            <p:cNvPr id="31" name="Straight Arrow Connector 30">
-              <a:extLst>
-                <a:ext uri="{FF2B5EF4-FFF2-40B4-BE49-F238E27FC236}">
-                  <a16:creationId xmlns:a16="http://schemas.microsoft.com/office/drawing/2014/main" id="{E23DD49B-5838-F011-DD44-9FA9AEC054D0}"/>
-                </a:ext>
-              </a:extLst>
-            </p:cNvPr>
-            <p:cNvCxnSpPr>
-              <a:stCxn id="14" idx="2"/>
-              <a:endCxn id="16" idx="0"/>
-            </p:cNvCxnSpPr>
-            <p:nvPr/>
-          </p:nvCxnSpPr>
-          <p:spPr>
-            <a:xfrm>
-              <a:off x="2714915" y="5168481"/>
-              <a:ext cx="0" cy="559073"/>
-            </a:xfrm>
-            <a:prstGeom prst="straightConnector1">
-              <a:avLst/>
-            </a:prstGeom>
-            <a:ln w="19050">
-              <a:solidFill>
-                <a:schemeClr val="accent1">
-                  <a:lumMod val="40000"/>
-                  <a:lumOff val="60000"/>
-                </a:schemeClr>
-              </a:solidFill>
-              <a:tailEnd type="triangle"/>
-            </a:ln>
-          </p:spPr>
-          <p:style>
-            <a:lnRef idx="1">
-              <a:schemeClr val="accent1"/>
-            </a:lnRef>
-            <a:fillRef idx="0">
-              <a:schemeClr val="accent1"/>
-            </a:fillRef>
-            <a:effectRef idx="0">
-              <a:schemeClr val="accent1"/>
-            </a:effectRef>
-            <a:fontRef idx="minor">
-              <a:schemeClr val="tx1"/>
-            </a:fontRef>
-          </p:style>
-        </p:cxnSp>
-        <p:cxnSp>
-          <p:nvCxnSpPr>
-            <p:cNvPr id="33" name="Connector: Elbow 32">
-              <a:extLst>
-                <a:ext uri="{FF2B5EF4-FFF2-40B4-BE49-F238E27FC236}">
-                  <a16:creationId xmlns:a16="http://schemas.microsoft.com/office/drawing/2014/main" id="{5A7A81C5-D74C-09D2-EE3D-D76C0BE39DE0}"/>
-                </a:ext>
-              </a:extLst>
-            </p:cNvPr>
-            <p:cNvCxnSpPr>
-              <a:cxnSpLocks/>
-              <a:stCxn id="16" idx="2"/>
-              <a:endCxn id="7" idx="1"/>
-            </p:cNvCxnSpPr>
-            <p:nvPr/>
-          </p:nvCxnSpPr>
-          <p:spPr>
-            <a:xfrm rot="5400000" flipH="1">
-              <a:off x="627535" y="4112043"/>
-              <a:ext cx="3328760" cy="846000"/>
-            </a:xfrm>
-            <a:prstGeom prst="bentConnector4">
-              <a:avLst>
-                <a:gd name="adj1" fmla="val -6867"/>
-                <a:gd name="adj2" fmla="val 123206"/>
-              </a:avLst>
-            </a:prstGeom>
-            <a:ln w="19050">
-              <a:solidFill>
-                <a:schemeClr val="accent1">
-                  <a:lumMod val="40000"/>
-                  <a:lumOff val="60000"/>
-                </a:schemeClr>
-              </a:solidFill>
-              <a:tailEnd type="triangle"/>
-            </a:ln>
-          </p:spPr>
-          <p:style>
-            <a:lnRef idx="1">
-              <a:schemeClr val="accent1"/>
-            </a:lnRef>
-            <a:fillRef idx="0">
-              <a:schemeClr val="accent1"/>
-            </a:fillRef>
-            <a:effectRef idx="0">
-              <a:schemeClr val="accent1"/>
-            </a:effectRef>
-            <a:fontRef idx="minor">
-              <a:schemeClr val="tx1"/>
-            </a:fontRef>
-          </p:style>
-        </p:cxnSp>
-        <p:sp>
-          <p:nvSpPr>
-            <p:cNvPr id="5" name="Rectangle 4">
-              <a:extLst>
-                <a:ext uri="{FF2B5EF4-FFF2-40B4-BE49-F238E27FC236}">
-                  <a16:creationId xmlns:a16="http://schemas.microsoft.com/office/drawing/2014/main" id="{CB56E09D-7BC3-9438-7D27-BE7F0454AA03}"/>
-                </a:ext>
-              </a:extLst>
-            </p:cNvPr>
-            <p:cNvSpPr/>
-            <p:nvPr/>
-          </p:nvSpPr>
-          <p:spPr>
-            <a:xfrm>
-              <a:off x="5138769" y="712608"/>
-              <a:ext cx="1692000" cy="471869"/>
-            </a:xfrm>
-            <a:prstGeom prst="rect">
-              <a:avLst/>
-            </a:prstGeom>
-            <a:solidFill>
-              <a:schemeClr val="accent1">
-                <a:lumMod val="20000"/>
-                <a:lumOff val="80000"/>
-              </a:schemeClr>
-            </a:solidFill>
-            <a:ln w="19050">
-              <a:solidFill>
-                <a:schemeClr val="accent1">
-                  <a:lumMod val="75000"/>
-                </a:schemeClr>
-              </a:solidFill>
-            </a:ln>
-          </p:spPr>
-          <p:style>
-            <a:lnRef idx="2">
-              <a:schemeClr val="accent1">
-                <a:shade val="50000"/>
-              </a:schemeClr>
-            </a:lnRef>
-            <a:fillRef idx="1">
-              <a:schemeClr val="accent1"/>
-            </a:fillRef>
-            <a:effectRef idx="0">
-              <a:schemeClr val="accent1"/>
-            </a:effectRef>
-            <a:fontRef idx="minor">
-              <a:schemeClr val="lt1"/>
-            </a:fontRef>
-          </p:style>
-          <p:txBody>
-            <a:bodyPr rtlCol="0" anchor="ctr"/>
-            <a:lstStyle/>
-            <a:p>
-              <a:pPr algn="ctr"/>
-              <a:r>
-                <a:rPr lang="es-ES" sz="1100" b="1" dirty="0" err="1">
-                  <a:solidFill>
-                    <a:schemeClr val="tx1">
-                      <a:lumMod val="95000"/>
-                      <a:lumOff val="5000"/>
-                    </a:schemeClr>
-                  </a:solidFill>
-                  <a:latin typeface="Courier New" panose="02070309020205020404" pitchFamily="49" charset="0"/>
-                  <a:cs typeface="Courier New" panose="02070309020205020404" pitchFamily="49" charset="0"/>
-                </a:rPr>
-                <a:t>init_flash</a:t>
-              </a:r>
-              <a:r>
-                <a:rPr lang="es-ES" sz="1100" b="1" dirty="0">
-                  <a:solidFill>
-                    <a:schemeClr val="tx1">
-                      <a:lumMod val="95000"/>
-                      <a:lumOff val="5000"/>
-                    </a:schemeClr>
-                  </a:solidFill>
-                  <a:latin typeface="Courier New" panose="02070309020205020404" pitchFamily="49" charset="0"/>
-                  <a:cs typeface="Courier New" panose="02070309020205020404" pitchFamily="49" charset="0"/>
-                </a:rPr>
-                <a:t>()</a:t>
-              </a:r>
-            </a:p>
-          </p:txBody>
-        </p:sp>
-        <p:sp>
-          <p:nvSpPr>
-            <p:cNvPr id="9" name="Rectangle 8">
-              <a:extLst>
-                <a:ext uri="{FF2B5EF4-FFF2-40B4-BE49-F238E27FC236}">
-                  <a16:creationId xmlns:a16="http://schemas.microsoft.com/office/drawing/2014/main" id="{92F44737-92BE-E265-D4BD-969607F460F7}"/>
-                </a:ext>
-              </a:extLst>
-            </p:cNvPr>
-            <p:cNvSpPr/>
-            <p:nvPr/>
-          </p:nvSpPr>
-          <p:spPr>
-            <a:xfrm>
-              <a:off x="5146267" y="5614657"/>
-              <a:ext cx="1692000" cy="471869"/>
-            </a:xfrm>
-            <a:prstGeom prst="rect">
-              <a:avLst/>
-            </a:prstGeom>
-            <a:solidFill>
-              <a:schemeClr val="accent1">
-                <a:lumMod val="20000"/>
-                <a:lumOff val="80000"/>
-              </a:schemeClr>
-            </a:solidFill>
-            <a:ln w="19050">
-              <a:solidFill>
-                <a:schemeClr val="accent1">
-                  <a:lumMod val="75000"/>
-                </a:schemeClr>
-              </a:solidFill>
-            </a:ln>
-          </p:spPr>
-          <p:style>
-            <a:lnRef idx="2">
-              <a:schemeClr val="accent1">
-                <a:shade val="50000"/>
-              </a:schemeClr>
-            </a:lnRef>
-            <a:fillRef idx="1">
-              <a:schemeClr val="accent1"/>
-            </a:fillRef>
-            <a:effectRef idx="0">
-              <a:schemeClr val="accent1"/>
-            </a:effectRef>
-            <a:fontRef idx="minor">
-              <a:schemeClr val="lt1"/>
-            </a:fontRef>
-          </p:style>
-          <p:txBody>
-            <a:bodyPr rtlCol="0" anchor="ctr"/>
-            <a:lstStyle/>
-            <a:p>
-              <a:pPr algn="ctr"/>
-              <a:r>
-                <a:rPr lang="es-ES" sz="1100" b="1" dirty="0" err="1">
-                  <a:solidFill>
-                    <a:schemeClr val="tx1">
-                      <a:lumMod val="95000"/>
-                      <a:lumOff val="5000"/>
-                    </a:schemeClr>
-                  </a:solidFill>
-                  <a:latin typeface="Courier New" panose="02070309020205020404" pitchFamily="49" charset="0"/>
-                  <a:cs typeface="Courier New" panose="02070309020205020404" pitchFamily="49" charset="0"/>
-                </a:rPr>
-                <a:t>init_barometer</a:t>
-              </a:r>
-              <a:r>
-                <a:rPr lang="es-ES" sz="1100" b="1" dirty="0">
-                  <a:solidFill>
-                    <a:schemeClr val="tx1">
-                      <a:lumMod val="95000"/>
-                      <a:lumOff val="5000"/>
-                    </a:schemeClr>
-                  </a:solidFill>
-                  <a:latin typeface="Courier New" panose="02070309020205020404" pitchFamily="49" charset="0"/>
-                  <a:cs typeface="Courier New" panose="02070309020205020404" pitchFamily="49" charset="0"/>
-                </a:rPr>
-                <a:t>()</a:t>
-              </a:r>
-            </a:p>
-          </p:txBody>
-        </p:sp>
-        <p:sp>
-          <p:nvSpPr>
-            <p:cNvPr id="19" name="Left Brace 18">
-              <a:extLst>
-                <a:ext uri="{FF2B5EF4-FFF2-40B4-BE49-F238E27FC236}">
-                  <a16:creationId xmlns:a16="http://schemas.microsoft.com/office/drawing/2014/main" id="{4512B7F7-A894-A9EA-778D-943552C7C70A}"/>
-                </a:ext>
-              </a:extLst>
-            </p:cNvPr>
-            <p:cNvSpPr/>
-            <p:nvPr/>
-          </p:nvSpPr>
-          <p:spPr>
-            <a:xfrm>
-              <a:off x="4522331" y="572844"/>
-              <a:ext cx="623936" cy="5626579"/>
-            </a:xfrm>
-            <a:prstGeom prst="leftBrace">
-              <a:avLst/>
-            </a:prstGeom>
-            <a:ln w="19050">
-              <a:solidFill>
-                <a:schemeClr val="accent1">
-                  <a:lumMod val="75000"/>
-                </a:schemeClr>
-              </a:solidFill>
-            </a:ln>
-          </p:spPr>
-          <p:style>
-            <a:lnRef idx="1">
-              <a:schemeClr val="accent1"/>
-            </a:lnRef>
-            <a:fillRef idx="0">
-              <a:schemeClr val="accent1"/>
-            </a:fillRef>
-            <a:effectRef idx="0">
-              <a:schemeClr val="accent1"/>
-            </a:effectRef>
-            <a:fontRef idx="minor">
-              <a:schemeClr val="tx1"/>
-            </a:fontRef>
-          </p:style>
-          <p:txBody>
-            <a:bodyPr rtlCol="0" anchor="ctr"/>
-            <a:lstStyle/>
-            <a:p>
-              <a:pPr algn="ctr"/>
-              <a:endParaRPr lang="es-ES"/>
-            </a:p>
-          </p:txBody>
-        </p:sp>
-        <p:cxnSp>
-          <p:nvCxnSpPr>
-            <p:cNvPr id="23" name="Connector: Elbow 22">
-              <a:extLst>
-                <a:ext uri="{FF2B5EF4-FFF2-40B4-BE49-F238E27FC236}">
-                  <a16:creationId xmlns:a16="http://schemas.microsoft.com/office/drawing/2014/main" id="{01A2E98F-C557-F6B6-6F66-2ABBAA7BEEBA}"/>
-                </a:ext>
-              </a:extLst>
-            </p:cNvPr>
-            <p:cNvCxnSpPr>
-              <a:cxnSpLocks/>
-              <a:stCxn id="6" idx="3"/>
-              <a:endCxn id="19" idx="1"/>
-            </p:cNvCxnSpPr>
-            <p:nvPr/>
-          </p:nvCxnSpPr>
-          <p:spPr>
-            <a:xfrm>
-              <a:off x="3560915" y="1839721"/>
-              <a:ext cx="961416" cy="1546413"/>
-            </a:xfrm>
-            <a:prstGeom prst="bentConnector3">
-              <a:avLst/>
-            </a:prstGeom>
-            <a:ln w="19050">
-              <a:solidFill>
-                <a:schemeClr val="accent1">
-                  <a:lumMod val="75000"/>
-                </a:schemeClr>
-              </a:solidFill>
-              <a:tailEnd type="triangle"/>
-            </a:ln>
-          </p:spPr>
-          <p:style>
-            <a:lnRef idx="1">
-              <a:schemeClr val="accent1"/>
-            </a:lnRef>
-            <a:fillRef idx="0">
-              <a:schemeClr val="accent1"/>
-            </a:fillRef>
-            <a:effectRef idx="0">
-              <a:schemeClr val="accent1"/>
-            </a:effectRef>
-            <a:fontRef idx="minor">
-              <a:schemeClr val="tx1"/>
-            </a:fontRef>
-          </p:style>
-        </p:cxnSp>
-        <p:sp>
-          <p:nvSpPr>
-            <p:cNvPr id="8" name="Rectangle 7">
-              <a:extLst>
-                <a:ext uri="{FF2B5EF4-FFF2-40B4-BE49-F238E27FC236}">
-                  <a16:creationId xmlns:a16="http://schemas.microsoft.com/office/drawing/2014/main" id="{D4686CBA-5238-6488-F34A-565C8790B632}"/>
-                </a:ext>
-              </a:extLst>
-            </p:cNvPr>
-            <p:cNvSpPr/>
-            <p:nvPr/>
-          </p:nvSpPr>
-          <p:spPr>
-            <a:xfrm>
-              <a:off x="5138769" y="1529616"/>
-              <a:ext cx="1692000" cy="471869"/>
-            </a:xfrm>
-            <a:prstGeom prst="rect">
-              <a:avLst/>
-            </a:prstGeom>
-            <a:solidFill>
-              <a:schemeClr val="accent1">
-                <a:lumMod val="20000"/>
-                <a:lumOff val="80000"/>
-              </a:schemeClr>
-            </a:solidFill>
-            <a:ln w="19050">
-              <a:solidFill>
-                <a:schemeClr val="accent1">
-                  <a:lumMod val="75000"/>
-                </a:schemeClr>
-              </a:solidFill>
-            </a:ln>
-          </p:spPr>
-          <p:style>
-            <a:lnRef idx="2">
-              <a:schemeClr val="accent1">
-                <a:shade val="50000"/>
-              </a:schemeClr>
-            </a:lnRef>
-            <a:fillRef idx="1">
-              <a:schemeClr val="accent1"/>
-            </a:fillRef>
-            <a:effectRef idx="0">
-              <a:schemeClr val="accent1"/>
-            </a:effectRef>
-            <a:fontRef idx="minor">
-              <a:schemeClr val="lt1"/>
-            </a:fontRef>
-          </p:style>
-          <p:txBody>
-            <a:bodyPr rtlCol="0" anchor="ctr"/>
-            <a:lstStyle/>
-            <a:p>
-              <a:pPr algn="ctr"/>
-              <a:r>
-                <a:rPr lang="es-ES" sz="1100" b="1" dirty="0" err="1">
-                  <a:solidFill>
-                    <a:schemeClr val="tx1">
-                      <a:lumMod val="95000"/>
-                      <a:lumOff val="5000"/>
-                    </a:schemeClr>
-                  </a:solidFill>
-                  <a:latin typeface="Courier New" panose="02070309020205020404" pitchFamily="49" charset="0"/>
-                  <a:cs typeface="Courier New" panose="02070309020205020404" pitchFamily="49" charset="0"/>
-                </a:rPr>
-                <a:t>init_led</a:t>
-              </a:r>
-              <a:r>
-                <a:rPr lang="es-ES" sz="1100" b="1" dirty="0">
-                  <a:solidFill>
-                    <a:schemeClr val="tx1">
-                      <a:lumMod val="95000"/>
-                      <a:lumOff val="5000"/>
-                    </a:schemeClr>
-                  </a:solidFill>
-                  <a:latin typeface="Courier New" panose="02070309020205020404" pitchFamily="49" charset="0"/>
-                  <a:cs typeface="Courier New" panose="02070309020205020404" pitchFamily="49" charset="0"/>
-                </a:rPr>
-                <a:t>()</a:t>
-              </a:r>
-            </a:p>
-          </p:txBody>
-        </p:sp>
-        <p:sp>
-          <p:nvSpPr>
-            <p:cNvPr id="10" name="Rectangle 9">
-              <a:extLst>
-                <a:ext uri="{FF2B5EF4-FFF2-40B4-BE49-F238E27FC236}">
-                  <a16:creationId xmlns:a16="http://schemas.microsoft.com/office/drawing/2014/main" id="{B7576E84-9D37-69DD-2120-97F6C73E8D9D}"/>
-                </a:ext>
-              </a:extLst>
-            </p:cNvPr>
-            <p:cNvSpPr/>
-            <p:nvPr/>
-          </p:nvSpPr>
-          <p:spPr>
-            <a:xfrm>
-              <a:off x="5138769" y="2346624"/>
-              <a:ext cx="1692000" cy="471869"/>
-            </a:xfrm>
-            <a:prstGeom prst="rect">
-              <a:avLst/>
-            </a:prstGeom>
-            <a:solidFill>
-              <a:schemeClr val="accent1">
-                <a:lumMod val="20000"/>
-                <a:lumOff val="80000"/>
-              </a:schemeClr>
-            </a:solidFill>
-            <a:ln w="19050">
-              <a:solidFill>
-                <a:schemeClr val="accent1">
-                  <a:lumMod val="75000"/>
-                </a:schemeClr>
-              </a:solidFill>
-            </a:ln>
-          </p:spPr>
-          <p:style>
-            <a:lnRef idx="2">
-              <a:schemeClr val="accent1">
-                <a:shade val="50000"/>
-              </a:schemeClr>
-            </a:lnRef>
-            <a:fillRef idx="1">
-              <a:schemeClr val="accent1"/>
-            </a:fillRef>
-            <a:effectRef idx="0">
-              <a:schemeClr val="accent1"/>
-            </a:effectRef>
-            <a:fontRef idx="minor">
-              <a:schemeClr val="lt1"/>
-            </a:fontRef>
-          </p:style>
-          <p:txBody>
-            <a:bodyPr rtlCol="0" anchor="ctr"/>
-            <a:lstStyle/>
-            <a:p>
-              <a:pPr algn="ctr"/>
-              <a:r>
-                <a:rPr lang="es-ES" sz="1100" b="1" dirty="0" err="1">
-                  <a:solidFill>
-                    <a:schemeClr val="tx1">
-                      <a:lumMod val="95000"/>
-                      <a:lumOff val="5000"/>
-                    </a:schemeClr>
-                  </a:solidFill>
-                  <a:latin typeface="Courier New" panose="02070309020205020404" pitchFamily="49" charset="0"/>
-                  <a:cs typeface="Courier New" panose="02070309020205020404" pitchFamily="49" charset="0"/>
-                </a:rPr>
-                <a:t>init_ultrasonic</a:t>
-              </a:r>
-              <a:r>
-                <a:rPr lang="es-ES" sz="1100" b="1" dirty="0">
-                  <a:solidFill>
-                    <a:schemeClr val="tx1">
-                      <a:lumMod val="95000"/>
-                      <a:lumOff val="5000"/>
-                    </a:schemeClr>
-                  </a:solidFill>
-                  <a:latin typeface="Courier New" panose="02070309020205020404" pitchFamily="49" charset="0"/>
-                  <a:cs typeface="Courier New" panose="02070309020205020404" pitchFamily="49" charset="0"/>
-                </a:rPr>
-                <a:t>()</a:t>
-              </a:r>
-            </a:p>
-          </p:txBody>
-        </p:sp>
-        <p:sp>
-          <p:nvSpPr>
-            <p:cNvPr id="11" name="Rectangle 10">
-              <a:extLst>
-                <a:ext uri="{FF2B5EF4-FFF2-40B4-BE49-F238E27FC236}">
-                  <a16:creationId xmlns:a16="http://schemas.microsoft.com/office/drawing/2014/main" id="{0BC0BAF7-8941-9025-2D83-C0866CE11D65}"/>
-                </a:ext>
-              </a:extLst>
-            </p:cNvPr>
-            <p:cNvSpPr/>
-            <p:nvPr/>
-          </p:nvSpPr>
-          <p:spPr>
-            <a:xfrm>
-              <a:off x="5138769" y="3163632"/>
-              <a:ext cx="1692000" cy="471869"/>
-            </a:xfrm>
-            <a:prstGeom prst="rect">
-              <a:avLst/>
-            </a:prstGeom>
-            <a:solidFill>
-              <a:schemeClr val="accent1">
-                <a:lumMod val="20000"/>
-                <a:lumOff val="80000"/>
-              </a:schemeClr>
-            </a:solidFill>
-            <a:ln w="19050">
-              <a:solidFill>
-                <a:schemeClr val="accent1">
-                  <a:lumMod val="75000"/>
-                </a:schemeClr>
-              </a:solidFill>
-            </a:ln>
-          </p:spPr>
-          <p:style>
-            <a:lnRef idx="2">
-              <a:schemeClr val="accent1">
-                <a:shade val="50000"/>
-              </a:schemeClr>
-            </a:lnRef>
-            <a:fillRef idx="1">
-              <a:schemeClr val="accent1"/>
-            </a:fillRef>
-            <a:effectRef idx="0">
-              <a:schemeClr val="accent1"/>
-            </a:effectRef>
-            <a:fontRef idx="minor">
-              <a:schemeClr val="lt1"/>
-            </a:fontRef>
-          </p:style>
-          <p:txBody>
-            <a:bodyPr rtlCol="0" anchor="ctr"/>
-            <a:lstStyle/>
-            <a:p>
-              <a:pPr algn="ctr"/>
-              <a:r>
-                <a:rPr lang="es-ES" sz="1100" b="1" dirty="0" err="1">
-                  <a:solidFill>
-                    <a:schemeClr val="tx1">
-                      <a:lumMod val="95000"/>
-                      <a:lumOff val="5000"/>
-                    </a:schemeClr>
-                  </a:solidFill>
-                  <a:latin typeface="Courier New" panose="02070309020205020404" pitchFamily="49" charset="0"/>
-                  <a:cs typeface="Courier New" panose="02070309020205020404" pitchFamily="49" charset="0"/>
-                </a:rPr>
-                <a:t>init_rc</a:t>
-              </a:r>
-              <a:r>
-                <a:rPr lang="es-ES" sz="1100" b="1" dirty="0">
-                  <a:solidFill>
-                    <a:schemeClr val="tx1">
-                      <a:lumMod val="95000"/>
-                      <a:lumOff val="5000"/>
-                    </a:schemeClr>
-                  </a:solidFill>
-                  <a:latin typeface="Courier New" panose="02070309020205020404" pitchFamily="49" charset="0"/>
-                  <a:cs typeface="Courier New" panose="02070309020205020404" pitchFamily="49" charset="0"/>
-                </a:rPr>
-                <a:t>()</a:t>
-              </a:r>
-            </a:p>
-          </p:txBody>
-        </p:sp>
-        <p:sp>
-          <p:nvSpPr>
-            <p:cNvPr id="13" name="Rectangle 12">
-              <a:extLst>
-                <a:ext uri="{FF2B5EF4-FFF2-40B4-BE49-F238E27FC236}">
-                  <a16:creationId xmlns:a16="http://schemas.microsoft.com/office/drawing/2014/main" id="{AAD7B55E-F30F-A024-5126-105DDB75D238}"/>
-                </a:ext>
-              </a:extLst>
-            </p:cNvPr>
-            <p:cNvSpPr/>
-            <p:nvPr/>
-          </p:nvSpPr>
-          <p:spPr>
-            <a:xfrm>
-              <a:off x="5146267" y="3980640"/>
-              <a:ext cx="1692000" cy="471869"/>
-            </a:xfrm>
-            <a:prstGeom prst="rect">
-              <a:avLst/>
-            </a:prstGeom>
-            <a:solidFill>
-              <a:schemeClr val="accent1">
-                <a:lumMod val="20000"/>
-                <a:lumOff val="80000"/>
-              </a:schemeClr>
-            </a:solidFill>
-            <a:ln w="19050">
-              <a:solidFill>
-                <a:schemeClr val="accent1">
-                  <a:lumMod val="75000"/>
-                </a:schemeClr>
-              </a:solidFill>
-            </a:ln>
-          </p:spPr>
-          <p:style>
-            <a:lnRef idx="2">
-              <a:schemeClr val="accent1">
-                <a:shade val="50000"/>
-              </a:schemeClr>
-            </a:lnRef>
-            <a:fillRef idx="1">
-              <a:schemeClr val="accent1"/>
-            </a:fillRef>
-            <a:effectRef idx="0">
-              <a:schemeClr val="accent1"/>
-            </a:effectRef>
-            <a:fontRef idx="minor">
-              <a:schemeClr val="lt1"/>
-            </a:fontRef>
-          </p:style>
-          <p:txBody>
-            <a:bodyPr rtlCol="0" anchor="ctr"/>
-            <a:lstStyle/>
-            <a:p>
-              <a:pPr algn="ctr"/>
-              <a:r>
-                <a:rPr lang="es-ES" sz="1100" b="1" dirty="0" err="1">
-                  <a:solidFill>
-                    <a:schemeClr val="tx1">
-                      <a:lumMod val="95000"/>
-                      <a:lumOff val="5000"/>
-                    </a:schemeClr>
-                  </a:solidFill>
-                  <a:latin typeface="Courier New" panose="02070309020205020404" pitchFamily="49" charset="0"/>
-                  <a:cs typeface="Courier New" panose="02070309020205020404" pitchFamily="49" charset="0"/>
-                </a:rPr>
-                <a:t>init_esc</a:t>
-              </a:r>
-              <a:r>
-                <a:rPr lang="es-ES" sz="1100" b="1" dirty="0">
-                  <a:solidFill>
-                    <a:schemeClr val="tx1">
-                      <a:lumMod val="95000"/>
-                      <a:lumOff val="5000"/>
-                    </a:schemeClr>
-                  </a:solidFill>
-                  <a:latin typeface="Courier New" panose="02070309020205020404" pitchFamily="49" charset="0"/>
-                  <a:cs typeface="Courier New" panose="02070309020205020404" pitchFamily="49" charset="0"/>
-                </a:rPr>
-                <a:t>()</a:t>
-              </a:r>
-            </a:p>
-          </p:txBody>
-        </p:sp>
-        <p:sp>
-          <p:nvSpPr>
-            <p:cNvPr id="15" name="Rectangle 14">
-              <a:extLst>
-                <a:ext uri="{FF2B5EF4-FFF2-40B4-BE49-F238E27FC236}">
-                  <a16:creationId xmlns:a16="http://schemas.microsoft.com/office/drawing/2014/main" id="{30D40789-A1E7-3E74-5014-4225ADF28CE2}"/>
-                </a:ext>
-              </a:extLst>
-            </p:cNvPr>
-            <p:cNvSpPr/>
-            <p:nvPr/>
-          </p:nvSpPr>
-          <p:spPr>
-            <a:xfrm>
-              <a:off x="5146267" y="4797648"/>
-              <a:ext cx="1692000" cy="471869"/>
-            </a:xfrm>
-            <a:prstGeom prst="rect">
-              <a:avLst/>
-            </a:prstGeom>
-            <a:solidFill>
-              <a:schemeClr val="accent1">
-                <a:lumMod val="20000"/>
-                <a:lumOff val="80000"/>
-              </a:schemeClr>
-            </a:solidFill>
-            <a:ln w="19050">
-              <a:solidFill>
-                <a:schemeClr val="accent1">
-                  <a:lumMod val="75000"/>
-                </a:schemeClr>
-              </a:solidFill>
-            </a:ln>
-          </p:spPr>
-          <p:style>
-            <a:lnRef idx="2">
-              <a:schemeClr val="accent1">
-                <a:shade val="50000"/>
-              </a:schemeClr>
-            </a:lnRef>
-            <a:fillRef idx="1">
-              <a:schemeClr val="accent1"/>
-            </a:fillRef>
-            <a:effectRef idx="0">
-              <a:schemeClr val="accent1"/>
-            </a:effectRef>
-            <a:fontRef idx="minor">
-              <a:schemeClr val="lt1"/>
-            </a:fontRef>
-          </p:style>
-          <p:txBody>
-            <a:bodyPr rtlCol="0" anchor="ctr"/>
-            <a:lstStyle/>
-            <a:p>
-              <a:pPr algn="ctr"/>
-              <a:r>
-                <a:rPr lang="es-ES" sz="1100" b="1" dirty="0" err="1">
-                  <a:solidFill>
-                    <a:schemeClr val="tx1">
-                      <a:lumMod val="95000"/>
-                      <a:lumOff val="5000"/>
-                    </a:schemeClr>
-                  </a:solidFill>
-                  <a:latin typeface="Courier New" panose="02070309020205020404" pitchFamily="49" charset="0"/>
-                  <a:cs typeface="Courier New" panose="02070309020205020404" pitchFamily="49" charset="0"/>
-                </a:rPr>
-                <a:t>init_gyro</a:t>
-              </a:r>
-              <a:r>
-                <a:rPr lang="es-ES" sz="1100" b="1" dirty="0">
-                  <a:solidFill>
-                    <a:schemeClr val="tx1">
-                      <a:lumMod val="95000"/>
-                      <a:lumOff val="5000"/>
-                    </a:schemeClr>
-                  </a:solidFill>
-                  <a:latin typeface="Courier New" panose="02070309020205020404" pitchFamily="49" charset="0"/>
-                  <a:cs typeface="Courier New" panose="02070309020205020404" pitchFamily="49" charset="0"/>
-                </a:rPr>
-                <a:t>()</a:t>
-              </a:r>
-            </a:p>
-          </p:txBody>
-        </p:sp>
-        <p:cxnSp>
-          <p:nvCxnSpPr>
-            <p:cNvPr id="21" name="Straight Arrow Connector 20">
-              <a:extLst>
-                <a:ext uri="{FF2B5EF4-FFF2-40B4-BE49-F238E27FC236}">
-                  <a16:creationId xmlns:a16="http://schemas.microsoft.com/office/drawing/2014/main" id="{149F904C-2DE3-0341-3D7B-F7C88BF2D6B2}"/>
-                </a:ext>
-              </a:extLst>
-            </p:cNvPr>
-            <p:cNvCxnSpPr>
-              <a:cxnSpLocks/>
-              <a:stCxn id="5" idx="2"/>
-              <a:endCxn id="8" idx="0"/>
-            </p:cNvCxnSpPr>
-            <p:nvPr/>
-          </p:nvCxnSpPr>
-          <p:spPr>
-            <a:xfrm>
-              <a:off x="5984769" y="1184477"/>
-              <a:ext cx="0" cy="345139"/>
-            </a:xfrm>
-            <a:prstGeom prst="straightConnector1">
-              <a:avLst/>
-            </a:prstGeom>
-            <a:ln w="19050">
-              <a:solidFill>
-                <a:schemeClr val="accent1">
-                  <a:lumMod val="75000"/>
-                </a:schemeClr>
-              </a:solidFill>
-              <a:tailEnd type="triangle"/>
-            </a:ln>
-          </p:spPr>
-          <p:style>
-            <a:lnRef idx="1">
-              <a:schemeClr val="accent1"/>
-            </a:lnRef>
-            <a:fillRef idx="0">
-              <a:schemeClr val="accent1"/>
-            </a:fillRef>
-            <a:effectRef idx="0">
-              <a:schemeClr val="accent1"/>
-            </a:effectRef>
-            <a:fontRef idx="minor">
-              <a:schemeClr val="tx1"/>
-            </a:fontRef>
-          </p:style>
-        </p:cxnSp>
-        <p:cxnSp>
-          <p:nvCxnSpPr>
-            <p:cNvPr id="26" name="Straight Arrow Connector 25">
-              <a:extLst>
-                <a:ext uri="{FF2B5EF4-FFF2-40B4-BE49-F238E27FC236}">
-                  <a16:creationId xmlns:a16="http://schemas.microsoft.com/office/drawing/2014/main" id="{BBBDCAF7-684F-1886-2ACA-E6E2A5CFA80F}"/>
-                </a:ext>
-              </a:extLst>
-            </p:cNvPr>
-            <p:cNvCxnSpPr>
-              <a:cxnSpLocks/>
-              <a:stCxn id="8" idx="2"/>
-              <a:endCxn id="10" idx="0"/>
-            </p:cNvCxnSpPr>
-            <p:nvPr/>
-          </p:nvCxnSpPr>
-          <p:spPr>
-            <a:xfrm>
-              <a:off x="5984769" y="2001485"/>
-              <a:ext cx="0" cy="345139"/>
-            </a:xfrm>
-            <a:prstGeom prst="straightConnector1">
-              <a:avLst/>
-            </a:prstGeom>
-            <a:ln w="19050">
-              <a:solidFill>
-                <a:schemeClr val="accent1">
-                  <a:lumMod val="75000"/>
-                </a:schemeClr>
-              </a:solidFill>
-              <a:tailEnd type="triangle"/>
-            </a:ln>
-          </p:spPr>
-          <p:style>
-            <a:lnRef idx="1">
-              <a:schemeClr val="accent1"/>
-            </a:lnRef>
-            <a:fillRef idx="0">
-              <a:schemeClr val="accent1"/>
-            </a:fillRef>
-            <a:effectRef idx="0">
-              <a:schemeClr val="accent1"/>
-            </a:effectRef>
-            <a:fontRef idx="minor">
-              <a:schemeClr val="tx1"/>
-            </a:fontRef>
-          </p:style>
-        </p:cxnSp>
-        <p:cxnSp>
-          <p:nvCxnSpPr>
-            <p:cNvPr id="34" name="Straight Arrow Connector 33">
-              <a:extLst>
-                <a:ext uri="{FF2B5EF4-FFF2-40B4-BE49-F238E27FC236}">
-                  <a16:creationId xmlns:a16="http://schemas.microsoft.com/office/drawing/2014/main" id="{E587C29F-F01A-9FD1-501B-5C6689E52D95}"/>
-                </a:ext>
-              </a:extLst>
-            </p:cNvPr>
-            <p:cNvCxnSpPr>
-              <a:cxnSpLocks/>
-              <a:stCxn id="10" idx="2"/>
-              <a:endCxn id="11" idx="0"/>
-            </p:cNvCxnSpPr>
-            <p:nvPr/>
-          </p:nvCxnSpPr>
-          <p:spPr>
-            <a:xfrm>
-              <a:off x="5984769" y="2818493"/>
-              <a:ext cx="0" cy="345139"/>
-            </a:xfrm>
-            <a:prstGeom prst="straightConnector1">
-              <a:avLst/>
-            </a:prstGeom>
-            <a:ln w="19050">
-              <a:solidFill>
-                <a:schemeClr val="accent1">
-                  <a:lumMod val="75000"/>
-                </a:schemeClr>
-              </a:solidFill>
-              <a:tailEnd type="triangle"/>
-            </a:ln>
-          </p:spPr>
-          <p:style>
-            <a:lnRef idx="1">
-              <a:schemeClr val="accent1"/>
-            </a:lnRef>
-            <a:fillRef idx="0">
-              <a:schemeClr val="accent1"/>
-            </a:fillRef>
-            <a:effectRef idx="0">
-              <a:schemeClr val="accent1"/>
-            </a:effectRef>
-            <a:fontRef idx="minor">
-              <a:schemeClr val="tx1"/>
-            </a:fontRef>
-          </p:style>
-        </p:cxnSp>
-        <p:cxnSp>
-          <p:nvCxnSpPr>
-            <p:cNvPr id="45" name="Straight Arrow Connector 44">
-              <a:extLst>
-                <a:ext uri="{FF2B5EF4-FFF2-40B4-BE49-F238E27FC236}">
-                  <a16:creationId xmlns:a16="http://schemas.microsoft.com/office/drawing/2014/main" id="{16C7CD47-FDB1-64F0-C9F4-5C78AE4EABFC}"/>
-                </a:ext>
-              </a:extLst>
-            </p:cNvPr>
-            <p:cNvCxnSpPr>
-              <a:cxnSpLocks/>
-            </p:cNvCxnSpPr>
-            <p:nvPr/>
-          </p:nvCxnSpPr>
-          <p:spPr>
-            <a:xfrm>
-              <a:off x="5984769" y="3639478"/>
-              <a:ext cx="0" cy="345139"/>
-            </a:xfrm>
-            <a:prstGeom prst="straightConnector1">
-              <a:avLst/>
-            </a:prstGeom>
-            <a:ln w="19050">
-              <a:solidFill>
-                <a:schemeClr val="accent1">
-                  <a:lumMod val="75000"/>
-                </a:schemeClr>
-              </a:solidFill>
-              <a:tailEnd type="triangle"/>
-            </a:ln>
-          </p:spPr>
-          <p:style>
-            <a:lnRef idx="1">
-              <a:schemeClr val="accent1"/>
-            </a:lnRef>
-            <a:fillRef idx="0">
-              <a:schemeClr val="accent1"/>
-            </a:fillRef>
-            <a:effectRef idx="0">
-              <a:schemeClr val="accent1"/>
-            </a:effectRef>
-            <a:fontRef idx="minor">
-              <a:schemeClr val="tx1"/>
-            </a:fontRef>
-          </p:style>
-        </p:cxnSp>
-        <p:cxnSp>
-          <p:nvCxnSpPr>
-            <p:cNvPr id="46" name="Straight Arrow Connector 45">
-              <a:extLst>
-                <a:ext uri="{FF2B5EF4-FFF2-40B4-BE49-F238E27FC236}">
-                  <a16:creationId xmlns:a16="http://schemas.microsoft.com/office/drawing/2014/main" id="{BFEADE5E-20F6-8224-C3CC-2711AFE3EB81}"/>
-                </a:ext>
-              </a:extLst>
-            </p:cNvPr>
-            <p:cNvCxnSpPr>
-              <a:cxnSpLocks/>
-              <a:stCxn id="13" idx="2"/>
-              <a:endCxn id="15" idx="0"/>
-            </p:cNvCxnSpPr>
-            <p:nvPr/>
-          </p:nvCxnSpPr>
-          <p:spPr>
-            <a:xfrm>
-              <a:off x="5992267" y="4452509"/>
-              <a:ext cx="0" cy="345139"/>
-            </a:xfrm>
-            <a:prstGeom prst="straightConnector1">
-              <a:avLst/>
-            </a:prstGeom>
-            <a:ln w="19050">
-              <a:solidFill>
-                <a:schemeClr val="accent1">
-                  <a:lumMod val="75000"/>
-                </a:schemeClr>
-              </a:solidFill>
-              <a:tailEnd type="triangle"/>
-            </a:ln>
-          </p:spPr>
-          <p:style>
-            <a:lnRef idx="1">
-              <a:schemeClr val="accent1"/>
-            </a:lnRef>
-            <a:fillRef idx="0">
-              <a:schemeClr val="accent1"/>
-            </a:fillRef>
-            <a:effectRef idx="0">
-              <a:schemeClr val="accent1"/>
-            </a:effectRef>
-            <a:fontRef idx="minor">
-              <a:schemeClr val="tx1"/>
-            </a:fontRef>
-          </p:style>
-        </p:cxnSp>
-        <p:cxnSp>
-          <p:nvCxnSpPr>
-            <p:cNvPr id="49" name="Straight Arrow Connector 48">
-              <a:extLst>
-                <a:ext uri="{FF2B5EF4-FFF2-40B4-BE49-F238E27FC236}">
-                  <a16:creationId xmlns:a16="http://schemas.microsoft.com/office/drawing/2014/main" id="{D857E6B2-A8BD-3C4C-B446-8FA5189A9EAA}"/>
-                </a:ext>
-              </a:extLst>
-            </p:cNvPr>
-            <p:cNvCxnSpPr>
-              <a:cxnSpLocks/>
-              <a:stCxn id="15" idx="2"/>
-              <a:endCxn id="9" idx="0"/>
-            </p:cNvCxnSpPr>
-            <p:nvPr/>
-          </p:nvCxnSpPr>
-          <p:spPr>
-            <a:xfrm>
-              <a:off x="5992267" y="5269517"/>
-              <a:ext cx="0" cy="345140"/>
-            </a:xfrm>
-            <a:prstGeom prst="straightConnector1">
-              <a:avLst/>
-            </a:prstGeom>
-            <a:ln w="19050">
-              <a:solidFill>
-                <a:schemeClr val="accent1">
-                  <a:lumMod val="75000"/>
-                </a:schemeClr>
-              </a:solidFill>
-              <a:tailEnd type="triangle"/>
-            </a:ln>
-          </p:spPr>
-          <p:style>
-            <a:lnRef idx="1">
-              <a:schemeClr val="accent1"/>
-            </a:lnRef>
-            <a:fillRef idx="0">
-              <a:schemeClr val="accent1"/>
-            </a:fillRef>
-            <a:effectRef idx="0">
-              <a:schemeClr val="accent1"/>
-            </a:effectRef>
-            <a:fontRef idx="minor">
-              <a:schemeClr val="tx1"/>
-            </a:fontRef>
-          </p:style>
-        </p:cxnSp>
-      </p:grpSp>
+            <a:ext cx="2646382" cy="1848164"/>
+          </a:xfrm>
+          <a:prstGeom prst="rect">
+            <a:avLst/>
+          </a:prstGeom>
+          <a:solidFill>
+            <a:srgbClr val="DAE3F3">
+              <a:alpha val="50196"/>
+            </a:srgbClr>
+          </a:solidFill>
+          <a:ln>
+            <a:noFill/>
+          </a:ln>
+        </p:spPr>
+        <p:style>
+          <a:lnRef idx="2">
+            <a:schemeClr val="accent1">
+              <a:shade val="50000"/>
+            </a:schemeClr>
+          </a:lnRef>
+          <a:fillRef idx="1">
+            <a:schemeClr val="accent1"/>
+          </a:fillRef>
+          <a:effectRef idx="0">
+            <a:schemeClr val="accent1"/>
+          </a:effectRef>
+          <a:fontRef idx="minor">
+            <a:schemeClr val="lt1"/>
+          </a:fontRef>
+        </p:style>
+        <p:txBody>
+          <a:bodyPr vert="vert270" rtlCol="0" anchor="t"/>
+          <a:lstStyle/>
+          <a:p>
+            <a:pPr algn="ctr"/>
+            <a:r>
+              <a:rPr lang="es-ES" sz="1200" b="1" dirty="0">
+                <a:solidFill>
+                  <a:schemeClr val="tx1"/>
+                </a:solidFill>
+                <a:latin typeface="Arial" panose="020B0604020202020204" pitchFamily="34" charset="0"/>
+                <a:cs typeface="Arial" panose="020B0604020202020204" pitchFamily="34" charset="0"/>
+              </a:rPr>
+              <a:t>Inicialización</a:t>
+            </a:r>
+          </a:p>
+        </p:txBody>
+      </p:sp>
+      <p:sp>
+        <p:nvSpPr>
+          <p:cNvPr id="37" name="Rectangle 36">
+            <a:extLst>
+              <a:ext uri="{FF2B5EF4-FFF2-40B4-BE49-F238E27FC236}">
+                <a16:creationId xmlns:a16="http://schemas.microsoft.com/office/drawing/2014/main" id="{3C7E9BC0-9F28-B64C-8428-D5DD89A0FA22}"/>
+              </a:ext>
+            </a:extLst>
+          </p:cNvPr>
+          <p:cNvSpPr/>
+          <p:nvPr/>
+        </p:nvSpPr>
+        <p:spPr>
+          <a:xfrm>
+            <a:off x="1194098" y="2421008"/>
+            <a:ext cx="2646381" cy="4194946"/>
+          </a:xfrm>
+          <a:prstGeom prst="rect">
+            <a:avLst/>
+          </a:prstGeom>
+          <a:solidFill>
+            <a:srgbClr val="DAE3F3">
+              <a:alpha val="50196"/>
+            </a:srgbClr>
+          </a:solidFill>
+          <a:ln>
+            <a:noFill/>
+          </a:ln>
+        </p:spPr>
+        <p:style>
+          <a:lnRef idx="2">
+            <a:schemeClr val="accent1">
+              <a:shade val="50000"/>
+            </a:schemeClr>
+          </a:lnRef>
+          <a:fillRef idx="1">
+            <a:schemeClr val="accent1"/>
+          </a:fillRef>
+          <a:effectRef idx="0">
+            <a:schemeClr val="accent1"/>
+          </a:effectRef>
+          <a:fontRef idx="minor">
+            <a:schemeClr val="lt1"/>
+          </a:fontRef>
+        </p:style>
+        <p:txBody>
+          <a:bodyPr vert="vert270" rtlCol="0" anchor="t"/>
+          <a:lstStyle/>
+          <a:p>
+            <a:pPr algn="ctr"/>
+            <a:r>
+              <a:rPr lang="es-ES" sz="1200" b="1" dirty="0">
+                <a:solidFill>
+                  <a:schemeClr val="tx1"/>
+                </a:solidFill>
+                <a:latin typeface="Arial" panose="020B0604020202020204" pitchFamily="34" charset="0"/>
+                <a:cs typeface="Arial" panose="020B0604020202020204" pitchFamily="34" charset="0"/>
+              </a:rPr>
+              <a:t>Bucle principal</a:t>
+            </a:r>
+            <a:endParaRPr lang="es-ES" sz="1200" dirty="0"/>
+          </a:p>
+        </p:txBody>
+      </p:sp>
+      <p:sp>
+        <p:nvSpPr>
+          <p:cNvPr id="2" name="Rectangle 1">
+            <a:extLst>
+              <a:ext uri="{FF2B5EF4-FFF2-40B4-BE49-F238E27FC236}">
+                <a16:creationId xmlns:a16="http://schemas.microsoft.com/office/drawing/2014/main" id="{A49631B1-BAE4-47C3-C8A7-F625E342852D}"/>
+              </a:ext>
+            </a:extLst>
+          </p:cNvPr>
+          <p:cNvSpPr/>
+          <p:nvPr/>
+        </p:nvSpPr>
+        <p:spPr>
+          <a:xfrm>
+            <a:off x="1868915" y="572844"/>
+            <a:ext cx="1692000" cy="471869"/>
+          </a:xfrm>
+          <a:prstGeom prst="rect">
+            <a:avLst/>
+          </a:prstGeom>
+          <a:solidFill>
+            <a:schemeClr val="accent1">
+              <a:lumMod val="20000"/>
+              <a:lumOff val="80000"/>
+            </a:schemeClr>
+          </a:solidFill>
+          <a:ln w="19050">
+            <a:solidFill>
+              <a:schemeClr val="accent1">
+                <a:lumMod val="40000"/>
+                <a:lumOff val="60000"/>
+              </a:schemeClr>
+            </a:solidFill>
+          </a:ln>
+        </p:spPr>
+        <p:style>
+          <a:lnRef idx="2">
+            <a:schemeClr val="accent1">
+              <a:shade val="50000"/>
+            </a:schemeClr>
+          </a:lnRef>
+          <a:fillRef idx="1">
+            <a:schemeClr val="accent1"/>
+          </a:fillRef>
+          <a:effectRef idx="0">
+            <a:schemeClr val="accent1"/>
+          </a:effectRef>
+          <a:fontRef idx="minor">
+            <a:schemeClr val="lt1"/>
+          </a:fontRef>
+        </p:style>
+        <p:txBody>
+          <a:bodyPr rtlCol="0" anchor="ctr"/>
+          <a:lstStyle/>
+          <a:p>
+            <a:pPr algn="ctr"/>
+            <a:r>
+              <a:rPr lang="es-ES" sz="1200" b="1" dirty="0">
+                <a:solidFill>
+                  <a:schemeClr val="tx1">
+                    <a:lumMod val="95000"/>
+                    <a:lumOff val="5000"/>
+                  </a:schemeClr>
+                </a:solidFill>
+                <a:latin typeface="Arial" panose="020B0604020202020204" pitchFamily="34" charset="0"/>
+                <a:cs typeface="Arial" panose="020B0604020202020204" pitchFamily="34" charset="0"/>
+              </a:rPr>
+              <a:t>Instanciación variables globales</a:t>
+            </a:r>
+          </a:p>
+        </p:txBody>
+      </p:sp>
+      <p:sp>
+        <p:nvSpPr>
+          <p:cNvPr id="6" name="Rectangle 5">
+            <a:extLst>
+              <a:ext uri="{FF2B5EF4-FFF2-40B4-BE49-F238E27FC236}">
+                <a16:creationId xmlns:a16="http://schemas.microsoft.com/office/drawing/2014/main" id="{7F6C4207-9F03-2461-C8C9-8D238760BA25}"/>
+              </a:ext>
+            </a:extLst>
+          </p:cNvPr>
+          <p:cNvSpPr/>
+          <p:nvPr/>
+        </p:nvSpPr>
+        <p:spPr>
+          <a:xfrm>
+            <a:off x="1868915" y="1603786"/>
+            <a:ext cx="1692000" cy="471869"/>
+          </a:xfrm>
+          <a:prstGeom prst="rect">
+            <a:avLst/>
+          </a:prstGeom>
+          <a:solidFill>
+            <a:schemeClr val="accent1">
+              <a:lumMod val="20000"/>
+              <a:lumOff val="80000"/>
+            </a:schemeClr>
+          </a:solidFill>
+          <a:ln w="19050">
+            <a:solidFill>
+              <a:schemeClr val="accent1">
+                <a:lumMod val="75000"/>
+              </a:schemeClr>
+            </a:solidFill>
+          </a:ln>
+        </p:spPr>
+        <p:style>
+          <a:lnRef idx="2">
+            <a:schemeClr val="accent1">
+              <a:shade val="50000"/>
+            </a:schemeClr>
+          </a:lnRef>
+          <a:fillRef idx="1">
+            <a:schemeClr val="accent1"/>
+          </a:fillRef>
+          <a:effectRef idx="0">
+            <a:schemeClr val="accent1"/>
+          </a:effectRef>
+          <a:fontRef idx="minor">
+            <a:schemeClr val="lt1"/>
+          </a:fontRef>
+        </p:style>
+        <p:txBody>
+          <a:bodyPr rtlCol="0" anchor="ctr"/>
+          <a:lstStyle/>
+          <a:p>
+            <a:pPr algn="ctr"/>
+            <a:r>
+              <a:rPr lang="es-ES" sz="1200" b="1" dirty="0">
+                <a:solidFill>
+                  <a:schemeClr val="tx1">
+                    <a:lumMod val="95000"/>
+                    <a:lumOff val="5000"/>
+                  </a:schemeClr>
+                </a:solidFill>
+                <a:latin typeface="Arial" panose="020B0604020202020204" pitchFamily="34" charset="0"/>
+                <a:cs typeface="Arial" panose="020B0604020202020204" pitchFamily="34" charset="0"/>
+              </a:rPr>
+              <a:t>Inicialización software</a:t>
+            </a:r>
+          </a:p>
+        </p:txBody>
+      </p:sp>
+      <p:sp>
+        <p:nvSpPr>
+          <p:cNvPr id="7" name="Rectangle 6">
+            <a:extLst>
+              <a:ext uri="{FF2B5EF4-FFF2-40B4-BE49-F238E27FC236}">
+                <a16:creationId xmlns:a16="http://schemas.microsoft.com/office/drawing/2014/main" id="{BC8DF8D7-BDF9-1FE8-8FEF-1CD7109EDC37}"/>
+              </a:ext>
+            </a:extLst>
+          </p:cNvPr>
+          <p:cNvSpPr/>
+          <p:nvPr/>
+        </p:nvSpPr>
+        <p:spPr>
+          <a:xfrm>
+            <a:off x="1868915" y="2634728"/>
+            <a:ext cx="1692000" cy="471869"/>
+          </a:xfrm>
+          <a:prstGeom prst="rect">
+            <a:avLst/>
+          </a:prstGeom>
+          <a:solidFill>
+            <a:schemeClr val="accent1">
+              <a:lumMod val="20000"/>
+              <a:lumOff val="80000"/>
+            </a:schemeClr>
+          </a:solidFill>
+          <a:ln w="19050">
+            <a:solidFill>
+              <a:schemeClr val="accent1">
+                <a:lumMod val="40000"/>
+                <a:lumOff val="60000"/>
+              </a:schemeClr>
+            </a:solidFill>
+          </a:ln>
+        </p:spPr>
+        <p:style>
+          <a:lnRef idx="2">
+            <a:schemeClr val="accent1">
+              <a:shade val="50000"/>
+            </a:schemeClr>
+          </a:lnRef>
+          <a:fillRef idx="1">
+            <a:schemeClr val="accent1"/>
+          </a:fillRef>
+          <a:effectRef idx="0">
+            <a:schemeClr val="accent1"/>
+          </a:effectRef>
+          <a:fontRef idx="minor">
+            <a:schemeClr val="lt1"/>
+          </a:fontRef>
+        </p:style>
+        <p:txBody>
+          <a:bodyPr rtlCol="0" anchor="ctr"/>
+          <a:lstStyle/>
+          <a:p>
+            <a:pPr algn="ctr"/>
+            <a:r>
+              <a:rPr lang="es-ES" sz="1200" b="1" dirty="0">
+                <a:solidFill>
+                  <a:schemeClr val="tx1">
+                    <a:lumMod val="95000"/>
+                    <a:lumOff val="5000"/>
+                  </a:schemeClr>
+                </a:solidFill>
+                <a:latin typeface="Arial" panose="020B0604020202020204" pitchFamily="34" charset="0"/>
+                <a:cs typeface="Arial" panose="020B0604020202020204" pitchFamily="34" charset="0"/>
+              </a:rPr>
+              <a:t>Cálculo referencia</a:t>
+            </a:r>
+          </a:p>
+        </p:txBody>
+      </p:sp>
+      <p:sp>
+        <p:nvSpPr>
+          <p:cNvPr id="12" name="Rectangle 11">
+            <a:extLst>
+              <a:ext uri="{FF2B5EF4-FFF2-40B4-BE49-F238E27FC236}">
+                <a16:creationId xmlns:a16="http://schemas.microsoft.com/office/drawing/2014/main" id="{E1B48259-A780-B605-989D-0A0D72D45AEC}"/>
+              </a:ext>
+            </a:extLst>
+          </p:cNvPr>
+          <p:cNvSpPr/>
+          <p:nvPr/>
+        </p:nvSpPr>
+        <p:spPr>
+          <a:xfrm>
+            <a:off x="1868915" y="3665670"/>
+            <a:ext cx="1692000" cy="471869"/>
+          </a:xfrm>
+          <a:prstGeom prst="rect">
+            <a:avLst/>
+          </a:prstGeom>
+          <a:solidFill>
+            <a:schemeClr val="accent1">
+              <a:lumMod val="20000"/>
+              <a:lumOff val="80000"/>
+            </a:schemeClr>
+          </a:solidFill>
+          <a:ln w="19050">
+            <a:solidFill>
+              <a:schemeClr val="accent1">
+                <a:lumMod val="40000"/>
+                <a:lumOff val="60000"/>
+              </a:schemeClr>
+            </a:solidFill>
+          </a:ln>
+        </p:spPr>
+        <p:style>
+          <a:lnRef idx="2">
+            <a:schemeClr val="accent1">
+              <a:shade val="50000"/>
+            </a:schemeClr>
+          </a:lnRef>
+          <a:fillRef idx="1">
+            <a:schemeClr val="accent1"/>
+          </a:fillRef>
+          <a:effectRef idx="0">
+            <a:schemeClr val="accent1"/>
+          </a:effectRef>
+          <a:fontRef idx="minor">
+            <a:schemeClr val="lt1"/>
+          </a:fontRef>
+        </p:style>
+        <p:txBody>
+          <a:bodyPr rtlCol="0" anchor="ctr"/>
+          <a:lstStyle/>
+          <a:p>
+            <a:pPr algn="ctr"/>
+            <a:r>
+              <a:rPr lang="es-ES" sz="1200" b="1" dirty="0">
+                <a:solidFill>
+                  <a:schemeClr val="tx1">
+                    <a:lumMod val="95000"/>
+                    <a:lumOff val="5000"/>
+                  </a:schemeClr>
+                </a:solidFill>
+                <a:latin typeface="Arial" panose="020B0604020202020204" pitchFamily="34" charset="0"/>
+                <a:cs typeface="Arial" panose="020B0604020202020204" pitchFamily="34" charset="0"/>
+              </a:rPr>
+              <a:t>Lectura y procesado sensores</a:t>
+            </a:r>
+          </a:p>
+        </p:txBody>
+      </p:sp>
+      <p:sp>
+        <p:nvSpPr>
+          <p:cNvPr id="14" name="Rectangle 13">
+            <a:extLst>
+              <a:ext uri="{FF2B5EF4-FFF2-40B4-BE49-F238E27FC236}">
+                <a16:creationId xmlns:a16="http://schemas.microsoft.com/office/drawing/2014/main" id="{FEEC76FE-A7CD-9CED-12C6-E7DD5F647296}"/>
+              </a:ext>
+            </a:extLst>
+          </p:cNvPr>
+          <p:cNvSpPr/>
+          <p:nvPr/>
+        </p:nvSpPr>
+        <p:spPr>
+          <a:xfrm>
+            <a:off x="1868915" y="4696612"/>
+            <a:ext cx="1692000" cy="471869"/>
+          </a:xfrm>
+          <a:prstGeom prst="rect">
+            <a:avLst/>
+          </a:prstGeom>
+          <a:solidFill>
+            <a:schemeClr val="accent1">
+              <a:lumMod val="20000"/>
+              <a:lumOff val="80000"/>
+            </a:schemeClr>
+          </a:solidFill>
+          <a:ln w="19050">
+            <a:solidFill>
+              <a:schemeClr val="accent1">
+                <a:lumMod val="40000"/>
+                <a:lumOff val="60000"/>
+              </a:schemeClr>
+            </a:solidFill>
+          </a:ln>
+        </p:spPr>
+        <p:style>
+          <a:lnRef idx="2">
+            <a:schemeClr val="accent1">
+              <a:shade val="50000"/>
+            </a:schemeClr>
+          </a:lnRef>
+          <a:fillRef idx="1">
+            <a:schemeClr val="accent1"/>
+          </a:fillRef>
+          <a:effectRef idx="0">
+            <a:schemeClr val="accent1"/>
+          </a:effectRef>
+          <a:fontRef idx="minor">
+            <a:schemeClr val="lt1"/>
+          </a:fontRef>
+        </p:style>
+        <p:txBody>
+          <a:bodyPr rtlCol="0" anchor="ctr"/>
+          <a:lstStyle/>
+          <a:p>
+            <a:pPr algn="ctr"/>
+            <a:r>
+              <a:rPr lang="es-ES" sz="1200" b="1" dirty="0">
+                <a:solidFill>
+                  <a:schemeClr val="tx1">
+                    <a:lumMod val="95000"/>
+                    <a:lumOff val="5000"/>
+                  </a:schemeClr>
+                </a:solidFill>
+                <a:latin typeface="Arial" panose="020B0604020202020204" pitchFamily="34" charset="0"/>
+                <a:cs typeface="Arial" panose="020B0604020202020204" pitchFamily="34" charset="0"/>
+              </a:rPr>
+              <a:t>Controladores</a:t>
+            </a:r>
+          </a:p>
+        </p:txBody>
+      </p:sp>
+      <p:sp>
+        <p:nvSpPr>
+          <p:cNvPr id="16" name="Rectangle 15">
+            <a:extLst>
+              <a:ext uri="{FF2B5EF4-FFF2-40B4-BE49-F238E27FC236}">
+                <a16:creationId xmlns:a16="http://schemas.microsoft.com/office/drawing/2014/main" id="{C03E425E-9B99-2126-3A6A-EC7BCA129CA3}"/>
+              </a:ext>
+            </a:extLst>
+          </p:cNvPr>
+          <p:cNvSpPr/>
+          <p:nvPr/>
+        </p:nvSpPr>
+        <p:spPr>
+          <a:xfrm>
+            <a:off x="1868915" y="5727554"/>
+            <a:ext cx="1692000" cy="471869"/>
+          </a:xfrm>
+          <a:prstGeom prst="rect">
+            <a:avLst/>
+          </a:prstGeom>
+          <a:solidFill>
+            <a:schemeClr val="accent1">
+              <a:lumMod val="20000"/>
+              <a:lumOff val="80000"/>
+            </a:schemeClr>
+          </a:solidFill>
+          <a:ln w="19050">
+            <a:solidFill>
+              <a:schemeClr val="accent1">
+                <a:lumMod val="40000"/>
+                <a:lumOff val="60000"/>
+              </a:schemeClr>
+            </a:solidFill>
+          </a:ln>
+        </p:spPr>
+        <p:style>
+          <a:lnRef idx="2">
+            <a:schemeClr val="accent1">
+              <a:shade val="50000"/>
+            </a:schemeClr>
+          </a:lnRef>
+          <a:fillRef idx="1">
+            <a:schemeClr val="accent1"/>
+          </a:fillRef>
+          <a:effectRef idx="0">
+            <a:schemeClr val="accent1"/>
+          </a:effectRef>
+          <a:fontRef idx="minor">
+            <a:schemeClr val="lt1"/>
+          </a:fontRef>
+        </p:style>
+        <p:txBody>
+          <a:bodyPr rtlCol="0" anchor="ctr"/>
+          <a:lstStyle/>
+          <a:p>
+            <a:pPr algn="ctr"/>
+            <a:r>
+              <a:rPr lang="es-ES" sz="1200" b="1" dirty="0">
+                <a:solidFill>
+                  <a:schemeClr val="tx1">
+                    <a:lumMod val="95000"/>
+                    <a:lumOff val="5000"/>
+                  </a:schemeClr>
+                </a:solidFill>
+                <a:latin typeface="Arial" panose="020B0604020202020204" pitchFamily="34" charset="0"/>
+                <a:cs typeface="Arial" panose="020B0604020202020204" pitchFamily="34" charset="0"/>
+              </a:rPr>
+              <a:t>Actuadores</a:t>
+            </a:r>
+          </a:p>
+        </p:txBody>
+      </p:sp>
+      <p:cxnSp>
+        <p:nvCxnSpPr>
+          <p:cNvPr id="20" name="Straight Arrow Connector 19">
+            <a:extLst>
+              <a:ext uri="{FF2B5EF4-FFF2-40B4-BE49-F238E27FC236}">
+                <a16:creationId xmlns:a16="http://schemas.microsoft.com/office/drawing/2014/main" id="{B1CD1A88-FFE4-0B96-895B-8BF0AADA9F86}"/>
+              </a:ext>
+            </a:extLst>
+          </p:cNvPr>
+          <p:cNvCxnSpPr>
+            <a:cxnSpLocks/>
+            <a:stCxn id="2" idx="2"/>
+            <a:endCxn id="6" idx="0"/>
+          </p:cNvCxnSpPr>
+          <p:nvPr/>
+        </p:nvCxnSpPr>
+        <p:spPr>
+          <a:xfrm>
+            <a:off x="2714915" y="1044713"/>
+            <a:ext cx="0" cy="559073"/>
+          </a:xfrm>
+          <a:prstGeom prst="straightConnector1">
+            <a:avLst/>
+          </a:prstGeom>
+          <a:ln w="19050">
+            <a:solidFill>
+              <a:schemeClr val="accent1">
+                <a:lumMod val="40000"/>
+                <a:lumOff val="60000"/>
+              </a:schemeClr>
+            </a:solidFill>
+            <a:tailEnd type="triangle"/>
+          </a:ln>
+        </p:spPr>
+        <p:style>
+          <a:lnRef idx="1">
+            <a:schemeClr val="accent1"/>
+          </a:lnRef>
+          <a:fillRef idx="0">
+            <a:schemeClr val="accent1"/>
+          </a:fillRef>
+          <a:effectRef idx="0">
+            <a:schemeClr val="accent1"/>
+          </a:effectRef>
+          <a:fontRef idx="minor">
+            <a:schemeClr val="tx1"/>
+          </a:fontRef>
+        </p:style>
+      </p:cxnSp>
+      <p:cxnSp>
+        <p:nvCxnSpPr>
+          <p:cNvPr id="22" name="Straight Arrow Connector 21">
+            <a:extLst>
+              <a:ext uri="{FF2B5EF4-FFF2-40B4-BE49-F238E27FC236}">
+                <a16:creationId xmlns:a16="http://schemas.microsoft.com/office/drawing/2014/main" id="{D2900C8F-F247-832A-EF9E-58D6265E32AD}"/>
+              </a:ext>
+            </a:extLst>
+          </p:cNvPr>
+          <p:cNvCxnSpPr>
+            <a:cxnSpLocks/>
+            <a:stCxn id="6" idx="2"/>
+            <a:endCxn id="7" idx="0"/>
+          </p:cNvCxnSpPr>
+          <p:nvPr/>
+        </p:nvCxnSpPr>
+        <p:spPr>
+          <a:xfrm>
+            <a:off x="2714915" y="2075655"/>
+            <a:ext cx="0" cy="559073"/>
+          </a:xfrm>
+          <a:prstGeom prst="straightConnector1">
+            <a:avLst/>
+          </a:prstGeom>
+          <a:ln w="19050">
+            <a:solidFill>
+              <a:schemeClr val="accent1">
+                <a:lumMod val="40000"/>
+                <a:lumOff val="60000"/>
+              </a:schemeClr>
+            </a:solidFill>
+            <a:tailEnd type="triangle"/>
+          </a:ln>
+        </p:spPr>
+        <p:style>
+          <a:lnRef idx="1">
+            <a:schemeClr val="accent1"/>
+          </a:lnRef>
+          <a:fillRef idx="0">
+            <a:schemeClr val="accent1"/>
+          </a:fillRef>
+          <a:effectRef idx="0">
+            <a:schemeClr val="accent1"/>
+          </a:effectRef>
+          <a:fontRef idx="minor">
+            <a:schemeClr val="tx1"/>
+          </a:fontRef>
+        </p:style>
+      </p:cxnSp>
+      <p:cxnSp>
+        <p:nvCxnSpPr>
+          <p:cNvPr id="27" name="Straight Arrow Connector 26">
+            <a:extLst>
+              <a:ext uri="{FF2B5EF4-FFF2-40B4-BE49-F238E27FC236}">
+                <a16:creationId xmlns:a16="http://schemas.microsoft.com/office/drawing/2014/main" id="{2C865300-57D4-ABB8-1D00-21A288F9E1F8}"/>
+              </a:ext>
+            </a:extLst>
+          </p:cNvPr>
+          <p:cNvCxnSpPr>
+            <a:stCxn id="7" idx="2"/>
+            <a:endCxn id="12" idx="0"/>
+          </p:cNvCxnSpPr>
+          <p:nvPr/>
+        </p:nvCxnSpPr>
+        <p:spPr>
+          <a:xfrm>
+            <a:off x="2714915" y="3106597"/>
+            <a:ext cx="0" cy="559073"/>
+          </a:xfrm>
+          <a:prstGeom prst="straightConnector1">
+            <a:avLst/>
+          </a:prstGeom>
+          <a:ln w="19050">
+            <a:solidFill>
+              <a:schemeClr val="accent1">
+                <a:lumMod val="40000"/>
+                <a:lumOff val="60000"/>
+              </a:schemeClr>
+            </a:solidFill>
+            <a:tailEnd type="triangle"/>
+          </a:ln>
+        </p:spPr>
+        <p:style>
+          <a:lnRef idx="1">
+            <a:schemeClr val="accent1"/>
+          </a:lnRef>
+          <a:fillRef idx="0">
+            <a:schemeClr val="accent1"/>
+          </a:fillRef>
+          <a:effectRef idx="0">
+            <a:schemeClr val="accent1"/>
+          </a:effectRef>
+          <a:fontRef idx="minor">
+            <a:schemeClr val="tx1"/>
+          </a:fontRef>
+        </p:style>
+      </p:cxnSp>
+      <p:cxnSp>
+        <p:nvCxnSpPr>
+          <p:cNvPr id="29" name="Straight Arrow Connector 28">
+            <a:extLst>
+              <a:ext uri="{FF2B5EF4-FFF2-40B4-BE49-F238E27FC236}">
+                <a16:creationId xmlns:a16="http://schemas.microsoft.com/office/drawing/2014/main" id="{4AFF575C-762E-AB1B-3B09-1670F39D7536}"/>
+              </a:ext>
+            </a:extLst>
+          </p:cNvPr>
+          <p:cNvCxnSpPr>
+            <a:stCxn id="12" idx="2"/>
+            <a:endCxn id="14" idx="0"/>
+          </p:cNvCxnSpPr>
+          <p:nvPr/>
+        </p:nvCxnSpPr>
+        <p:spPr>
+          <a:xfrm>
+            <a:off x="2714915" y="4137539"/>
+            <a:ext cx="0" cy="559073"/>
+          </a:xfrm>
+          <a:prstGeom prst="straightConnector1">
+            <a:avLst/>
+          </a:prstGeom>
+          <a:ln w="19050">
+            <a:solidFill>
+              <a:schemeClr val="accent1">
+                <a:lumMod val="40000"/>
+                <a:lumOff val="60000"/>
+              </a:schemeClr>
+            </a:solidFill>
+            <a:tailEnd type="triangle"/>
+          </a:ln>
+        </p:spPr>
+        <p:style>
+          <a:lnRef idx="1">
+            <a:schemeClr val="accent1"/>
+          </a:lnRef>
+          <a:fillRef idx="0">
+            <a:schemeClr val="accent1"/>
+          </a:fillRef>
+          <a:effectRef idx="0">
+            <a:schemeClr val="accent1"/>
+          </a:effectRef>
+          <a:fontRef idx="minor">
+            <a:schemeClr val="tx1"/>
+          </a:fontRef>
+        </p:style>
+      </p:cxnSp>
+      <p:cxnSp>
+        <p:nvCxnSpPr>
+          <p:cNvPr id="31" name="Straight Arrow Connector 30">
+            <a:extLst>
+              <a:ext uri="{FF2B5EF4-FFF2-40B4-BE49-F238E27FC236}">
+                <a16:creationId xmlns:a16="http://schemas.microsoft.com/office/drawing/2014/main" id="{E23DD49B-5838-F011-DD44-9FA9AEC054D0}"/>
+              </a:ext>
+            </a:extLst>
+          </p:cNvPr>
+          <p:cNvCxnSpPr>
+            <a:stCxn id="14" idx="2"/>
+            <a:endCxn id="16" idx="0"/>
+          </p:cNvCxnSpPr>
+          <p:nvPr/>
+        </p:nvCxnSpPr>
+        <p:spPr>
+          <a:xfrm>
+            <a:off x="2714915" y="5168481"/>
+            <a:ext cx="0" cy="559073"/>
+          </a:xfrm>
+          <a:prstGeom prst="straightConnector1">
+            <a:avLst/>
+          </a:prstGeom>
+          <a:ln w="19050">
+            <a:solidFill>
+              <a:schemeClr val="accent1">
+                <a:lumMod val="40000"/>
+                <a:lumOff val="60000"/>
+              </a:schemeClr>
+            </a:solidFill>
+            <a:tailEnd type="triangle"/>
+          </a:ln>
+        </p:spPr>
+        <p:style>
+          <a:lnRef idx="1">
+            <a:schemeClr val="accent1"/>
+          </a:lnRef>
+          <a:fillRef idx="0">
+            <a:schemeClr val="accent1"/>
+          </a:fillRef>
+          <a:effectRef idx="0">
+            <a:schemeClr val="accent1"/>
+          </a:effectRef>
+          <a:fontRef idx="minor">
+            <a:schemeClr val="tx1"/>
+          </a:fontRef>
+        </p:style>
+      </p:cxnSp>
+      <p:cxnSp>
+        <p:nvCxnSpPr>
+          <p:cNvPr id="33" name="Connector: Elbow 32">
+            <a:extLst>
+              <a:ext uri="{FF2B5EF4-FFF2-40B4-BE49-F238E27FC236}">
+                <a16:creationId xmlns:a16="http://schemas.microsoft.com/office/drawing/2014/main" id="{5A7A81C5-D74C-09D2-EE3D-D76C0BE39DE0}"/>
+              </a:ext>
+            </a:extLst>
+          </p:cNvPr>
+          <p:cNvCxnSpPr>
+            <a:cxnSpLocks/>
+            <a:stCxn id="16" idx="2"/>
+            <a:endCxn id="7" idx="1"/>
+          </p:cNvCxnSpPr>
+          <p:nvPr/>
+        </p:nvCxnSpPr>
+        <p:spPr>
+          <a:xfrm rot="5400000" flipH="1">
+            <a:off x="627535" y="4112043"/>
+            <a:ext cx="3328760" cy="846000"/>
+          </a:xfrm>
+          <a:prstGeom prst="bentConnector4">
+            <a:avLst>
+              <a:gd name="adj1" fmla="val -6867"/>
+              <a:gd name="adj2" fmla="val 123206"/>
+            </a:avLst>
+          </a:prstGeom>
+          <a:ln w="19050">
+            <a:solidFill>
+              <a:schemeClr val="accent1">
+                <a:lumMod val="40000"/>
+                <a:lumOff val="60000"/>
+              </a:schemeClr>
+            </a:solidFill>
+            <a:tailEnd type="triangle"/>
+          </a:ln>
+        </p:spPr>
+        <p:style>
+          <a:lnRef idx="1">
+            <a:schemeClr val="accent1"/>
+          </a:lnRef>
+          <a:fillRef idx="0">
+            <a:schemeClr val="accent1"/>
+          </a:fillRef>
+          <a:effectRef idx="0">
+            <a:schemeClr val="accent1"/>
+          </a:effectRef>
+          <a:fontRef idx="minor">
+            <a:schemeClr val="tx1"/>
+          </a:fontRef>
+        </p:style>
+      </p:cxnSp>
+      <p:sp>
+        <p:nvSpPr>
+          <p:cNvPr id="5" name="Rectangle 4">
+            <a:extLst>
+              <a:ext uri="{FF2B5EF4-FFF2-40B4-BE49-F238E27FC236}">
+                <a16:creationId xmlns:a16="http://schemas.microsoft.com/office/drawing/2014/main" id="{CB56E09D-7BC3-9438-7D27-BE7F0454AA03}"/>
+              </a:ext>
+            </a:extLst>
+          </p:cNvPr>
+          <p:cNvSpPr/>
+          <p:nvPr/>
+        </p:nvSpPr>
+        <p:spPr>
+          <a:xfrm>
+            <a:off x="5223436" y="712608"/>
+            <a:ext cx="2268000" cy="471869"/>
+          </a:xfrm>
+          <a:prstGeom prst="rect">
+            <a:avLst/>
+          </a:prstGeom>
+          <a:solidFill>
+            <a:schemeClr val="accent1">
+              <a:lumMod val="20000"/>
+              <a:lumOff val="80000"/>
+            </a:schemeClr>
+          </a:solidFill>
+          <a:ln w="19050">
+            <a:solidFill>
+              <a:schemeClr val="accent1">
+                <a:lumMod val="75000"/>
+              </a:schemeClr>
+            </a:solidFill>
+          </a:ln>
+        </p:spPr>
+        <p:style>
+          <a:lnRef idx="2">
+            <a:schemeClr val="accent1">
+              <a:shade val="50000"/>
+            </a:schemeClr>
+          </a:lnRef>
+          <a:fillRef idx="1">
+            <a:schemeClr val="accent1"/>
+          </a:fillRef>
+          <a:effectRef idx="0">
+            <a:schemeClr val="accent1"/>
+          </a:effectRef>
+          <a:fontRef idx="minor">
+            <a:schemeClr val="lt1"/>
+          </a:fontRef>
+        </p:style>
+        <p:txBody>
+          <a:bodyPr rtlCol="0" anchor="ctr"/>
+          <a:lstStyle/>
+          <a:p>
+            <a:pPr algn="ctr"/>
+            <a:r>
+              <a:rPr lang="es-ES" sz="1100" b="1" dirty="0" err="1">
+                <a:solidFill>
+                  <a:schemeClr val="tx1">
+                    <a:lumMod val="95000"/>
+                    <a:lumOff val="5000"/>
+                  </a:schemeClr>
+                </a:solidFill>
+                <a:latin typeface="Courier New" panose="02070309020205020404" pitchFamily="49" charset="0"/>
+                <a:cs typeface="Courier New" panose="02070309020205020404" pitchFamily="49" charset="0"/>
+              </a:rPr>
+              <a:t>init_flash</a:t>
+            </a:r>
+            <a:r>
+              <a:rPr lang="es-ES" sz="1100" b="1" dirty="0">
+                <a:solidFill>
+                  <a:schemeClr val="tx1">
+                    <a:lumMod val="95000"/>
+                    <a:lumOff val="5000"/>
+                  </a:schemeClr>
+                </a:solidFill>
+                <a:latin typeface="Courier New" panose="02070309020205020404" pitchFamily="49" charset="0"/>
+                <a:cs typeface="Courier New" panose="02070309020205020404" pitchFamily="49" charset="0"/>
+              </a:rPr>
+              <a:t>()</a:t>
+            </a:r>
+          </a:p>
+        </p:txBody>
+      </p:sp>
+      <p:sp>
+        <p:nvSpPr>
+          <p:cNvPr id="9" name="Rectangle 8">
+            <a:extLst>
+              <a:ext uri="{FF2B5EF4-FFF2-40B4-BE49-F238E27FC236}">
+                <a16:creationId xmlns:a16="http://schemas.microsoft.com/office/drawing/2014/main" id="{92F44737-92BE-E265-D4BD-969607F460F7}"/>
+              </a:ext>
+            </a:extLst>
+          </p:cNvPr>
+          <p:cNvSpPr/>
+          <p:nvPr/>
+        </p:nvSpPr>
+        <p:spPr>
+          <a:xfrm>
+            <a:off x="5230934" y="5614657"/>
+            <a:ext cx="2268000" cy="471869"/>
+          </a:xfrm>
+          <a:prstGeom prst="rect">
+            <a:avLst/>
+          </a:prstGeom>
+          <a:solidFill>
+            <a:schemeClr val="accent1">
+              <a:lumMod val="20000"/>
+              <a:lumOff val="80000"/>
+            </a:schemeClr>
+          </a:solidFill>
+          <a:ln w="19050">
+            <a:solidFill>
+              <a:schemeClr val="accent1">
+                <a:lumMod val="75000"/>
+              </a:schemeClr>
+            </a:solidFill>
+          </a:ln>
+        </p:spPr>
+        <p:style>
+          <a:lnRef idx="2">
+            <a:schemeClr val="accent1">
+              <a:shade val="50000"/>
+            </a:schemeClr>
+          </a:lnRef>
+          <a:fillRef idx="1">
+            <a:schemeClr val="accent1"/>
+          </a:fillRef>
+          <a:effectRef idx="0">
+            <a:schemeClr val="accent1"/>
+          </a:effectRef>
+          <a:fontRef idx="minor">
+            <a:schemeClr val="lt1"/>
+          </a:fontRef>
+        </p:style>
+        <p:txBody>
+          <a:bodyPr rtlCol="0" anchor="ctr"/>
+          <a:lstStyle/>
+          <a:p>
+            <a:pPr algn="ctr"/>
+            <a:r>
+              <a:rPr lang="es-ES" sz="1100" b="1" dirty="0" err="1">
+                <a:solidFill>
+                  <a:schemeClr val="tx1">
+                    <a:lumMod val="95000"/>
+                    <a:lumOff val="5000"/>
+                  </a:schemeClr>
+                </a:solidFill>
+                <a:latin typeface="Courier New" panose="02070309020205020404" pitchFamily="49" charset="0"/>
+                <a:cs typeface="Courier New" panose="02070309020205020404" pitchFamily="49" charset="0"/>
+              </a:rPr>
+              <a:t>init_barometer</a:t>
+            </a:r>
+            <a:r>
+              <a:rPr lang="es-ES" sz="1100" b="1" dirty="0">
+                <a:solidFill>
+                  <a:schemeClr val="tx1">
+                    <a:lumMod val="95000"/>
+                    <a:lumOff val="5000"/>
+                  </a:schemeClr>
+                </a:solidFill>
+                <a:latin typeface="Courier New" panose="02070309020205020404" pitchFamily="49" charset="0"/>
+                <a:cs typeface="Courier New" panose="02070309020205020404" pitchFamily="49" charset="0"/>
+              </a:rPr>
+              <a:t>()</a:t>
+            </a:r>
+          </a:p>
+        </p:txBody>
+      </p:sp>
+      <p:sp>
+        <p:nvSpPr>
+          <p:cNvPr id="19" name="Left Brace 18">
+            <a:extLst>
+              <a:ext uri="{FF2B5EF4-FFF2-40B4-BE49-F238E27FC236}">
+                <a16:creationId xmlns:a16="http://schemas.microsoft.com/office/drawing/2014/main" id="{4512B7F7-A894-A9EA-778D-943552C7C70A}"/>
+              </a:ext>
+            </a:extLst>
+          </p:cNvPr>
+          <p:cNvSpPr/>
+          <p:nvPr/>
+        </p:nvSpPr>
+        <p:spPr>
+          <a:xfrm>
+            <a:off x="4522331" y="572844"/>
+            <a:ext cx="623936" cy="5626579"/>
+          </a:xfrm>
+          <a:prstGeom prst="leftBrace">
+            <a:avLst/>
+          </a:prstGeom>
+          <a:ln w="19050">
+            <a:solidFill>
+              <a:schemeClr val="accent1">
+                <a:lumMod val="75000"/>
+              </a:schemeClr>
+            </a:solidFill>
+          </a:ln>
+        </p:spPr>
+        <p:style>
+          <a:lnRef idx="1">
+            <a:schemeClr val="accent1"/>
+          </a:lnRef>
+          <a:fillRef idx="0">
+            <a:schemeClr val="accent1"/>
+          </a:fillRef>
+          <a:effectRef idx="0">
+            <a:schemeClr val="accent1"/>
+          </a:effectRef>
+          <a:fontRef idx="minor">
+            <a:schemeClr val="tx1"/>
+          </a:fontRef>
+        </p:style>
+        <p:txBody>
+          <a:bodyPr rtlCol="0" anchor="ctr"/>
+          <a:lstStyle/>
+          <a:p>
+            <a:pPr algn="ctr"/>
+            <a:endParaRPr lang="es-ES"/>
+          </a:p>
+        </p:txBody>
+      </p:sp>
+      <p:cxnSp>
+        <p:nvCxnSpPr>
+          <p:cNvPr id="23" name="Connector: Elbow 22">
+            <a:extLst>
+              <a:ext uri="{FF2B5EF4-FFF2-40B4-BE49-F238E27FC236}">
+                <a16:creationId xmlns:a16="http://schemas.microsoft.com/office/drawing/2014/main" id="{01A2E98F-C557-F6B6-6F66-2ABBAA7BEEBA}"/>
+              </a:ext>
+            </a:extLst>
+          </p:cNvPr>
+          <p:cNvCxnSpPr>
+            <a:cxnSpLocks/>
+            <a:stCxn id="6" idx="3"/>
+            <a:endCxn id="19" idx="1"/>
+          </p:cNvCxnSpPr>
+          <p:nvPr/>
+        </p:nvCxnSpPr>
+        <p:spPr>
+          <a:xfrm>
+            <a:off x="3560915" y="1839721"/>
+            <a:ext cx="961416" cy="1546413"/>
+          </a:xfrm>
+          <a:prstGeom prst="bentConnector3">
+            <a:avLst/>
+          </a:prstGeom>
+          <a:ln w="19050">
+            <a:solidFill>
+              <a:schemeClr val="accent1">
+                <a:lumMod val="75000"/>
+              </a:schemeClr>
+            </a:solidFill>
+            <a:tailEnd type="triangle"/>
+          </a:ln>
+        </p:spPr>
+        <p:style>
+          <a:lnRef idx="1">
+            <a:schemeClr val="accent1"/>
+          </a:lnRef>
+          <a:fillRef idx="0">
+            <a:schemeClr val="accent1"/>
+          </a:fillRef>
+          <a:effectRef idx="0">
+            <a:schemeClr val="accent1"/>
+          </a:effectRef>
+          <a:fontRef idx="minor">
+            <a:schemeClr val="tx1"/>
+          </a:fontRef>
+        </p:style>
+      </p:cxnSp>
+      <p:sp>
+        <p:nvSpPr>
+          <p:cNvPr id="8" name="Rectangle 7">
+            <a:extLst>
+              <a:ext uri="{FF2B5EF4-FFF2-40B4-BE49-F238E27FC236}">
+                <a16:creationId xmlns:a16="http://schemas.microsoft.com/office/drawing/2014/main" id="{D4686CBA-5238-6488-F34A-565C8790B632}"/>
+              </a:ext>
+            </a:extLst>
+          </p:cNvPr>
+          <p:cNvSpPr/>
+          <p:nvPr/>
+        </p:nvSpPr>
+        <p:spPr>
+          <a:xfrm>
+            <a:off x="5223436" y="1529616"/>
+            <a:ext cx="2268000" cy="471869"/>
+          </a:xfrm>
+          <a:prstGeom prst="rect">
+            <a:avLst/>
+          </a:prstGeom>
+          <a:solidFill>
+            <a:schemeClr val="accent1">
+              <a:lumMod val="20000"/>
+              <a:lumOff val="80000"/>
+            </a:schemeClr>
+          </a:solidFill>
+          <a:ln w="19050">
+            <a:solidFill>
+              <a:schemeClr val="accent1">
+                <a:lumMod val="75000"/>
+              </a:schemeClr>
+            </a:solidFill>
+          </a:ln>
+        </p:spPr>
+        <p:style>
+          <a:lnRef idx="2">
+            <a:schemeClr val="accent1">
+              <a:shade val="50000"/>
+            </a:schemeClr>
+          </a:lnRef>
+          <a:fillRef idx="1">
+            <a:schemeClr val="accent1"/>
+          </a:fillRef>
+          <a:effectRef idx="0">
+            <a:schemeClr val="accent1"/>
+          </a:effectRef>
+          <a:fontRef idx="minor">
+            <a:schemeClr val="lt1"/>
+          </a:fontRef>
+        </p:style>
+        <p:txBody>
+          <a:bodyPr rtlCol="0" anchor="ctr"/>
+          <a:lstStyle/>
+          <a:p>
+            <a:pPr algn="ctr"/>
+            <a:r>
+              <a:rPr lang="es-ES" sz="1100" b="1" dirty="0" err="1">
+                <a:solidFill>
+                  <a:schemeClr val="tx1">
+                    <a:lumMod val="95000"/>
+                    <a:lumOff val="5000"/>
+                  </a:schemeClr>
+                </a:solidFill>
+                <a:latin typeface="Courier New" panose="02070309020205020404" pitchFamily="49" charset="0"/>
+                <a:cs typeface="Courier New" panose="02070309020205020404" pitchFamily="49" charset="0"/>
+              </a:rPr>
+              <a:t>init_led</a:t>
+            </a:r>
+            <a:r>
+              <a:rPr lang="es-ES" sz="1100" b="1" dirty="0">
+                <a:solidFill>
+                  <a:schemeClr val="tx1">
+                    <a:lumMod val="95000"/>
+                    <a:lumOff val="5000"/>
+                  </a:schemeClr>
+                </a:solidFill>
+                <a:latin typeface="Courier New" panose="02070309020205020404" pitchFamily="49" charset="0"/>
+                <a:cs typeface="Courier New" panose="02070309020205020404" pitchFamily="49" charset="0"/>
+              </a:rPr>
+              <a:t>()</a:t>
+            </a:r>
+          </a:p>
+        </p:txBody>
+      </p:sp>
+      <p:sp>
+        <p:nvSpPr>
+          <p:cNvPr id="10" name="Rectangle 9">
+            <a:extLst>
+              <a:ext uri="{FF2B5EF4-FFF2-40B4-BE49-F238E27FC236}">
+                <a16:creationId xmlns:a16="http://schemas.microsoft.com/office/drawing/2014/main" id="{B7576E84-9D37-69DD-2120-97F6C73E8D9D}"/>
+              </a:ext>
+            </a:extLst>
+          </p:cNvPr>
+          <p:cNvSpPr/>
+          <p:nvPr/>
+        </p:nvSpPr>
+        <p:spPr>
+          <a:xfrm>
+            <a:off x="5223436" y="2346624"/>
+            <a:ext cx="2268000" cy="471869"/>
+          </a:xfrm>
+          <a:prstGeom prst="rect">
+            <a:avLst/>
+          </a:prstGeom>
+          <a:solidFill>
+            <a:schemeClr val="accent1">
+              <a:lumMod val="20000"/>
+              <a:lumOff val="80000"/>
+            </a:schemeClr>
+          </a:solidFill>
+          <a:ln w="19050">
+            <a:solidFill>
+              <a:schemeClr val="accent1">
+                <a:lumMod val="75000"/>
+              </a:schemeClr>
+            </a:solidFill>
+          </a:ln>
+        </p:spPr>
+        <p:style>
+          <a:lnRef idx="2">
+            <a:schemeClr val="accent1">
+              <a:shade val="50000"/>
+            </a:schemeClr>
+          </a:lnRef>
+          <a:fillRef idx="1">
+            <a:schemeClr val="accent1"/>
+          </a:fillRef>
+          <a:effectRef idx="0">
+            <a:schemeClr val="accent1"/>
+          </a:effectRef>
+          <a:fontRef idx="minor">
+            <a:schemeClr val="lt1"/>
+          </a:fontRef>
+        </p:style>
+        <p:txBody>
+          <a:bodyPr rtlCol="0" anchor="ctr"/>
+          <a:lstStyle/>
+          <a:p>
+            <a:pPr algn="ctr"/>
+            <a:r>
+              <a:rPr lang="es-ES" sz="1100" b="1" dirty="0" err="1">
+                <a:solidFill>
+                  <a:schemeClr val="tx1">
+                    <a:lumMod val="95000"/>
+                    <a:lumOff val="5000"/>
+                  </a:schemeClr>
+                </a:solidFill>
+                <a:latin typeface="Courier New" panose="02070309020205020404" pitchFamily="49" charset="0"/>
+                <a:cs typeface="Courier New" panose="02070309020205020404" pitchFamily="49" charset="0"/>
+              </a:rPr>
+              <a:t>init_ultrasonic</a:t>
+            </a:r>
+            <a:r>
+              <a:rPr lang="es-ES" sz="1100" b="1" dirty="0">
+                <a:solidFill>
+                  <a:schemeClr val="tx1">
+                    <a:lumMod val="95000"/>
+                    <a:lumOff val="5000"/>
+                  </a:schemeClr>
+                </a:solidFill>
+                <a:latin typeface="Courier New" panose="02070309020205020404" pitchFamily="49" charset="0"/>
+                <a:cs typeface="Courier New" panose="02070309020205020404" pitchFamily="49" charset="0"/>
+              </a:rPr>
+              <a:t>()</a:t>
+            </a:r>
+          </a:p>
+        </p:txBody>
+      </p:sp>
+      <p:sp>
+        <p:nvSpPr>
+          <p:cNvPr id="11" name="Rectangle 10">
+            <a:extLst>
+              <a:ext uri="{FF2B5EF4-FFF2-40B4-BE49-F238E27FC236}">
+                <a16:creationId xmlns:a16="http://schemas.microsoft.com/office/drawing/2014/main" id="{0BC0BAF7-8941-9025-2D83-C0866CE11D65}"/>
+              </a:ext>
+            </a:extLst>
+          </p:cNvPr>
+          <p:cNvSpPr/>
+          <p:nvPr/>
+        </p:nvSpPr>
+        <p:spPr>
+          <a:xfrm>
+            <a:off x="5223436" y="3163632"/>
+            <a:ext cx="2268000" cy="471869"/>
+          </a:xfrm>
+          <a:prstGeom prst="rect">
+            <a:avLst/>
+          </a:prstGeom>
+          <a:solidFill>
+            <a:schemeClr val="accent1">
+              <a:lumMod val="20000"/>
+              <a:lumOff val="80000"/>
+            </a:schemeClr>
+          </a:solidFill>
+          <a:ln w="19050">
+            <a:solidFill>
+              <a:schemeClr val="accent1">
+                <a:lumMod val="75000"/>
+              </a:schemeClr>
+            </a:solidFill>
+          </a:ln>
+        </p:spPr>
+        <p:style>
+          <a:lnRef idx="2">
+            <a:schemeClr val="accent1">
+              <a:shade val="50000"/>
+            </a:schemeClr>
+          </a:lnRef>
+          <a:fillRef idx="1">
+            <a:schemeClr val="accent1"/>
+          </a:fillRef>
+          <a:effectRef idx="0">
+            <a:schemeClr val="accent1"/>
+          </a:effectRef>
+          <a:fontRef idx="minor">
+            <a:schemeClr val="lt1"/>
+          </a:fontRef>
+        </p:style>
+        <p:txBody>
+          <a:bodyPr rtlCol="0" anchor="ctr"/>
+          <a:lstStyle/>
+          <a:p>
+            <a:pPr algn="ctr"/>
+            <a:r>
+              <a:rPr lang="es-ES" sz="1100" b="1" dirty="0" err="1">
+                <a:solidFill>
+                  <a:schemeClr val="tx1">
+                    <a:lumMod val="95000"/>
+                    <a:lumOff val="5000"/>
+                  </a:schemeClr>
+                </a:solidFill>
+                <a:latin typeface="Courier New" panose="02070309020205020404" pitchFamily="49" charset="0"/>
+                <a:cs typeface="Courier New" panose="02070309020205020404" pitchFamily="49" charset="0"/>
+              </a:rPr>
+              <a:t>init_rc</a:t>
+            </a:r>
+            <a:r>
+              <a:rPr lang="es-ES" sz="1100" b="1" dirty="0">
+                <a:solidFill>
+                  <a:schemeClr val="tx1">
+                    <a:lumMod val="95000"/>
+                    <a:lumOff val="5000"/>
+                  </a:schemeClr>
+                </a:solidFill>
+                <a:latin typeface="Courier New" panose="02070309020205020404" pitchFamily="49" charset="0"/>
+                <a:cs typeface="Courier New" panose="02070309020205020404" pitchFamily="49" charset="0"/>
+              </a:rPr>
+              <a:t>()</a:t>
+            </a:r>
+          </a:p>
+        </p:txBody>
+      </p:sp>
+      <p:sp>
+        <p:nvSpPr>
+          <p:cNvPr id="13" name="Rectangle 12">
+            <a:extLst>
+              <a:ext uri="{FF2B5EF4-FFF2-40B4-BE49-F238E27FC236}">
+                <a16:creationId xmlns:a16="http://schemas.microsoft.com/office/drawing/2014/main" id="{AAD7B55E-F30F-A024-5126-105DDB75D238}"/>
+              </a:ext>
+            </a:extLst>
+          </p:cNvPr>
+          <p:cNvSpPr/>
+          <p:nvPr/>
+        </p:nvSpPr>
+        <p:spPr>
+          <a:xfrm>
+            <a:off x="5230934" y="3980640"/>
+            <a:ext cx="2268000" cy="471869"/>
+          </a:xfrm>
+          <a:prstGeom prst="rect">
+            <a:avLst/>
+          </a:prstGeom>
+          <a:solidFill>
+            <a:schemeClr val="accent1">
+              <a:lumMod val="20000"/>
+              <a:lumOff val="80000"/>
+            </a:schemeClr>
+          </a:solidFill>
+          <a:ln w="19050">
+            <a:solidFill>
+              <a:schemeClr val="accent1">
+                <a:lumMod val="75000"/>
+              </a:schemeClr>
+            </a:solidFill>
+          </a:ln>
+        </p:spPr>
+        <p:style>
+          <a:lnRef idx="2">
+            <a:schemeClr val="accent1">
+              <a:shade val="50000"/>
+            </a:schemeClr>
+          </a:lnRef>
+          <a:fillRef idx="1">
+            <a:schemeClr val="accent1"/>
+          </a:fillRef>
+          <a:effectRef idx="0">
+            <a:schemeClr val="accent1"/>
+          </a:effectRef>
+          <a:fontRef idx="minor">
+            <a:schemeClr val="lt1"/>
+          </a:fontRef>
+        </p:style>
+        <p:txBody>
+          <a:bodyPr rtlCol="0" anchor="ctr"/>
+          <a:lstStyle/>
+          <a:p>
+            <a:pPr algn="ctr"/>
+            <a:r>
+              <a:rPr lang="es-ES" sz="1100" b="1" dirty="0" err="1">
+                <a:solidFill>
+                  <a:schemeClr val="tx1">
+                    <a:lumMod val="95000"/>
+                    <a:lumOff val="5000"/>
+                  </a:schemeClr>
+                </a:solidFill>
+                <a:latin typeface="Courier New" panose="02070309020205020404" pitchFamily="49" charset="0"/>
+                <a:cs typeface="Courier New" panose="02070309020205020404" pitchFamily="49" charset="0"/>
+              </a:rPr>
+              <a:t>init_esc</a:t>
+            </a:r>
+            <a:r>
+              <a:rPr lang="es-ES" sz="1100" b="1" dirty="0">
+                <a:solidFill>
+                  <a:schemeClr val="tx1">
+                    <a:lumMod val="95000"/>
+                    <a:lumOff val="5000"/>
+                  </a:schemeClr>
+                </a:solidFill>
+                <a:latin typeface="Courier New" panose="02070309020205020404" pitchFamily="49" charset="0"/>
+                <a:cs typeface="Courier New" panose="02070309020205020404" pitchFamily="49" charset="0"/>
+              </a:rPr>
+              <a:t>()</a:t>
+            </a:r>
+          </a:p>
+        </p:txBody>
+      </p:sp>
+      <p:sp>
+        <p:nvSpPr>
+          <p:cNvPr id="15" name="Rectangle 14">
+            <a:extLst>
+              <a:ext uri="{FF2B5EF4-FFF2-40B4-BE49-F238E27FC236}">
+                <a16:creationId xmlns:a16="http://schemas.microsoft.com/office/drawing/2014/main" id="{30D40789-A1E7-3E74-5014-4225ADF28CE2}"/>
+              </a:ext>
+            </a:extLst>
+          </p:cNvPr>
+          <p:cNvSpPr/>
+          <p:nvPr/>
+        </p:nvSpPr>
+        <p:spPr>
+          <a:xfrm>
+            <a:off x="5230934" y="4797648"/>
+            <a:ext cx="2268000" cy="471869"/>
+          </a:xfrm>
+          <a:prstGeom prst="rect">
+            <a:avLst/>
+          </a:prstGeom>
+          <a:solidFill>
+            <a:schemeClr val="accent1">
+              <a:lumMod val="20000"/>
+              <a:lumOff val="80000"/>
+            </a:schemeClr>
+          </a:solidFill>
+          <a:ln w="19050">
+            <a:solidFill>
+              <a:schemeClr val="accent1">
+                <a:lumMod val="75000"/>
+              </a:schemeClr>
+            </a:solidFill>
+          </a:ln>
+        </p:spPr>
+        <p:style>
+          <a:lnRef idx="2">
+            <a:schemeClr val="accent1">
+              <a:shade val="50000"/>
+            </a:schemeClr>
+          </a:lnRef>
+          <a:fillRef idx="1">
+            <a:schemeClr val="accent1"/>
+          </a:fillRef>
+          <a:effectRef idx="0">
+            <a:schemeClr val="accent1"/>
+          </a:effectRef>
+          <a:fontRef idx="minor">
+            <a:schemeClr val="lt1"/>
+          </a:fontRef>
+        </p:style>
+        <p:txBody>
+          <a:bodyPr rtlCol="0" anchor="ctr"/>
+          <a:lstStyle/>
+          <a:p>
+            <a:pPr algn="ctr"/>
+            <a:r>
+              <a:rPr lang="es-ES" sz="1100" b="1" dirty="0" err="1">
+                <a:solidFill>
+                  <a:schemeClr val="tx1">
+                    <a:lumMod val="95000"/>
+                    <a:lumOff val="5000"/>
+                  </a:schemeClr>
+                </a:solidFill>
+                <a:latin typeface="Courier New" panose="02070309020205020404" pitchFamily="49" charset="0"/>
+                <a:cs typeface="Courier New" panose="02070309020205020404" pitchFamily="49" charset="0"/>
+              </a:rPr>
+              <a:t>init_imu</a:t>
+            </a:r>
+            <a:r>
+              <a:rPr lang="es-ES" sz="1100" b="1" dirty="0">
+                <a:solidFill>
+                  <a:schemeClr val="tx1">
+                    <a:lumMod val="95000"/>
+                    <a:lumOff val="5000"/>
+                  </a:schemeClr>
+                </a:solidFill>
+                <a:latin typeface="Courier New" panose="02070309020205020404" pitchFamily="49" charset="0"/>
+                <a:cs typeface="Courier New" panose="02070309020205020404" pitchFamily="49" charset="0"/>
+              </a:rPr>
+              <a:t>()</a:t>
+            </a:r>
+          </a:p>
+        </p:txBody>
+      </p:sp>
+      <p:cxnSp>
+        <p:nvCxnSpPr>
+          <p:cNvPr id="21" name="Straight Arrow Connector 20">
+            <a:extLst>
+              <a:ext uri="{FF2B5EF4-FFF2-40B4-BE49-F238E27FC236}">
+                <a16:creationId xmlns:a16="http://schemas.microsoft.com/office/drawing/2014/main" id="{149F904C-2DE3-0341-3D7B-F7C88BF2D6B2}"/>
+              </a:ext>
+            </a:extLst>
+          </p:cNvPr>
+          <p:cNvCxnSpPr>
+            <a:cxnSpLocks/>
+            <a:stCxn id="5" idx="2"/>
+            <a:endCxn id="8" idx="0"/>
+          </p:cNvCxnSpPr>
+          <p:nvPr/>
+        </p:nvCxnSpPr>
+        <p:spPr>
+          <a:xfrm>
+            <a:off x="6357436" y="1184477"/>
+            <a:ext cx="0" cy="345139"/>
+          </a:xfrm>
+          <a:prstGeom prst="straightConnector1">
+            <a:avLst/>
+          </a:prstGeom>
+          <a:ln w="19050">
+            <a:solidFill>
+              <a:schemeClr val="accent1">
+                <a:lumMod val="75000"/>
+              </a:schemeClr>
+            </a:solidFill>
+            <a:tailEnd type="triangle"/>
+          </a:ln>
+        </p:spPr>
+        <p:style>
+          <a:lnRef idx="1">
+            <a:schemeClr val="accent1"/>
+          </a:lnRef>
+          <a:fillRef idx="0">
+            <a:schemeClr val="accent1"/>
+          </a:fillRef>
+          <a:effectRef idx="0">
+            <a:schemeClr val="accent1"/>
+          </a:effectRef>
+          <a:fontRef idx="minor">
+            <a:schemeClr val="tx1"/>
+          </a:fontRef>
+        </p:style>
+      </p:cxnSp>
+      <p:cxnSp>
+        <p:nvCxnSpPr>
+          <p:cNvPr id="26" name="Straight Arrow Connector 25">
+            <a:extLst>
+              <a:ext uri="{FF2B5EF4-FFF2-40B4-BE49-F238E27FC236}">
+                <a16:creationId xmlns:a16="http://schemas.microsoft.com/office/drawing/2014/main" id="{BBBDCAF7-684F-1886-2ACA-E6E2A5CFA80F}"/>
+              </a:ext>
+            </a:extLst>
+          </p:cNvPr>
+          <p:cNvCxnSpPr>
+            <a:cxnSpLocks/>
+            <a:stCxn id="8" idx="2"/>
+            <a:endCxn id="10" idx="0"/>
+          </p:cNvCxnSpPr>
+          <p:nvPr/>
+        </p:nvCxnSpPr>
+        <p:spPr>
+          <a:xfrm>
+            <a:off x="6357436" y="2001485"/>
+            <a:ext cx="0" cy="345139"/>
+          </a:xfrm>
+          <a:prstGeom prst="straightConnector1">
+            <a:avLst/>
+          </a:prstGeom>
+          <a:ln w="19050">
+            <a:solidFill>
+              <a:schemeClr val="accent1">
+                <a:lumMod val="75000"/>
+              </a:schemeClr>
+            </a:solidFill>
+            <a:tailEnd type="triangle"/>
+          </a:ln>
+        </p:spPr>
+        <p:style>
+          <a:lnRef idx="1">
+            <a:schemeClr val="accent1"/>
+          </a:lnRef>
+          <a:fillRef idx="0">
+            <a:schemeClr val="accent1"/>
+          </a:fillRef>
+          <a:effectRef idx="0">
+            <a:schemeClr val="accent1"/>
+          </a:effectRef>
+          <a:fontRef idx="minor">
+            <a:schemeClr val="tx1"/>
+          </a:fontRef>
+        </p:style>
+      </p:cxnSp>
+      <p:cxnSp>
+        <p:nvCxnSpPr>
+          <p:cNvPr id="34" name="Straight Arrow Connector 33">
+            <a:extLst>
+              <a:ext uri="{FF2B5EF4-FFF2-40B4-BE49-F238E27FC236}">
+                <a16:creationId xmlns:a16="http://schemas.microsoft.com/office/drawing/2014/main" id="{E587C29F-F01A-9FD1-501B-5C6689E52D95}"/>
+              </a:ext>
+            </a:extLst>
+          </p:cNvPr>
+          <p:cNvCxnSpPr>
+            <a:cxnSpLocks/>
+            <a:stCxn id="10" idx="2"/>
+            <a:endCxn id="11" idx="0"/>
+          </p:cNvCxnSpPr>
+          <p:nvPr/>
+        </p:nvCxnSpPr>
+        <p:spPr>
+          <a:xfrm>
+            <a:off x="6357436" y="2818493"/>
+            <a:ext cx="0" cy="345139"/>
+          </a:xfrm>
+          <a:prstGeom prst="straightConnector1">
+            <a:avLst/>
+          </a:prstGeom>
+          <a:ln w="19050">
+            <a:solidFill>
+              <a:schemeClr val="accent1">
+                <a:lumMod val="75000"/>
+              </a:schemeClr>
+            </a:solidFill>
+            <a:tailEnd type="triangle"/>
+          </a:ln>
+        </p:spPr>
+        <p:style>
+          <a:lnRef idx="1">
+            <a:schemeClr val="accent1"/>
+          </a:lnRef>
+          <a:fillRef idx="0">
+            <a:schemeClr val="accent1"/>
+          </a:fillRef>
+          <a:effectRef idx="0">
+            <a:schemeClr val="accent1"/>
+          </a:effectRef>
+          <a:fontRef idx="minor">
+            <a:schemeClr val="tx1"/>
+          </a:fontRef>
+        </p:style>
+      </p:cxnSp>
+      <p:cxnSp>
+        <p:nvCxnSpPr>
+          <p:cNvPr id="45" name="Straight Arrow Connector 44">
+            <a:extLst>
+              <a:ext uri="{FF2B5EF4-FFF2-40B4-BE49-F238E27FC236}">
+                <a16:creationId xmlns:a16="http://schemas.microsoft.com/office/drawing/2014/main" id="{16C7CD47-FDB1-64F0-C9F4-5C78AE4EABFC}"/>
+              </a:ext>
+            </a:extLst>
+          </p:cNvPr>
+          <p:cNvCxnSpPr>
+            <a:cxnSpLocks/>
+          </p:cNvCxnSpPr>
+          <p:nvPr/>
+        </p:nvCxnSpPr>
+        <p:spPr>
+          <a:xfrm>
+            <a:off x="5984769" y="3639478"/>
+            <a:ext cx="0" cy="345139"/>
+          </a:xfrm>
+          <a:prstGeom prst="straightConnector1">
+            <a:avLst/>
+          </a:prstGeom>
+          <a:ln w="19050">
+            <a:solidFill>
+              <a:schemeClr val="accent1">
+                <a:lumMod val="75000"/>
+              </a:schemeClr>
+            </a:solidFill>
+            <a:tailEnd type="triangle"/>
+          </a:ln>
+        </p:spPr>
+        <p:style>
+          <a:lnRef idx="1">
+            <a:schemeClr val="accent1"/>
+          </a:lnRef>
+          <a:fillRef idx="0">
+            <a:schemeClr val="accent1"/>
+          </a:fillRef>
+          <a:effectRef idx="0">
+            <a:schemeClr val="accent1"/>
+          </a:effectRef>
+          <a:fontRef idx="minor">
+            <a:schemeClr val="tx1"/>
+          </a:fontRef>
+        </p:style>
+      </p:cxnSp>
+      <p:cxnSp>
+        <p:nvCxnSpPr>
+          <p:cNvPr id="46" name="Straight Arrow Connector 45">
+            <a:extLst>
+              <a:ext uri="{FF2B5EF4-FFF2-40B4-BE49-F238E27FC236}">
+                <a16:creationId xmlns:a16="http://schemas.microsoft.com/office/drawing/2014/main" id="{BFEADE5E-20F6-8224-C3CC-2711AFE3EB81}"/>
+              </a:ext>
+            </a:extLst>
+          </p:cNvPr>
+          <p:cNvCxnSpPr>
+            <a:cxnSpLocks/>
+            <a:stCxn id="13" idx="2"/>
+            <a:endCxn id="15" idx="0"/>
+          </p:cNvCxnSpPr>
+          <p:nvPr/>
+        </p:nvCxnSpPr>
+        <p:spPr>
+          <a:xfrm>
+            <a:off x="6364934" y="4452509"/>
+            <a:ext cx="0" cy="345139"/>
+          </a:xfrm>
+          <a:prstGeom prst="straightConnector1">
+            <a:avLst/>
+          </a:prstGeom>
+          <a:ln w="19050">
+            <a:solidFill>
+              <a:schemeClr val="accent1">
+                <a:lumMod val="75000"/>
+              </a:schemeClr>
+            </a:solidFill>
+            <a:tailEnd type="triangle"/>
+          </a:ln>
+        </p:spPr>
+        <p:style>
+          <a:lnRef idx="1">
+            <a:schemeClr val="accent1"/>
+          </a:lnRef>
+          <a:fillRef idx="0">
+            <a:schemeClr val="accent1"/>
+          </a:fillRef>
+          <a:effectRef idx="0">
+            <a:schemeClr val="accent1"/>
+          </a:effectRef>
+          <a:fontRef idx="minor">
+            <a:schemeClr val="tx1"/>
+          </a:fontRef>
+        </p:style>
+      </p:cxnSp>
+      <p:cxnSp>
+        <p:nvCxnSpPr>
+          <p:cNvPr id="49" name="Straight Arrow Connector 48">
+            <a:extLst>
+              <a:ext uri="{FF2B5EF4-FFF2-40B4-BE49-F238E27FC236}">
+                <a16:creationId xmlns:a16="http://schemas.microsoft.com/office/drawing/2014/main" id="{D857E6B2-A8BD-3C4C-B446-8FA5189A9EAA}"/>
+              </a:ext>
+            </a:extLst>
+          </p:cNvPr>
+          <p:cNvCxnSpPr>
+            <a:cxnSpLocks/>
+            <a:stCxn id="15" idx="2"/>
+            <a:endCxn id="9" idx="0"/>
+          </p:cNvCxnSpPr>
+          <p:nvPr/>
+        </p:nvCxnSpPr>
+        <p:spPr>
+          <a:xfrm>
+            <a:off x="6364934" y="5269517"/>
+            <a:ext cx="0" cy="345140"/>
+          </a:xfrm>
+          <a:prstGeom prst="straightConnector1">
+            <a:avLst/>
+          </a:prstGeom>
+          <a:ln w="19050">
+            <a:solidFill>
+              <a:schemeClr val="accent1">
+                <a:lumMod val="75000"/>
+              </a:schemeClr>
+            </a:solidFill>
+            <a:tailEnd type="triangle"/>
+          </a:ln>
+        </p:spPr>
+        <p:style>
+          <a:lnRef idx="1">
+            <a:schemeClr val="accent1"/>
+          </a:lnRef>
+          <a:fillRef idx="0">
+            <a:schemeClr val="accent1"/>
+          </a:fillRef>
+          <a:effectRef idx="0">
+            <a:schemeClr val="accent1"/>
+          </a:effectRef>
+          <a:fontRef idx="minor">
+            <a:schemeClr val="tx1"/>
+          </a:fontRef>
+        </p:style>
+      </p:cxnSp>
     </p:spTree>
     <p:extLst>
       <p:ext uri="{BB962C8B-B14F-4D97-AF65-F5344CB8AC3E}">
@@ -8486,8 +8659,8 @@
         </p:nvSpPr>
         <p:spPr>
           <a:xfrm>
-            <a:off x="5146267" y="3193801"/>
-            <a:ext cx="1692000" cy="471869"/>
+            <a:off x="5230936" y="3193801"/>
+            <a:ext cx="2268000" cy="471869"/>
           </a:xfrm>
           <a:prstGeom prst="rect">
             <a:avLst/>
@@ -8538,7 +8711,7 @@
                 <a:latin typeface="Courier New" panose="02070309020205020404" pitchFamily="49" charset="0"/>
                 <a:cs typeface="Courier New" panose="02070309020205020404" pitchFamily="49" charset="0"/>
               </a:rPr>
-              <a:t>ref_set_mode</a:t>
+              <a:t>ref_mode_management</a:t>
             </a:r>
             <a:r>
               <a:rPr lang="es-ES" sz="1200" b="1" dirty="0">
@@ -8570,8 +8743,8 @@
         </p:nvSpPr>
         <p:spPr>
           <a:xfrm>
-            <a:off x="5146267" y="5168481"/>
-            <a:ext cx="1692000" cy="471869"/>
+            <a:off x="5230936" y="5168481"/>
+            <a:ext cx="2268000" cy="471869"/>
           </a:xfrm>
           <a:prstGeom prst="rect">
             <a:avLst/>
@@ -8756,7 +8929,7 @@
         </p:nvCxnSpPr>
         <p:spPr>
           <a:xfrm>
-            <a:off x="5992267" y="3665670"/>
+            <a:off x="6364936" y="3665670"/>
             <a:ext cx="0" cy="1502811"/>
           </a:xfrm>
           <a:prstGeom prst="straightConnector1">
@@ -9670,10 +9843,10 @@
       </p:cxnSp>
       <p:sp>
         <p:nvSpPr>
-          <p:cNvPr id="5" name="Rectangle 4">
-            <a:extLst>
-              <a:ext uri="{FF2B5EF4-FFF2-40B4-BE49-F238E27FC236}">
-                <a16:creationId xmlns:a16="http://schemas.microsoft.com/office/drawing/2014/main" id="{CB56E09D-7BC3-9438-7D27-BE7F0454AA03}"/>
+          <p:cNvPr id="19" name="Left Brace 18">
+            <a:extLst>
+              <a:ext uri="{FF2B5EF4-FFF2-40B4-BE49-F238E27FC236}">
+                <a16:creationId xmlns:a16="http://schemas.microsoft.com/office/drawing/2014/main" id="{4512B7F7-A894-A9EA-778D-943552C7C70A}"/>
               </a:ext>
             </a:extLst>
           </p:cNvPr>
@@ -9682,8 +9855,155 @@
         </p:nvSpPr>
         <p:spPr>
           <a:xfrm>
-            <a:off x="5146267" y="2921463"/>
-            <a:ext cx="1692000" cy="471869"/>
+            <a:off x="4522331" y="2634728"/>
+            <a:ext cx="623936" cy="3564695"/>
+          </a:xfrm>
+          <a:prstGeom prst="leftBrace">
+            <a:avLst/>
+          </a:prstGeom>
+          <a:ln w="19050">
+            <a:solidFill>
+              <a:schemeClr val="accent1">
+                <a:lumMod val="75000"/>
+              </a:schemeClr>
+            </a:solidFill>
+          </a:ln>
+        </p:spPr>
+        <p:style>
+          <a:lnRef idx="1">
+            <a:schemeClr val="accent1"/>
+          </a:lnRef>
+          <a:fillRef idx="0">
+            <a:schemeClr val="accent1"/>
+          </a:fillRef>
+          <a:effectRef idx="0">
+            <a:schemeClr val="accent1"/>
+          </a:effectRef>
+          <a:fontRef idx="minor">
+            <a:schemeClr val="tx1"/>
+          </a:fontRef>
+        </p:style>
+        <p:txBody>
+          <a:bodyPr rtlCol="0" anchor="ctr"/>
+          <a:lstStyle/>
+          <a:p>
+            <a:pPr algn="ctr"/>
+            <a:endParaRPr lang="es-ES"/>
+          </a:p>
+        </p:txBody>
+      </p:sp>
+      <p:cxnSp>
+        <p:nvCxnSpPr>
+          <p:cNvPr id="23" name="Connector: Elbow 22">
+            <a:extLst>
+              <a:ext uri="{FF2B5EF4-FFF2-40B4-BE49-F238E27FC236}">
+                <a16:creationId xmlns:a16="http://schemas.microsoft.com/office/drawing/2014/main" id="{01A2E98F-C557-F6B6-6F66-2ABBAA7BEEBA}"/>
+              </a:ext>
+            </a:extLst>
+          </p:cNvPr>
+          <p:cNvCxnSpPr>
+            <a:cxnSpLocks/>
+            <a:stCxn id="12" idx="3"/>
+            <a:endCxn id="19" idx="1"/>
+          </p:cNvCxnSpPr>
+          <p:nvPr/>
+        </p:nvCxnSpPr>
+        <p:spPr>
+          <a:xfrm>
+            <a:off x="3560915" y="3901605"/>
+            <a:ext cx="961416" cy="515471"/>
+          </a:xfrm>
+          <a:prstGeom prst="bentConnector3">
+            <a:avLst/>
+          </a:prstGeom>
+          <a:ln w="19050">
+            <a:solidFill>
+              <a:schemeClr val="accent1">
+                <a:lumMod val="75000"/>
+              </a:schemeClr>
+            </a:solidFill>
+            <a:tailEnd type="triangle"/>
+          </a:ln>
+        </p:spPr>
+        <p:style>
+          <a:lnRef idx="1">
+            <a:schemeClr val="accent1"/>
+          </a:lnRef>
+          <a:fillRef idx="0">
+            <a:schemeClr val="accent1"/>
+          </a:fillRef>
+          <a:effectRef idx="0">
+            <a:schemeClr val="accent1"/>
+          </a:effectRef>
+          <a:fontRef idx="minor">
+            <a:schemeClr val="tx1"/>
+          </a:fontRef>
+        </p:style>
+      </p:cxnSp>
+      <p:cxnSp>
+        <p:nvCxnSpPr>
+          <p:cNvPr id="17" name="Straight Arrow Connector 16">
+            <a:extLst>
+              <a:ext uri="{FF2B5EF4-FFF2-40B4-BE49-F238E27FC236}">
+                <a16:creationId xmlns:a16="http://schemas.microsoft.com/office/drawing/2014/main" id="{1AA767D6-F7C8-266D-FEDE-0876FD498230}"/>
+              </a:ext>
+            </a:extLst>
+          </p:cNvPr>
+          <p:cNvCxnSpPr>
+            <a:cxnSpLocks/>
+            <a:stCxn id="3" idx="2"/>
+            <a:endCxn id="4" idx="0"/>
+          </p:cNvCxnSpPr>
+          <p:nvPr/>
+        </p:nvCxnSpPr>
+        <p:spPr>
+          <a:xfrm>
+            <a:off x="6366659" y="3101631"/>
+            <a:ext cx="0" cy="299811"/>
+          </a:xfrm>
+          <a:prstGeom prst="straightConnector1">
+            <a:avLst/>
+          </a:prstGeom>
+          <a:ln w="19050">
+            <a:solidFill>
+              <a:schemeClr val="accent1">
+                <a:lumMod val="75000"/>
+              </a:schemeClr>
+            </a:solidFill>
+            <a:tailEnd type="triangle"/>
+          </a:ln>
+        </p:spPr>
+        <p:style>
+          <a:lnRef idx="1">
+            <a:schemeClr val="accent1"/>
+          </a:lnRef>
+          <a:fillRef idx="0">
+            <a:schemeClr val="accent1"/>
+          </a:fillRef>
+          <a:effectRef idx="0">
+            <a:schemeClr val="accent1"/>
+          </a:effectRef>
+          <a:fontRef idx="minor">
+            <a:schemeClr val="tx1"/>
+          </a:fontRef>
+        </p:style>
+      </p:cxnSp>
+      <p:sp>
+        <p:nvSpPr>
+          <p:cNvPr id="3" name="Rectangle 2">
+            <a:extLst>
+              <a:ext uri="{FF2B5EF4-FFF2-40B4-BE49-F238E27FC236}">
+                <a16:creationId xmlns:a16="http://schemas.microsoft.com/office/drawing/2014/main" id="{433794E0-D011-0215-CBD9-5185F44D5D67}"/>
+              </a:ext>
+            </a:extLst>
+          </p:cNvPr>
+          <p:cNvSpPr/>
+          <p:nvPr/>
+        </p:nvSpPr>
+        <p:spPr>
+          <a:xfrm>
+            <a:off x="5232659" y="2629762"/>
+            <a:ext cx="2268000" cy="471869"/>
           </a:xfrm>
           <a:prstGeom prst="rect">
             <a:avLst/>
@@ -9754,10 +10074,10 @@
       </p:sp>
       <p:sp>
         <p:nvSpPr>
-          <p:cNvPr id="19" name="Left Brace 18">
-            <a:extLst>
-              <a:ext uri="{FF2B5EF4-FFF2-40B4-BE49-F238E27FC236}">
-                <a16:creationId xmlns:a16="http://schemas.microsoft.com/office/drawing/2014/main" id="{4512B7F7-A894-A9EA-778D-943552C7C70A}"/>
+          <p:cNvPr id="4" name="Rectangle 3">
+            <a:extLst>
+              <a:ext uri="{FF2B5EF4-FFF2-40B4-BE49-F238E27FC236}">
+                <a16:creationId xmlns:a16="http://schemas.microsoft.com/office/drawing/2014/main" id="{FD14F314-481D-30BE-7878-46FF838A16F4}"/>
               </a:ext>
             </a:extLst>
           </p:cNvPr>
@@ -9766,107 +10086,8 @@
         </p:nvSpPr>
         <p:spPr>
           <a:xfrm>
-            <a:off x="4522331" y="2634728"/>
-            <a:ext cx="623936" cy="3564695"/>
-          </a:xfrm>
-          <a:prstGeom prst="leftBrace">
-            <a:avLst/>
-          </a:prstGeom>
-          <a:ln w="19050">
-            <a:solidFill>
-              <a:schemeClr val="accent1">
-                <a:lumMod val="75000"/>
-              </a:schemeClr>
-            </a:solidFill>
-          </a:ln>
-        </p:spPr>
-        <p:style>
-          <a:lnRef idx="1">
-            <a:schemeClr val="accent1"/>
-          </a:lnRef>
-          <a:fillRef idx="0">
-            <a:schemeClr val="accent1"/>
-          </a:fillRef>
-          <a:effectRef idx="0">
-            <a:schemeClr val="accent1"/>
-          </a:effectRef>
-          <a:fontRef idx="minor">
-            <a:schemeClr val="tx1"/>
-          </a:fontRef>
-        </p:style>
-        <p:txBody>
-          <a:bodyPr rtlCol="0" anchor="ctr"/>
-          <a:lstStyle/>
-          <a:p>
-            <a:pPr algn="ctr"/>
-            <a:endParaRPr lang="es-ES"/>
-          </a:p>
-        </p:txBody>
-      </p:sp>
-      <p:cxnSp>
-        <p:nvCxnSpPr>
-          <p:cNvPr id="23" name="Connector: Elbow 22">
-            <a:extLst>
-              <a:ext uri="{FF2B5EF4-FFF2-40B4-BE49-F238E27FC236}">
-                <a16:creationId xmlns:a16="http://schemas.microsoft.com/office/drawing/2014/main" id="{01A2E98F-C557-F6B6-6F66-2ABBAA7BEEBA}"/>
-              </a:ext>
-            </a:extLst>
-          </p:cNvPr>
-          <p:cNvCxnSpPr>
-            <a:cxnSpLocks/>
-            <a:stCxn id="12" idx="3"/>
-            <a:endCxn id="19" idx="1"/>
-          </p:cNvCxnSpPr>
-          <p:nvPr/>
-        </p:nvCxnSpPr>
-        <p:spPr>
-          <a:xfrm>
-            <a:off x="3560915" y="3901605"/>
-            <a:ext cx="961416" cy="515471"/>
-          </a:xfrm>
-          <a:prstGeom prst="bentConnector3">
-            <a:avLst/>
-          </a:prstGeom>
-          <a:ln w="19050">
-            <a:solidFill>
-              <a:schemeClr val="accent1">
-                <a:lumMod val="75000"/>
-              </a:schemeClr>
-            </a:solidFill>
-            <a:tailEnd type="triangle"/>
-          </a:ln>
-        </p:spPr>
-        <p:style>
-          <a:lnRef idx="1">
-            <a:schemeClr val="accent1"/>
-          </a:lnRef>
-          <a:fillRef idx="0">
-            <a:schemeClr val="accent1"/>
-          </a:fillRef>
-          <a:effectRef idx="0">
-            <a:schemeClr val="accent1"/>
-          </a:effectRef>
-          <a:fontRef idx="minor">
-            <a:schemeClr val="tx1"/>
-          </a:fontRef>
-        </p:style>
-      </p:cxnSp>
-      <p:sp>
-        <p:nvSpPr>
-          <p:cNvPr id="8" name="Rectangle 7">
-            <a:extLst>
-              <a:ext uri="{FF2B5EF4-FFF2-40B4-BE49-F238E27FC236}">
-                <a16:creationId xmlns:a16="http://schemas.microsoft.com/office/drawing/2014/main" id="{E3B33A7B-25C1-97AE-FAA4-2671112121ED}"/>
-              </a:ext>
-            </a:extLst>
-          </p:cNvPr>
-          <p:cNvSpPr/>
-          <p:nvPr/>
-        </p:nvSpPr>
-        <p:spPr>
-          <a:xfrm>
-            <a:off x="5146267" y="3768283"/>
-            <a:ext cx="1692000" cy="471869"/>
+            <a:off x="5232659" y="3401442"/>
+            <a:ext cx="2268000" cy="471869"/>
           </a:xfrm>
           <a:prstGeom prst="rect">
             <a:avLst/>
@@ -9937,10 +10158,10 @@
       </p:sp>
       <p:sp>
         <p:nvSpPr>
-          <p:cNvPr id="10" name="Rectangle 9">
-            <a:extLst>
-              <a:ext uri="{FF2B5EF4-FFF2-40B4-BE49-F238E27FC236}">
-                <a16:creationId xmlns:a16="http://schemas.microsoft.com/office/drawing/2014/main" id="{7BAD2370-6E97-9F7D-F68F-C8451A2A929B}"/>
+          <p:cNvPr id="9" name="Rectangle 8">
+            <a:extLst>
+              <a:ext uri="{FF2B5EF4-FFF2-40B4-BE49-F238E27FC236}">
+                <a16:creationId xmlns:a16="http://schemas.microsoft.com/office/drawing/2014/main" id="{70649E6B-8A03-7F8C-6AA0-A626F5DB8CC6}"/>
               </a:ext>
             </a:extLst>
           </p:cNvPr>
@@ -9949,8 +10170,8 @@
         </p:nvSpPr>
         <p:spPr>
           <a:xfrm>
-            <a:off x="5146267" y="4617764"/>
-            <a:ext cx="1692000" cy="471869"/>
+            <a:off x="5232659" y="4173122"/>
+            <a:ext cx="2268000" cy="471869"/>
           </a:xfrm>
           <a:prstGeom prst="rect">
             <a:avLst/>
@@ -10001,7 +10222,7 @@
                 <a:latin typeface="Courier New" panose="02070309020205020404" pitchFamily="49" charset="0"/>
                 <a:cs typeface="Courier New" panose="02070309020205020404" pitchFamily="49" charset="0"/>
               </a:rPr>
-              <a:t>read_gyro</a:t>
+              <a:t>red_imu</a:t>
             </a:r>
             <a:r>
               <a:rPr lang="es-ES" sz="1200" b="1" dirty="0">
@@ -10021,10 +10242,10 @@
       </p:sp>
       <p:sp>
         <p:nvSpPr>
-          <p:cNvPr id="11" name="Rectangle 10">
-            <a:extLst>
-              <a:ext uri="{FF2B5EF4-FFF2-40B4-BE49-F238E27FC236}">
-                <a16:creationId xmlns:a16="http://schemas.microsoft.com/office/drawing/2014/main" id="{D874ACD8-D1C6-8848-084D-91A93BFC303E}"/>
+          <p:cNvPr id="13" name="Rectangle 12">
+            <a:extLst>
+              <a:ext uri="{FF2B5EF4-FFF2-40B4-BE49-F238E27FC236}">
+                <a16:creationId xmlns:a16="http://schemas.microsoft.com/office/drawing/2014/main" id="{3F666A17-BE18-E959-BFB1-EF765D979D57}"/>
               </a:ext>
             </a:extLst>
           </p:cNvPr>
@@ -10033,8 +10254,92 @@
         </p:nvSpPr>
         <p:spPr>
           <a:xfrm>
-            <a:off x="5146267" y="5464584"/>
-            <a:ext cx="1692000" cy="471869"/>
+            <a:off x="5232659" y="4944802"/>
+            <a:ext cx="2268000" cy="471869"/>
+          </a:xfrm>
+          <a:prstGeom prst="rect">
+            <a:avLst/>
+          </a:prstGeom>
+          <a:solidFill>
+            <a:schemeClr val="accent1">
+              <a:lumMod val="20000"/>
+              <a:lumOff val="80000"/>
+            </a:schemeClr>
+          </a:solidFill>
+          <a:ln w="19050">
+            <a:solidFill>
+              <a:schemeClr val="accent1">
+                <a:lumMod val="75000"/>
+              </a:schemeClr>
+            </a:solidFill>
+          </a:ln>
+        </p:spPr>
+        <p:style>
+          <a:lnRef idx="2">
+            <a:schemeClr val="accent1">
+              <a:shade val="50000"/>
+            </a:schemeClr>
+          </a:lnRef>
+          <a:fillRef idx="1">
+            <a:schemeClr val="accent1"/>
+          </a:fillRef>
+          <a:effectRef idx="0">
+            <a:schemeClr val="accent1"/>
+          </a:effectRef>
+          <a:fontRef idx="minor">
+            <a:schemeClr val="lt1"/>
+          </a:fontRef>
+        </p:style>
+        <p:txBody>
+          <a:bodyPr rtlCol="0" anchor="ctr"/>
+          <a:lstStyle/>
+          <a:p>
+            <a:pPr algn="ctr"/>
+            <a:r>
+              <a:rPr lang="es-ES" sz="1200" b="1" dirty="0" err="1">
+                <a:solidFill>
+                  <a:schemeClr val="tx1">
+                    <a:lumMod val="95000"/>
+                    <a:lumOff val="5000"/>
+                  </a:schemeClr>
+                </a:solidFill>
+                <a:latin typeface="Courier New" panose="02070309020205020404" pitchFamily="49" charset="0"/>
+                <a:cs typeface="Courier New" panose="02070309020205020404" pitchFamily="49" charset="0"/>
+              </a:rPr>
+              <a:t>process_imu</a:t>
+            </a:r>
+            <a:r>
+              <a:rPr lang="es-ES" sz="1200" b="1" dirty="0">
+                <a:solidFill>
+                  <a:schemeClr val="tx1">
+                    <a:lumMod val="95000"/>
+                    <a:lumOff val="5000"/>
+                  </a:schemeClr>
+                </a:solidFill>
+                <a:latin typeface="Courier New" panose="02070309020205020404" pitchFamily="49" charset="0"/>
+                <a:cs typeface="Courier New" panose="02070309020205020404" pitchFamily="49" charset="0"/>
+              </a:rPr>
+              <a:t>()</a:t>
+            </a:r>
+          </a:p>
+        </p:txBody>
+      </p:sp>
+      <p:sp>
+        <p:nvSpPr>
+          <p:cNvPr id="15" name="Rectangle 14">
+            <a:extLst>
+              <a:ext uri="{FF2B5EF4-FFF2-40B4-BE49-F238E27FC236}">
+                <a16:creationId xmlns:a16="http://schemas.microsoft.com/office/drawing/2014/main" id="{AAA96BB9-9E1B-3704-243A-0F501F9AAC02}"/>
+              </a:ext>
+            </a:extLst>
+          </p:cNvPr>
+          <p:cNvSpPr/>
+          <p:nvPr/>
+        </p:nvSpPr>
+        <p:spPr>
+          <a:xfrm>
+            <a:off x="5232659" y="5716481"/>
+            <a:ext cx="2268000" cy="471869"/>
           </a:xfrm>
           <a:prstGeom prst="rect">
             <a:avLst/>
@@ -10105,24 +10410,24 @@
       </p:sp>
       <p:cxnSp>
         <p:nvCxnSpPr>
-          <p:cNvPr id="17" name="Straight Arrow Connector 16">
-            <a:extLst>
-              <a:ext uri="{FF2B5EF4-FFF2-40B4-BE49-F238E27FC236}">
-                <a16:creationId xmlns:a16="http://schemas.microsoft.com/office/drawing/2014/main" id="{1AA767D6-F7C8-266D-FEDE-0876FD498230}"/>
+          <p:cNvPr id="25" name="Straight Arrow Connector 24">
+            <a:extLst>
+              <a:ext uri="{FF2B5EF4-FFF2-40B4-BE49-F238E27FC236}">
+                <a16:creationId xmlns:a16="http://schemas.microsoft.com/office/drawing/2014/main" id="{F136FD54-5EBC-B0AC-F910-78144BCC8677}"/>
               </a:ext>
             </a:extLst>
           </p:cNvPr>
           <p:cNvCxnSpPr>
             <a:cxnSpLocks/>
-            <a:stCxn id="5" idx="2"/>
-            <a:endCxn id="8" idx="0"/>
+            <a:stCxn id="4" idx="2"/>
+            <a:endCxn id="9" idx="0"/>
           </p:cNvCxnSpPr>
           <p:nvPr/>
         </p:nvCxnSpPr>
         <p:spPr>
           <a:xfrm>
-            <a:off x="5992267" y="3393332"/>
-            <a:ext cx="0" cy="374951"/>
+            <a:off x="6366659" y="3873311"/>
+            <a:ext cx="0" cy="299811"/>
           </a:xfrm>
           <a:prstGeom prst="straightConnector1">
             <a:avLst/>
@@ -10153,24 +10458,24 @@
       </p:cxnSp>
       <p:cxnSp>
         <p:nvCxnSpPr>
-          <p:cNvPr id="24" name="Straight Arrow Connector 23">
-            <a:extLst>
-              <a:ext uri="{FF2B5EF4-FFF2-40B4-BE49-F238E27FC236}">
-                <a16:creationId xmlns:a16="http://schemas.microsoft.com/office/drawing/2014/main" id="{A1CE9593-8C48-0DF5-C77A-B7FA0892D747}"/>
+          <p:cNvPr id="32" name="Straight Arrow Connector 31">
+            <a:extLst>
+              <a:ext uri="{FF2B5EF4-FFF2-40B4-BE49-F238E27FC236}">
+                <a16:creationId xmlns:a16="http://schemas.microsoft.com/office/drawing/2014/main" id="{303B18E7-C8E5-5A10-B030-35053B997ED1}"/>
               </a:ext>
             </a:extLst>
           </p:cNvPr>
           <p:cNvCxnSpPr>
             <a:cxnSpLocks/>
-            <a:stCxn id="8" idx="2"/>
-            <a:endCxn id="10" idx="0"/>
+            <a:stCxn id="9" idx="2"/>
+            <a:endCxn id="13" idx="0"/>
           </p:cNvCxnSpPr>
           <p:nvPr/>
         </p:nvCxnSpPr>
         <p:spPr>
           <a:xfrm>
-            <a:off x="5992267" y="4240152"/>
-            <a:ext cx="0" cy="377612"/>
+            <a:off x="6366659" y="4644991"/>
+            <a:ext cx="0" cy="299811"/>
           </a:xfrm>
           <a:prstGeom prst="straightConnector1">
             <a:avLst/>
@@ -10201,24 +10506,24 @@
       </p:cxnSp>
       <p:cxnSp>
         <p:nvCxnSpPr>
-          <p:cNvPr id="28" name="Straight Arrow Connector 27">
-            <a:extLst>
-              <a:ext uri="{FF2B5EF4-FFF2-40B4-BE49-F238E27FC236}">
-                <a16:creationId xmlns:a16="http://schemas.microsoft.com/office/drawing/2014/main" id="{032DCB4E-F70A-CF0B-9431-2771FEBC5EFC}"/>
+          <p:cNvPr id="38" name="Straight Arrow Connector 37">
+            <a:extLst>
+              <a:ext uri="{FF2B5EF4-FFF2-40B4-BE49-F238E27FC236}">
+                <a16:creationId xmlns:a16="http://schemas.microsoft.com/office/drawing/2014/main" id="{557130D3-CA63-70A6-A6E3-C7E4DF106BD5}"/>
               </a:ext>
             </a:extLst>
           </p:cNvPr>
           <p:cNvCxnSpPr>
             <a:cxnSpLocks/>
-            <a:stCxn id="10" idx="2"/>
-            <a:endCxn id="11" idx="0"/>
+            <a:stCxn id="13" idx="2"/>
+            <a:endCxn id="15" idx="0"/>
           </p:cNvCxnSpPr>
           <p:nvPr/>
         </p:nvCxnSpPr>
         <p:spPr>
           <a:xfrm>
-            <a:off x="5992267" y="5089633"/>
-            <a:ext cx="0" cy="374951"/>
+            <a:off x="6366659" y="5416671"/>
+            <a:ext cx="0" cy="299810"/>
           </a:xfrm>
           <a:prstGeom prst="straightConnector1">
             <a:avLst/>
@@ -11131,10 +11436,10 @@
       </p:cxnSp>
       <p:sp>
         <p:nvSpPr>
-          <p:cNvPr id="5" name="Rectangle 4">
-            <a:extLst>
-              <a:ext uri="{FF2B5EF4-FFF2-40B4-BE49-F238E27FC236}">
-                <a16:creationId xmlns:a16="http://schemas.microsoft.com/office/drawing/2014/main" id="{CB56E09D-7BC3-9438-7D27-BE7F0454AA03}"/>
+          <p:cNvPr id="19" name="Left Brace 18">
+            <a:extLst>
+              <a:ext uri="{FF2B5EF4-FFF2-40B4-BE49-F238E27FC236}">
+                <a16:creationId xmlns:a16="http://schemas.microsoft.com/office/drawing/2014/main" id="{4512B7F7-A894-A9EA-778D-943552C7C70A}"/>
               </a:ext>
             </a:extLst>
           </p:cNvPr>
@@ -11143,8 +11448,107 @@
         </p:nvSpPr>
         <p:spPr>
           <a:xfrm>
-            <a:off x="5146267" y="3193801"/>
-            <a:ext cx="1692000" cy="471869"/>
+            <a:off x="4522331" y="2634728"/>
+            <a:ext cx="623936" cy="3564695"/>
+          </a:xfrm>
+          <a:prstGeom prst="leftBrace">
+            <a:avLst/>
+          </a:prstGeom>
+          <a:ln w="19050">
+            <a:solidFill>
+              <a:schemeClr val="accent1">
+                <a:lumMod val="75000"/>
+              </a:schemeClr>
+            </a:solidFill>
+          </a:ln>
+        </p:spPr>
+        <p:style>
+          <a:lnRef idx="1">
+            <a:schemeClr val="accent1"/>
+          </a:lnRef>
+          <a:fillRef idx="0">
+            <a:schemeClr val="accent1"/>
+          </a:fillRef>
+          <a:effectRef idx="0">
+            <a:schemeClr val="accent1"/>
+          </a:effectRef>
+          <a:fontRef idx="minor">
+            <a:schemeClr val="tx1"/>
+          </a:fontRef>
+        </p:style>
+        <p:txBody>
+          <a:bodyPr rtlCol="0" anchor="ctr"/>
+          <a:lstStyle/>
+          <a:p>
+            <a:pPr algn="ctr"/>
+            <a:endParaRPr lang="es-ES"/>
+          </a:p>
+        </p:txBody>
+      </p:sp>
+      <p:cxnSp>
+        <p:nvCxnSpPr>
+          <p:cNvPr id="23" name="Connector: Elbow 22">
+            <a:extLst>
+              <a:ext uri="{FF2B5EF4-FFF2-40B4-BE49-F238E27FC236}">
+                <a16:creationId xmlns:a16="http://schemas.microsoft.com/office/drawing/2014/main" id="{01A2E98F-C557-F6B6-6F66-2ABBAA7BEEBA}"/>
+              </a:ext>
+            </a:extLst>
+          </p:cNvPr>
+          <p:cNvCxnSpPr>
+            <a:cxnSpLocks/>
+            <a:stCxn id="14" idx="3"/>
+            <a:endCxn id="19" idx="1"/>
+          </p:cNvCxnSpPr>
+          <p:nvPr/>
+        </p:nvCxnSpPr>
+        <p:spPr>
+          <a:xfrm flipV="1">
+            <a:off x="3560915" y="4417076"/>
+            <a:ext cx="961416" cy="515471"/>
+          </a:xfrm>
+          <a:prstGeom prst="bentConnector3">
+            <a:avLst/>
+          </a:prstGeom>
+          <a:ln w="19050">
+            <a:solidFill>
+              <a:schemeClr val="accent1">
+                <a:lumMod val="75000"/>
+              </a:schemeClr>
+            </a:solidFill>
+            <a:tailEnd type="triangle"/>
+          </a:ln>
+        </p:spPr>
+        <p:style>
+          <a:lnRef idx="1">
+            <a:schemeClr val="accent1"/>
+          </a:lnRef>
+          <a:fillRef idx="0">
+            <a:schemeClr val="accent1"/>
+          </a:fillRef>
+          <a:effectRef idx="0">
+            <a:schemeClr val="accent1"/>
+          </a:effectRef>
+          <a:fontRef idx="minor">
+            <a:schemeClr val="tx1"/>
+          </a:fontRef>
+        </p:style>
+      </p:cxnSp>
+      <p:sp>
+        <p:nvSpPr>
+          <p:cNvPr id="4" name="Rectangle 3">
+            <a:extLst>
+              <a:ext uri="{FF2B5EF4-FFF2-40B4-BE49-F238E27FC236}">
+                <a16:creationId xmlns:a16="http://schemas.microsoft.com/office/drawing/2014/main" id="{FD14F314-481D-30BE-7878-46FF838A16F4}"/>
+              </a:ext>
+            </a:extLst>
+          </p:cNvPr>
+          <p:cNvSpPr/>
+          <p:nvPr/>
+        </p:nvSpPr>
+        <p:spPr>
+          <a:xfrm>
+            <a:off x="5238051" y="3045393"/>
+            <a:ext cx="2268000" cy="471869"/>
           </a:xfrm>
           <a:prstGeom prst="rect">
             <a:avLst/>
@@ -11185,7 +11589,7 @@
           <a:p>
             <a:pPr algn="ctr"/>
             <a:r>
-              <a:rPr lang="es-ES" sz="1100" b="1" dirty="0" err="1">
+              <a:rPr lang="es-ES" sz="1200" b="1" dirty="0" err="1">
                 <a:solidFill>
                   <a:schemeClr val="tx1">
                     <a:lumMod val="95000"/>
@@ -11195,10 +11599,10 @@
                 <a:latin typeface="Courier New" panose="02070309020205020404" pitchFamily="49" charset="0"/>
                 <a:cs typeface="Courier New" panose="02070309020205020404" pitchFamily="49" charset="0"/>
               </a:rPr>
-              <a:t>pid_attitude_sp</a:t>
-            </a:r>
-            <a:r>
-              <a:rPr lang="es-ES" sz="1100" b="1" dirty="0">
+              <a:t>cnt_attitude_sp</a:t>
+            </a:r>
+            <a:r>
+              <a:rPr lang="es-ES" sz="1200" b="1" dirty="0">
                 <a:solidFill>
                   <a:schemeClr val="tx1">
                     <a:lumMod val="95000"/>
@@ -11218,7 +11622,7 @@
           <p:cNvPr id="9" name="Rectangle 8">
             <a:extLst>
               <a:ext uri="{FF2B5EF4-FFF2-40B4-BE49-F238E27FC236}">
-                <a16:creationId xmlns:a16="http://schemas.microsoft.com/office/drawing/2014/main" id="{92F44737-92BE-E265-D4BD-969607F460F7}"/>
+                <a16:creationId xmlns:a16="http://schemas.microsoft.com/office/drawing/2014/main" id="{70649E6B-8A03-7F8C-6AA0-A626F5DB8CC6}"/>
               </a:ext>
             </a:extLst>
           </p:cNvPr>
@@ -11227,8 +11631,8 @@
         </p:nvSpPr>
         <p:spPr>
           <a:xfrm>
-            <a:off x="5146267" y="5168481"/>
-            <a:ext cx="1692000" cy="471869"/>
+            <a:off x="5238051" y="4181141"/>
+            <a:ext cx="2268000" cy="471869"/>
           </a:xfrm>
           <a:prstGeom prst="rect">
             <a:avLst/>
@@ -11269,7 +11673,7 @@
           <a:p>
             <a:pPr algn="ctr"/>
             <a:r>
-              <a:rPr lang="es-ES" sz="1100" b="1" dirty="0" err="1">
+              <a:rPr lang="es-ES" sz="1200" b="1" dirty="0" err="1">
                 <a:solidFill>
                   <a:schemeClr val="tx1">
                     <a:lumMod val="95000"/>
@@ -11279,10 +11683,10 @@
                 <a:latin typeface="Courier New" panose="02070309020205020404" pitchFamily="49" charset="0"/>
                 <a:cs typeface="Courier New" panose="02070309020205020404" pitchFamily="49" charset="0"/>
               </a:rPr>
-              <a:t>Calculate_pid</a:t>
-            </a:r>
-            <a:r>
-              <a:rPr lang="es-ES" sz="1100" b="1" dirty="0">
+              <a:t>cnt_attitude_pid</a:t>
+            </a:r>
+            <a:r>
+              <a:rPr lang="es-ES" sz="1200" b="1" dirty="0">
                 <a:solidFill>
                   <a:schemeClr val="tx1">
                     <a:lumMod val="95000"/>
@@ -11299,10 +11703,10 @@
       </p:sp>
       <p:sp>
         <p:nvSpPr>
-          <p:cNvPr id="19" name="Left Brace 18">
-            <a:extLst>
-              <a:ext uri="{FF2B5EF4-FFF2-40B4-BE49-F238E27FC236}">
-                <a16:creationId xmlns:a16="http://schemas.microsoft.com/office/drawing/2014/main" id="{4512B7F7-A894-A9EA-778D-943552C7C70A}"/>
+          <p:cNvPr id="13" name="Rectangle 12">
+            <a:extLst>
+              <a:ext uri="{FF2B5EF4-FFF2-40B4-BE49-F238E27FC236}">
+                <a16:creationId xmlns:a16="http://schemas.microsoft.com/office/drawing/2014/main" id="{3F666A17-BE18-E959-BFB1-EF765D979D57}"/>
               </a:ext>
             </a:extLst>
           </p:cNvPr>
@@ -11311,12 +11715,18 @@
         </p:nvSpPr>
         <p:spPr>
           <a:xfrm>
-            <a:off x="4522331" y="2634728"/>
-            <a:ext cx="623936" cy="3564695"/>
-          </a:xfrm>
-          <a:prstGeom prst="leftBrace">
-            <a:avLst/>
-          </a:prstGeom>
+            <a:off x="5238051" y="5316889"/>
+            <a:ext cx="2268000" cy="471869"/>
+          </a:xfrm>
+          <a:prstGeom prst="rect">
+            <a:avLst/>
+          </a:prstGeom>
+          <a:solidFill>
+            <a:schemeClr val="accent1">
+              <a:lumMod val="20000"/>
+              <a:lumOff val="80000"/>
+            </a:schemeClr>
+          </a:solidFill>
           <a:ln w="19050">
             <a:solidFill>
               <a:schemeClr val="accent1">
@@ -11326,17 +11736,19 @@
           </a:ln>
         </p:spPr>
         <p:style>
-          <a:lnRef idx="1">
-            <a:schemeClr val="accent1"/>
-          </a:lnRef>
-          <a:fillRef idx="0">
-            <a:schemeClr val="accent1"/>
-          </a:fillRef>
-          <a:effectRef idx="0">
-            <a:schemeClr val="accent1"/>
-          </a:effectRef>
-          <a:fontRef idx="minor">
-            <a:schemeClr val="tx1"/>
+          <a:lnRef idx="2">
+            <a:schemeClr val="accent1">
+              <a:shade val="50000"/>
+            </a:schemeClr>
+          </a:lnRef>
+          <a:fillRef idx="1">
+            <a:schemeClr val="accent1"/>
+          </a:fillRef>
+          <a:effectRef idx="0">
+            <a:schemeClr val="accent1"/>
+          </a:effectRef>
+          <a:fontRef idx="minor">
+            <a:schemeClr val="lt1"/>
           </a:fontRef>
         </p:style>
         <p:txBody>
@@ -11344,32 +11756,57 @@
           <a:lstStyle/>
           <a:p>
             <a:pPr algn="ctr"/>
-            <a:endParaRPr lang="es-ES"/>
+            <a:r>
+              <a:rPr lang="es-ES" sz="1200" b="1" dirty="0" err="1">
+                <a:solidFill>
+                  <a:schemeClr val="tx1">
+                    <a:lumMod val="95000"/>
+                    <a:lumOff val="5000"/>
+                  </a:schemeClr>
+                </a:solidFill>
+                <a:latin typeface="Courier New" panose="02070309020205020404" pitchFamily="49" charset="0"/>
+                <a:cs typeface="Courier New" panose="02070309020205020404" pitchFamily="49" charset="0"/>
+              </a:rPr>
+              <a:t>cnt_altitude_pid</a:t>
+            </a:r>
+            <a:r>
+              <a:rPr lang="es-ES" sz="1200" b="1" dirty="0">
+                <a:solidFill>
+                  <a:schemeClr val="tx1">
+                    <a:lumMod val="95000"/>
+                    <a:lumOff val="5000"/>
+                  </a:schemeClr>
+                </a:solidFill>
+                <a:latin typeface="Courier New" panose="02070309020205020404" pitchFamily="49" charset="0"/>
+                <a:cs typeface="Courier New" panose="02070309020205020404" pitchFamily="49" charset="0"/>
+              </a:rPr>
+              <a:t>()</a:t>
+            </a:r>
           </a:p>
         </p:txBody>
       </p:sp>
       <p:cxnSp>
         <p:nvCxnSpPr>
-          <p:cNvPr id="23" name="Connector: Elbow 22">
-            <a:extLst>
-              <a:ext uri="{FF2B5EF4-FFF2-40B4-BE49-F238E27FC236}">
-                <a16:creationId xmlns:a16="http://schemas.microsoft.com/office/drawing/2014/main" id="{01A2E98F-C557-F6B6-6F66-2ABBAA7BEEBA}"/>
+          <p:cNvPr id="25" name="Straight Arrow Connector 24">
+            <a:extLst>
+              <a:ext uri="{FF2B5EF4-FFF2-40B4-BE49-F238E27FC236}">
+                <a16:creationId xmlns:a16="http://schemas.microsoft.com/office/drawing/2014/main" id="{F136FD54-5EBC-B0AC-F910-78144BCC8677}"/>
               </a:ext>
             </a:extLst>
           </p:cNvPr>
           <p:cNvCxnSpPr>
             <a:cxnSpLocks/>
-            <a:stCxn id="14" idx="3"/>
-            <a:endCxn id="19" idx="1"/>
+            <a:stCxn id="4" idx="2"/>
+            <a:endCxn id="9" idx="0"/>
           </p:cNvCxnSpPr>
           <p:nvPr/>
         </p:nvCxnSpPr>
         <p:spPr>
-          <a:xfrm flipV="1">
-            <a:off x="3560915" y="4417076"/>
-            <a:ext cx="961416" cy="515471"/>
-          </a:xfrm>
-          <a:prstGeom prst="bentConnector3">
+          <a:xfrm>
+            <a:off x="6372051" y="3517262"/>
+            <a:ext cx="0" cy="663879"/>
+          </a:xfrm>
+          <a:prstGeom prst="straightConnector1">
             <a:avLst/>
           </a:prstGeom>
           <a:ln w="19050">
@@ -11398,24 +11835,24 @@
       </p:cxnSp>
       <p:cxnSp>
         <p:nvCxnSpPr>
-          <p:cNvPr id="30" name="Straight Arrow Connector 29">
-            <a:extLst>
-              <a:ext uri="{FF2B5EF4-FFF2-40B4-BE49-F238E27FC236}">
-                <a16:creationId xmlns:a16="http://schemas.microsoft.com/office/drawing/2014/main" id="{4921B1FA-F323-5F6B-142C-D48532B45AFD}"/>
+          <p:cNvPr id="32" name="Straight Arrow Connector 31">
+            <a:extLst>
+              <a:ext uri="{FF2B5EF4-FFF2-40B4-BE49-F238E27FC236}">
+                <a16:creationId xmlns:a16="http://schemas.microsoft.com/office/drawing/2014/main" id="{303B18E7-C8E5-5A10-B030-35053B997ED1}"/>
               </a:ext>
             </a:extLst>
           </p:cNvPr>
           <p:cNvCxnSpPr>
             <a:cxnSpLocks/>
-            <a:stCxn id="5" idx="2"/>
-            <a:endCxn id="9" idx="0"/>
+            <a:stCxn id="9" idx="2"/>
+            <a:endCxn id="13" idx="0"/>
           </p:cNvCxnSpPr>
           <p:nvPr/>
         </p:nvCxnSpPr>
         <p:spPr>
           <a:xfrm>
-            <a:off x="5992267" y="3665670"/>
-            <a:ext cx="0" cy="1502811"/>
+            <a:off x="6372051" y="4653010"/>
+            <a:ext cx="0" cy="663879"/>
           </a:xfrm>
           <a:prstGeom prst="straightConnector1">
             <a:avLst/>
@@ -11447,7 +11884,7 @@
     </p:spTree>
     <p:extLst>
       <p:ext uri="{BB962C8B-B14F-4D97-AF65-F5344CB8AC3E}">
-        <p14:creationId xmlns:p14="http://schemas.microsoft.com/office/powerpoint/2010/main" val="2358357664"/>
+        <p14:creationId xmlns:p14="http://schemas.microsoft.com/office/powerpoint/2010/main" val="3890936327"/>
       </p:ext>
     </p:extLst>
   </p:cSld>
@@ -12328,10 +12765,10 @@
       </p:cxnSp>
       <p:sp>
         <p:nvSpPr>
-          <p:cNvPr id="5" name="Rectangle 4">
-            <a:extLst>
-              <a:ext uri="{FF2B5EF4-FFF2-40B4-BE49-F238E27FC236}">
-                <a16:creationId xmlns:a16="http://schemas.microsoft.com/office/drawing/2014/main" id="{CB56E09D-7BC3-9438-7D27-BE7F0454AA03}"/>
+          <p:cNvPr id="19" name="Left Brace 18">
+            <a:extLst>
+              <a:ext uri="{FF2B5EF4-FFF2-40B4-BE49-F238E27FC236}">
+                <a16:creationId xmlns:a16="http://schemas.microsoft.com/office/drawing/2014/main" id="{4512B7F7-A894-A9EA-778D-943552C7C70A}"/>
               </a:ext>
             </a:extLst>
           </p:cNvPr>
@@ -12340,8 +12777,107 @@
         </p:nvSpPr>
         <p:spPr>
           <a:xfrm>
-            <a:off x="5146267" y="2989399"/>
-            <a:ext cx="1692000" cy="471869"/>
+            <a:off x="4522331" y="2634728"/>
+            <a:ext cx="623936" cy="3564695"/>
+          </a:xfrm>
+          <a:prstGeom prst="leftBrace">
+            <a:avLst/>
+          </a:prstGeom>
+          <a:ln w="19050">
+            <a:solidFill>
+              <a:schemeClr val="accent1">
+                <a:lumMod val="75000"/>
+              </a:schemeClr>
+            </a:solidFill>
+          </a:ln>
+        </p:spPr>
+        <p:style>
+          <a:lnRef idx="1">
+            <a:schemeClr val="accent1"/>
+          </a:lnRef>
+          <a:fillRef idx="0">
+            <a:schemeClr val="accent1"/>
+          </a:fillRef>
+          <a:effectRef idx="0">
+            <a:schemeClr val="accent1"/>
+          </a:effectRef>
+          <a:fontRef idx="minor">
+            <a:schemeClr val="tx1"/>
+          </a:fontRef>
+        </p:style>
+        <p:txBody>
+          <a:bodyPr rtlCol="0" anchor="ctr"/>
+          <a:lstStyle/>
+          <a:p>
+            <a:pPr algn="ctr"/>
+            <a:endParaRPr lang="es-ES"/>
+          </a:p>
+        </p:txBody>
+      </p:sp>
+      <p:cxnSp>
+        <p:nvCxnSpPr>
+          <p:cNvPr id="23" name="Connector: Elbow 22">
+            <a:extLst>
+              <a:ext uri="{FF2B5EF4-FFF2-40B4-BE49-F238E27FC236}">
+                <a16:creationId xmlns:a16="http://schemas.microsoft.com/office/drawing/2014/main" id="{01A2E98F-C557-F6B6-6F66-2ABBAA7BEEBA}"/>
+              </a:ext>
+            </a:extLst>
+          </p:cNvPr>
+          <p:cNvCxnSpPr>
+            <a:cxnSpLocks/>
+            <a:stCxn id="16" idx="3"/>
+            <a:endCxn id="19" idx="1"/>
+          </p:cNvCxnSpPr>
+          <p:nvPr/>
+        </p:nvCxnSpPr>
+        <p:spPr>
+          <a:xfrm flipV="1">
+            <a:off x="3560915" y="4417076"/>
+            <a:ext cx="961416" cy="1546413"/>
+          </a:xfrm>
+          <a:prstGeom prst="bentConnector3">
+            <a:avLst/>
+          </a:prstGeom>
+          <a:ln w="19050">
+            <a:solidFill>
+              <a:schemeClr val="accent1">
+                <a:lumMod val="75000"/>
+              </a:schemeClr>
+            </a:solidFill>
+            <a:tailEnd type="triangle"/>
+          </a:ln>
+        </p:spPr>
+        <p:style>
+          <a:lnRef idx="1">
+            <a:schemeClr val="accent1"/>
+          </a:lnRef>
+          <a:fillRef idx="0">
+            <a:schemeClr val="accent1"/>
+          </a:fillRef>
+          <a:effectRef idx="0">
+            <a:schemeClr val="accent1"/>
+          </a:effectRef>
+          <a:fontRef idx="minor">
+            <a:schemeClr val="tx1"/>
+          </a:fontRef>
+        </p:style>
+      </p:cxnSp>
+      <p:sp>
+        <p:nvSpPr>
+          <p:cNvPr id="4" name="Rectangle 3">
+            <a:extLst>
+              <a:ext uri="{FF2B5EF4-FFF2-40B4-BE49-F238E27FC236}">
+                <a16:creationId xmlns:a16="http://schemas.microsoft.com/office/drawing/2014/main" id="{FD14F314-481D-30BE-7878-46FF838A16F4}"/>
+              </a:ext>
+            </a:extLst>
+          </p:cNvPr>
+          <p:cNvSpPr/>
+          <p:nvPr/>
+        </p:nvSpPr>
+        <p:spPr>
+          <a:xfrm>
+            <a:off x="5238051" y="3045393"/>
+            <a:ext cx="2268000" cy="471869"/>
           </a:xfrm>
           <a:prstGeom prst="rect">
             <a:avLst/>
@@ -12415,7 +12951,7 @@
           <p:cNvPr id="9" name="Rectangle 8">
             <a:extLst>
               <a:ext uri="{FF2B5EF4-FFF2-40B4-BE49-F238E27FC236}">
-                <a16:creationId xmlns:a16="http://schemas.microsoft.com/office/drawing/2014/main" id="{92F44737-92BE-E265-D4BD-969607F460F7}"/>
+                <a16:creationId xmlns:a16="http://schemas.microsoft.com/office/drawing/2014/main" id="{70649E6B-8A03-7F8C-6AA0-A626F5DB8CC6}"/>
               </a:ext>
             </a:extLst>
           </p:cNvPr>
@@ -12424,8 +12960,8 @@
         </p:nvSpPr>
         <p:spPr>
           <a:xfrm>
-            <a:off x="5146267" y="5372883"/>
-            <a:ext cx="1692000" cy="471869"/>
+            <a:off x="5238051" y="4181141"/>
+            <a:ext cx="2268000" cy="471869"/>
           </a:xfrm>
           <a:prstGeom prst="rect">
             <a:avLst/>
@@ -12476,7 +13012,7 @@
                 <a:latin typeface="Courier New" panose="02070309020205020404" pitchFamily="49" charset="0"/>
                 <a:cs typeface="Courier New" panose="02070309020205020404" pitchFamily="49" charset="0"/>
               </a:rPr>
-              <a:t>Act_us_pulse</a:t>
+              <a:t>act_esc_pwm</a:t>
             </a:r>
             <a:r>
               <a:rPr lang="es-ES" sz="1200" b="1" dirty="0">
@@ -12496,10 +13032,10 @@
       </p:sp>
       <p:sp>
         <p:nvSpPr>
-          <p:cNvPr id="19" name="Left Brace 18">
-            <a:extLst>
-              <a:ext uri="{FF2B5EF4-FFF2-40B4-BE49-F238E27FC236}">
-                <a16:creationId xmlns:a16="http://schemas.microsoft.com/office/drawing/2014/main" id="{4512B7F7-A894-A9EA-778D-943552C7C70A}"/>
+          <p:cNvPr id="13" name="Rectangle 12">
+            <a:extLst>
+              <a:ext uri="{FF2B5EF4-FFF2-40B4-BE49-F238E27FC236}">
+                <a16:creationId xmlns:a16="http://schemas.microsoft.com/office/drawing/2014/main" id="{3F666A17-BE18-E959-BFB1-EF765D979D57}"/>
               </a:ext>
             </a:extLst>
           </p:cNvPr>
@@ -12508,12 +13044,18 @@
         </p:nvSpPr>
         <p:spPr>
           <a:xfrm>
-            <a:off x="4522331" y="2634728"/>
-            <a:ext cx="623936" cy="3564695"/>
-          </a:xfrm>
-          <a:prstGeom prst="leftBrace">
-            <a:avLst/>
-          </a:prstGeom>
+            <a:off x="5238051" y="5316889"/>
+            <a:ext cx="2268000" cy="471869"/>
+          </a:xfrm>
+          <a:prstGeom prst="rect">
+            <a:avLst/>
+          </a:prstGeom>
+          <a:solidFill>
+            <a:schemeClr val="accent1">
+              <a:lumMod val="20000"/>
+              <a:lumOff val="80000"/>
+            </a:schemeClr>
+          </a:solidFill>
           <a:ln w="19050">
             <a:solidFill>
               <a:schemeClr val="accent1">
@@ -12523,17 +13065,19 @@
           </a:ln>
         </p:spPr>
         <p:style>
-          <a:lnRef idx="1">
-            <a:schemeClr val="accent1"/>
-          </a:lnRef>
-          <a:fillRef idx="0">
-            <a:schemeClr val="accent1"/>
-          </a:fillRef>
-          <a:effectRef idx="0">
-            <a:schemeClr val="accent1"/>
-          </a:effectRef>
-          <a:fontRef idx="minor">
-            <a:schemeClr val="tx1"/>
+          <a:lnRef idx="2">
+            <a:schemeClr val="accent1">
+              <a:shade val="50000"/>
+            </a:schemeClr>
+          </a:lnRef>
+          <a:fillRef idx="1">
+            <a:schemeClr val="accent1"/>
+          </a:fillRef>
+          <a:effectRef idx="0">
+            <a:schemeClr val="accent1"/>
+          </a:effectRef>
+          <a:fontRef idx="minor">
+            <a:schemeClr val="lt1"/>
           </a:fontRef>
         </p:style>
         <p:txBody>
@@ -12541,113 +13085,19 @@
           <a:lstStyle/>
           <a:p>
             <a:pPr algn="ctr"/>
-            <a:endParaRPr lang="es-ES"/>
-          </a:p>
-        </p:txBody>
-      </p:sp>
-      <p:cxnSp>
-        <p:nvCxnSpPr>
-          <p:cNvPr id="23" name="Connector: Elbow 22">
-            <a:extLst>
-              <a:ext uri="{FF2B5EF4-FFF2-40B4-BE49-F238E27FC236}">
-                <a16:creationId xmlns:a16="http://schemas.microsoft.com/office/drawing/2014/main" id="{01A2E98F-C557-F6B6-6F66-2ABBAA7BEEBA}"/>
-              </a:ext>
-            </a:extLst>
-          </p:cNvPr>
-          <p:cNvCxnSpPr>
-            <a:cxnSpLocks/>
-            <a:stCxn id="16" idx="3"/>
-            <a:endCxn id="19" idx="1"/>
-          </p:cNvCxnSpPr>
-          <p:nvPr/>
-        </p:nvCxnSpPr>
-        <p:spPr>
-          <a:xfrm flipV="1">
-            <a:off x="3560915" y="4417076"/>
-            <a:ext cx="961416" cy="1546413"/>
-          </a:xfrm>
-          <a:prstGeom prst="bentConnector3">
-            <a:avLst/>
-          </a:prstGeom>
-          <a:ln w="19050">
-            <a:solidFill>
-              <a:schemeClr val="accent1">
-                <a:lumMod val="75000"/>
-              </a:schemeClr>
-            </a:solidFill>
-            <a:tailEnd type="triangle"/>
-          </a:ln>
-        </p:spPr>
-        <p:style>
-          <a:lnRef idx="1">
-            <a:schemeClr val="accent1"/>
-          </a:lnRef>
-          <a:fillRef idx="0">
-            <a:schemeClr val="accent1"/>
-          </a:fillRef>
-          <a:effectRef idx="0">
-            <a:schemeClr val="accent1"/>
-          </a:effectRef>
-          <a:fontRef idx="minor">
-            <a:schemeClr val="tx1"/>
-          </a:fontRef>
-        </p:style>
-      </p:cxnSp>
-      <p:sp>
-        <p:nvSpPr>
-          <p:cNvPr id="3" name="Rectangle 2">
-            <a:extLst>
-              <a:ext uri="{FF2B5EF4-FFF2-40B4-BE49-F238E27FC236}">
-                <a16:creationId xmlns:a16="http://schemas.microsoft.com/office/drawing/2014/main" id="{B2C23617-21ED-CD0D-6FD9-D5E53FC1235A}"/>
-              </a:ext>
-            </a:extLst>
-          </p:cNvPr>
-          <p:cNvSpPr/>
-          <p:nvPr/>
-        </p:nvSpPr>
-        <p:spPr>
-          <a:xfrm>
-            <a:off x="5146267" y="4181141"/>
-            <a:ext cx="1692000" cy="471869"/>
-          </a:xfrm>
-          <a:prstGeom prst="rect">
-            <a:avLst/>
-          </a:prstGeom>
-          <a:solidFill>
-            <a:schemeClr val="accent1">
-              <a:lumMod val="20000"/>
-              <a:lumOff val="80000"/>
-            </a:schemeClr>
-          </a:solidFill>
-          <a:ln w="19050">
-            <a:solidFill>
-              <a:schemeClr val="accent1">
-                <a:lumMod val="75000"/>
-              </a:schemeClr>
-            </a:solidFill>
-          </a:ln>
-        </p:spPr>
-        <p:style>
-          <a:lnRef idx="2">
-            <a:schemeClr val="accent1">
-              <a:shade val="50000"/>
-            </a:schemeClr>
-          </a:lnRef>
-          <a:fillRef idx="1">
-            <a:schemeClr val="accent1"/>
-          </a:fillRef>
-          <a:effectRef idx="0">
-            <a:schemeClr val="accent1"/>
-          </a:effectRef>
-          <a:fontRef idx="minor">
-            <a:schemeClr val="lt1"/>
-          </a:fontRef>
-        </p:style>
-        <p:txBody>
-          <a:bodyPr rtlCol="0" anchor="ctr"/>
-          <a:lstStyle/>
-          <a:p>
-            <a:pPr algn="ctr"/>
+            <a:r>
+              <a:rPr lang="es-ES" sz="1200" b="1" dirty="0" err="1">
+                <a:solidFill>
+                  <a:schemeClr val="tx1">
+                    <a:lumMod val="95000"/>
+                    <a:lumOff val="5000"/>
+                  </a:schemeClr>
+                </a:solidFill>
+                <a:latin typeface="Courier New" panose="02070309020205020404" pitchFamily="49" charset="0"/>
+                <a:cs typeface="Courier New" panose="02070309020205020404" pitchFamily="49" charset="0"/>
+              </a:rPr>
+              <a:t>act_us_pulse</a:t>
+            </a:r>
             <a:r>
               <a:rPr lang="es-ES" sz="1200" b="1" dirty="0">
                 <a:solidFill>
@@ -12659,31 +13109,31 @@
                 <a:latin typeface="Courier New" panose="02070309020205020404" pitchFamily="49" charset="0"/>
                 <a:cs typeface="Courier New" panose="02070309020205020404" pitchFamily="49" charset="0"/>
               </a:rPr>
-              <a:t>Act_ESC_PWM_v2()</a:t>
+              <a:t>()</a:t>
             </a:r>
           </a:p>
         </p:txBody>
       </p:sp>
       <p:cxnSp>
         <p:nvCxnSpPr>
-          <p:cNvPr id="11" name="Straight Arrow Connector 10">
-            <a:extLst>
-              <a:ext uri="{FF2B5EF4-FFF2-40B4-BE49-F238E27FC236}">
-                <a16:creationId xmlns:a16="http://schemas.microsoft.com/office/drawing/2014/main" id="{814542E8-5AEC-3AB7-3D89-E4AA4FAD049C}"/>
+          <p:cNvPr id="25" name="Straight Arrow Connector 24">
+            <a:extLst>
+              <a:ext uri="{FF2B5EF4-FFF2-40B4-BE49-F238E27FC236}">
+                <a16:creationId xmlns:a16="http://schemas.microsoft.com/office/drawing/2014/main" id="{F136FD54-5EBC-B0AC-F910-78144BCC8677}"/>
               </a:ext>
             </a:extLst>
           </p:cNvPr>
           <p:cNvCxnSpPr>
             <a:cxnSpLocks/>
-            <a:stCxn id="5" idx="2"/>
-            <a:endCxn id="3" idx="0"/>
+            <a:stCxn id="4" idx="2"/>
+            <a:endCxn id="9" idx="0"/>
           </p:cNvCxnSpPr>
           <p:nvPr/>
         </p:nvCxnSpPr>
         <p:spPr>
           <a:xfrm>
-            <a:off x="5992267" y="3461268"/>
-            <a:ext cx="0" cy="719873"/>
+            <a:off x="6372051" y="3517262"/>
+            <a:ext cx="0" cy="663879"/>
           </a:xfrm>
           <a:prstGeom prst="straightConnector1">
             <a:avLst/>
@@ -12714,24 +13164,24 @@
       </p:cxnSp>
       <p:cxnSp>
         <p:nvCxnSpPr>
-          <p:cNvPr id="17" name="Straight Arrow Connector 16">
-            <a:extLst>
-              <a:ext uri="{FF2B5EF4-FFF2-40B4-BE49-F238E27FC236}">
-                <a16:creationId xmlns:a16="http://schemas.microsoft.com/office/drawing/2014/main" id="{BC96F37F-3BB1-2B15-5A93-94B916DAE4ED}"/>
+          <p:cNvPr id="32" name="Straight Arrow Connector 31">
+            <a:extLst>
+              <a:ext uri="{FF2B5EF4-FFF2-40B4-BE49-F238E27FC236}">
+                <a16:creationId xmlns:a16="http://schemas.microsoft.com/office/drawing/2014/main" id="{303B18E7-C8E5-5A10-B030-35053B997ED1}"/>
               </a:ext>
             </a:extLst>
           </p:cNvPr>
           <p:cNvCxnSpPr>
             <a:cxnSpLocks/>
-            <a:stCxn id="3" idx="2"/>
-            <a:endCxn id="9" idx="0"/>
+            <a:stCxn id="9" idx="2"/>
+            <a:endCxn id="13" idx="0"/>
           </p:cNvCxnSpPr>
           <p:nvPr/>
         </p:nvCxnSpPr>
         <p:spPr>
           <a:xfrm>
-            <a:off x="5992267" y="4653010"/>
-            <a:ext cx="0" cy="719873"/>
+            <a:off x="6372051" y="4653010"/>
+            <a:ext cx="0" cy="663879"/>
           </a:xfrm>
           <a:prstGeom prst="straightConnector1">
             <a:avLst/>
@@ -12763,7 +13213,7 @@
     </p:spTree>
     <p:extLst>
       <p:ext uri="{BB962C8B-B14F-4D97-AF65-F5344CB8AC3E}">
-        <p14:creationId xmlns:p14="http://schemas.microsoft.com/office/powerpoint/2010/main" val="1779121556"/>
+        <p14:creationId xmlns:p14="http://schemas.microsoft.com/office/powerpoint/2010/main" val="3631850372"/>
       </p:ext>
     </p:extLst>
   </p:cSld>
@@ -13889,12 +14339,61 @@
           </a:p>
         </p:txBody>
       </p:sp>
-      <p:sp>
-        <p:nvSpPr>
-          <p:cNvPr id="80" name="Rectangle 79">
-            <a:extLst>
-              <a:ext uri="{FF2B5EF4-FFF2-40B4-BE49-F238E27FC236}">
-                <a16:creationId xmlns:a16="http://schemas.microsoft.com/office/drawing/2014/main" id="{6BB71E09-29A0-B2C5-6AD0-4B4AFCA8449D}"/>
+      <p:cxnSp>
+        <p:nvCxnSpPr>
+          <p:cNvPr id="83" name="Straight Arrow Connector 82">
+            <a:extLst>
+              <a:ext uri="{FF2B5EF4-FFF2-40B4-BE49-F238E27FC236}">
+                <a16:creationId xmlns:a16="http://schemas.microsoft.com/office/drawing/2014/main" id="{86404D1C-0921-F03E-6A16-8C8D594CB78E}"/>
+              </a:ext>
+            </a:extLst>
+          </p:cNvPr>
+          <p:cNvCxnSpPr>
+            <a:cxnSpLocks/>
+            <a:stCxn id="79" idx="3"/>
+            <a:endCxn id="2" idx="1"/>
+          </p:cNvCxnSpPr>
+          <p:nvPr/>
+        </p:nvCxnSpPr>
+        <p:spPr>
+          <a:xfrm flipV="1">
+            <a:off x="4726331" y="3664931"/>
+            <a:ext cx="1243035" cy="4"/>
+          </a:xfrm>
+          <a:prstGeom prst="straightConnector1">
+            <a:avLst/>
+          </a:prstGeom>
+          <a:ln w="19050">
+            <a:solidFill>
+              <a:schemeClr val="accent1">
+                <a:lumMod val="40000"/>
+                <a:lumOff val="60000"/>
+              </a:schemeClr>
+            </a:solidFill>
+            <a:tailEnd type="triangle"/>
+          </a:ln>
+        </p:spPr>
+        <p:style>
+          <a:lnRef idx="1">
+            <a:schemeClr val="accent1"/>
+          </a:lnRef>
+          <a:fillRef idx="0">
+            <a:schemeClr val="accent1"/>
+          </a:fillRef>
+          <a:effectRef idx="0">
+            <a:schemeClr val="accent1"/>
+          </a:effectRef>
+          <a:fontRef idx="minor">
+            <a:schemeClr val="tx1"/>
+          </a:fontRef>
+        </p:style>
+      </p:cxnSp>
+      <p:sp>
+        <p:nvSpPr>
+          <p:cNvPr id="6" name="Rectangle 5">
+            <a:extLst>
+              <a:ext uri="{FF2B5EF4-FFF2-40B4-BE49-F238E27FC236}">
+                <a16:creationId xmlns:a16="http://schemas.microsoft.com/office/drawing/2014/main" id="{ADDE0DAA-6CEA-533B-4717-73013E08FFCF}"/>
               </a:ext>
             </a:extLst>
           </p:cNvPr>
@@ -13903,10 +14402,234 @@
         </p:nvSpPr>
         <p:spPr>
           <a:xfrm>
-            <a:off x="5198355" y="3429000"/>
-            <a:ext cx="1368000" cy="471869"/>
+            <a:off x="5877502" y="4460961"/>
+            <a:ext cx="448065" cy="386379"/>
           </a:xfrm>
           <a:prstGeom prst="rect">
+            <a:avLst/>
+          </a:prstGeom>
+          <a:noFill/>
+          <a:ln>
+            <a:noFill/>
+          </a:ln>
+        </p:spPr>
+        <p:style>
+          <a:lnRef idx="0">
+            <a:scrgbClr r="0" g="0" b="0"/>
+          </a:lnRef>
+          <a:fillRef idx="0">
+            <a:scrgbClr r="0" g="0" b="0"/>
+          </a:fillRef>
+          <a:effectRef idx="0">
+            <a:scrgbClr r="0" g="0" b="0"/>
+          </a:effectRef>
+          <a:fontRef idx="minor">
+            <a:schemeClr val="dk1"/>
+          </a:fontRef>
+        </p:style>
+        <p:txBody>
+          <a:bodyPr rtlCol="0" anchor="ctr"/>
+          <a:lstStyle/>
+          <a:p>
+            <a:pPr algn="ctr"/>
+            <a:r>
+              <a:rPr lang="es-ES" sz="1200" b="1" dirty="0">
+                <a:solidFill>
+                  <a:schemeClr val="tx1">
+                    <a:lumMod val="95000"/>
+                    <a:lumOff val="5000"/>
+                  </a:schemeClr>
+                </a:solidFill>
+                <a:latin typeface="Arial" panose="020B0604020202020204" pitchFamily="34" charset="0"/>
+                <a:cs typeface="Arial" panose="020B0604020202020204" pitchFamily="34" charset="0"/>
+              </a:rPr>
+              <a:t>No</a:t>
+            </a:r>
+          </a:p>
+        </p:txBody>
+      </p:sp>
+      <p:cxnSp>
+        <p:nvCxnSpPr>
+          <p:cNvPr id="12" name="Connector: Elbow 11">
+            <a:extLst>
+              <a:ext uri="{FF2B5EF4-FFF2-40B4-BE49-F238E27FC236}">
+                <a16:creationId xmlns:a16="http://schemas.microsoft.com/office/drawing/2014/main" id="{EF1E3EE5-9C73-31A6-8131-D92C90730715}"/>
+              </a:ext>
+            </a:extLst>
+          </p:cNvPr>
+          <p:cNvCxnSpPr>
+            <a:cxnSpLocks/>
+            <a:stCxn id="6" idx="1"/>
+            <a:endCxn id="2" idx="1"/>
+          </p:cNvCxnSpPr>
+          <p:nvPr/>
+        </p:nvCxnSpPr>
+        <p:spPr>
+          <a:xfrm rot="10800000" flipH="1">
+            <a:off x="5877502" y="3664931"/>
+            <a:ext cx="91864" cy="989220"/>
+          </a:xfrm>
+          <a:prstGeom prst="bentConnector3">
+            <a:avLst>
+              <a:gd name="adj1" fmla="val -530872"/>
+            </a:avLst>
+          </a:prstGeom>
+          <a:ln w="19050">
+            <a:solidFill>
+              <a:schemeClr val="accent1">
+                <a:lumMod val="40000"/>
+                <a:lumOff val="60000"/>
+              </a:schemeClr>
+            </a:solidFill>
+            <a:tailEnd type="triangle"/>
+          </a:ln>
+        </p:spPr>
+        <p:style>
+          <a:lnRef idx="1">
+            <a:schemeClr val="accent1"/>
+          </a:lnRef>
+          <a:fillRef idx="0">
+            <a:schemeClr val="accent1"/>
+          </a:fillRef>
+          <a:effectRef idx="0">
+            <a:schemeClr val="accent1"/>
+          </a:effectRef>
+          <a:fontRef idx="minor">
+            <a:schemeClr val="tx1"/>
+          </a:fontRef>
+        </p:style>
+      </p:cxnSp>
+      <p:sp>
+        <p:nvSpPr>
+          <p:cNvPr id="25" name="Rectangle 24">
+            <a:extLst>
+              <a:ext uri="{FF2B5EF4-FFF2-40B4-BE49-F238E27FC236}">
+                <a16:creationId xmlns:a16="http://schemas.microsoft.com/office/drawing/2014/main" id="{FE7CF808-3BAA-D58A-9AFF-8987D458B99B}"/>
+              </a:ext>
+            </a:extLst>
+          </p:cNvPr>
+          <p:cNvSpPr/>
+          <p:nvPr/>
+        </p:nvSpPr>
+        <p:spPr>
+          <a:xfrm>
+            <a:off x="7999747" y="3471744"/>
+            <a:ext cx="448065" cy="386379"/>
+          </a:xfrm>
+          <a:prstGeom prst="rect">
+            <a:avLst/>
+          </a:prstGeom>
+          <a:noFill/>
+          <a:ln>
+            <a:noFill/>
+          </a:ln>
+        </p:spPr>
+        <p:style>
+          <a:lnRef idx="0">
+            <a:scrgbClr r="0" g="0" b="0"/>
+          </a:lnRef>
+          <a:fillRef idx="0">
+            <a:scrgbClr r="0" g="0" b="0"/>
+          </a:fillRef>
+          <a:effectRef idx="0">
+            <a:scrgbClr r="0" g="0" b="0"/>
+          </a:effectRef>
+          <a:fontRef idx="minor">
+            <a:schemeClr val="dk1"/>
+          </a:fontRef>
+        </p:style>
+        <p:txBody>
+          <a:bodyPr rtlCol="0" anchor="ctr"/>
+          <a:lstStyle/>
+          <a:p>
+            <a:pPr algn="ctr"/>
+            <a:r>
+              <a:rPr lang="es-ES" sz="1200" b="1" dirty="0">
+                <a:solidFill>
+                  <a:schemeClr val="tx1">
+                    <a:lumMod val="95000"/>
+                    <a:lumOff val="5000"/>
+                  </a:schemeClr>
+                </a:solidFill>
+                <a:latin typeface="Arial" panose="020B0604020202020204" pitchFamily="34" charset="0"/>
+                <a:cs typeface="Arial" panose="020B0604020202020204" pitchFamily="34" charset="0"/>
+              </a:rPr>
+              <a:t>Sí</a:t>
+            </a:r>
+          </a:p>
+        </p:txBody>
+      </p:sp>
+      <p:cxnSp>
+        <p:nvCxnSpPr>
+          <p:cNvPr id="53" name="Connector: Elbow 52">
+            <a:extLst>
+              <a:ext uri="{FF2B5EF4-FFF2-40B4-BE49-F238E27FC236}">
+                <a16:creationId xmlns:a16="http://schemas.microsoft.com/office/drawing/2014/main" id="{80F732C8-C9B7-5C6A-C09F-F5E50C6A7CE1}"/>
+              </a:ext>
+            </a:extLst>
+          </p:cNvPr>
+          <p:cNvCxnSpPr>
+            <a:cxnSpLocks/>
+            <a:stCxn id="25" idx="3"/>
+            <a:endCxn id="79" idx="1"/>
+          </p:cNvCxnSpPr>
+          <p:nvPr/>
+        </p:nvCxnSpPr>
+        <p:spPr>
+          <a:xfrm flipH="1">
+            <a:off x="3358331" y="3664934"/>
+            <a:ext cx="5089481" cy="4"/>
+          </a:xfrm>
+          <a:prstGeom prst="bentConnector5">
+            <a:avLst>
+              <a:gd name="adj1" fmla="val -4492"/>
+              <a:gd name="adj2" fmla="val 46453500000"/>
+              <a:gd name="adj3" fmla="val 104492"/>
+            </a:avLst>
+          </a:prstGeom>
+          <a:ln w="19050">
+            <a:solidFill>
+              <a:schemeClr val="accent1">
+                <a:lumMod val="40000"/>
+                <a:lumOff val="60000"/>
+              </a:schemeClr>
+            </a:solidFill>
+            <a:tailEnd type="triangle"/>
+          </a:ln>
+        </p:spPr>
+        <p:style>
+          <a:lnRef idx="1">
+            <a:schemeClr val="accent1"/>
+          </a:lnRef>
+          <a:fillRef idx="0">
+            <a:schemeClr val="accent1"/>
+          </a:fillRef>
+          <a:effectRef idx="0">
+            <a:schemeClr val="accent1"/>
+          </a:effectRef>
+          <a:fontRef idx="minor">
+            <a:schemeClr val="tx1"/>
+          </a:fontRef>
+        </p:style>
+      </p:cxnSp>
+      <p:sp>
+        <p:nvSpPr>
+          <p:cNvPr id="2" name="Diamond 1">
+            <a:extLst>
+              <a:ext uri="{FF2B5EF4-FFF2-40B4-BE49-F238E27FC236}">
+                <a16:creationId xmlns:a16="http://schemas.microsoft.com/office/drawing/2014/main" id="{279A4822-95F7-E973-FE4F-CE422AE80119}"/>
+              </a:ext>
+            </a:extLst>
+          </p:cNvPr>
+          <p:cNvSpPr/>
+          <p:nvPr/>
+        </p:nvSpPr>
+        <p:spPr>
+          <a:xfrm>
+            <a:off x="5969366" y="3228900"/>
+            <a:ext cx="1727378" cy="872061"/>
+          </a:xfrm>
+          <a:prstGeom prst="diamond">
             <a:avLst/>
           </a:prstGeom>
           <a:solidFill>
@@ -13963,24 +14686,23 @@
       </p:sp>
       <p:cxnSp>
         <p:nvCxnSpPr>
-          <p:cNvPr id="83" name="Straight Arrow Connector 82">
-            <a:extLst>
-              <a:ext uri="{FF2B5EF4-FFF2-40B4-BE49-F238E27FC236}">
-                <a16:creationId xmlns:a16="http://schemas.microsoft.com/office/drawing/2014/main" id="{86404D1C-0921-F03E-6A16-8C8D594CB78E}"/>
+          <p:cNvPr id="16" name="Straight Arrow Connector 15">
+            <a:extLst>
+              <a:ext uri="{FF2B5EF4-FFF2-40B4-BE49-F238E27FC236}">
+                <a16:creationId xmlns:a16="http://schemas.microsoft.com/office/drawing/2014/main" id="{363D1CB0-7650-A0E8-C4A4-D541AC550F18}"/>
               </a:ext>
             </a:extLst>
           </p:cNvPr>
           <p:cNvCxnSpPr>
-            <a:cxnSpLocks/>
-            <a:stCxn id="79" idx="3"/>
-            <a:endCxn id="80" idx="1"/>
+            <a:stCxn id="2" idx="3"/>
+            <a:endCxn id="25" idx="1"/>
           </p:cNvCxnSpPr>
           <p:nvPr/>
         </p:nvCxnSpPr>
         <p:spPr>
           <a:xfrm>
-            <a:off x="4726331" y="3664935"/>
-            <a:ext cx="472024" cy="0"/>
+            <a:off x="7696744" y="3664931"/>
+            <a:ext cx="303003" cy="3"/>
           </a:xfrm>
           <a:prstGeom prst="straightConnector1">
             <a:avLst/>
@@ -13993,116 +14715,6 @@
               </a:schemeClr>
             </a:solidFill>
             <a:tailEnd type="triangle"/>
-          </a:ln>
-        </p:spPr>
-        <p:style>
-          <a:lnRef idx="1">
-            <a:schemeClr val="accent1"/>
-          </a:lnRef>
-          <a:fillRef idx="0">
-            <a:schemeClr val="accent1"/>
-          </a:fillRef>
-          <a:effectRef idx="0">
-            <a:schemeClr val="accent1"/>
-          </a:effectRef>
-          <a:fontRef idx="minor">
-            <a:schemeClr val="tx1"/>
-          </a:fontRef>
-        </p:style>
-      </p:cxnSp>
-      <p:sp>
-        <p:nvSpPr>
-          <p:cNvPr id="6" name="Rectangle 5">
-            <a:extLst>
-              <a:ext uri="{FF2B5EF4-FFF2-40B4-BE49-F238E27FC236}">
-                <a16:creationId xmlns:a16="http://schemas.microsoft.com/office/drawing/2014/main" id="{ADDE0DAA-6CEA-533B-4717-73013E08FFCF}"/>
-              </a:ext>
-            </a:extLst>
-          </p:cNvPr>
-          <p:cNvSpPr/>
-          <p:nvPr/>
-        </p:nvSpPr>
-        <p:spPr>
-          <a:xfrm>
-            <a:off x="5658322" y="4307541"/>
-            <a:ext cx="448065" cy="386379"/>
-          </a:xfrm>
-          <a:prstGeom prst="rect">
-            <a:avLst/>
-          </a:prstGeom>
-          <a:noFill/>
-          <a:ln>
-            <a:noFill/>
-          </a:ln>
-        </p:spPr>
-        <p:style>
-          <a:lnRef idx="0">
-            <a:scrgbClr r="0" g="0" b="0"/>
-          </a:lnRef>
-          <a:fillRef idx="0">
-            <a:scrgbClr r="0" g="0" b="0"/>
-          </a:fillRef>
-          <a:effectRef idx="0">
-            <a:scrgbClr r="0" g="0" b="0"/>
-          </a:effectRef>
-          <a:fontRef idx="minor">
-            <a:schemeClr val="dk1"/>
-          </a:fontRef>
-        </p:style>
-        <p:txBody>
-          <a:bodyPr rtlCol="0" anchor="ctr"/>
-          <a:lstStyle/>
-          <a:p>
-            <a:pPr algn="ctr"/>
-            <a:r>
-              <a:rPr lang="es-ES" sz="1200" b="1" dirty="0">
-                <a:solidFill>
-                  <a:schemeClr val="tx1">
-                    <a:lumMod val="95000"/>
-                    <a:lumOff val="5000"/>
-                  </a:schemeClr>
-                </a:solidFill>
-                <a:latin typeface="Arial" panose="020B0604020202020204" pitchFamily="34" charset="0"/>
-                <a:cs typeface="Arial" panose="020B0604020202020204" pitchFamily="34" charset="0"/>
-              </a:rPr>
-              <a:t>No</a:t>
-            </a:r>
-          </a:p>
-        </p:txBody>
-      </p:sp>
-      <p:cxnSp>
-        <p:nvCxnSpPr>
-          <p:cNvPr id="8" name="Straight Arrow Connector 7">
-            <a:extLst>
-              <a:ext uri="{FF2B5EF4-FFF2-40B4-BE49-F238E27FC236}">
-                <a16:creationId xmlns:a16="http://schemas.microsoft.com/office/drawing/2014/main" id="{42081082-22D7-561E-E7C9-51A811FFB0F3}"/>
-              </a:ext>
-            </a:extLst>
-          </p:cNvPr>
-          <p:cNvCxnSpPr>
-            <a:cxnSpLocks/>
-            <a:stCxn id="80" idx="3"/>
-            <a:endCxn id="25" idx="1"/>
-          </p:cNvCxnSpPr>
-          <p:nvPr/>
-        </p:nvCxnSpPr>
-        <p:spPr>
-          <a:xfrm flipV="1">
-            <a:off x="6566355" y="3664932"/>
-            <a:ext cx="483458" cy="3"/>
-          </a:xfrm>
-          <a:prstGeom prst="straightConnector1">
-            <a:avLst/>
-          </a:prstGeom>
-          <a:ln w="19050">
-            <a:solidFill>
-              <a:schemeClr val="accent1">
-                <a:lumMod val="40000"/>
-                <a:lumOff val="60000"/>
-              </a:schemeClr>
-            </a:solidFill>
-            <a:headEnd type="none" w="med" len="med"/>
-            <a:tailEnd type="none" w="med" len="med"/>
           </a:ln>
         </p:spPr>
         <p:style>
@@ -14122,193 +14734,26 @@
       </p:cxnSp>
       <p:cxnSp>
         <p:nvCxnSpPr>
-          <p:cNvPr id="10" name="Connector: Elbow 9">
-            <a:extLst>
-              <a:ext uri="{FF2B5EF4-FFF2-40B4-BE49-F238E27FC236}">
-                <a16:creationId xmlns:a16="http://schemas.microsoft.com/office/drawing/2014/main" id="{D914B5CC-0129-5D05-1DFA-A008C62B32D8}"/>
+          <p:cNvPr id="27" name="Connector: Elbow 26">
+            <a:extLst>
+              <a:ext uri="{FF2B5EF4-FFF2-40B4-BE49-F238E27FC236}">
+                <a16:creationId xmlns:a16="http://schemas.microsoft.com/office/drawing/2014/main" id="{1D9B4260-A537-EEFB-BA2D-CA91764EBE2F}"/>
               </a:ext>
             </a:extLst>
           </p:cNvPr>
           <p:cNvCxnSpPr>
-            <a:cxnSpLocks/>
-            <a:stCxn id="80" idx="3"/>
+            <a:stCxn id="2" idx="2"/>
             <a:endCxn id="6" idx="3"/>
           </p:cNvCxnSpPr>
           <p:nvPr/>
         </p:nvCxnSpPr>
         <p:spPr>
-          <a:xfrm flipH="1">
-            <a:off x="6106387" y="3664935"/>
-            <a:ext cx="459968" cy="835796"/>
-          </a:xfrm>
-          <a:prstGeom prst="bentConnector3">
-            <a:avLst>
-              <a:gd name="adj1" fmla="val -57982"/>
-            </a:avLst>
-          </a:prstGeom>
-          <a:ln w="19050">
-            <a:solidFill>
-              <a:schemeClr val="accent1">
-                <a:lumMod val="40000"/>
-                <a:lumOff val="60000"/>
-              </a:schemeClr>
-            </a:solidFill>
-            <a:headEnd type="none" w="med" len="med"/>
-            <a:tailEnd type="none" w="med" len="med"/>
-          </a:ln>
-        </p:spPr>
-        <p:style>
-          <a:lnRef idx="1">
-            <a:schemeClr val="accent1"/>
-          </a:lnRef>
-          <a:fillRef idx="0">
-            <a:schemeClr val="accent1"/>
-          </a:fillRef>
-          <a:effectRef idx="0">
-            <a:schemeClr val="accent1"/>
-          </a:effectRef>
-          <a:fontRef idx="minor">
-            <a:schemeClr val="tx1"/>
-          </a:fontRef>
-        </p:style>
-      </p:cxnSp>
-      <p:cxnSp>
-        <p:nvCxnSpPr>
-          <p:cNvPr id="12" name="Connector: Elbow 11">
-            <a:extLst>
-              <a:ext uri="{FF2B5EF4-FFF2-40B4-BE49-F238E27FC236}">
-                <a16:creationId xmlns:a16="http://schemas.microsoft.com/office/drawing/2014/main" id="{EF1E3EE5-9C73-31A6-8131-D92C90730715}"/>
-              </a:ext>
-            </a:extLst>
-          </p:cNvPr>
-          <p:cNvCxnSpPr>
-            <a:cxnSpLocks/>
-            <a:stCxn id="6" idx="1"/>
-            <a:endCxn id="80" idx="1"/>
-          </p:cNvCxnSpPr>
-          <p:nvPr/>
-        </p:nvCxnSpPr>
-        <p:spPr>
-          <a:xfrm rot="10800000">
-            <a:off x="5198356" y="3664935"/>
-            <a:ext cx="459967" cy="835796"/>
-          </a:xfrm>
-          <a:prstGeom prst="bentConnector3">
-            <a:avLst>
-              <a:gd name="adj1" fmla="val 149699"/>
-            </a:avLst>
-          </a:prstGeom>
-          <a:ln w="19050">
-            <a:solidFill>
-              <a:schemeClr val="accent1">
-                <a:lumMod val="40000"/>
-                <a:lumOff val="60000"/>
-              </a:schemeClr>
-            </a:solidFill>
-            <a:tailEnd type="triangle"/>
-          </a:ln>
-        </p:spPr>
-        <p:style>
-          <a:lnRef idx="1">
-            <a:schemeClr val="accent1"/>
-          </a:lnRef>
-          <a:fillRef idx="0">
-            <a:schemeClr val="accent1"/>
-          </a:fillRef>
-          <a:effectRef idx="0">
-            <a:schemeClr val="accent1"/>
-          </a:effectRef>
-          <a:fontRef idx="minor">
-            <a:schemeClr val="tx1"/>
-          </a:fontRef>
-        </p:style>
-      </p:cxnSp>
-      <p:sp>
-        <p:nvSpPr>
-          <p:cNvPr id="25" name="Rectangle 24">
-            <a:extLst>
-              <a:ext uri="{FF2B5EF4-FFF2-40B4-BE49-F238E27FC236}">
-                <a16:creationId xmlns:a16="http://schemas.microsoft.com/office/drawing/2014/main" id="{FE7CF808-3BAA-D58A-9AFF-8987D458B99B}"/>
-              </a:ext>
-            </a:extLst>
-          </p:cNvPr>
-          <p:cNvSpPr/>
-          <p:nvPr/>
-        </p:nvSpPr>
-        <p:spPr>
-          <a:xfrm>
-            <a:off x="7049813" y="3471742"/>
-            <a:ext cx="448065" cy="386379"/>
-          </a:xfrm>
-          <a:prstGeom prst="rect">
-            <a:avLst/>
-          </a:prstGeom>
-          <a:noFill/>
-          <a:ln>
-            <a:noFill/>
-          </a:ln>
-        </p:spPr>
-        <p:style>
-          <a:lnRef idx="0">
-            <a:scrgbClr r="0" g="0" b="0"/>
-          </a:lnRef>
-          <a:fillRef idx="0">
-            <a:scrgbClr r="0" g="0" b="0"/>
-          </a:fillRef>
-          <a:effectRef idx="0">
-            <a:scrgbClr r="0" g="0" b="0"/>
-          </a:effectRef>
-          <a:fontRef idx="minor">
-            <a:schemeClr val="dk1"/>
-          </a:fontRef>
-        </p:style>
-        <p:txBody>
-          <a:bodyPr rtlCol="0" anchor="ctr"/>
-          <a:lstStyle/>
-          <a:p>
-            <a:pPr algn="ctr"/>
-            <a:r>
-              <a:rPr lang="es-ES" sz="1200" b="1" dirty="0">
-                <a:solidFill>
-                  <a:schemeClr val="tx1">
-                    <a:lumMod val="95000"/>
-                    <a:lumOff val="5000"/>
-                  </a:schemeClr>
-                </a:solidFill>
-                <a:latin typeface="Arial" panose="020B0604020202020204" pitchFamily="34" charset="0"/>
-                <a:cs typeface="Arial" panose="020B0604020202020204" pitchFamily="34" charset="0"/>
-              </a:rPr>
-              <a:t>Sí</a:t>
-            </a:r>
-          </a:p>
-        </p:txBody>
-      </p:sp>
-      <p:cxnSp>
-        <p:nvCxnSpPr>
-          <p:cNvPr id="53" name="Connector: Elbow 52">
-            <a:extLst>
-              <a:ext uri="{FF2B5EF4-FFF2-40B4-BE49-F238E27FC236}">
-                <a16:creationId xmlns:a16="http://schemas.microsoft.com/office/drawing/2014/main" id="{80F732C8-C9B7-5C6A-C09F-F5E50C6A7CE1}"/>
-              </a:ext>
-            </a:extLst>
-          </p:cNvPr>
-          <p:cNvCxnSpPr>
-            <a:stCxn id="25" idx="3"/>
-            <a:endCxn id="79" idx="1"/>
-          </p:cNvCxnSpPr>
-          <p:nvPr/>
-        </p:nvCxnSpPr>
-        <p:spPr>
-          <a:xfrm flipH="1">
-            <a:off x="3358331" y="3664932"/>
-            <a:ext cx="4139547" cy="9"/>
-          </a:xfrm>
-          <a:prstGeom prst="bentConnector5">
-            <a:avLst>
-              <a:gd name="adj1" fmla="val -5522"/>
-              <a:gd name="adj2" fmla="val 15484566667"/>
-              <a:gd name="adj3" fmla="val 106258"/>
-            </a:avLst>
+          <a:xfrm rot="5400000">
+            <a:off x="6302716" y="4123812"/>
+            <a:ext cx="553190" cy="507488"/>
+          </a:xfrm>
+          <a:prstGeom prst="bentConnector2">
+            <a:avLst/>
           </a:prstGeom>
           <a:ln w="19050">
             <a:solidFill>
